--- a/SHES/WBS-Worms-Version_1.pptx
+++ b/SHES/WBS-Worms-Version_1.pptx
@@ -2297,10 +2297,24 @@
     <dgm:pt modelId="{A4986D01-F180-4EC5-B44B-365ECD11C803}" type="parTrans" cxnId="{276335F2-10DA-41EC-A7CB-F47EED9CA2D7}">
       <dgm:prSet/>
       <dgm:spPr/>
+      <dgm:t>
+        <a:bodyPr/>
+        <a:lstStyle/>
+        <a:p>
+          <a:endParaRPr lang="fr-FR"/>
+        </a:p>
+      </dgm:t>
     </dgm:pt>
     <dgm:pt modelId="{1D45B47E-C449-4F0A-A683-BCDF839194A6}" type="sibTrans" cxnId="{276335F2-10DA-41EC-A7CB-F47EED9CA2D7}">
       <dgm:prSet/>
       <dgm:spPr/>
+      <dgm:t>
+        <a:bodyPr/>
+        <a:lstStyle/>
+        <a:p>
+          <a:endParaRPr lang="fr-FR"/>
+        </a:p>
+      </dgm:t>
     </dgm:pt>
     <dgm:pt modelId="{94FE0F1D-573F-4401-AC48-4F470F00E608}">
       <dgm:prSet/>
@@ -2319,10 +2333,24 @@
     <dgm:pt modelId="{695EC9AB-2F10-43ED-A427-109FB7863A37}" type="parTrans" cxnId="{CECCF97A-F031-4A21-82B3-410FD8FAD934}">
       <dgm:prSet/>
       <dgm:spPr/>
+      <dgm:t>
+        <a:bodyPr/>
+        <a:lstStyle/>
+        <a:p>
+          <a:endParaRPr lang="fr-FR"/>
+        </a:p>
+      </dgm:t>
     </dgm:pt>
     <dgm:pt modelId="{980DF293-31A0-4B6C-AB51-2AF1B3A1D834}" type="sibTrans" cxnId="{CECCF97A-F031-4A21-82B3-410FD8FAD934}">
       <dgm:prSet/>
       <dgm:spPr/>
+      <dgm:t>
+        <a:bodyPr/>
+        <a:lstStyle/>
+        <a:p>
+          <a:endParaRPr lang="fr-FR"/>
+        </a:p>
+      </dgm:t>
     </dgm:pt>
     <dgm:pt modelId="{6769BDE9-6A00-4D1E-9217-F5128C9415E1}">
       <dgm:prSet/>
@@ -2341,10 +2369,24 @@
     <dgm:pt modelId="{CCFE8D31-77EB-4A73-BE2C-F43A08E5C7CC}" type="parTrans" cxnId="{1C4A7A91-CF5F-455D-8CE8-EC8C7BAF6297}">
       <dgm:prSet/>
       <dgm:spPr/>
+      <dgm:t>
+        <a:bodyPr/>
+        <a:lstStyle/>
+        <a:p>
+          <a:endParaRPr lang="fr-FR"/>
+        </a:p>
+      </dgm:t>
     </dgm:pt>
     <dgm:pt modelId="{E16AF55A-B0D9-483D-8C8D-DC8136E76061}" type="sibTrans" cxnId="{1C4A7A91-CF5F-455D-8CE8-EC8C7BAF6297}">
       <dgm:prSet/>
       <dgm:spPr/>
+      <dgm:t>
+        <a:bodyPr/>
+        <a:lstStyle/>
+        <a:p>
+          <a:endParaRPr lang="fr-FR"/>
+        </a:p>
+      </dgm:t>
     </dgm:pt>
     <dgm:pt modelId="{1D5E4699-7015-42DF-A9DA-1A12DE63E790}">
       <dgm:prSet/>
@@ -2368,10 +2410,435 @@
     <dgm:pt modelId="{E8B00ADE-A167-40D3-9789-AD25ABC8CAFE}" type="parTrans" cxnId="{F3E0F728-1296-4458-8173-8760EFE3D591}">
       <dgm:prSet/>
       <dgm:spPr/>
+      <dgm:t>
+        <a:bodyPr/>
+        <a:lstStyle/>
+        <a:p>
+          <a:endParaRPr lang="fr-FR"/>
+        </a:p>
+      </dgm:t>
     </dgm:pt>
     <dgm:pt modelId="{2415AEB4-E6FF-4998-A6B0-EB3CED8595F0}" type="sibTrans" cxnId="{F3E0F728-1296-4458-8173-8760EFE3D591}">
       <dgm:prSet/>
       <dgm:spPr/>
+      <dgm:t>
+        <a:bodyPr/>
+        <a:lstStyle/>
+        <a:p>
+          <a:endParaRPr lang="fr-FR"/>
+        </a:p>
+      </dgm:t>
+    </dgm:pt>
+    <dgm:pt modelId="{5C8753B6-CD57-4433-A23A-9EBA3691FFE7}">
+      <dgm:prSet/>
+      <dgm:spPr/>
+      <dgm:t>
+        <a:bodyPr/>
+        <a:lstStyle/>
+        <a:p>
+          <a:r>
+            <a:rPr lang="fr-FR" dirty="0"/>
+            <a:t>4.3 Gérer le déplacement des projectiles</a:t>
+          </a:r>
+        </a:p>
+      </dgm:t>
+    </dgm:pt>
+    <dgm:pt modelId="{7E585162-3716-4E4E-ACC4-E3C3D5B9B6B5}" type="parTrans" cxnId="{B3ABB446-C5F0-4D24-8EB2-CD2B61CA47C2}">
+      <dgm:prSet/>
+      <dgm:spPr/>
+      <dgm:t>
+        <a:bodyPr/>
+        <a:lstStyle/>
+        <a:p>
+          <a:endParaRPr lang="fr-FR"/>
+        </a:p>
+      </dgm:t>
+    </dgm:pt>
+    <dgm:pt modelId="{2479F1AB-2CEF-4A5F-8307-6D8C1392E36D}" type="sibTrans" cxnId="{B3ABB446-C5F0-4D24-8EB2-CD2B61CA47C2}">
+      <dgm:prSet/>
+      <dgm:spPr/>
+      <dgm:t>
+        <a:bodyPr/>
+        <a:lstStyle/>
+        <a:p>
+          <a:endParaRPr lang="fr-FR"/>
+        </a:p>
+      </dgm:t>
+    </dgm:pt>
+    <dgm:pt modelId="{0D86B6D1-A0FD-41A3-AF47-EC80968A9149}">
+      <dgm:prSet/>
+      <dgm:spPr/>
+      <dgm:t>
+        <a:bodyPr/>
+        <a:lstStyle/>
+        <a:p>
+          <a:r>
+            <a:rPr lang="fr-FR" dirty="0"/>
+            <a:t>8. Gestion de projet</a:t>
+          </a:r>
+        </a:p>
+      </dgm:t>
+    </dgm:pt>
+    <dgm:pt modelId="{5232829A-4FA4-4DB8-A849-12F745CD1A0A}" type="parTrans" cxnId="{804699BE-F4FD-445D-A94E-67DBB281A8BF}">
+      <dgm:prSet/>
+      <dgm:spPr/>
+      <dgm:t>
+        <a:bodyPr/>
+        <a:lstStyle/>
+        <a:p>
+          <a:endParaRPr lang="fr-FR"/>
+        </a:p>
+      </dgm:t>
+    </dgm:pt>
+    <dgm:pt modelId="{232F1C97-9D19-4044-8B01-FE8482E0BBC7}" type="sibTrans" cxnId="{804699BE-F4FD-445D-A94E-67DBB281A8BF}">
+      <dgm:prSet/>
+      <dgm:spPr/>
+      <dgm:t>
+        <a:bodyPr/>
+        <a:lstStyle/>
+        <a:p>
+          <a:endParaRPr lang="fr-FR"/>
+        </a:p>
+      </dgm:t>
+    </dgm:pt>
+    <dgm:pt modelId="{86AF9DF4-55E7-4EC8-B481-02F3A801EFD6}">
+      <dgm:prSet/>
+      <dgm:spPr/>
+      <dgm:t>
+        <a:bodyPr/>
+        <a:lstStyle/>
+        <a:p>
+          <a:r>
+            <a:rPr lang="fr-FR" dirty="0"/>
+            <a:t>8.1 Trello</a:t>
+          </a:r>
+        </a:p>
+      </dgm:t>
+    </dgm:pt>
+    <dgm:pt modelId="{50A250C9-0968-4B82-95E7-DC176A522997}" type="parTrans" cxnId="{02D5B5C4-DE76-47C8-9A47-E5D0B4746584}">
+      <dgm:prSet/>
+      <dgm:spPr/>
+      <dgm:t>
+        <a:bodyPr/>
+        <a:lstStyle/>
+        <a:p>
+          <a:endParaRPr lang="fr-FR"/>
+        </a:p>
+      </dgm:t>
+    </dgm:pt>
+    <dgm:pt modelId="{887329E4-D4E4-4CC3-85E3-3954040183AB}" type="sibTrans" cxnId="{02D5B5C4-DE76-47C8-9A47-E5D0B4746584}">
+      <dgm:prSet/>
+      <dgm:spPr/>
+      <dgm:t>
+        <a:bodyPr/>
+        <a:lstStyle/>
+        <a:p>
+          <a:endParaRPr lang="fr-FR"/>
+        </a:p>
+      </dgm:t>
+    </dgm:pt>
+    <dgm:pt modelId="{DEBB3CDE-B988-4C1D-AEB1-0DEEC076A041}">
+      <dgm:prSet/>
+      <dgm:spPr/>
+      <dgm:t>
+        <a:bodyPr/>
+        <a:lstStyle/>
+        <a:p>
+          <a:r>
+            <a:rPr lang="fr-FR" dirty="0"/>
+            <a:t>8.2 Slack</a:t>
+          </a:r>
+        </a:p>
+      </dgm:t>
+    </dgm:pt>
+    <dgm:pt modelId="{04A02BBF-F732-4C4E-9F0B-B99BC67D7B5D}" type="parTrans" cxnId="{75DA972C-B377-43B7-A122-2B9BF5FEBF27}">
+      <dgm:prSet/>
+      <dgm:spPr/>
+      <dgm:t>
+        <a:bodyPr/>
+        <a:lstStyle/>
+        <a:p>
+          <a:endParaRPr lang="fr-FR"/>
+        </a:p>
+      </dgm:t>
+    </dgm:pt>
+    <dgm:pt modelId="{63499899-242C-413A-944E-D0BA304C2716}" type="sibTrans" cxnId="{75DA972C-B377-43B7-A122-2B9BF5FEBF27}">
+      <dgm:prSet/>
+      <dgm:spPr/>
+      <dgm:t>
+        <a:bodyPr/>
+        <a:lstStyle/>
+        <a:p>
+          <a:endParaRPr lang="fr-FR"/>
+        </a:p>
+      </dgm:t>
+    </dgm:pt>
+    <dgm:pt modelId="{DC3E2FF7-19EA-45D9-B1BD-883838EE0034}">
+      <dgm:prSet/>
+      <dgm:spPr/>
+      <dgm:t>
+        <a:bodyPr/>
+        <a:lstStyle/>
+        <a:p>
+          <a:r>
+            <a:rPr lang="fr-FR" dirty="0"/>
+            <a:t>8.3 </a:t>
+          </a:r>
+          <a:r>
+            <a:rPr lang="fr-FR" dirty="0" err="1"/>
+            <a:t>Github</a:t>
+          </a:r>
+          <a:endParaRPr lang="fr-FR" dirty="0"/>
+        </a:p>
+      </dgm:t>
+    </dgm:pt>
+    <dgm:pt modelId="{3C0AB228-9E06-4182-8CBB-79F82E77FFCE}" type="parTrans" cxnId="{927D7648-24E4-4C5B-9C5C-4EB48FCCEED6}">
+      <dgm:prSet/>
+      <dgm:spPr/>
+      <dgm:t>
+        <a:bodyPr/>
+        <a:lstStyle/>
+        <a:p>
+          <a:endParaRPr lang="fr-FR"/>
+        </a:p>
+      </dgm:t>
+    </dgm:pt>
+    <dgm:pt modelId="{FA0C5F2E-17A6-4B73-B220-2B17C2B8EF49}" type="sibTrans" cxnId="{927D7648-24E4-4C5B-9C5C-4EB48FCCEED6}">
+      <dgm:prSet/>
+      <dgm:spPr/>
+      <dgm:t>
+        <a:bodyPr/>
+        <a:lstStyle/>
+        <a:p>
+          <a:endParaRPr lang="fr-FR"/>
+        </a:p>
+      </dgm:t>
+    </dgm:pt>
+    <dgm:pt modelId="{AE69343A-B89C-45E8-BCEB-C3F2FF860661}">
+      <dgm:prSet/>
+      <dgm:spPr/>
+      <dgm:t>
+        <a:bodyPr/>
+        <a:lstStyle/>
+        <a:p>
+          <a:r>
+            <a:rPr lang="fr-FR" dirty="0"/>
+            <a:t>8.2.1 Communiquer</a:t>
+          </a:r>
+        </a:p>
+      </dgm:t>
+    </dgm:pt>
+    <dgm:pt modelId="{BA38D2BE-F866-465D-8EDA-2F2BA2CE84B4}" type="parTrans" cxnId="{C547E26D-97D9-420C-B0A8-D5AA93DFFCC2}">
+      <dgm:prSet/>
+      <dgm:spPr/>
+      <dgm:t>
+        <a:bodyPr/>
+        <a:lstStyle/>
+        <a:p>
+          <a:endParaRPr lang="fr-FR"/>
+        </a:p>
+      </dgm:t>
+    </dgm:pt>
+    <dgm:pt modelId="{89DA835B-7A96-4F2D-A253-EDE9835613F6}" type="sibTrans" cxnId="{C547E26D-97D9-420C-B0A8-D5AA93DFFCC2}">
+      <dgm:prSet/>
+      <dgm:spPr/>
+      <dgm:t>
+        <a:bodyPr/>
+        <a:lstStyle/>
+        <a:p>
+          <a:endParaRPr lang="fr-FR"/>
+        </a:p>
+      </dgm:t>
+    </dgm:pt>
+    <dgm:pt modelId="{B1B56680-9E73-4DA5-9A90-8E0307E8E668}">
+      <dgm:prSet/>
+      <dgm:spPr/>
+      <dgm:t>
+        <a:bodyPr/>
+        <a:lstStyle/>
+        <a:p>
+          <a:r>
+            <a:rPr lang="fr-FR" dirty="0"/>
+            <a:t>8.1.1 Créer les tâches</a:t>
+          </a:r>
+        </a:p>
+      </dgm:t>
+    </dgm:pt>
+    <dgm:pt modelId="{34B38BEF-D301-4BEF-AAE3-68B1E541259C}" type="parTrans" cxnId="{D2D0C5D5-A664-45D1-BC29-E6D9CCD484E2}">
+      <dgm:prSet/>
+      <dgm:spPr/>
+      <dgm:t>
+        <a:bodyPr/>
+        <a:lstStyle/>
+        <a:p>
+          <a:endParaRPr lang="fr-FR"/>
+        </a:p>
+      </dgm:t>
+    </dgm:pt>
+    <dgm:pt modelId="{4804879E-CC82-462F-AF7A-1D4807E6D9A9}" type="sibTrans" cxnId="{D2D0C5D5-A664-45D1-BC29-E6D9CCD484E2}">
+      <dgm:prSet/>
+      <dgm:spPr/>
+      <dgm:t>
+        <a:bodyPr/>
+        <a:lstStyle/>
+        <a:p>
+          <a:endParaRPr lang="fr-FR"/>
+        </a:p>
+      </dgm:t>
+    </dgm:pt>
+    <dgm:pt modelId="{BD2AF3F6-875B-4D7C-A3B9-F0CDB1194D2B}">
+      <dgm:prSet/>
+      <dgm:spPr/>
+      <dgm:t>
+        <a:bodyPr/>
+        <a:lstStyle/>
+        <a:p>
+          <a:r>
+            <a:rPr lang="fr-FR" dirty="0"/>
+            <a:t>8.1.2 Assigner les tâches</a:t>
+          </a:r>
+        </a:p>
+      </dgm:t>
+    </dgm:pt>
+    <dgm:pt modelId="{21258C2E-89A9-4CF2-9A8C-2995ED97D3F7}" type="parTrans" cxnId="{99B9A7EC-FB47-482C-83FF-8842BCAE8EDE}">
+      <dgm:prSet/>
+      <dgm:spPr/>
+      <dgm:t>
+        <a:bodyPr/>
+        <a:lstStyle/>
+        <a:p>
+          <a:endParaRPr lang="fr-FR"/>
+        </a:p>
+      </dgm:t>
+    </dgm:pt>
+    <dgm:pt modelId="{FE566E54-08B2-4F85-8C69-CC960A888741}" type="sibTrans" cxnId="{99B9A7EC-FB47-482C-83FF-8842BCAE8EDE}">
+      <dgm:prSet/>
+      <dgm:spPr/>
+      <dgm:t>
+        <a:bodyPr/>
+        <a:lstStyle/>
+        <a:p>
+          <a:endParaRPr lang="fr-FR"/>
+        </a:p>
+      </dgm:t>
+    </dgm:pt>
+    <dgm:pt modelId="{F6CEE705-AE28-4513-9F09-91409986C60E}">
+      <dgm:prSet/>
+      <dgm:spPr/>
+      <dgm:t>
+        <a:bodyPr/>
+        <a:lstStyle/>
+        <a:p>
+          <a:r>
+            <a:rPr lang="fr-FR" dirty="0"/>
+            <a:t>8.1.3 Gérer les tâches</a:t>
+          </a:r>
+        </a:p>
+      </dgm:t>
+    </dgm:pt>
+    <dgm:pt modelId="{6DE10F71-4C37-41F0-96B2-A6DBD9443B68}" type="parTrans" cxnId="{590609E9-6E9D-4C43-B223-D04853D5E4E8}">
+      <dgm:prSet/>
+      <dgm:spPr/>
+      <dgm:t>
+        <a:bodyPr/>
+        <a:lstStyle/>
+        <a:p>
+          <a:endParaRPr lang="fr-FR"/>
+        </a:p>
+      </dgm:t>
+    </dgm:pt>
+    <dgm:pt modelId="{0F778C9C-ADFB-4600-A275-2BFA455C15F6}" type="sibTrans" cxnId="{590609E9-6E9D-4C43-B223-D04853D5E4E8}">
+      <dgm:prSet/>
+      <dgm:spPr/>
+      <dgm:t>
+        <a:bodyPr/>
+        <a:lstStyle/>
+        <a:p>
+          <a:endParaRPr lang="fr-FR"/>
+        </a:p>
+      </dgm:t>
+    </dgm:pt>
+    <dgm:pt modelId="{9FFA1442-6F08-4E0D-8645-E5992C5BD568}">
+      <dgm:prSet/>
+      <dgm:spPr/>
+      <dgm:t>
+        <a:bodyPr/>
+        <a:lstStyle/>
+        <a:p>
+          <a:r>
+            <a:rPr lang="fr-FR" dirty="0"/>
+            <a:t>8.3.1 Crée le dépôt (git) avec  </a:t>
+          </a:r>
+          <a:r>
+            <a:rPr lang="fr-FR" dirty="0" err="1"/>
+            <a:t>SourceTree</a:t>
+          </a:r>
+          <a:endParaRPr lang="fr-FR" dirty="0"/>
+        </a:p>
+      </dgm:t>
+    </dgm:pt>
+    <dgm:pt modelId="{BAB433EE-D9B3-4776-AE97-5B23E22553C1}" type="parTrans" cxnId="{E4EBAA43-E4B4-4CD1-806A-42D187B20340}">
+      <dgm:prSet/>
+      <dgm:spPr/>
+      <dgm:t>
+        <a:bodyPr/>
+        <a:lstStyle/>
+        <a:p>
+          <a:endParaRPr lang="fr-FR"/>
+        </a:p>
+      </dgm:t>
+    </dgm:pt>
+    <dgm:pt modelId="{1C147C60-D22F-4C86-8DF7-892F94228C0E}" type="sibTrans" cxnId="{E4EBAA43-E4B4-4CD1-806A-42D187B20340}">
+      <dgm:prSet/>
+      <dgm:spPr/>
+      <dgm:t>
+        <a:bodyPr/>
+        <a:lstStyle/>
+        <a:p>
+          <a:endParaRPr lang="fr-FR"/>
+        </a:p>
+      </dgm:t>
+    </dgm:pt>
+    <dgm:pt modelId="{21319E96-BC28-4F20-B82E-1B711B9ADEF3}">
+      <dgm:prSet/>
+      <dgm:spPr/>
+      <dgm:t>
+        <a:bodyPr/>
+        <a:lstStyle/>
+        <a:p>
+          <a:r>
+            <a:rPr lang="fr-FR" dirty="0"/>
+            <a:t>8.3.2 Mettre à jour le dépôt avec </a:t>
+          </a:r>
+          <a:r>
+            <a:rPr lang="fr-FR" dirty="0" err="1"/>
+            <a:t>SourceTree</a:t>
+          </a:r>
+          <a:endParaRPr lang="fr-FR" dirty="0"/>
+        </a:p>
+      </dgm:t>
+    </dgm:pt>
+    <dgm:pt modelId="{46777178-6456-4C81-9FDC-B172987FBD2F}" type="parTrans" cxnId="{4E73F134-F194-4883-BCB3-800AF40B6AD3}">
+      <dgm:prSet/>
+      <dgm:spPr/>
+      <dgm:t>
+        <a:bodyPr/>
+        <a:lstStyle/>
+        <a:p>
+          <a:endParaRPr lang="fr-FR"/>
+        </a:p>
+      </dgm:t>
+    </dgm:pt>
+    <dgm:pt modelId="{8AE80D39-2875-4A80-9E62-5BEEB1BD5075}" type="sibTrans" cxnId="{4E73F134-F194-4883-BCB3-800AF40B6AD3}">
+      <dgm:prSet/>
+      <dgm:spPr/>
+      <dgm:t>
+        <a:bodyPr/>
+        <a:lstStyle/>
+        <a:p>
+          <a:endParaRPr lang="fr-FR"/>
+        </a:p>
+      </dgm:t>
     </dgm:pt>
     <dgm:pt modelId="{8EE8A184-C0A9-4F27-8E27-C084A63CA1A9}" type="pres">
       <dgm:prSet presAssocID="{E20451FB-E453-4AD3-A6B3-B16420D6B256}" presName="hierChild1" presStyleCnt="0">
@@ -2415,7 +2882,7 @@
       <dgm:spPr/>
     </dgm:pt>
     <dgm:pt modelId="{C1D1F368-F29D-496B-B4B9-D77F26F5AEA1}" type="pres">
-      <dgm:prSet presAssocID="{38C23D32-D1C7-48FE-9E35-37FE416DF1BD}" presName="Name37" presStyleLbl="parChTrans1D2" presStyleIdx="0" presStyleCnt="7"/>
+      <dgm:prSet presAssocID="{38C23D32-D1C7-48FE-9E35-37FE416DF1BD}" presName="Name37" presStyleLbl="parChTrans1D2" presStyleIdx="0" presStyleCnt="8"/>
       <dgm:spPr/>
     </dgm:pt>
     <dgm:pt modelId="{A6B7D5E8-B8DB-4D79-9D74-419745A44616}" type="pres">
@@ -2431,7 +2898,7 @@
       <dgm:spPr/>
     </dgm:pt>
     <dgm:pt modelId="{498619B0-A496-4123-A8BE-3AE5DF73D3D5}" type="pres">
-      <dgm:prSet presAssocID="{B38569C1-F954-477C-9A9B-46ADCE25C4DD}" presName="rootText" presStyleLbl="node2" presStyleIdx="0" presStyleCnt="7">
+      <dgm:prSet presAssocID="{B38569C1-F954-477C-9A9B-46ADCE25C4DD}" presName="rootText" presStyleLbl="node2" presStyleIdx="0" presStyleCnt="8">
         <dgm:presLayoutVars>
           <dgm:chPref val="3"/>
         </dgm:presLayoutVars>
@@ -2439,7 +2906,7 @@
       <dgm:spPr/>
     </dgm:pt>
     <dgm:pt modelId="{F1087424-F9CA-4659-879A-A9E50AA2D476}" type="pres">
-      <dgm:prSet presAssocID="{B38569C1-F954-477C-9A9B-46ADCE25C4DD}" presName="rootConnector" presStyleLbl="node2" presStyleIdx="0" presStyleCnt="7"/>
+      <dgm:prSet presAssocID="{B38569C1-F954-477C-9A9B-46ADCE25C4DD}" presName="rootConnector" presStyleLbl="node2" presStyleIdx="0" presStyleCnt="8"/>
       <dgm:spPr/>
     </dgm:pt>
     <dgm:pt modelId="{0EEB7683-2FF3-4D44-8C7C-0E8D425B7CA9}" type="pres">
@@ -2447,7 +2914,7 @@
       <dgm:spPr/>
     </dgm:pt>
     <dgm:pt modelId="{91D261E5-CEB9-465B-93E9-A16BD3A5C577}" type="pres">
-      <dgm:prSet presAssocID="{296616F9-05BE-4634-BA94-DE1CD97BC93E}" presName="Name37" presStyleLbl="parChTrans1D3" presStyleIdx="0" presStyleCnt="15"/>
+      <dgm:prSet presAssocID="{296616F9-05BE-4634-BA94-DE1CD97BC93E}" presName="Name37" presStyleLbl="parChTrans1D3" presStyleIdx="0" presStyleCnt="19"/>
       <dgm:spPr/>
     </dgm:pt>
     <dgm:pt modelId="{3B5BA9FF-ECC0-46D6-8FA5-F1A3453D56CA}" type="pres">
@@ -2463,7 +2930,7 @@
       <dgm:spPr/>
     </dgm:pt>
     <dgm:pt modelId="{AD8DF117-DF46-48FB-9F71-9526546614C0}" type="pres">
-      <dgm:prSet presAssocID="{2D3F2446-EBD3-407C-9AC9-91627467057B}" presName="rootText" presStyleLbl="node3" presStyleIdx="0" presStyleCnt="15">
+      <dgm:prSet presAssocID="{2D3F2446-EBD3-407C-9AC9-91627467057B}" presName="rootText" presStyleLbl="node3" presStyleIdx="0" presStyleCnt="19">
         <dgm:presLayoutVars>
           <dgm:chPref val="3"/>
         </dgm:presLayoutVars>
@@ -2471,7 +2938,7 @@
       <dgm:spPr/>
     </dgm:pt>
     <dgm:pt modelId="{DB9D1288-76DB-4D85-ABB1-8D48808013A8}" type="pres">
-      <dgm:prSet presAssocID="{2D3F2446-EBD3-407C-9AC9-91627467057B}" presName="rootConnector" presStyleLbl="node3" presStyleIdx="0" presStyleCnt="15"/>
+      <dgm:prSet presAssocID="{2D3F2446-EBD3-407C-9AC9-91627467057B}" presName="rootConnector" presStyleLbl="node3" presStyleIdx="0" presStyleCnt="19"/>
       <dgm:spPr/>
     </dgm:pt>
     <dgm:pt modelId="{30258B6D-8D6E-4D19-90EA-7918A7B8F14C}" type="pres">
@@ -2479,7 +2946,7 @@
       <dgm:spPr/>
     </dgm:pt>
     <dgm:pt modelId="{62B7BA3C-74E2-4C2A-898D-6591FC444868}" type="pres">
-      <dgm:prSet presAssocID="{9EB89207-0FB8-4B01-9DE1-A56A663104CC}" presName="Name37" presStyleLbl="parChTrans1D4" presStyleIdx="0" presStyleCnt="19"/>
+      <dgm:prSet presAssocID="{9EB89207-0FB8-4B01-9DE1-A56A663104CC}" presName="Name37" presStyleLbl="parChTrans1D4" presStyleIdx="0" presStyleCnt="25"/>
       <dgm:spPr/>
     </dgm:pt>
     <dgm:pt modelId="{EBE09B4D-91C5-4E55-A677-F5E16AEAF472}" type="pres">
@@ -2495,7 +2962,7 @@
       <dgm:spPr/>
     </dgm:pt>
     <dgm:pt modelId="{E4DD1BBA-6ED4-4EB6-AFF9-0A01C7630111}" type="pres">
-      <dgm:prSet presAssocID="{E75C75A9-D3C2-44FC-880B-0FD5BB32C2F5}" presName="rootText" presStyleLbl="node4" presStyleIdx="0" presStyleCnt="19">
+      <dgm:prSet presAssocID="{E75C75A9-D3C2-44FC-880B-0FD5BB32C2F5}" presName="rootText" presStyleLbl="node4" presStyleIdx="0" presStyleCnt="25">
         <dgm:presLayoutVars>
           <dgm:chPref val="3"/>
         </dgm:presLayoutVars>
@@ -2503,7 +2970,7 @@
       <dgm:spPr/>
     </dgm:pt>
     <dgm:pt modelId="{E400460E-2FCD-40F2-A653-B22524A40C3C}" type="pres">
-      <dgm:prSet presAssocID="{E75C75A9-D3C2-44FC-880B-0FD5BB32C2F5}" presName="rootConnector" presStyleLbl="node4" presStyleIdx="0" presStyleCnt="19"/>
+      <dgm:prSet presAssocID="{E75C75A9-D3C2-44FC-880B-0FD5BB32C2F5}" presName="rootConnector" presStyleLbl="node4" presStyleIdx="0" presStyleCnt="25"/>
       <dgm:spPr/>
     </dgm:pt>
     <dgm:pt modelId="{271A4E83-D258-41F7-BD7E-4675688B1E6B}" type="pres">
@@ -2515,7 +2982,7 @@
       <dgm:spPr/>
     </dgm:pt>
     <dgm:pt modelId="{BE212E39-5FA9-4BAB-866D-0CF5EE78AD2B}" type="pres">
-      <dgm:prSet presAssocID="{A123AA94-AF83-4C03-BD2F-D5B4B156910C}" presName="Name37" presStyleLbl="parChTrans1D4" presStyleIdx="1" presStyleCnt="19"/>
+      <dgm:prSet presAssocID="{A123AA94-AF83-4C03-BD2F-D5B4B156910C}" presName="Name37" presStyleLbl="parChTrans1D4" presStyleIdx="1" presStyleCnt="25"/>
       <dgm:spPr/>
     </dgm:pt>
     <dgm:pt modelId="{B4C14713-4A1F-4332-A22A-CA5E959BF60D}" type="pres">
@@ -2531,7 +2998,7 @@
       <dgm:spPr/>
     </dgm:pt>
     <dgm:pt modelId="{E9162EA8-F24F-4A03-9868-7063DBE359E9}" type="pres">
-      <dgm:prSet presAssocID="{ED736D95-F255-4A67-9A1E-1501EC2913E0}" presName="rootText" presStyleLbl="node4" presStyleIdx="1" presStyleCnt="19">
+      <dgm:prSet presAssocID="{ED736D95-F255-4A67-9A1E-1501EC2913E0}" presName="rootText" presStyleLbl="node4" presStyleIdx="1" presStyleCnt="25">
         <dgm:presLayoutVars>
           <dgm:chPref val="3"/>
         </dgm:presLayoutVars>
@@ -2539,7 +3006,7 @@
       <dgm:spPr/>
     </dgm:pt>
     <dgm:pt modelId="{59222916-1F4C-4F76-9D99-14204D7679AB}" type="pres">
-      <dgm:prSet presAssocID="{ED736D95-F255-4A67-9A1E-1501EC2913E0}" presName="rootConnector" presStyleLbl="node4" presStyleIdx="1" presStyleCnt="19"/>
+      <dgm:prSet presAssocID="{ED736D95-F255-4A67-9A1E-1501EC2913E0}" presName="rootConnector" presStyleLbl="node4" presStyleIdx="1" presStyleCnt="25"/>
       <dgm:spPr/>
     </dgm:pt>
     <dgm:pt modelId="{A22889FF-4FE1-455A-BC47-5DE89CD8C202}" type="pres">
@@ -2551,7 +3018,7 @@
       <dgm:spPr/>
     </dgm:pt>
     <dgm:pt modelId="{4F7F03C8-E937-45A5-B322-2D91704D317C}" type="pres">
-      <dgm:prSet presAssocID="{469C3DB0-8271-4716-802E-A92EE6812078}" presName="Name37" presStyleLbl="parChTrans1D4" presStyleIdx="2" presStyleCnt="19"/>
+      <dgm:prSet presAssocID="{469C3DB0-8271-4716-802E-A92EE6812078}" presName="Name37" presStyleLbl="parChTrans1D4" presStyleIdx="2" presStyleCnt="25"/>
       <dgm:spPr/>
     </dgm:pt>
     <dgm:pt modelId="{3D2EC01B-1BB0-431F-B10D-2D188D4AFC19}" type="pres">
@@ -2567,7 +3034,7 @@
       <dgm:spPr/>
     </dgm:pt>
     <dgm:pt modelId="{CC35E510-BB41-46AB-A6CF-C9D1FD32AE1A}" type="pres">
-      <dgm:prSet presAssocID="{E43E7765-C530-4364-9676-A632B6DAEA28}" presName="rootText" presStyleLbl="node4" presStyleIdx="2" presStyleCnt="19">
+      <dgm:prSet presAssocID="{E43E7765-C530-4364-9676-A632B6DAEA28}" presName="rootText" presStyleLbl="node4" presStyleIdx="2" presStyleCnt="25">
         <dgm:presLayoutVars>
           <dgm:chPref val="3"/>
         </dgm:presLayoutVars>
@@ -2575,7 +3042,7 @@
       <dgm:spPr/>
     </dgm:pt>
     <dgm:pt modelId="{A92A0876-591A-4E8A-917A-703BD190CE6B}" type="pres">
-      <dgm:prSet presAssocID="{E43E7765-C530-4364-9676-A632B6DAEA28}" presName="rootConnector" presStyleLbl="node4" presStyleIdx="2" presStyleCnt="19"/>
+      <dgm:prSet presAssocID="{E43E7765-C530-4364-9676-A632B6DAEA28}" presName="rootConnector" presStyleLbl="node4" presStyleIdx="2" presStyleCnt="25"/>
       <dgm:spPr/>
     </dgm:pt>
     <dgm:pt modelId="{129524D8-EE78-42A3-B2EA-A69D9348C898}" type="pres">
@@ -2587,7 +3054,7 @@
       <dgm:spPr/>
     </dgm:pt>
     <dgm:pt modelId="{1CB0C193-F931-483F-9AE1-7058CF8D63A8}" type="pres">
-      <dgm:prSet presAssocID="{E68EA950-5E7F-40E3-8833-5ECEC4692C6B}" presName="Name37" presStyleLbl="parChTrans1D4" presStyleIdx="3" presStyleCnt="19"/>
+      <dgm:prSet presAssocID="{E68EA950-5E7F-40E3-8833-5ECEC4692C6B}" presName="Name37" presStyleLbl="parChTrans1D4" presStyleIdx="3" presStyleCnt="25"/>
       <dgm:spPr/>
     </dgm:pt>
     <dgm:pt modelId="{34B26608-16D2-4399-89D1-27AD96EA582A}" type="pres">
@@ -2603,7 +3070,7 @@
       <dgm:spPr/>
     </dgm:pt>
     <dgm:pt modelId="{1B9346B3-0EDC-4178-B604-88C6A4D621FB}" type="pres">
-      <dgm:prSet presAssocID="{2131221E-6449-4C57-8C9F-D3F50CF0E732}" presName="rootText" presStyleLbl="node4" presStyleIdx="3" presStyleCnt="19">
+      <dgm:prSet presAssocID="{2131221E-6449-4C57-8C9F-D3F50CF0E732}" presName="rootText" presStyleLbl="node4" presStyleIdx="3" presStyleCnt="25">
         <dgm:presLayoutVars>
           <dgm:chPref val="3"/>
         </dgm:presLayoutVars>
@@ -2611,7 +3078,7 @@
       <dgm:spPr/>
     </dgm:pt>
     <dgm:pt modelId="{CBF925EF-478D-4027-92BB-F96958870591}" type="pres">
-      <dgm:prSet presAssocID="{2131221E-6449-4C57-8C9F-D3F50CF0E732}" presName="rootConnector" presStyleLbl="node4" presStyleIdx="3" presStyleCnt="19"/>
+      <dgm:prSet presAssocID="{2131221E-6449-4C57-8C9F-D3F50CF0E732}" presName="rootConnector" presStyleLbl="node4" presStyleIdx="3" presStyleCnt="25"/>
       <dgm:spPr/>
     </dgm:pt>
     <dgm:pt modelId="{02BDEE8E-60CE-4154-BD23-94673B8D659A}" type="pres">
@@ -2623,7 +3090,7 @@
       <dgm:spPr/>
     </dgm:pt>
     <dgm:pt modelId="{458CDE04-E53B-42E7-9FCF-C3EAC914CA48}" type="pres">
-      <dgm:prSet presAssocID="{ACF94C5D-86F1-4009-9E2F-A46AAA418C7E}" presName="Name37" presStyleLbl="parChTrans1D4" presStyleIdx="4" presStyleCnt="19"/>
+      <dgm:prSet presAssocID="{ACF94C5D-86F1-4009-9E2F-A46AAA418C7E}" presName="Name37" presStyleLbl="parChTrans1D4" presStyleIdx="4" presStyleCnt="25"/>
       <dgm:spPr/>
     </dgm:pt>
     <dgm:pt modelId="{300C8899-6F3A-4430-9C85-05F4E84B82A1}" type="pres">
@@ -2639,7 +3106,7 @@
       <dgm:spPr/>
     </dgm:pt>
     <dgm:pt modelId="{7966116B-C38A-4DD0-B987-4DA223BCF9D3}" type="pres">
-      <dgm:prSet presAssocID="{4BF703C5-54A5-4861-B386-3C7176CF2F19}" presName="rootText" presStyleLbl="node4" presStyleIdx="4" presStyleCnt="19">
+      <dgm:prSet presAssocID="{4BF703C5-54A5-4861-B386-3C7176CF2F19}" presName="rootText" presStyleLbl="node4" presStyleIdx="4" presStyleCnt="25">
         <dgm:presLayoutVars>
           <dgm:chPref val="3"/>
         </dgm:presLayoutVars>
@@ -2647,7 +3114,7 @@
       <dgm:spPr/>
     </dgm:pt>
     <dgm:pt modelId="{BD26D28C-A3F5-438D-82B7-2E1917032BE3}" type="pres">
-      <dgm:prSet presAssocID="{4BF703C5-54A5-4861-B386-3C7176CF2F19}" presName="rootConnector" presStyleLbl="node4" presStyleIdx="4" presStyleCnt="19"/>
+      <dgm:prSet presAssocID="{4BF703C5-54A5-4861-B386-3C7176CF2F19}" presName="rootConnector" presStyleLbl="node4" presStyleIdx="4" presStyleCnt="25"/>
       <dgm:spPr/>
     </dgm:pt>
     <dgm:pt modelId="{4A23BB46-037D-4D5D-A5CB-8D7DFC027B5B}" type="pres">
@@ -2659,7 +3126,7 @@
       <dgm:spPr/>
     </dgm:pt>
     <dgm:pt modelId="{7E03622E-A336-45C1-A367-07B7A57122D0}" type="pres">
-      <dgm:prSet presAssocID="{61B7EC2F-2545-4C1E-89E5-C83F00DEF813}" presName="Name37" presStyleLbl="parChTrans1D4" presStyleIdx="5" presStyleCnt="19"/>
+      <dgm:prSet presAssocID="{61B7EC2F-2545-4C1E-89E5-C83F00DEF813}" presName="Name37" presStyleLbl="parChTrans1D4" presStyleIdx="5" presStyleCnt="25"/>
       <dgm:spPr/>
     </dgm:pt>
     <dgm:pt modelId="{378A10BB-DB86-4496-9265-4FAD9418D170}" type="pres">
@@ -2675,7 +3142,7 @@
       <dgm:spPr/>
     </dgm:pt>
     <dgm:pt modelId="{FF9A4BBE-2FA9-45A2-BF47-0A3BC4A63589}" type="pres">
-      <dgm:prSet presAssocID="{25FFF37D-3E5B-46EB-91EC-0763B9160E34}" presName="rootText" presStyleLbl="node4" presStyleIdx="5" presStyleCnt="19">
+      <dgm:prSet presAssocID="{25FFF37D-3E5B-46EB-91EC-0763B9160E34}" presName="rootText" presStyleLbl="node4" presStyleIdx="5" presStyleCnt="25">
         <dgm:presLayoutVars>
           <dgm:chPref val="3"/>
         </dgm:presLayoutVars>
@@ -2683,7 +3150,7 @@
       <dgm:spPr/>
     </dgm:pt>
     <dgm:pt modelId="{28B17F15-0067-4D2E-9241-17072692A200}" type="pres">
-      <dgm:prSet presAssocID="{25FFF37D-3E5B-46EB-91EC-0763B9160E34}" presName="rootConnector" presStyleLbl="node4" presStyleIdx="5" presStyleCnt="19"/>
+      <dgm:prSet presAssocID="{25FFF37D-3E5B-46EB-91EC-0763B9160E34}" presName="rootConnector" presStyleLbl="node4" presStyleIdx="5" presStyleCnt="25"/>
       <dgm:spPr/>
     </dgm:pt>
     <dgm:pt modelId="{307BB616-3B86-4C6D-AF46-4F56F3F449F2}" type="pres">
@@ -2699,7 +3166,7 @@
       <dgm:spPr/>
     </dgm:pt>
     <dgm:pt modelId="{FE5C86F2-5E48-4E0C-8D62-E0E32A9CBC53}" type="pres">
-      <dgm:prSet presAssocID="{FE129DED-1BC6-4F0E-A94C-57E57982254C}" presName="Name37" presStyleLbl="parChTrans1D3" presStyleIdx="1" presStyleCnt="15"/>
+      <dgm:prSet presAssocID="{FE129DED-1BC6-4F0E-A94C-57E57982254C}" presName="Name37" presStyleLbl="parChTrans1D3" presStyleIdx="1" presStyleCnt="19"/>
       <dgm:spPr/>
     </dgm:pt>
     <dgm:pt modelId="{9D4F6833-C0AE-401F-A5C3-0E1FA2C25B89}" type="pres">
@@ -2715,7 +3182,7 @@
       <dgm:spPr/>
     </dgm:pt>
     <dgm:pt modelId="{CD717D5E-0D5B-484C-B3C5-5F856BE6498E}" type="pres">
-      <dgm:prSet presAssocID="{B978B786-AFB6-470C-A3DB-6BFBCEDE3302}" presName="rootText" presStyleLbl="node3" presStyleIdx="1" presStyleCnt="15">
+      <dgm:prSet presAssocID="{B978B786-AFB6-470C-A3DB-6BFBCEDE3302}" presName="rootText" presStyleLbl="node3" presStyleIdx="1" presStyleCnt="19">
         <dgm:presLayoutVars>
           <dgm:chPref val="3"/>
         </dgm:presLayoutVars>
@@ -2723,7 +3190,7 @@
       <dgm:spPr/>
     </dgm:pt>
     <dgm:pt modelId="{3C36075C-1CBA-44FE-B9B1-2CD67156C0EF}" type="pres">
-      <dgm:prSet presAssocID="{B978B786-AFB6-470C-A3DB-6BFBCEDE3302}" presName="rootConnector" presStyleLbl="node3" presStyleIdx="1" presStyleCnt="15"/>
+      <dgm:prSet presAssocID="{B978B786-AFB6-470C-A3DB-6BFBCEDE3302}" presName="rootConnector" presStyleLbl="node3" presStyleIdx="1" presStyleCnt="19"/>
       <dgm:spPr/>
     </dgm:pt>
     <dgm:pt modelId="{D5AC91D2-03B4-4152-8D39-B50A090A317E}" type="pres">
@@ -2731,7 +3198,7 @@
       <dgm:spPr/>
     </dgm:pt>
     <dgm:pt modelId="{0D28E8DF-E67B-4A3D-A948-8C00199B6F27}" type="pres">
-      <dgm:prSet presAssocID="{455EDC67-610E-4C57-81E2-EACCBFABE1DA}" presName="Name37" presStyleLbl="parChTrans1D4" presStyleIdx="6" presStyleCnt="19"/>
+      <dgm:prSet presAssocID="{455EDC67-610E-4C57-81E2-EACCBFABE1DA}" presName="Name37" presStyleLbl="parChTrans1D4" presStyleIdx="6" presStyleCnt="25"/>
       <dgm:spPr/>
     </dgm:pt>
     <dgm:pt modelId="{8B582212-F8AF-4A44-AC5E-6859F59B4E57}" type="pres">
@@ -2747,7 +3214,7 @@
       <dgm:spPr/>
     </dgm:pt>
     <dgm:pt modelId="{2736ADD5-D6D1-4A6E-8758-7E828E14FC49}" type="pres">
-      <dgm:prSet presAssocID="{D517EFDD-A8B6-4E9D-BBC3-620C9820D643}" presName="rootText" presStyleLbl="node4" presStyleIdx="6" presStyleCnt="19">
+      <dgm:prSet presAssocID="{D517EFDD-A8B6-4E9D-BBC3-620C9820D643}" presName="rootText" presStyleLbl="node4" presStyleIdx="6" presStyleCnt="25">
         <dgm:presLayoutVars>
           <dgm:chPref val="3"/>
         </dgm:presLayoutVars>
@@ -2755,7 +3222,7 @@
       <dgm:spPr/>
     </dgm:pt>
     <dgm:pt modelId="{D9D19F79-8C28-45F2-9B8E-1EEA4F29CF13}" type="pres">
-      <dgm:prSet presAssocID="{D517EFDD-A8B6-4E9D-BBC3-620C9820D643}" presName="rootConnector" presStyleLbl="node4" presStyleIdx="6" presStyleCnt="19"/>
+      <dgm:prSet presAssocID="{D517EFDD-A8B6-4E9D-BBC3-620C9820D643}" presName="rootConnector" presStyleLbl="node4" presStyleIdx="6" presStyleCnt="25"/>
       <dgm:spPr/>
     </dgm:pt>
     <dgm:pt modelId="{463B6F37-9E7A-4B25-89A3-82B50FBC7A57}" type="pres">
@@ -2767,7 +3234,7 @@
       <dgm:spPr/>
     </dgm:pt>
     <dgm:pt modelId="{BD8FC83B-6955-43EB-986A-408F9DC41C37}" type="pres">
-      <dgm:prSet presAssocID="{77D7C3DB-A157-4849-8A45-83DF95867BB1}" presName="Name37" presStyleLbl="parChTrans1D4" presStyleIdx="7" presStyleCnt="19"/>
+      <dgm:prSet presAssocID="{77D7C3DB-A157-4849-8A45-83DF95867BB1}" presName="Name37" presStyleLbl="parChTrans1D4" presStyleIdx="7" presStyleCnt="25"/>
       <dgm:spPr/>
     </dgm:pt>
     <dgm:pt modelId="{132E80C4-B432-40AA-8F53-DC31529AF202}" type="pres">
@@ -2783,7 +3250,7 @@
       <dgm:spPr/>
     </dgm:pt>
     <dgm:pt modelId="{03491F21-2386-4D40-82C9-C9A8CF991FAA}" type="pres">
-      <dgm:prSet presAssocID="{F83C3BA4-C470-4356-BF98-E0F1BC154118}" presName="rootText" presStyleLbl="node4" presStyleIdx="7" presStyleCnt="19">
+      <dgm:prSet presAssocID="{F83C3BA4-C470-4356-BF98-E0F1BC154118}" presName="rootText" presStyleLbl="node4" presStyleIdx="7" presStyleCnt="25">
         <dgm:presLayoutVars>
           <dgm:chPref val="3"/>
         </dgm:presLayoutVars>
@@ -2791,7 +3258,7 @@
       <dgm:spPr/>
     </dgm:pt>
     <dgm:pt modelId="{B1741DA7-5842-46BC-A213-48BB65676F58}" type="pres">
-      <dgm:prSet presAssocID="{F83C3BA4-C470-4356-BF98-E0F1BC154118}" presName="rootConnector" presStyleLbl="node4" presStyleIdx="7" presStyleCnt="19"/>
+      <dgm:prSet presAssocID="{F83C3BA4-C470-4356-BF98-E0F1BC154118}" presName="rootConnector" presStyleLbl="node4" presStyleIdx="7" presStyleCnt="25"/>
       <dgm:spPr/>
     </dgm:pt>
     <dgm:pt modelId="{71FEC0DE-740A-443B-ABF7-5143BDB28207}" type="pres">
@@ -2811,7 +3278,7 @@
       <dgm:spPr/>
     </dgm:pt>
     <dgm:pt modelId="{DDE1B38B-FBB2-4731-B4D8-2153752CD458}" type="pres">
-      <dgm:prSet presAssocID="{4841E931-DE34-49BF-AF70-B6EBD178380E}" presName="Name37" presStyleLbl="parChTrans1D2" presStyleIdx="1" presStyleCnt="7"/>
+      <dgm:prSet presAssocID="{4841E931-DE34-49BF-AF70-B6EBD178380E}" presName="Name37" presStyleLbl="parChTrans1D2" presStyleIdx="1" presStyleCnt="8"/>
       <dgm:spPr/>
     </dgm:pt>
     <dgm:pt modelId="{4D1D1C69-852A-45CC-AEB8-5BE3681C2E33}" type="pres">
@@ -2827,7 +3294,7 @@
       <dgm:spPr/>
     </dgm:pt>
     <dgm:pt modelId="{0027487A-6ECD-4EB7-B614-12DAA0898E4E}" type="pres">
-      <dgm:prSet presAssocID="{59A0C52B-0F1B-48B0-BC32-59DBCEADF379}" presName="rootText" presStyleLbl="node2" presStyleIdx="1" presStyleCnt="7">
+      <dgm:prSet presAssocID="{59A0C52B-0F1B-48B0-BC32-59DBCEADF379}" presName="rootText" presStyleLbl="node2" presStyleIdx="1" presStyleCnt="8">
         <dgm:presLayoutVars>
           <dgm:chPref val="3"/>
         </dgm:presLayoutVars>
@@ -2835,7 +3302,7 @@
       <dgm:spPr/>
     </dgm:pt>
     <dgm:pt modelId="{3A7F51E2-42E9-4533-A4AA-F64CA65446B8}" type="pres">
-      <dgm:prSet presAssocID="{59A0C52B-0F1B-48B0-BC32-59DBCEADF379}" presName="rootConnector" presStyleLbl="node2" presStyleIdx="1" presStyleCnt="7"/>
+      <dgm:prSet presAssocID="{59A0C52B-0F1B-48B0-BC32-59DBCEADF379}" presName="rootConnector" presStyleLbl="node2" presStyleIdx="1" presStyleCnt="8"/>
       <dgm:spPr/>
     </dgm:pt>
     <dgm:pt modelId="{0929FD53-3ED2-4111-9DCD-522CC5954582}" type="pres">
@@ -2843,7 +3310,7 @@
       <dgm:spPr/>
     </dgm:pt>
     <dgm:pt modelId="{E414B6E8-D2F6-472F-ACD3-8FC1F5D3646A}" type="pres">
-      <dgm:prSet presAssocID="{248C25AF-923E-4803-9A6B-5C2CD71687D3}" presName="Name37" presStyleLbl="parChTrans1D3" presStyleIdx="2" presStyleCnt="15"/>
+      <dgm:prSet presAssocID="{248C25AF-923E-4803-9A6B-5C2CD71687D3}" presName="Name37" presStyleLbl="parChTrans1D3" presStyleIdx="2" presStyleCnt="19"/>
       <dgm:spPr/>
     </dgm:pt>
     <dgm:pt modelId="{AF4D96ED-3550-4245-AA2B-990EAC7EA5C5}" type="pres">
@@ -2859,7 +3326,7 @@
       <dgm:spPr/>
     </dgm:pt>
     <dgm:pt modelId="{F3CDB58F-185F-4762-BDF7-7693F0D51105}" type="pres">
-      <dgm:prSet presAssocID="{8713C468-BFD2-48C3-9142-D861E9C03ADD}" presName="rootText" presStyleLbl="node3" presStyleIdx="2" presStyleCnt="15">
+      <dgm:prSet presAssocID="{8713C468-BFD2-48C3-9142-D861E9C03ADD}" presName="rootText" presStyleLbl="node3" presStyleIdx="2" presStyleCnt="19">
         <dgm:presLayoutVars>
           <dgm:chPref val="3"/>
         </dgm:presLayoutVars>
@@ -2867,7 +3334,7 @@
       <dgm:spPr/>
     </dgm:pt>
     <dgm:pt modelId="{2E6ACD24-5DC3-48A4-8F1F-D6AEF5C8CAFF}" type="pres">
-      <dgm:prSet presAssocID="{8713C468-BFD2-48C3-9142-D861E9C03ADD}" presName="rootConnector" presStyleLbl="node3" presStyleIdx="2" presStyleCnt="15"/>
+      <dgm:prSet presAssocID="{8713C468-BFD2-48C3-9142-D861E9C03ADD}" presName="rootConnector" presStyleLbl="node3" presStyleIdx="2" presStyleCnt="19"/>
       <dgm:spPr/>
     </dgm:pt>
     <dgm:pt modelId="{71914750-E4B4-439D-8C4F-751D4B5D4DCC}" type="pres">
@@ -2875,7 +3342,7 @@
       <dgm:spPr/>
     </dgm:pt>
     <dgm:pt modelId="{1654646E-B700-43F0-A4DF-3F2CDE845ACE}" type="pres">
-      <dgm:prSet presAssocID="{EF60C7CF-38F1-4AC7-9E42-C49EE36006BD}" presName="Name37" presStyleLbl="parChTrans1D4" presStyleIdx="8" presStyleCnt="19"/>
+      <dgm:prSet presAssocID="{EF60C7CF-38F1-4AC7-9E42-C49EE36006BD}" presName="Name37" presStyleLbl="parChTrans1D4" presStyleIdx="8" presStyleCnt="25"/>
       <dgm:spPr/>
     </dgm:pt>
     <dgm:pt modelId="{71E431B6-43E3-43A3-BDCB-FAF28A13FF8A}" type="pres">
@@ -2891,7 +3358,7 @@
       <dgm:spPr/>
     </dgm:pt>
     <dgm:pt modelId="{ED2045F8-A6C8-4F79-B28E-8770AEE160D9}" type="pres">
-      <dgm:prSet presAssocID="{EBA86D59-3726-42E2-B345-8D92D339099F}" presName="rootText" presStyleLbl="node4" presStyleIdx="8" presStyleCnt="19">
+      <dgm:prSet presAssocID="{EBA86D59-3726-42E2-B345-8D92D339099F}" presName="rootText" presStyleLbl="node4" presStyleIdx="8" presStyleCnt="25">
         <dgm:presLayoutVars>
           <dgm:chPref val="3"/>
         </dgm:presLayoutVars>
@@ -2899,7 +3366,7 @@
       <dgm:spPr/>
     </dgm:pt>
     <dgm:pt modelId="{9134E4D5-C5DD-4716-973B-AFA36BE04213}" type="pres">
-      <dgm:prSet presAssocID="{EBA86D59-3726-42E2-B345-8D92D339099F}" presName="rootConnector" presStyleLbl="node4" presStyleIdx="8" presStyleCnt="19"/>
+      <dgm:prSet presAssocID="{EBA86D59-3726-42E2-B345-8D92D339099F}" presName="rootConnector" presStyleLbl="node4" presStyleIdx="8" presStyleCnt="25"/>
       <dgm:spPr/>
     </dgm:pt>
     <dgm:pt modelId="{17545773-5970-482B-BC84-A2EBEFDF71B4}" type="pres">
@@ -2911,7 +3378,7 @@
       <dgm:spPr/>
     </dgm:pt>
     <dgm:pt modelId="{155AA582-9E56-4D90-A5C9-AEE64400B7BE}" type="pres">
-      <dgm:prSet presAssocID="{56164209-A294-4BCB-AF0E-082B3F74BF60}" presName="Name37" presStyleLbl="parChTrans1D4" presStyleIdx="9" presStyleCnt="19"/>
+      <dgm:prSet presAssocID="{56164209-A294-4BCB-AF0E-082B3F74BF60}" presName="Name37" presStyleLbl="parChTrans1D4" presStyleIdx="9" presStyleCnt="25"/>
       <dgm:spPr/>
     </dgm:pt>
     <dgm:pt modelId="{35F99776-B985-4498-98A0-ADD3CB2ACCEF}" type="pres">
@@ -2927,7 +3394,7 @@
       <dgm:spPr/>
     </dgm:pt>
     <dgm:pt modelId="{EF5800B7-53CD-4BB5-81BC-1F3CEB288559}" type="pres">
-      <dgm:prSet presAssocID="{61A55E4D-C1CA-4C1B-B54D-46E1BC4AF538}" presName="rootText" presStyleLbl="node4" presStyleIdx="9" presStyleCnt="19">
+      <dgm:prSet presAssocID="{61A55E4D-C1CA-4C1B-B54D-46E1BC4AF538}" presName="rootText" presStyleLbl="node4" presStyleIdx="9" presStyleCnt="25">
         <dgm:presLayoutVars>
           <dgm:chPref val="3"/>
         </dgm:presLayoutVars>
@@ -2935,7 +3402,7 @@
       <dgm:spPr/>
     </dgm:pt>
     <dgm:pt modelId="{ED00A314-F46C-4815-9755-DFE5E658A250}" type="pres">
-      <dgm:prSet presAssocID="{61A55E4D-C1CA-4C1B-B54D-46E1BC4AF538}" presName="rootConnector" presStyleLbl="node4" presStyleIdx="9" presStyleCnt="19"/>
+      <dgm:prSet presAssocID="{61A55E4D-C1CA-4C1B-B54D-46E1BC4AF538}" presName="rootConnector" presStyleLbl="node4" presStyleIdx="9" presStyleCnt="25"/>
       <dgm:spPr/>
     </dgm:pt>
     <dgm:pt modelId="{A0240B1A-E93A-416D-A438-540EFB1912BE}" type="pres">
@@ -2947,7 +3414,7 @@
       <dgm:spPr/>
     </dgm:pt>
     <dgm:pt modelId="{D3C2C728-0034-4435-B59A-1F965F231805}" type="pres">
-      <dgm:prSet presAssocID="{F571FE02-9A29-4A3F-816F-59C06D9E7932}" presName="Name37" presStyleLbl="parChTrans1D4" presStyleIdx="10" presStyleCnt="19"/>
+      <dgm:prSet presAssocID="{F571FE02-9A29-4A3F-816F-59C06D9E7932}" presName="Name37" presStyleLbl="parChTrans1D4" presStyleIdx="10" presStyleCnt="25"/>
       <dgm:spPr/>
     </dgm:pt>
     <dgm:pt modelId="{8D7D34A9-E567-4EAB-B1D2-21DCD34AF5F3}" type="pres">
@@ -2963,7 +3430,7 @@
       <dgm:spPr/>
     </dgm:pt>
     <dgm:pt modelId="{B28CF3AB-51DA-475E-B82B-EC0F91A64393}" type="pres">
-      <dgm:prSet presAssocID="{F38E4D59-5A8B-4C80-908C-4DC3889D215F}" presName="rootText" presStyleLbl="node4" presStyleIdx="10" presStyleCnt="19">
+      <dgm:prSet presAssocID="{F38E4D59-5A8B-4C80-908C-4DC3889D215F}" presName="rootText" presStyleLbl="node4" presStyleIdx="10" presStyleCnt="25">
         <dgm:presLayoutVars>
           <dgm:chPref val="3"/>
         </dgm:presLayoutVars>
@@ -2971,7 +3438,7 @@
       <dgm:spPr/>
     </dgm:pt>
     <dgm:pt modelId="{D0A1DAEE-65AD-44C5-A5BB-0FA32B7E3FF5}" type="pres">
-      <dgm:prSet presAssocID="{F38E4D59-5A8B-4C80-908C-4DC3889D215F}" presName="rootConnector" presStyleLbl="node4" presStyleIdx="10" presStyleCnt="19"/>
+      <dgm:prSet presAssocID="{F38E4D59-5A8B-4C80-908C-4DC3889D215F}" presName="rootConnector" presStyleLbl="node4" presStyleIdx="10" presStyleCnt="25"/>
       <dgm:spPr/>
     </dgm:pt>
     <dgm:pt modelId="{6EDD97D4-1890-4922-A38C-396AB71FC7BA}" type="pres">
@@ -2983,7 +3450,7 @@
       <dgm:spPr/>
     </dgm:pt>
     <dgm:pt modelId="{71BBCBFB-0AC5-46C1-862C-3D6F26B2ED14}" type="pres">
-      <dgm:prSet presAssocID="{A620CFBC-4677-4F00-A0AE-079C622F1CBF}" presName="Name37" presStyleLbl="parChTrans1D4" presStyleIdx="11" presStyleCnt="19"/>
+      <dgm:prSet presAssocID="{A620CFBC-4677-4F00-A0AE-079C622F1CBF}" presName="Name37" presStyleLbl="parChTrans1D4" presStyleIdx="11" presStyleCnt="25"/>
       <dgm:spPr/>
     </dgm:pt>
     <dgm:pt modelId="{40CBE7EE-6C01-4587-9A2F-658B93520D95}" type="pres">
@@ -2999,7 +3466,7 @@
       <dgm:spPr/>
     </dgm:pt>
     <dgm:pt modelId="{28FCD01F-0879-4733-BB4A-FC4609767266}" type="pres">
-      <dgm:prSet presAssocID="{23F0C554-ADA8-4D72-B47E-101D2303096B}" presName="rootText" presStyleLbl="node4" presStyleIdx="11" presStyleCnt="19">
+      <dgm:prSet presAssocID="{23F0C554-ADA8-4D72-B47E-101D2303096B}" presName="rootText" presStyleLbl="node4" presStyleIdx="11" presStyleCnt="25">
         <dgm:presLayoutVars>
           <dgm:chPref val="3"/>
         </dgm:presLayoutVars>
@@ -3007,7 +3474,7 @@
       <dgm:spPr/>
     </dgm:pt>
     <dgm:pt modelId="{D10DAC80-29FB-425F-870E-7697815DA527}" type="pres">
-      <dgm:prSet presAssocID="{23F0C554-ADA8-4D72-B47E-101D2303096B}" presName="rootConnector" presStyleLbl="node4" presStyleIdx="11" presStyleCnt="19"/>
+      <dgm:prSet presAssocID="{23F0C554-ADA8-4D72-B47E-101D2303096B}" presName="rootConnector" presStyleLbl="node4" presStyleIdx="11" presStyleCnt="25"/>
       <dgm:spPr/>
     </dgm:pt>
     <dgm:pt modelId="{95F7D50D-39C3-4239-9794-BF20408F351D}" type="pres">
@@ -3023,7 +3490,7 @@
       <dgm:spPr/>
     </dgm:pt>
     <dgm:pt modelId="{E9E58B34-3DB5-49E1-90B2-DBDA347732D8}" type="pres">
-      <dgm:prSet presAssocID="{D4808004-6744-4DE0-BF52-ADE44CBE4E8E}" presName="Name37" presStyleLbl="parChTrans1D3" presStyleIdx="3" presStyleCnt="15"/>
+      <dgm:prSet presAssocID="{D4808004-6744-4DE0-BF52-ADE44CBE4E8E}" presName="Name37" presStyleLbl="parChTrans1D3" presStyleIdx="3" presStyleCnt="19"/>
       <dgm:spPr/>
     </dgm:pt>
     <dgm:pt modelId="{2616D3D1-1717-4A3A-9011-36EC8214C8F7}" type="pres">
@@ -3039,7 +3506,7 @@
       <dgm:spPr/>
     </dgm:pt>
     <dgm:pt modelId="{03E1208D-9199-4480-8A55-8BF4D2FB0181}" type="pres">
-      <dgm:prSet presAssocID="{DFE6D902-C1F0-45EC-8A12-20646837D38B}" presName="rootText" presStyleLbl="node3" presStyleIdx="3" presStyleCnt="15">
+      <dgm:prSet presAssocID="{DFE6D902-C1F0-45EC-8A12-20646837D38B}" presName="rootText" presStyleLbl="node3" presStyleIdx="3" presStyleCnt="19">
         <dgm:presLayoutVars>
           <dgm:chPref val="3"/>
         </dgm:presLayoutVars>
@@ -3047,7 +3514,7 @@
       <dgm:spPr/>
     </dgm:pt>
     <dgm:pt modelId="{7E770E00-EE7D-4C62-9DB2-35ADE63EA56F}" type="pres">
-      <dgm:prSet presAssocID="{DFE6D902-C1F0-45EC-8A12-20646837D38B}" presName="rootConnector" presStyleLbl="node3" presStyleIdx="3" presStyleCnt="15"/>
+      <dgm:prSet presAssocID="{DFE6D902-C1F0-45EC-8A12-20646837D38B}" presName="rootConnector" presStyleLbl="node3" presStyleIdx="3" presStyleCnt="19"/>
       <dgm:spPr/>
     </dgm:pt>
     <dgm:pt modelId="{53D33895-8E70-42AA-A5CC-8EEDE1A113BC}" type="pres">
@@ -3055,7 +3522,7 @@
       <dgm:spPr/>
     </dgm:pt>
     <dgm:pt modelId="{9D505DC0-0CA4-42FD-A783-B4DC29FDF4F7}" type="pres">
-      <dgm:prSet presAssocID="{05734CC5-C5CD-4195-8DB8-696EC3ECEB40}" presName="Name37" presStyleLbl="parChTrans1D4" presStyleIdx="12" presStyleCnt="19"/>
+      <dgm:prSet presAssocID="{05734CC5-C5CD-4195-8DB8-696EC3ECEB40}" presName="Name37" presStyleLbl="parChTrans1D4" presStyleIdx="12" presStyleCnt="25"/>
       <dgm:spPr/>
     </dgm:pt>
     <dgm:pt modelId="{8FE0E2A7-DC3C-4780-8B00-C246E24EFA4D}" type="pres">
@@ -3071,7 +3538,7 @@
       <dgm:spPr/>
     </dgm:pt>
     <dgm:pt modelId="{742766C1-D710-4A2B-A1A0-2BE9A6F858EE}" type="pres">
-      <dgm:prSet presAssocID="{CBC43A12-5813-4358-B60D-2638B8011A63}" presName="rootText" presStyleLbl="node4" presStyleIdx="12" presStyleCnt="19">
+      <dgm:prSet presAssocID="{CBC43A12-5813-4358-B60D-2638B8011A63}" presName="rootText" presStyleLbl="node4" presStyleIdx="12" presStyleCnt="25">
         <dgm:presLayoutVars>
           <dgm:chPref val="3"/>
         </dgm:presLayoutVars>
@@ -3079,7 +3546,7 @@
       <dgm:spPr/>
     </dgm:pt>
     <dgm:pt modelId="{256A4C32-4105-4AD5-A87C-B487419B77EE}" type="pres">
-      <dgm:prSet presAssocID="{CBC43A12-5813-4358-B60D-2638B8011A63}" presName="rootConnector" presStyleLbl="node4" presStyleIdx="12" presStyleCnt="19"/>
+      <dgm:prSet presAssocID="{CBC43A12-5813-4358-B60D-2638B8011A63}" presName="rootConnector" presStyleLbl="node4" presStyleIdx="12" presStyleCnt="25"/>
       <dgm:spPr/>
     </dgm:pt>
     <dgm:pt modelId="{A31C491E-8A1F-4431-8140-39F861980218}" type="pres">
@@ -3091,7 +3558,7 @@
       <dgm:spPr/>
     </dgm:pt>
     <dgm:pt modelId="{C3DC670A-2876-47B5-8CC2-9D18058A704B}" type="pres">
-      <dgm:prSet presAssocID="{E7DBAAEA-8398-4D62-8DF0-9F178882E39D}" presName="Name37" presStyleLbl="parChTrans1D4" presStyleIdx="13" presStyleCnt="19"/>
+      <dgm:prSet presAssocID="{E7DBAAEA-8398-4D62-8DF0-9F178882E39D}" presName="Name37" presStyleLbl="parChTrans1D4" presStyleIdx="13" presStyleCnt="25"/>
       <dgm:spPr/>
     </dgm:pt>
     <dgm:pt modelId="{E103DBD6-B0D1-4228-B606-087EDAA9425D}" type="pres">
@@ -3107,7 +3574,7 @@
       <dgm:spPr/>
     </dgm:pt>
     <dgm:pt modelId="{19399AEB-8086-4479-84A5-002EFD721B19}" type="pres">
-      <dgm:prSet presAssocID="{63DBDE3E-FB16-4FE7-A2DD-5761F25A838E}" presName="rootText" presStyleLbl="node4" presStyleIdx="13" presStyleCnt="19">
+      <dgm:prSet presAssocID="{63DBDE3E-FB16-4FE7-A2DD-5761F25A838E}" presName="rootText" presStyleLbl="node4" presStyleIdx="13" presStyleCnt="25">
         <dgm:presLayoutVars>
           <dgm:chPref val="3"/>
         </dgm:presLayoutVars>
@@ -3115,7 +3582,7 @@
       <dgm:spPr/>
     </dgm:pt>
     <dgm:pt modelId="{B8F86924-315E-4E6B-A582-BDB16EB20C67}" type="pres">
-      <dgm:prSet presAssocID="{63DBDE3E-FB16-4FE7-A2DD-5761F25A838E}" presName="rootConnector" presStyleLbl="node4" presStyleIdx="13" presStyleCnt="19"/>
+      <dgm:prSet presAssocID="{63DBDE3E-FB16-4FE7-A2DD-5761F25A838E}" presName="rootConnector" presStyleLbl="node4" presStyleIdx="13" presStyleCnt="25"/>
       <dgm:spPr/>
     </dgm:pt>
     <dgm:pt modelId="{314949BA-154E-4DD7-AC4C-D369A372D455}" type="pres">
@@ -3135,7 +3602,7 @@
       <dgm:spPr/>
     </dgm:pt>
     <dgm:pt modelId="{B9F2F0E6-978D-4523-93F3-B7D529FDC38D}" type="pres">
-      <dgm:prSet presAssocID="{C50F4A9C-BCF5-44B6-B487-A443E7B7B8F2}" presName="Name37" presStyleLbl="parChTrans1D2" presStyleIdx="2" presStyleCnt="7"/>
+      <dgm:prSet presAssocID="{C50F4A9C-BCF5-44B6-B487-A443E7B7B8F2}" presName="Name37" presStyleLbl="parChTrans1D2" presStyleIdx="2" presStyleCnt="8"/>
       <dgm:spPr/>
     </dgm:pt>
     <dgm:pt modelId="{D9270022-5D7D-4074-9922-C7DA959B1084}" type="pres">
@@ -3151,7 +3618,7 @@
       <dgm:spPr/>
     </dgm:pt>
     <dgm:pt modelId="{2B121127-3C0F-42A0-8C95-7211B5EA1923}" type="pres">
-      <dgm:prSet presAssocID="{F334360A-9F80-4845-908D-1820F9D9FCD8}" presName="rootText" presStyleLbl="node2" presStyleIdx="2" presStyleCnt="7">
+      <dgm:prSet presAssocID="{F334360A-9F80-4845-908D-1820F9D9FCD8}" presName="rootText" presStyleLbl="node2" presStyleIdx="2" presStyleCnt="8">
         <dgm:presLayoutVars>
           <dgm:chPref val="3"/>
         </dgm:presLayoutVars>
@@ -3159,7 +3626,7 @@
       <dgm:spPr/>
     </dgm:pt>
     <dgm:pt modelId="{80F8EC28-6414-48F8-860A-189C36080617}" type="pres">
-      <dgm:prSet presAssocID="{F334360A-9F80-4845-908D-1820F9D9FCD8}" presName="rootConnector" presStyleLbl="node2" presStyleIdx="2" presStyleCnt="7"/>
+      <dgm:prSet presAssocID="{F334360A-9F80-4845-908D-1820F9D9FCD8}" presName="rootConnector" presStyleLbl="node2" presStyleIdx="2" presStyleCnt="8"/>
       <dgm:spPr/>
     </dgm:pt>
     <dgm:pt modelId="{334984DF-60D3-42BC-9022-6358F7F97873}" type="pres">
@@ -3167,7 +3634,7 @@
       <dgm:spPr/>
     </dgm:pt>
     <dgm:pt modelId="{926855A0-4E86-46A1-BB6E-9E6EAAE30FFE}" type="pres">
-      <dgm:prSet presAssocID="{254F9696-6368-4A6B-9B16-F9B20CABE176}" presName="Name37" presStyleLbl="parChTrans1D3" presStyleIdx="4" presStyleCnt="15"/>
+      <dgm:prSet presAssocID="{254F9696-6368-4A6B-9B16-F9B20CABE176}" presName="Name37" presStyleLbl="parChTrans1D3" presStyleIdx="4" presStyleCnt="19"/>
       <dgm:spPr/>
     </dgm:pt>
     <dgm:pt modelId="{6B76293A-8961-4BCA-8E2F-71C926D50895}" type="pres">
@@ -3183,7 +3650,7 @@
       <dgm:spPr/>
     </dgm:pt>
     <dgm:pt modelId="{A75AE4FA-D1E2-4CD3-ADEA-E37013F9A276}" type="pres">
-      <dgm:prSet presAssocID="{F80C9C15-BAC3-4A67-9279-18486BB5FF2B}" presName="rootText" presStyleLbl="node3" presStyleIdx="4" presStyleCnt="15">
+      <dgm:prSet presAssocID="{F80C9C15-BAC3-4A67-9279-18486BB5FF2B}" presName="rootText" presStyleLbl="node3" presStyleIdx="4" presStyleCnt="19">
         <dgm:presLayoutVars>
           <dgm:chPref val="3"/>
         </dgm:presLayoutVars>
@@ -3191,7 +3658,7 @@
       <dgm:spPr/>
     </dgm:pt>
     <dgm:pt modelId="{FD1002E1-4621-4E38-A78C-69C6E145C2D3}" type="pres">
-      <dgm:prSet presAssocID="{F80C9C15-BAC3-4A67-9279-18486BB5FF2B}" presName="rootConnector" presStyleLbl="node3" presStyleIdx="4" presStyleCnt="15"/>
+      <dgm:prSet presAssocID="{F80C9C15-BAC3-4A67-9279-18486BB5FF2B}" presName="rootConnector" presStyleLbl="node3" presStyleIdx="4" presStyleCnt="19"/>
       <dgm:spPr/>
     </dgm:pt>
     <dgm:pt modelId="{C504521C-34D5-466B-8631-FC0DE7BCB49F}" type="pres">
@@ -3203,7 +3670,7 @@
       <dgm:spPr/>
     </dgm:pt>
     <dgm:pt modelId="{89EDA589-F069-4403-81A3-CA0CFF8EE272}" type="pres">
-      <dgm:prSet presAssocID="{FFFBDE82-E268-4C5B-BF61-D141A9F3DCBB}" presName="Name37" presStyleLbl="parChTrans1D3" presStyleIdx="5" presStyleCnt="15"/>
+      <dgm:prSet presAssocID="{FFFBDE82-E268-4C5B-BF61-D141A9F3DCBB}" presName="Name37" presStyleLbl="parChTrans1D3" presStyleIdx="5" presStyleCnt="19"/>
       <dgm:spPr/>
     </dgm:pt>
     <dgm:pt modelId="{6C686A87-C3CE-4434-B6D2-4C8695952FFE}" type="pres">
@@ -3219,7 +3686,7 @@
       <dgm:spPr/>
     </dgm:pt>
     <dgm:pt modelId="{1FF8F8EB-3AB8-41EF-A7AF-66FF695C8584}" type="pres">
-      <dgm:prSet presAssocID="{4D8CF323-12B1-4B16-8069-FC05F92BB2F3}" presName="rootText" presStyleLbl="node3" presStyleIdx="5" presStyleCnt="15">
+      <dgm:prSet presAssocID="{4D8CF323-12B1-4B16-8069-FC05F92BB2F3}" presName="rootText" presStyleLbl="node3" presStyleIdx="5" presStyleCnt="19">
         <dgm:presLayoutVars>
           <dgm:chPref val="3"/>
         </dgm:presLayoutVars>
@@ -3227,7 +3694,7 @@
       <dgm:spPr/>
     </dgm:pt>
     <dgm:pt modelId="{E7947EAE-E993-49FB-B233-6E44A4C10A09}" type="pres">
-      <dgm:prSet presAssocID="{4D8CF323-12B1-4B16-8069-FC05F92BB2F3}" presName="rootConnector" presStyleLbl="node3" presStyleIdx="5" presStyleCnt="15"/>
+      <dgm:prSet presAssocID="{4D8CF323-12B1-4B16-8069-FC05F92BB2F3}" presName="rootConnector" presStyleLbl="node3" presStyleIdx="5" presStyleCnt="19"/>
       <dgm:spPr/>
     </dgm:pt>
     <dgm:pt modelId="{875BCAD1-3DA4-4A0B-9F1E-AB7F699EFEEA}" type="pres">
@@ -3243,7 +3710,7 @@
       <dgm:spPr/>
     </dgm:pt>
     <dgm:pt modelId="{867356C8-C49D-435C-9D1F-0CE0869E8EDD}" type="pres">
-      <dgm:prSet presAssocID="{16D3ADD6-C288-4EE3-80F2-E3A37C2BD2D6}" presName="Name37" presStyleLbl="parChTrans1D2" presStyleIdx="3" presStyleCnt="7"/>
+      <dgm:prSet presAssocID="{16D3ADD6-C288-4EE3-80F2-E3A37C2BD2D6}" presName="Name37" presStyleLbl="parChTrans1D2" presStyleIdx="3" presStyleCnt="8"/>
       <dgm:spPr/>
     </dgm:pt>
     <dgm:pt modelId="{0E08B845-E8CA-494A-83AE-04B37E25EAF8}" type="pres">
@@ -3259,7 +3726,7 @@
       <dgm:spPr/>
     </dgm:pt>
     <dgm:pt modelId="{CF670E3F-0472-4175-BBAA-AD3AFC470DB1}" type="pres">
-      <dgm:prSet presAssocID="{AF2D367B-7717-47A9-A98A-87A07E5F8BC8}" presName="rootText" presStyleLbl="node2" presStyleIdx="3" presStyleCnt="7">
+      <dgm:prSet presAssocID="{AF2D367B-7717-47A9-A98A-87A07E5F8BC8}" presName="rootText" presStyleLbl="node2" presStyleIdx="3" presStyleCnt="8">
         <dgm:presLayoutVars>
           <dgm:chPref val="3"/>
         </dgm:presLayoutVars>
@@ -3267,7 +3734,7 @@
       <dgm:spPr/>
     </dgm:pt>
     <dgm:pt modelId="{C989A800-18DF-4436-99F5-FACE40C4D818}" type="pres">
-      <dgm:prSet presAssocID="{AF2D367B-7717-47A9-A98A-87A07E5F8BC8}" presName="rootConnector" presStyleLbl="node2" presStyleIdx="3" presStyleCnt="7"/>
+      <dgm:prSet presAssocID="{AF2D367B-7717-47A9-A98A-87A07E5F8BC8}" presName="rootConnector" presStyleLbl="node2" presStyleIdx="3" presStyleCnt="8"/>
       <dgm:spPr/>
     </dgm:pt>
     <dgm:pt modelId="{BDA2F10E-7091-4CF4-A26E-F4A896EFA4D4}" type="pres">
@@ -3275,7 +3742,7 @@
       <dgm:spPr/>
     </dgm:pt>
     <dgm:pt modelId="{E3536E5B-73BB-4C1F-89A3-029ACC533BBE}" type="pres">
-      <dgm:prSet presAssocID="{9F71C7A7-19FE-4A4A-BF1A-0E03E0ADA4F1}" presName="Name37" presStyleLbl="parChTrans1D3" presStyleIdx="6" presStyleCnt="15"/>
+      <dgm:prSet presAssocID="{9F71C7A7-19FE-4A4A-BF1A-0E03E0ADA4F1}" presName="Name37" presStyleLbl="parChTrans1D3" presStyleIdx="6" presStyleCnt="19"/>
       <dgm:spPr/>
     </dgm:pt>
     <dgm:pt modelId="{3285F5FE-541D-49AA-AE18-BEC49BB13C2C}" type="pres">
@@ -3291,7 +3758,7 @@
       <dgm:spPr/>
     </dgm:pt>
     <dgm:pt modelId="{DA38BE30-0588-4AAC-AAF3-2B6624808275}" type="pres">
-      <dgm:prSet presAssocID="{82181E53-5F12-483B-9CE2-B587765BB29F}" presName="rootText" presStyleLbl="node3" presStyleIdx="6" presStyleCnt="15">
+      <dgm:prSet presAssocID="{82181E53-5F12-483B-9CE2-B587765BB29F}" presName="rootText" presStyleLbl="node3" presStyleIdx="6" presStyleCnt="19">
         <dgm:presLayoutVars>
           <dgm:chPref val="3"/>
         </dgm:presLayoutVars>
@@ -3299,7 +3766,7 @@
       <dgm:spPr/>
     </dgm:pt>
     <dgm:pt modelId="{0B1AE79A-DF0A-46C9-9B7E-42B391879BC5}" type="pres">
-      <dgm:prSet presAssocID="{82181E53-5F12-483B-9CE2-B587765BB29F}" presName="rootConnector" presStyleLbl="node3" presStyleIdx="6" presStyleCnt="15"/>
+      <dgm:prSet presAssocID="{82181E53-5F12-483B-9CE2-B587765BB29F}" presName="rootConnector" presStyleLbl="node3" presStyleIdx="6" presStyleCnt="19"/>
       <dgm:spPr/>
     </dgm:pt>
     <dgm:pt modelId="{6CE46C3D-F245-4F72-93A0-DE50D31B8670}" type="pres">
@@ -3311,7 +3778,7 @@
       <dgm:spPr/>
     </dgm:pt>
     <dgm:pt modelId="{FC9E8913-456F-47CB-887D-E1CF48424D59}" type="pres">
-      <dgm:prSet presAssocID="{8C57787D-07A2-43E8-959F-4BE62CD17D61}" presName="Name37" presStyleLbl="parChTrans1D3" presStyleIdx="7" presStyleCnt="15"/>
+      <dgm:prSet presAssocID="{8C57787D-07A2-43E8-959F-4BE62CD17D61}" presName="Name37" presStyleLbl="parChTrans1D3" presStyleIdx="7" presStyleCnt="19"/>
       <dgm:spPr/>
     </dgm:pt>
     <dgm:pt modelId="{212ABD9B-4341-48E5-A4A4-1BB588828F3E}" type="pres">
@@ -3327,7 +3794,7 @@
       <dgm:spPr/>
     </dgm:pt>
     <dgm:pt modelId="{C040A16D-0BA3-42D0-ABD6-2AA062BD15CF}" type="pres">
-      <dgm:prSet presAssocID="{96A7C435-DEB8-4C87-BDF6-5C5364259D4E}" presName="rootText" presStyleLbl="node3" presStyleIdx="7" presStyleCnt="15">
+      <dgm:prSet presAssocID="{96A7C435-DEB8-4C87-BDF6-5C5364259D4E}" presName="rootText" presStyleLbl="node3" presStyleIdx="7" presStyleCnt="19">
         <dgm:presLayoutVars>
           <dgm:chPref val="3"/>
         </dgm:presLayoutVars>
@@ -3335,7 +3802,7 @@
       <dgm:spPr/>
     </dgm:pt>
     <dgm:pt modelId="{BE399428-E649-453F-A68B-4619A82A76EF}" type="pres">
-      <dgm:prSet presAssocID="{96A7C435-DEB8-4C87-BDF6-5C5364259D4E}" presName="rootConnector" presStyleLbl="node3" presStyleIdx="7" presStyleCnt="15"/>
+      <dgm:prSet presAssocID="{96A7C435-DEB8-4C87-BDF6-5C5364259D4E}" presName="rootConnector" presStyleLbl="node3" presStyleIdx="7" presStyleCnt="19"/>
       <dgm:spPr/>
     </dgm:pt>
     <dgm:pt modelId="{11D20FAD-CF9F-457C-9BCE-4E33D4165B8A}" type="pres">
@@ -3347,7 +3814,7 @@
       <dgm:spPr/>
     </dgm:pt>
     <dgm:pt modelId="{39189F5E-EBE4-49B5-AD46-D7FA888CF6CE}" type="pres">
-      <dgm:prSet presAssocID="{4E810720-9C47-4DFE-B1E4-B2002C5E18B1}" presName="Name37" presStyleLbl="parChTrans1D3" presStyleIdx="8" presStyleCnt="15"/>
+      <dgm:prSet presAssocID="{4E810720-9C47-4DFE-B1E4-B2002C5E18B1}" presName="Name37" presStyleLbl="parChTrans1D3" presStyleIdx="8" presStyleCnt="19"/>
       <dgm:spPr/>
     </dgm:pt>
     <dgm:pt modelId="{557E12A9-9576-48B3-8BDC-DE5A9E0A6060}" type="pres">
@@ -3363,7 +3830,7 @@
       <dgm:spPr/>
     </dgm:pt>
     <dgm:pt modelId="{03DB92FA-2EB9-4807-9F7C-221556379257}" type="pres">
-      <dgm:prSet presAssocID="{3065D15D-78A0-42CA-96B4-E28AD128FEB3}" presName="rootText" presStyleLbl="node3" presStyleIdx="8" presStyleCnt="15">
+      <dgm:prSet presAssocID="{3065D15D-78A0-42CA-96B4-E28AD128FEB3}" presName="rootText" presStyleLbl="node3" presStyleIdx="8" presStyleCnt="19">
         <dgm:presLayoutVars>
           <dgm:chPref val="3"/>
         </dgm:presLayoutVars>
@@ -3371,7 +3838,7 @@
       <dgm:spPr/>
     </dgm:pt>
     <dgm:pt modelId="{A285A38A-284E-454D-811E-442D20D3DA8A}" type="pres">
-      <dgm:prSet presAssocID="{3065D15D-78A0-42CA-96B4-E28AD128FEB3}" presName="rootConnector" presStyleLbl="node3" presStyleIdx="8" presStyleCnt="15"/>
+      <dgm:prSet presAssocID="{3065D15D-78A0-42CA-96B4-E28AD128FEB3}" presName="rootConnector" presStyleLbl="node3" presStyleIdx="8" presStyleCnt="19"/>
       <dgm:spPr/>
     </dgm:pt>
     <dgm:pt modelId="{2F886F8B-F644-43E1-BE57-55E1D2116367}" type="pres">
@@ -3382,12 +3849,48 @@
       <dgm:prSet presAssocID="{3065D15D-78A0-42CA-96B4-E28AD128FEB3}" presName="hierChild5" presStyleCnt="0"/>
       <dgm:spPr/>
     </dgm:pt>
+    <dgm:pt modelId="{59920D26-7BAC-4C39-8E33-9F0BA8942D26}" type="pres">
+      <dgm:prSet presAssocID="{7E585162-3716-4E4E-ACC4-E3C3D5B9B6B5}" presName="Name37" presStyleLbl="parChTrans1D3" presStyleIdx="9" presStyleCnt="19"/>
+      <dgm:spPr/>
+    </dgm:pt>
+    <dgm:pt modelId="{A24F4769-1EC1-432F-A742-0C568F842C3C}" type="pres">
+      <dgm:prSet presAssocID="{5C8753B6-CD57-4433-A23A-9EBA3691FFE7}" presName="hierRoot2" presStyleCnt="0">
+        <dgm:presLayoutVars>
+          <dgm:hierBranch val="init"/>
+        </dgm:presLayoutVars>
+      </dgm:prSet>
+      <dgm:spPr/>
+    </dgm:pt>
+    <dgm:pt modelId="{D8E5BAB4-4509-422F-8A02-18907E5A1D09}" type="pres">
+      <dgm:prSet presAssocID="{5C8753B6-CD57-4433-A23A-9EBA3691FFE7}" presName="rootComposite" presStyleCnt="0"/>
+      <dgm:spPr/>
+    </dgm:pt>
+    <dgm:pt modelId="{4B18B7B1-7EA9-40C2-BF5C-1E278EEE8599}" type="pres">
+      <dgm:prSet presAssocID="{5C8753B6-CD57-4433-A23A-9EBA3691FFE7}" presName="rootText" presStyleLbl="node3" presStyleIdx="9" presStyleCnt="19">
+        <dgm:presLayoutVars>
+          <dgm:chPref val="3"/>
+        </dgm:presLayoutVars>
+      </dgm:prSet>
+      <dgm:spPr/>
+    </dgm:pt>
+    <dgm:pt modelId="{14B4AAE6-43AF-4B25-ACF0-A9CE568A9378}" type="pres">
+      <dgm:prSet presAssocID="{5C8753B6-CD57-4433-A23A-9EBA3691FFE7}" presName="rootConnector" presStyleLbl="node3" presStyleIdx="9" presStyleCnt="19"/>
+      <dgm:spPr/>
+    </dgm:pt>
+    <dgm:pt modelId="{2425DD9E-10B3-458A-9C4C-D837C903CBBF}" type="pres">
+      <dgm:prSet presAssocID="{5C8753B6-CD57-4433-A23A-9EBA3691FFE7}" presName="hierChild4" presStyleCnt="0"/>
+      <dgm:spPr/>
+    </dgm:pt>
+    <dgm:pt modelId="{9F422D0C-D48A-42B9-8A85-0058B19F2B65}" type="pres">
+      <dgm:prSet presAssocID="{5C8753B6-CD57-4433-A23A-9EBA3691FFE7}" presName="hierChild5" presStyleCnt="0"/>
+      <dgm:spPr/>
+    </dgm:pt>
     <dgm:pt modelId="{36E7E729-F29D-4052-950C-E09B543CCAF9}" type="pres">
       <dgm:prSet presAssocID="{AF2D367B-7717-47A9-A98A-87A07E5F8BC8}" presName="hierChild5" presStyleCnt="0"/>
       <dgm:spPr/>
     </dgm:pt>
     <dgm:pt modelId="{32F1FC82-1A42-495A-BFB2-6546967E7A96}" type="pres">
-      <dgm:prSet presAssocID="{0CF0CD37-9568-455A-B39A-39C06C09B411}" presName="Name37" presStyleLbl="parChTrans1D2" presStyleIdx="4" presStyleCnt="7"/>
+      <dgm:prSet presAssocID="{0CF0CD37-9568-455A-B39A-39C06C09B411}" presName="Name37" presStyleLbl="parChTrans1D2" presStyleIdx="4" presStyleCnt="8"/>
       <dgm:spPr/>
     </dgm:pt>
     <dgm:pt modelId="{8D474666-A92E-4F62-80CD-4C729C3868E3}" type="pres">
@@ -3403,7 +3906,7 @@
       <dgm:spPr/>
     </dgm:pt>
     <dgm:pt modelId="{E077F9B5-D8D9-45B1-AD44-E792AD48DD90}" type="pres">
-      <dgm:prSet presAssocID="{3F9C6CB2-16D8-46ED-89FF-53E05F5D7BFC}" presName="rootText" presStyleLbl="node2" presStyleIdx="4" presStyleCnt="7">
+      <dgm:prSet presAssocID="{3F9C6CB2-16D8-46ED-89FF-53E05F5D7BFC}" presName="rootText" presStyleLbl="node2" presStyleIdx="4" presStyleCnt="8">
         <dgm:presLayoutVars>
           <dgm:chPref val="3"/>
         </dgm:presLayoutVars>
@@ -3411,7 +3914,7 @@
       <dgm:spPr/>
     </dgm:pt>
     <dgm:pt modelId="{0F436AB1-0478-4FFD-A60A-504790C30A17}" type="pres">
-      <dgm:prSet presAssocID="{3F9C6CB2-16D8-46ED-89FF-53E05F5D7BFC}" presName="rootConnector" presStyleLbl="node2" presStyleIdx="4" presStyleCnt="7"/>
+      <dgm:prSet presAssocID="{3F9C6CB2-16D8-46ED-89FF-53E05F5D7BFC}" presName="rootConnector" presStyleLbl="node2" presStyleIdx="4" presStyleCnt="8"/>
       <dgm:spPr/>
     </dgm:pt>
     <dgm:pt modelId="{D9E3C06A-242A-4775-A9C6-079CD6D8F724}" type="pres">
@@ -3419,7 +3922,7 @@
       <dgm:spPr/>
     </dgm:pt>
     <dgm:pt modelId="{A1D2A1DB-04EB-4B0A-92B4-9AF5159B942D}" type="pres">
-      <dgm:prSet presAssocID="{B7887A8E-4EFA-4497-AB7B-E1E0B2B9A065}" presName="Name37" presStyleLbl="parChTrans1D3" presStyleIdx="9" presStyleCnt="15"/>
+      <dgm:prSet presAssocID="{B7887A8E-4EFA-4497-AB7B-E1E0B2B9A065}" presName="Name37" presStyleLbl="parChTrans1D3" presStyleIdx="10" presStyleCnt="19"/>
       <dgm:spPr/>
     </dgm:pt>
     <dgm:pt modelId="{73D96D1E-43D3-41D2-8294-CF804671A95A}" type="pres">
@@ -3435,7 +3938,7 @@
       <dgm:spPr/>
     </dgm:pt>
     <dgm:pt modelId="{3B0B8300-9157-4D20-818B-3BF6BE11462A}" type="pres">
-      <dgm:prSet presAssocID="{081A926D-3601-4AD4-9C3F-AA1B42827321}" presName="rootText" presStyleLbl="node3" presStyleIdx="9" presStyleCnt="15">
+      <dgm:prSet presAssocID="{081A926D-3601-4AD4-9C3F-AA1B42827321}" presName="rootText" presStyleLbl="node3" presStyleIdx="10" presStyleCnt="19">
         <dgm:presLayoutVars>
           <dgm:chPref val="3"/>
         </dgm:presLayoutVars>
@@ -3443,7 +3946,7 @@
       <dgm:spPr/>
     </dgm:pt>
     <dgm:pt modelId="{23004019-77E9-4B24-B5FC-F1E651D02BAD}" type="pres">
-      <dgm:prSet presAssocID="{081A926D-3601-4AD4-9C3F-AA1B42827321}" presName="rootConnector" presStyleLbl="node3" presStyleIdx="9" presStyleCnt="15"/>
+      <dgm:prSet presAssocID="{081A926D-3601-4AD4-9C3F-AA1B42827321}" presName="rootConnector" presStyleLbl="node3" presStyleIdx="10" presStyleCnt="19"/>
       <dgm:spPr/>
     </dgm:pt>
     <dgm:pt modelId="{B7CF5D3A-1B31-49DC-9790-18619B4BE6B5}" type="pres">
@@ -3455,7 +3958,7 @@
       <dgm:spPr/>
     </dgm:pt>
     <dgm:pt modelId="{C43C7D77-F20E-4A8B-880A-98C1DC7253D8}" type="pres">
-      <dgm:prSet presAssocID="{B38A3A0F-49D0-4FAF-AADA-147492C6DC82}" presName="Name37" presStyleLbl="parChTrans1D3" presStyleIdx="10" presStyleCnt="15"/>
+      <dgm:prSet presAssocID="{B38A3A0F-49D0-4FAF-AADA-147492C6DC82}" presName="Name37" presStyleLbl="parChTrans1D3" presStyleIdx="11" presStyleCnt="19"/>
       <dgm:spPr/>
     </dgm:pt>
     <dgm:pt modelId="{01460E3F-98FE-4766-97FF-05B7DA72CF0B}" type="pres">
@@ -3471,7 +3974,7 @@
       <dgm:spPr/>
     </dgm:pt>
     <dgm:pt modelId="{A68F3FBC-9C6E-4B52-880C-15B68BDE4E67}" type="pres">
-      <dgm:prSet presAssocID="{169B363C-496A-4520-9CC2-074A568D2914}" presName="rootText" presStyleLbl="node3" presStyleIdx="10" presStyleCnt="15">
+      <dgm:prSet presAssocID="{169B363C-496A-4520-9CC2-074A568D2914}" presName="rootText" presStyleLbl="node3" presStyleIdx="11" presStyleCnt="19">
         <dgm:presLayoutVars>
           <dgm:chPref val="3"/>
         </dgm:presLayoutVars>
@@ -3479,7 +3982,7 @@
       <dgm:spPr/>
     </dgm:pt>
     <dgm:pt modelId="{0540559D-DE75-4E1E-B24C-64EC8A980AD6}" type="pres">
-      <dgm:prSet presAssocID="{169B363C-496A-4520-9CC2-074A568D2914}" presName="rootConnector" presStyleLbl="node3" presStyleIdx="10" presStyleCnt="15"/>
+      <dgm:prSet presAssocID="{169B363C-496A-4520-9CC2-074A568D2914}" presName="rootConnector" presStyleLbl="node3" presStyleIdx="11" presStyleCnt="19"/>
       <dgm:spPr/>
     </dgm:pt>
     <dgm:pt modelId="{308233BD-EF3F-4B95-9160-13D8504A5DEA}" type="pres">
@@ -3491,7 +3994,7 @@
       <dgm:spPr/>
     </dgm:pt>
     <dgm:pt modelId="{3E7702F9-24D9-4463-8706-6249557331D0}" type="pres">
-      <dgm:prSet presAssocID="{622CCCB1-753F-43B9-95C7-B352E5E1FC41}" presName="Name37" presStyleLbl="parChTrans1D3" presStyleIdx="11" presStyleCnt="15"/>
+      <dgm:prSet presAssocID="{622CCCB1-753F-43B9-95C7-B352E5E1FC41}" presName="Name37" presStyleLbl="parChTrans1D3" presStyleIdx="12" presStyleCnt="19"/>
       <dgm:spPr/>
     </dgm:pt>
     <dgm:pt modelId="{4B7A7A31-8B62-4094-A5D5-B1F392B44DA3}" type="pres">
@@ -3507,7 +4010,7 @@
       <dgm:spPr/>
     </dgm:pt>
     <dgm:pt modelId="{4AB1B2CB-326E-4F33-A857-71234BB1B879}" type="pres">
-      <dgm:prSet presAssocID="{6CF2845D-B57D-4252-98CC-718D22517AE8}" presName="rootText" presStyleLbl="node3" presStyleIdx="11" presStyleCnt="15">
+      <dgm:prSet presAssocID="{6CF2845D-B57D-4252-98CC-718D22517AE8}" presName="rootText" presStyleLbl="node3" presStyleIdx="12" presStyleCnt="19">
         <dgm:presLayoutVars>
           <dgm:chPref val="3"/>
         </dgm:presLayoutVars>
@@ -3515,7 +4018,7 @@
       <dgm:spPr/>
     </dgm:pt>
     <dgm:pt modelId="{E5E61C0B-2094-4922-8D85-3B8E602C2015}" type="pres">
-      <dgm:prSet presAssocID="{6CF2845D-B57D-4252-98CC-718D22517AE8}" presName="rootConnector" presStyleLbl="node3" presStyleIdx="11" presStyleCnt="15"/>
+      <dgm:prSet presAssocID="{6CF2845D-B57D-4252-98CC-718D22517AE8}" presName="rootConnector" presStyleLbl="node3" presStyleIdx="12" presStyleCnt="19"/>
       <dgm:spPr/>
     </dgm:pt>
     <dgm:pt modelId="{90301669-374F-4F79-8EAB-B82B18EBB380}" type="pres">
@@ -3523,7 +4026,7 @@
       <dgm:spPr/>
     </dgm:pt>
     <dgm:pt modelId="{D1DCB9B8-8EB3-4CDC-B84D-6B348EB5E226}" type="pres">
-      <dgm:prSet presAssocID="{0BD73C68-BCCA-4974-BCA9-1D600392D842}" presName="Name37" presStyleLbl="parChTrans1D4" presStyleIdx="14" presStyleCnt="19"/>
+      <dgm:prSet presAssocID="{0BD73C68-BCCA-4974-BCA9-1D600392D842}" presName="Name37" presStyleLbl="parChTrans1D4" presStyleIdx="14" presStyleCnt="25"/>
       <dgm:spPr/>
     </dgm:pt>
     <dgm:pt modelId="{81636FCA-D1D5-4F50-BCB6-8AE50432A65F}" type="pres">
@@ -3539,7 +4042,7 @@
       <dgm:spPr/>
     </dgm:pt>
     <dgm:pt modelId="{A1D354F9-2455-4B7F-BFAB-E790D9B1AFFF}" type="pres">
-      <dgm:prSet presAssocID="{2C089A3C-8456-4AB4-AD22-5E6523C9B2FA}" presName="rootText" presStyleLbl="node4" presStyleIdx="14" presStyleCnt="19">
+      <dgm:prSet presAssocID="{2C089A3C-8456-4AB4-AD22-5E6523C9B2FA}" presName="rootText" presStyleLbl="node4" presStyleIdx="14" presStyleCnt="25">
         <dgm:presLayoutVars>
           <dgm:chPref val="3"/>
         </dgm:presLayoutVars>
@@ -3547,7 +4050,7 @@
       <dgm:spPr/>
     </dgm:pt>
     <dgm:pt modelId="{045C0277-5BEC-45DA-B056-EB0ACF22961B}" type="pres">
-      <dgm:prSet presAssocID="{2C089A3C-8456-4AB4-AD22-5E6523C9B2FA}" presName="rootConnector" presStyleLbl="node4" presStyleIdx="14" presStyleCnt="19"/>
+      <dgm:prSet presAssocID="{2C089A3C-8456-4AB4-AD22-5E6523C9B2FA}" presName="rootConnector" presStyleLbl="node4" presStyleIdx="14" presStyleCnt="25"/>
       <dgm:spPr/>
     </dgm:pt>
     <dgm:pt modelId="{065D9640-EB4D-4AD1-988D-103D252FE656}" type="pres">
@@ -3559,7 +4062,7 @@
       <dgm:spPr/>
     </dgm:pt>
     <dgm:pt modelId="{D7E1CE73-9E28-4F98-8BD0-7E8E51FB333F}" type="pres">
-      <dgm:prSet presAssocID="{E8FC1F07-3460-4AD4-BECF-C223779D0B74}" presName="Name37" presStyleLbl="parChTrans1D4" presStyleIdx="15" presStyleCnt="19"/>
+      <dgm:prSet presAssocID="{E8FC1F07-3460-4AD4-BECF-C223779D0B74}" presName="Name37" presStyleLbl="parChTrans1D4" presStyleIdx="15" presStyleCnt="25"/>
       <dgm:spPr/>
     </dgm:pt>
     <dgm:pt modelId="{7233EBF0-A12A-4352-97D6-21BFAC3E985F}" type="pres">
@@ -3575,7 +4078,7 @@
       <dgm:spPr/>
     </dgm:pt>
     <dgm:pt modelId="{7AF25BEE-8C26-4637-B4C9-97642880D156}" type="pres">
-      <dgm:prSet presAssocID="{A013BAB4-876F-43C3-8AB7-1EB110B501E2}" presName="rootText" presStyleLbl="node4" presStyleIdx="15" presStyleCnt="19">
+      <dgm:prSet presAssocID="{A013BAB4-876F-43C3-8AB7-1EB110B501E2}" presName="rootText" presStyleLbl="node4" presStyleIdx="15" presStyleCnt="25">
         <dgm:presLayoutVars>
           <dgm:chPref val="3"/>
         </dgm:presLayoutVars>
@@ -3583,7 +4086,7 @@
       <dgm:spPr/>
     </dgm:pt>
     <dgm:pt modelId="{FC5B9BCD-506E-4E5C-8610-F74B4354A20E}" type="pres">
-      <dgm:prSet presAssocID="{A013BAB4-876F-43C3-8AB7-1EB110B501E2}" presName="rootConnector" presStyleLbl="node4" presStyleIdx="15" presStyleCnt="19"/>
+      <dgm:prSet presAssocID="{A013BAB4-876F-43C3-8AB7-1EB110B501E2}" presName="rootConnector" presStyleLbl="node4" presStyleIdx="15" presStyleCnt="25"/>
       <dgm:spPr/>
     </dgm:pt>
     <dgm:pt modelId="{5A61279C-CEAD-4C2E-9167-36E44AFECADD}" type="pres">
@@ -3595,7 +4098,7 @@
       <dgm:spPr/>
     </dgm:pt>
     <dgm:pt modelId="{55A80B2C-6266-43C1-BCA9-BBBF0D3D575E}" type="pres">
-      <dgm:prSet presAssocID="{37E89185-5E16-4743-B65D-8B223818BBDF}" presName="Name37" presStyleLbl="parChTrans1D4" presStyleIdx="16" presStyleCnt="19"/>
+      <dgm:prSet presAssocID="{37E89185-5E16-4743-B65D-8B223818BBDF}" presName="Name37" presStyleLbl="parChTrans1D4" presStyleIdx="16" presStyleCnt="25"/>
       <dgm:spPr/>
     </dgm:pt>
     <dgm:pt modelId="{C54BA02E-FCBE-4723-AB4D-A3AF53B9CCA0}" type="pres">
@@ -3611,7 +4114,7 @@
       <dgm:spPr/>
     </dgm:pt>
     <dgm:pt modelId="{B6177855-2780-4787-8440-15E13135D8FD}" type="pres">
-      <dgm:prSet presAssocID="{775E2A34-5A0B-42D5-B280-DB8CE5CD96FE}" presName="rootText" presStyleLbl="node4" presStyleIdx="16" presStyleCnt="19">
+      <dgm:prSet presAssocID="{775E2A34-5A0B-42D5-B280-DB8CE5CD96FE}" presName="rootText" presStyleLbl="node4" presStyleIdx="16" presStyleCnt="25">
         <dgm:presLayoutVars>
           <dgm:chPref val="3"/>
         </dgm:presLayoutVars>
@@ -3619,7 +4122,7 @@
       <dgm:spPr/>
     </dgm:pt>
     <dgm:pt modelId="{E0276184-641E-4BC5-9D32-B5E468C024D5}" type="pres">
-      <dgm:prSet presAssocID="{775E2A34-5A0B-42D5-B280-DB8CE5CD96FE}" presName="rootConnector" presStyleLbl="node4" presStyleIdx="16" presStyleCnt="19"/>
+      <dgm:prSet presAssocID="{775E2A34-5A0B-42D5-B280-DB8CE5CD96FE}" presName="rootConnector" presStyleLbl="node4" presStyleIdx="16" presStyleCnt="25"/>
       <dgm:spPr/>
     </dgm:pt>
     <dgm:pt modelId="{8720D037-BBF6-4642-9BFA-485B721B018F}" type="pres">
@@ -3639,7 +4142,7 @@
       <dgm:spPr/>
     </dgm:pt>
     <dgm:pt modelId="{881CAAF8-2228-40AB-BFBE-9D46CB194C3B}" type="pres">
-      <dgm:prSet presAssocID="{93CFD84D-A136-4CF0-9F64-F1718443EDCF}" presName="Name37" presStyleLbl="parChTrans1D2" presStyleIdx="5" presStyleCnt="7"/>
+      <dgm:prSet presAssocID="{93CFD84D-A136-4CF0-9F64-F1718443EDCF}" presName="Name37" presStyleLbl="parChTrans1D2" presStyleIdx="5" presStyleCnt="8"/>
       <dgm:spPr/>
     </dgm:pt>
     <dgm:pt modelId="{643D95B1-3434-4158-AA87-0B7214BE1072}" type="pres">
@@ -3655,7 +4158,7 @@
       <dgm:spPr/>
     </dgm:pt>
     <dgm:pt modelId="{BFD0EB73-F038-45B8-8749-FB292D842971}" type="pres">
-      <dgm:prSet presAssocID="{48EB7D22-C56D-45F6-BD75-B7657E9FBEEB}" presName="rootText" presStyleLbl="node2" presStyleIdx="5" presStyleCnt="7">
+      <dgm:prSet presAssocID="{48EB7D22-C56D-45F6-BD75-B7657E9FBEEB}" presName="rootText" presStyleLbl="node2" presStyleIdx="5" presStyleCnt="8">
         <dgm:presLayoutVars>
           <dgm:chPref val="3"/>
         </dgm:presLayoutVars>
@@ -3663,7 +4166,7 @@
       <dgm:spPr/>
     </dgm:pt>
     <dgm:pt modelId="{8A58DE24-B34F-4619-A2AC-4192436647FF}" type="pres">
-      <dgm:prSet presAssocID="{48EB7D22-C56D-45F6-BD75-B7657E9FBEEB}" presName="rootConnector" presStyleLbl="node2" presStyleIdx="5" presStyleCnt="7"/>
+      <dgm:prSet presAssocID="{48EB7D22-C56D-45F6-BD75-B7657E9FBEEB}" presName="rootConnector" presStyleLbl="node2" presStyleIdx="5" presStyleCnt="8"/>
       <dgm:spPr/>
     </dgm:pt>
     <dgm:pt modelId="{61672A7F-7634-4107-A886-C9CB8E2198F8}" type="pres">
@@ -3671,7 +4174,7 @@
       <dgm:spPr/>
     </dgm:pt>
     <dgm:pt modelId="{7C672F74-4DA7-4E18-BA47-F4F58CE9D632}" type="pres">
-      <dgm:prSet presAssocID="{7C13400D-271E-4387-8FAC-BEBA19CFBE75}" presName="Name37" presStyleLbl="parChTrans1D3" presStyleIdx="12" presStyleCnt="15"/>
+      <dgm:prSet presAssocID="{7C13400D-271E-4387-8FAC-BEBA19CFBE75}" presName="Name37" presStyleLbl="parChTrans1D3" presStyleIdx="13" presStyleCnt="19"/>
       <dgm:spPr/>
     </dgm:pt>
     <dgm:pt modelId="{52EA2136-2168-44D3-B9F2-D5137812016D}" type="pres">
@@ -3687,7 +4190,7 @@
       <dgm:spPr/>
     </dgm:pt>
     <dgm:pt modelId="{3529C3D8-C2EA-42C2-A43F-F70235CF472D}" type="pres">
-      <dgm:prSet presAssocID="{E04CA31A-A2EF-4DFE-A81E-8BCCF29F206A}" presName="rootText" presStyleLbl="node3" presStyleIdx="12" presStyleCnt="15">
+      <dgm:prSet presAssocID="{E04CA31A-A2EF-4DFE-A81E-8BCCF29F206A}" presName="rootText" presStyleLbl="node3" presStyleIdx="13" presStyleCnt="19">
         <dgm:presLayoutVars>
           <dgm:chPref val="3"/>
         </dgm:presLayoutVars>
@@ -3695,7 +4198,7 @@
       <dgm:spPr/>
     </dgm:pt>
     <dgm:pt modelId="{93EF1678-A902-4AED-A60A-D65070B88C50}" type="pres">
-      <dgm:prSet presAssocID="{E04CA31A-A2EF-4DFE-A81E-8BCCF29F206A}" presName="rootConnector" presStyleLbl="node3" presStyleIdx="12" presStyleCnt="15"/>
+      <dgm:prSet presAssocID="{E04CA31A-A2EF-4DFE-A81E-8BCCF29F206A}" presName="rootConnector" presStyleLbl="node3" presStyleIdx="13" presStyleCnt="19"/>
       <dgm:spPr/>
     </dgm:pt>
     <dgm:pt modelId="{811CA17D-EA42-4326-B283-CF407EBEAE76}" type="pres">
@@ -3707,7 +4210,7 @@
       <dgm:spPr/>
     </dgm:pt>
     <dgm:pt modelId="{EDD9B286-AB60-4AFC-B706-3BCD992BB32D}" type="pres">
-      <dgm:prSet presAssocID="{D66A2DE9-FEA9-4976-BC77-97C9D1102466}" presName="Name37" presStyleLbl="parChTrans1D3" presStyleIdx="13" presStyleCnt="15"/>
+      <dgm:prSet presAssocID="{D66A2DE9-FEA9-4976-BC77-97C9D1102466}" presName="Name37" presStyleLbl="parChTrans1D3" presStyleIdx="14" presStyleCnt="19"/>
       <dgm:spPr/>
     </dgm:pt>
     <dgm:pt modelId="{CD8E8660-0711-44C7-8CE4-57C0EB1C253C}" type="pres">
@@ -3723,7 +4226,7 @@
       <dgm:spPr/>
     </dgm:pt>
     <dgm:pt modelId="{86E32405-B1E8-46C3-8C12-35DF84F65A1F}" type="pres">
-      <dgm:prSet presAssocID="{7FC6806E-0BFD-4A9B-AFA3-4BC2BB0ED814}" presName="rootText" presStyleLbl="node3" presStyleIdx="13" presStyleCnt="15">
+      <dgm:prSet presAssocID="{7FC6806E-0BFD-4A9B-AFA3-4BC2BB0ED814}" presName="rootText" presStyleLbl="node3" presStyleIdx="14" presStyleCnt="19">
         <dgm:presLayoutVars>
           <dgm:chPref val="3"/>
         </dgm:presLayoutVars>
@@ -3731,7 +4234,7 @@
       <dgm:spPr/>
     </dgm:pt>
     <dgm:pt modelId="{2DC854D8-DC13-475F-A16B-7ADD4C6BE3E2}" type="pres">
-      <dgm:prSet presAssocID="{7FC6806E-0BFD-4A9B-AFA3-4BC2BB0ED814}" presName="rootConnector" presStyleLbl="node3" presStyleIdx="13" presStyleCnt="15"/>
+      <dgm:prSet presAssocID="{7FC6806E-0BFD-4A9B-AFA3-4BC2BB0ED814}" presName="rootConnector" presStyleLbl="node3" presStyleIdx="14" presStyleCnt="19"/>
       <dgm:spPr/>
     </dgm:pt>
     <dgm:pt modelId="{64BAECA1-F0AF-4F26-A782-85E0473D3027}" type="pres">
@@ -3747,7 +4250,7 @@
       <dgm:spPr/>
     </dgm:pt>
     <dgm:pt modelId="{E2622C0A-65B9-43B2-9807-F6A2549263C1}" type="pres">
-      <dgm:prSet presAssocID="{A4986D01-F180-4EC5-B44B-365ECD11C803}" presName="Name37" presStyleLbl="parChTrans1D2" presStyleIdx="6" presStyleCnt="7"/>
+      <dgm:prSet presAssocID="{A4986D01-F180-4EC5-B44B-365ECD11C803}" presName="Name37" presStyleLbl="parChTrans1D2" presStyleIdx="6" presStyleCnt="8"/>
       <dgm:spPr/>
     </dgm:pt>
     <dgm:pt modelId="{F5145BD7-2E4B-45A3-80B7-A698BA6300DB}" type="pres">
@@ -3763,7 +4266,7 @@
       <dgm:spPr/>
     </dgm:pt>
     <dgm:pt modelId="{482361B4-087C-4E8F-B94E-D3602D492937}" type="pres">
-      <dgm:prSet presAssocID="{02814592-CB9F-4B37-B087-9C97B238137F}" presName="rootText" presStyleLbl="node2" presStyleIdx="6" presStyleCnt="7">
+      <dgm:prSet presAssocID="{02814592-CB9F-4B37-B087-9C97B238137F}" presName="rootText" presStyleLbl="node2" presStyleIdx="6" presStyleCnt="8">
         <dgm:presLayoutVars>
           <dgm:chPref val="3"/>
         </dgm:presLayoutVars>
@@ -3771,7 +4274,7 @@
       <dgm:spPr/>
     </dgm:pt>
     <dgm:pt modelId="{88DA85F6-6E6A-4106-9934-1C48CF06A1B0}" type="pres">
-      <dgm:prSet presAssocID="{02814592-CB9F-4B37-B087-9C97B238137F}" presName="rootConnector" presStyleLbl="node2" presStyleIdx="6" presStyleCnt="7"/>
+      <dgm:prSet presAssocID="{02814592-CB9F-4B37-B087-9C97B238137F}" presName="rootConnector" presStyleLbl="node2" presStyleIdx="6" presStyleCnt="8"/>
       <dgm:spPr/>
     </dgm:pt>
     <dgm:pt modelId="{130B3EEF-90C7-47EA-ACF3-5449F141BD0A}" type="pres">
@@ -3779,7 +4282,7 @@
       <dgm:spPr/>
     </dgm:pt>
     <dgm:pt modelId="{9014854C-9555-41D9-AF8B-A52FC62F0C47}" type="pres">
-      <dgm:prSet presAssocID="{695EC9AB-2F10-43ED-A427-109FB7863A37}" presName="Name37" presStyleLbl="parChTrans1D3" presStyleIdx="14" presStyleCnt="15"/>
+      <dgm:prSet presAssocID="{695EC9AB-2F10-43ED-A427-109FB7863A37}" presName="Name37" presStyleLbl="parChTrans1D3" presStyleIdx="15" presStyleCnt="19"/>
       <dgm:spPr/>
     </dgm:pt>
     <dgm:pt modelId="{C94EA5E6-25C5-4E8E-924A-563E887388EB}" type="pres">
@@ -3795,7 +4298,7 @@
       <dgm:spPr/>
     </dgm:pt>
     <dgm:pt modelId="{3E56AC73-7E1A-49C5-9A02-25C4764D30F4}" type="pres">
-      <dgm:prSet presAssocID="{94FE0F1D-573F-4401-AC48-4F470F00E608}" presName="rootText" presStyleLbl="node3" presStyleIdx="14" presStyleCnt="15">
+      <dgm:prSet presAssocID="{94FE0F1D-573F-4401-AC48-4F470F00E608}" presName="rootText" presStyleLbl="node3" presStyleIdx="15" presStyleCnt="19">
         <dgm:presLayoutVars>
           <dgm:chPref val="3"/>
         </dgm:presLayoutVars>
@@ -3803,7 +4306,7 @@
       <dgm:spPr/>
     </dgm:pt>
     <dgm:pt modelId="{E2BB45AC-28CE-44B5-8E22-DC4B45AA4EE5}" type="pres">
-      <dgm:prSet presAssocID="{94FE0F1D-573F-4401-AC48-4F470F00E608}" presName="rootConnector" presStyleLbl="node3" presStyleIdx="14" presStyleCnt="15"/>
+      <dgm:prSet presAssocID="{94FE0F1D-573F-4401-AC48-4F470F00E608}" presName="rootConnector" presStyleLbl="node3" presStyleIdx="15" presStyleCnt="19"/>
       <dgm:spPr/>
     </dgm:pt>
     <dgm:pt modelId="{30398787-2032-4DA6-AC50-705F8B7699B7}" type="pres">
@@ -3811,7 +4314,7 @@
       <dgm:spPr/>
     </dgm:pt>
     <dgm:pt modelId="{9D545C46-4196-43FE-9980-76B32B9BD565}" type="pres">
-      <dgm:prSet presAssocID="{CCFE8D31-77EB-4A73-BE2C-F43A08E5C7CC}" presName="Name37" presStyleLbl="parChTrans1D4" presStyleIdx="17" presStyleCnt="19"/>
+      <dgm:prSet presAssocID="{CCFE8D31-77EB-4A73-BE2C-F43A08E5C7CC}" presName="Name37" presStyleLbl="parChTrans1D4" presStyleIdx="17" presStyleCnt="25"/>
       <dgm:spPr/>
     </dgm:pt>
     <dgm:pt modelId="{33E9976D-BEAF-4B5C-99AA-1DB20E3A9FC8}" type="pres">
@@ -3827,7 +4330,7 @@
       <dgm:spPr/>
     </dgm:pt>
     <dgm:pt modelId="{59C9ACFA-2F50-44E3-87BF-EC691C42EE1F}" type="pres">
-      <dgm:prSet presAssocID="{6769BDE9-6A00-4D1E-9217-F5128C9415E1}" presName="rootText" presStyleLbl="node4" presStyleIdx="17" presStyleCnt="19">
+      <dgm:prSet presAssocID="{6769BDE9-6A00-4D1E-9217-F5128C9415E1}" presName="rootText" presStyleLbl="node4" presStyleIdx="17" presStyleCnt="25">
         <dgm:presLayoutVars>
           <dgm:chPref val="3"/>
         </dgm:presLayoutVars>
@@ -3835,7 +4338,7 @@
       <dgm:spPr/>
     </dgm:pt>
     <dgm:pt modelId="{E0C130EA-1D4C-4BB2-950E-24665AA6A3C6}" type="pres">
-      <dgm:prSet presAssocID="{6769BDE9-6A00-4D1E-9217-F5128C9415E1}" presName="rootConnector" presStyleLbl="node4" presStyleIdx="17" presStyleCnt="19"/>
+      <dgm:prSet presAssocID="{6769BDE9-6A00-4D1E-9217-F5128C9415E1}" presName="rootConnector" presStyleLbl="node4" presStyleIdx="17" presStyleCnt="25"/>
       <dgm:spPr/>
     </dgm:pt>
     <dgm:pt modelId="{0AAC5545-AFE1-4512-9B9E-36F5489D7296}" type="pres">
@@ -3847,7 +4350,7 @@
       <dgm:spPr/>
     </dgm:pt>
     <dgm:pt modelId="{392B361C-E192-4F18-A821-AB698524B80A}" type="pres">
-      <dgm:prSet presAssocID="{E8B00ADE-A167-40D3-9789-AD25ABC8CAFE}" presName="Name37" presStyleLbl="parChTrans1D4" presStyleIdx="18" presStyleCnt="19"/>
+      <dgm:prSet presAssocID="{E8B00ADE-A167-40D3-9789-AD25ABC8CAFE}" presName="Name37" presStyleLbl="parChTrans1D4" presStyleIdx="18" presStyleCnt="25"/>
       <dgm:spPr/>
     </dgm:pt>
     <dgm:pt modelId="{20CB207D-F941-4093-9CAA-32522EC5E222}" type="pres">
@@ -3863,7 +4366,7 @@
       <dgm:spPr/>
     </dgm:pt>
     <dgm:pt modelId="{400DF1B8-21D7-4219-947E-BB72D2BEB4AB}" type="pres">
-      <dgm:prSet presAssocID="{1D5E4699-7015-42DF-A9DA-1A12DE63E790}" presName="rootText" presStyleLbl="node4" presStyleIdx="18" presStyleCnt="19">
+      <dgm:prSet presAssocID="{1D5E4699-7015-42DF-A9DA-1A12DE63E790}" presName="rootText" presStyleLbl="node4" presStyleIdx="18" presStyleCnt="25">
         <dgm:presLayoutVars>
           <dgm:chPref val="3"/>
         </dgm:presLayoutVars>
@@ -3871,7 +4374,7 @@
       <dgm:spPr/>
     </dgm:pt>
     <dgm:pt modelId="{F0D9580F-CDC0-4A5C-B047-1245A65985F1}" type="pres">
-      <dgm:prSet presAssocID="{1D5E4699-7015-42DF-A9DA-1A12DE63E790}" presName="rootConnector" presStyleLbl="node4" presStyleIdx="18" presStyleCnt="19"/>
+      <dgm:prSet presAssocID="{1D5E4699-7015-42DF-A9DA-1A12DE63E790}" presName="rootConnector" presStyleLbl="node4" presStyleIdx="18" presStyleCnt="25"/>
       <dgm:spPr/>
     </dgm:pt>
     <dgm:pt modelId="{095D7052-B521-438C-BFB5-7FE50FBA87BB}" type="pres">
@@ -3888,6 +4391,366 @@
     </dgm:pt>
     <dgm:pt modelId="{DC53BB13-2AC6-415E-AD6D-7F99A678FF89}" type="pres">
       <dgm:prSet presAssocID="{02814592-CB9F-4B37-B087-9C97B238137F}" presName="hierChild5" presStyleCnt="0"/>
+      <dgm:spPr/>
+    </dgm:pt>
+    <dgm:pt modelId="{904055CD-A998-4BD0-8BEA-C9F957AF4EFD}" type="pres">
+      <dgm:prSet presAssocID="{5232829A-4FA4-4DB8-A849-12F745CD1A0A}" presName="Name37" presStyleLbl="parChTrans1D2" presStyleIdx="7" presStyleCnt="8"/>
+      <dgm:spPr/>
+    </dgm:pt>
+    <dgm:pt modelId="{6947CF9F-DEEA-40F4-9B01-C6CC86A77A72}" type="pres">
+      <dgm:prSet presAssocID="{0D86B6D1-A0FD-41A3-AF47-EC80968A9149}" presName="hierRoot2" presStyleCnt="0">
+        <dgm:presLayoutVars>
+          <dgm:hierBranch val="init"/>
+        </dgm:presLayoutVars>
+      </dgm:prSet>
+      <dgm:spPr/>
+    </dgm:pt>
+    <dgm:pt modelId="{9666B62D-1C45-458B-8F13-0B3ABF8AAFDE}" type="pres">
+      <dgm:prSet presAssocID="{0D86B6D1-A0FD-41A3-AF47-EC80968A9149}" presName="rootComposite" presStyleCnt="0"/>
+      <dgm:spPr/>
+    </dgm:pt>
+    <dgm:pt modelId="{ABC988D4-467E-48F1-A78D-9E5B3906804C}" type="pres">
+      <dgm:prSet presAssocID="{0D86B6D1-A0FD-41A3-AF47-EC80968A9149}" presName="rootText" presStyleLbl="node2" presStyleIdx="7" presStyleCnt="8">
+        <dgm:presLayoutVars>
+          <dgm:chPref val="3"/>
+        </dgm:presLayoutVars>
+      </dgm:prSet>
+      <dgm:spPr/>
+    </dgm:pt>
+    <dgm:pt modelId="{E6D465D7-C227-411F-9EBC-53DAE5E2B716}" type="pres">
+      <dgm:prSet presAssocID="{0D86B6D1-A0FD-41A3-AF47-EC80968A9149}" presName="rootConnector" presStyleLbl="node2" presStyleIdx="7" presStyleCnt="8"/>
+      <dgm:spPr/>
+    </dgm:pt>
+    <dgm:pt modelId="{C05FC5F6-DE82-4C32-A5DD-F0BB6898C249}" type="pres">
+      <dgm:prSet presAssocID="{0D86B6D1-A0FD-41A3-AF47-EC80968A9149}" presName="hierChild4" presStyleCnt="0"/>
+      <dgm:spPr/>
+    </dgm:pt>
+    <dgm:pt modelId="{CD4C2823-9BA1-44A4-B581-6C4337758E2A}" type="pres">
+      <dgm:prSet presAssocID="{50A250C9-0968-4B82-95E7-DC176A522997}" presName="Name37" presStyleLbl="parChTrans1D3" presStyleIdx="16" presStyleCnt="19"/>
+      <dgm:spPr/>
+    </dgm:pt>
+    <dgm:pt modelId="{09274293-522F-4E15-BB5F-C8C907B8DBCA}" type="pres">
+      <dgm:prSet presAssocID="{86AF9DF4-55E7-4EC8-B481-02F3A801EFD6}" presName="hierRoot2" presStyleCnt="0">
+        <dgm:presLayoutVars>
+          <dgm:hierBranch val="init"/>
+        </dgm:presLayoutVars>
+      </dgm:prSet>
+      <dgm:spPr/>
+    </dgm:pt>
+    <dgm:pt modelId="{7ACBBDA4-74DE-449F-AB99-0DE1D865A92A}" type="pres">
+      <dgm:prSet presAssocID="{86AF9DF4-55E7-4EC8-B481-02F3A801EFD6}" presName="rootComposite" presStyleCnt="0"/>
+      <dgm:spPr/>
+    </dgm:pt>
+    <dgm:pt modelId="{823D3ECD-0142-435C-9C62-B99B22E35C2E}" type="pres">
+      <dgm:prSet presAssocID="{86AF9DF4-55E7-4EC8-B481-02F3A801EFD6}" presName="rootText" presStyleLbl="node3" presStyleIdx="16" presStyleCnt="19">
+        <dgm:presLayoutVars>
+          <dgm:chPref val="3"/>
+        </dgm:presLayoutVars>
+      </dgm:prSet>
+      <dgm:spPr/>
+    </dgm:pt>
+    <dgm:pt modelId="{B63AC577-A385-4AE4-B820-9E2E986267ED}" type="pres">
+      <dgm:prSet presAssocID="{86AF9DF4-55E7-4EC8-B481-02F3A801EFD6}" presName="rootConnector" presStyleLbl="node3" presStyleIdx="16" presStyleCnt="19"/>
+      <dgm:spPr/>
+    </dgm:pt>
+    <dgm:pt modelId="{FD8BD94D-A9E8-405F-B765-E2C1BDE23685}" type="pres">
+      <dgm:prSet presAssocID="{86AF9DF4-55E7-4EC8-B481-02F3A801EFD6}" presName="hierChild4" presStyleCnt="0"/>
+      <dgm:spPr/>
+    </dgm:pt>
+    <dgm:pt modelId="{3992B66C-A497-4D08-B148-9AB2EA263750}" type="pres">
+      <dgm:prSet presAssocID="{34B38BEF-D301-4BEF-AAE3-68B1E541259C}" presName="Name37" presStyleLbl="parChTrans1D4" presStyleIdx="19" presStyleCnt="25"/>
+      <dgm:spPr/>
+    </dgm:pt>
+    <dgm:pt modelId="{D82A23C1-A4C9-48F3-A39F-1E8E954EFD7D}" type="pres">
+      <dgm:prSet presAssocID="{B1B56680-9E73-4DA5-9A90-8E0307E8E668}" presName="hierRoot2" presStyleCnt="0">
+        <dgm:presLayoutVars>
+          <dgm:hierBranch val="init"/>
+        </dgm:presLayoutVars>
+      </dgm:prSet>
+      <dgm:spPr/>
+    </dgm:pt>
+    <dgm:pt modelId="{B919BA75-8F1F-4B53-9738-513F8FC0A66C}" type="pres">
+      <dgm:prSet presAssocID="{B1B56680-9E73-4DA5-9A90-8E0307E8E668}" presName="rootComposite" presStyleCnt="0"/>
+      <dgm:spPr/>
+    </dgm:pt>
+    <dgm:pt modelId="{AE876CC4-EC36-43B5-AF13-2B7F84F5BBE7}" type="pres">
+      <dgm:prSet presAssocID="{B1B56680-9E73-4DA5-9A90-8E0307E8E668}" presName="rootText" presStyleLbl="node4" presStyleIdx="19" presStyleCnt="25">
+        <dgm:presLayoutVars>
+          <dgm:chPref val="3"/>
+        </dgm:presLayoutVars>
+      </dgm:prSet>
+      <dgm:spPr/>
+    </dgm:pt>
+    <dgm:pt modelId="{2B131199-6F55-485F-BE98-EF26F918E9EB}" type="pres">
+      <dgm:prSet presAssocID="{B1B56680-9E73-4DA5-9A90-8E0307E8E668}" presName="rootConnector" presStyleLbl="node4" presStyleIdx="19" presStyleCnt="25"/>
+      <dgm:spPr/>
+    </dgm:pt>
+    <dgm:pt modelId="{34F9D5BF-D2DD-40AB-9CB0-145A70D89237}" type="pres">
+      <dgm:prSet presAssocID="{B1B56680-9E73-4DA5-9A90-8E0307E8E668}" presName="hierChild4" presStyleCnt="0"/>
+      <dgm:spPr/>
+    </dgm:pt>
+    <dgm:pt modelId="{A411B5F9-21F0-4CDD-9A4B-396C76485452}" type="pres">
+      <dgm:prSet presAssocID="{B1B56680-9E73-4DA5-9A90-8E0307E8E668}" presName="hierChild5" presStyleCnt="0"/>
+      <dgm:spPr/>
+    </dgm:pt>
+    <dgm:pt modelId="{28E7498C-50A2-43D8-86CE-8EC30A3EC32E}" type="pres">
+      <dgm:prSet presAssocID="{21258C2E-89A9-4CF2-9A8C-2995ED97D3F7}" presName="Name37" presStyleLbl="parChTrans1D4" presStyleIdx="20" presStyleCnt="25"/>
+      <dgm:spPr/>
+    </dgm:pt>
+    <dgm:pt modelId="{AEFB9F83-ABC9-44C5-9CB0-D71A2A8C3D3E}" type="pres">
+      <dgm:prSet presAssocID="{BD2AF3F6-875B-4D7C-A3B9-F0CDB1194D2B}" presName="hierRoot2" presStyleCnt="0">
+        <dgm:presLayoutVars>
+          <dgm:hierBranch val="init"/>
+        </dgm:presLayoutVars>
+      </dgm:prSet>
+      <dgm:spPr/>
+    </dgm:pt>
+    <dgm:pt modelId="{244EF8D9-1D7A-4608-AE05-8B03DB97D0F0}" type="pres">
+      <dgm:prSet presAssocID="{BD2AF3F6-875B-4D7C-A3B9-F0CDB1194D2B}" presName="rootComposite" presStyleCnt="0"/>
+      <dgm:spPr/>
+    </dgm:pt>
+    <dgm:pt modelId="{8A4F73AE-1493-4490-BEEC-B6081C971BE3}" type="pres">
+      <dgm:prSet presAssocID="{BD2AF3F6-875B-4D7C-A3B9-F0CDB1194D2B}" presName="rootText" presStyleLbl="node4" presStyleIdx="20" presStyleCnt="25">
+        <dgm:presLayoutVars>
+          <dgm:chPref val="3"/>
+        </dgm:presLayoutVars>
+      </dgm:prSet>
+      <dgm:spPr/>
+    </dgm:pt>
+    <dgm:pt modelId="{AEA10442-F9AD-485B-867B-C24A9226670C}" type="pres">
+      <dgm:prSet presAssocID="{BD2AF3F6-875B-4D7C-A3B9-F0CDB1194D2B}" presName="rootConnector" presStyleLbl="node4" presStyleIdx="20" presStyleCnt="25"/>
+      <dgm:spPr/>
+    </dgm:pt>
+    <dgm:pt modelId="{CF65F56B-6774-429C-9663-4B32611C7267}" type="pres">
+      <dgm:prSet presAssocID="{BD2AF3F6-875B-4D7C-A3B9-F0CDB1194D2B}" presName="hierChild4" presStyleCnt="0"/>
+      <dgm:spPr/>
+    </dgm:pt>
+    <dgm:pt modelId="{65316672-CB36-44B4-9E0B-97A64F2F8935}" type="pres">
+      <dgm:prSet presAssocID="{BD2AF3F6-875B-4D7C-A3B9-F0CDB1194D2B}" presName="hierChild5" presStyleCnt="0"/>
+      <dgm:spPr/>
+    </dgm:pt>
+    <dgm:pt modelId="{BC29F701-BE12-43CE-A0F0-04CB09F60A3B}" type="pres">
+      <dgm:prSet presAssocID="{6DE10F71-4C37-41F0-96B2-A6DBD9443B68}" presName="Name37" presStyleLbl="parChTrans1D4" presStyleIdx="21" presStyleCnt="25"/>
+      <dgm:spPr/>
+    </dgm:pt>
+    <dgm:pt modelId="{25CCDF46-7BEB-42BE-B3A4-C8557CECA9DF}" type="pres">
+      <dgm:prSet presAssocID="{F6CEE705-AE28-4513-9F09-91409986C60E}" presName="hierRoot2" presStyleCnt="0">
+        <dgm:presLayoutVars>
+          <dgm:hierBranch val="init"/>
+        </dgm:presLayoutVars>
+      </dgm:prSet>
+      <dgm:spPr/>
+    </dgm:pt>
+    <dgm:pt modelId="{7469AC01-BA45-4982-A7F5-D47634C8B70C}" type="pres">
+      <dgm:prSet presAssocID="{F6CEE705-AE28-4513-9F09-91409986C60E}" presName="rootComposite" presStyleCnt="0"/>
+      <dgm:spPr/>
+    </dgm:pt>
+    <dgm:pt modelId="{6013B2CE-09D7-447A-AB0C-04399E6D9495}" type="pres">
+      <dgm:prSet presAssocID="{F6CEE705-AE28-4513-9F09-91409986C60E}" presName="rootText" presStyleLbl="node4" presStyleIdx="21" presStyleCnt="25">
+        <dgm:presLayoutVars>
+          <dgm:chPref val="3"/>
+        </dgm:presLayoutVars>
+      </dgm:prSet>
+      <dgm:spPr/>
+    </dgm:pt>
+    <dgm:pt modelId="{985D8D00-6CD2-41B6-AB44-BDDE793CF67C}" type="pres">
+      <dgm:prSet presAssocID="{F6CEE705-AE28-4513-9F09-91409986C60E}" presName="rootConnector" presStyleLbl="node4" presStyleIdx="21" presStyleCnt="25"/>
+      <dgm:spPr/>
+    </dgm:pt>
+    <dgm:pt modelId="{6B9ECF37-4470-419D-A72C-3F7815B549B1}" type="pres">
+      <dgm:prSet presAssocID="{F6CEE705-AE28-4513-9F09-91409986C60E}" presName="hierChild4" presStyleCnt="0"/>
+      <dgm:spPr/>
+    </dgm:pt>
+    <dgm:pt modelId="{20FFA057-ADF9-4FD7-8595-6C89B0EBBBCE}" type="pres">
+      <dgm:prSet presAssocID="{F6CEE705-AE28-4513-9F09-91409986C60E}" presName="hierChild5" presStyleCnt="0"/>
+      <dgm:spPr/>
+    </dgm:pt>
+    <dgm:pt modelId="{47D52D1D-1D99-4CEA-9050-0FC2A52ACFA7}" type="pres">
+      <dgm:prSet presAssocID="{86AF9DF4-55E7-4EC8-B481-02F3A801EFD6}" presName="hierChild5" presStyleCnt="0"/>
+      <dgm:spPr/>
+    </dgm:pt>
+    <dgm:pt modelId="{23441226-FA67-4BBF-95F2-BBF92FC5EDFF}" type="pres">
+      <dgm:prSet presAssocID="{04A02BBF-F732-4C4E-9F0B-B99BC67D7B5D}" presName="Name37" presStyleLbl="parChTrans1D3" presStyleIdx="17" presStyleCnt="19"/>
+      <dgm:spPr/>
+    </dgm:pt>
+    <dgm:pt modelId="{A748BFA2-6DA7-4CB6-B4BC-298D0AF2E6B4}" type="pres">
+      <dgm:prSet presAssocID="{DEBB3CDE-B988-4C1D-AEB1-0DEEC076A041}" presName="hierRoot2" presStyleCnt="0">
+        <dgm:presLayoutVars>
+          <dgm:hierBranch val="init"/>
+        </dgm:presLayoutVars>
+      </dgm:prSet>
+      <dgm:spPr/>
+    </dgm:pt>
+    <dgm:pt modelId="{83F2F32A-87DF-4051-85BD-8E4FC70C225E}" type="pres">
+      <dgm:prSet presAssocID="{DEBB3CDE-B988-4C1D-AEB1-0DEEC076A041}" presName="rootComposite" presStyleCnt="0"/>
+      <dgm:spPr/>
+    </dgm:pt>
+    <dgm:pt modelId="{DD110DFF-2732-4B89-8A14-D3EED00B8FD9}" type="pres">
+      <dgm:prSet presAssocID="{DEBB3CDE-B988-4C1D-AEB1-0DEEC076A041}" presName="rootText" presStyleLbl="node3" presStyleIdx="17" presStyleCnt="19">
+        <dgm:presLayoutVars>
+          <dgm:chPref val="3"/>
+        </dgm:presLayoutVars>
+      </dgm:prSet>
+      <dgm:spPr/>
+    </dgm:pt>
+    <dgm:pt modelId="{3130C485-6ED0-4A42-A0B6-B6F6B6867146}" type="pres">
+      <dgm:prSet presAssocID="{DEBB3CDE-B988-4C1D-AEB1-0DEEC076A041}" presName="rootConnector" presStyleLbl="node3" presStyleIdx="17" presStyleCnt="19"/>
+      <dgm:spPr/>
+    </dgm:pt>
+    <dgm:pt modelId="{270E13FA-9144-40F9-8187-4CAA545D9005}" type="pres">
+      <dgm:prSet presAssocID="{DEBB3CDE-B988-4C1D-AEB1-0DEEC076A041}" presName="hierChild4" presStyleCnt="0"/>
+      <dgm:spPr/>
+    </dgm:pt>
+    <dgm:pt modelId="{D2183703-3744-4627-9833-C155CF0AFC65}" type="pres">
+      <dgm:prSet presAssocID="{BA38D2BE-F866-465D-8EDA-2F2BA2CE84B4}" presName="Name37" presStyleLbl="parChTrans1D4" presStyleIdx="22" presStyleCnt="25"/>
+      <dgm:spPr/>
+    </dgm:pt>
+    <dgm:pt modelId="{73B3B92F-53A9-40CE-A39C-A12C9ED0BE87}" type="pres">
+      <dgm:prSet presAssocID="{AE69343A-B89C-45E8-BCEB-C3F2FF860661}" presName="hierRoot2" presStyleCnt="0">
+        <dgm:presLayoutVars>
+          <dgm:hierBranch val="init"/>
+        </dgm:presLayoutVars>
+      </dgm:prSet>
+      <dgm:spPr/>
+    </dgm:pt>
+    <dgm:pt modelId="{7B40E299-1B8E-4909-BF96-C798333E77E4}" type="pres">
+      <dgm:prSet presAssocID="{AE69343A-B89C-45E8-BCEB-C3F2FF860661}" presName="rootComposite" presStyleCnt="0"/>
+      <dgm:spPr/>
+    </dgm:pt>
+    <dgm:pt modelId="{19D26EF5-43A7-40A5-AE3E-A423FD1BD461}" type="pres">
+      <dgm:prSet presAssocID="{AE69343A-B89C-45E8-BCEB-C3F2FF860661}" presName="rootText" presStyleLbl="node4" presStyleIdx="22" presStyleCnt="25">
+        <dgm:presLayoutVars>
+          <dgm:chPref val="3"/>
+        </dgm:presLayoutVars>
+      </dgm:prSet>
+      <dgm:spPr/>
+    </dgm:pt>
+    <dgm:pt modelId="{91655AEC-AFA8-4AC6-9538-0BD394BEFA47}" type="pres">
+      <dgm:prSet presAssocID="{AE69343A-B89C-45E8-BCEB-C3F2FF860661}" presName="rootConnector" presStyleLbl="node4" presStyleIdx="22" presStyleCnt="25"/>
+      <dgm:spPr/>
+    </dgm:pt>
+    <dgm:pt modelId="{C751BAFA-2BB3-4B85-BB60-CB9AE533C089}" type="pres">
+      <dgm:prSet presAssocID="{AE69343A-B89C-45E8-BCEB-C3F2FF860661}" presName="hierChild4" presStyleCnt="0"/>
+      <dgm:spPr/>
+    </dgm:pt>
+    <dgm:pt modelId="{FB878EEA-F5F8-44A4-A0A0-4C543F4E504A}" type="pres">
+      <dgm:prSet presAssocID="{AE69343A-B89C-45E8-BCEB-C3F2FF860661}" presName="hierChild5" presStyleCnt="0"/>
+      <dgm:spPr/>
+    </dgm:pt>
+    <dgm:pt modelId="{3C055977-85E2-4BED-8B48-077AB08C080C}" type="pres">
+      <dgm:prSet presAssocID="{DEBB3CDE-B988-4C1D-AEB1-0DEEC076A041}" presName="hierChild5" presStyleCnt="0"/>
+      <dgm:spPr/>
+    </dgm:pt>
+    <dgm:pt modelId="{1BB02B49-E33E-4B67-9121-C393A8607D8A}" type="pres">
+      <dgm:prSet presAssocID="{3C0AB228-9E06-4182-8CBB-79F82E77FFCE}" presName="Name37" presStyleLbl="parChTrans1D3" presStyleIdx="18" presStyleCnt="19"/>
+      <dgm:spPr/>
+    </dgm:pt>
+    <dgm:pt modelId="{3258DAE4-2C31-41EC-A143-C6FA809286CA}" type="pres">
+      <dgm:prSet presAssocID="{DC3E2FF7-19EA-45D9-B1BD-883838EE0034}" presName="hierRoot2" presStyleCnt="0">
+        <dgm:presLayoutVars>
+          <dgm:hierBranch val="init"/>
+        </dgm:presLayoutVars>
+      </dgm:prSet>
+      <dgm:spPr/>
+    </dgm:pt>
+    <dgm:pt modelId="{D5EB39E6-813A-46F5-A071-AF451EE70163}" type="pres">
+      <dgm:prSet presAssocID="{DC3E2FF7-19EA-45D9-B1BD-883838EE0034}" presName="rootComposite" presStyleCnt="0"/>
+      <dgm:spPr/>
+    </dgm:pt>
+    <dgm:pt modelId="{A5894511-3461-4DB3-9EE2-B69FB5F31692}" type="pres">
+      <dgm:prSet presAssocID="{DC3E2FF7-19EA-45D9-B1BD-883838EE0034}" presName="rootText" presStyleLbl="node3" presStyleIdx="18" presStyleCnt="19">
+        <dgm:presLayoutVars>
+          <dgm:chPref val="3"/>
+        </dgm:presLayoutVars>
+      </dgm:prSet>
+      <dgm:spPr/>
+    </dgm:pt>
+    <dgm:pt modelId="{F93B5764-AAC7-451B-918D-EE0B85588B69}" type="pres">
+      <dgm:prSet presAssocID="{DC3E2FF7-19EA-45D9-B1BD-883838EE0034}" presName="rootConnector" presStyleLbl="node3" presStyleIdx="18" presStyleCnt="19"/>
+      <dgm:spPr/>
+    </dgm:pt>
+    <dgm:pt modelId="{19057E23-3512-486E-A02E-0109B5DE1B10}" type="pres">
+      <dgm:prSet presAssocID="{DC3E2FF7-19EA-45D9-B1BD-883838EE0034}" presName="hierChild4" presStyleCnt="0"/>
+      <dgm:spPr/>
+    </dgm:pt>
+    <dgm:pt modelId="{BEAC1A71-0493-4015-9106-BD737D2A0CC3}" type="pres">
+      <dgm:prSet presAssocID="{BAB433EE-D9B3-4776-AE97-5B23E22553C1}" presName="Name37" presStyleLbl="parChTrans1D4" presStyleIdx="23" presStyleCnt="25"/>
+      <dgm:spPr/>
+    </dgm:pt>
+    <dgm:pt modelId="{F2A5ECDB-DBAC-447C-9ED5-F51DD65D7BD3}" type="pres">
+      <dgm:prSet presAssocID="{9FFA1442-6F08-4E0D-8645-E5992C5BD568}" presName="hierRoot2" presStyleCnt="0">
+        <dgm:presLayoutVars>
+          <dgm:hierBranch val="init"/>
+        </dgm:presLayoutVars>
+      </dgm:prSet>
+      <dgm:spPr/>
+    </dgm:pt>
+    <dgm:pt modelId="{9C17A723-DA07-48A5-892B-DEB7D3AEB884}" type="pres">
+      <dgm:prSet presAssocID="{9FFA1442-6F08-4E0D-8645-E5992C5BD568}" presName="rootComposite" presStyleCnt="0"/>
+      <dgm:spPr/>
+    </dgm:pt>
+    <dgm:pt modelId="{02106FE7-490F-4AEA-B90E-A413AC9ECCE1}" type="pres">
+      <dgm:prSet presAssocID="{9FFA1442-6F08-4E0D-8645-E5992C5BD568}" presName="rootText" presStyleLbl="node4" presStyleIdx="23" presStyleCnt="25">
+        <dgm:presLayoutVars>
+          <dgm:chPref val="3"/>
+        </dgm:presLayoutVars>
+      </dgm:prSet>
+      <dgm:spPr/>
+    </dgm:pt>
+    <dgm:pt modelId="{18DF4770-EA3C-40A3-A18C-77359E190B99}" type="pres">
+      <dgm:prSet presAssocID="{9FFA1442-6F08-4E0D-8645-E5992C5BD568}" presName="rootConnector" presStyleLbl="node4" presStyleIdx="23" presStyleCnt="25"/>
+      <dgm:spPr/>
+    </dgm:pt>
+    <dgm:pt modelId="{0C847FB6-6AAC-4562-8214-A996B22F6A63}" type="pres">
+      <dgm:prSet presAssocID="{9FFA1442-6F08-4E0D-8645-E5992C5BD568}" presName="hierChild4" presStyleCnt="0"/>
+      <dgm:spPr/>
+    </dgm:pt>
+    <dgm:pt modelId="{95C58697-CFF9-489D-A115-6393700275BC}" type="pres">
+      <dgm:prSet presAssocID="{9FFA1442-6F08-4E0D-8645-E5992C5BD568}" presName="hierChild5" presStyleCnt="0"/>
+      <dgm:spPr/>
+    </dgm:pt>
+    <dgm:pt modelId="{1F4E7EDD-ED2B-475C-BDED-DCEF89F0763A}" type="pres">
+      <dgm:prSet presAssocID="{46777178-6456-4C81-9FDC-B172987FBD2F}" presName="Name37" presStyleLbl="parChTrans1D4" presStyleIdx="24" presStyleCnt="25"/>
+      <dgm:spPr/>
+    </dgm:pt>
+    <dgm:pt modelId="{E8618C40-4CD9-4AE8-995D-696714115909}" type="pres">
+      <dgm:prSet presAssocID="{21319E96-BC28-4F20-B82E-1B711B9ADEF3}" presName="hierRoot2" presStyleCnt="0">
+        <dgm:presLayoutVars>
+          <dgm:hierBranch val="init"/>
+        </dgm:presLayoutVars>
+      </dgm:prSet>
+      <dgm:spPr/>
+    </dgm:pt>
+    <dgm:pt modelId="{55C610DC-4567-4839-9947-F3876FBC43DE}" type="pres">
+      <dgm:prSet presAssocID="{21319E96-BC28-4F20-B82E-1B711B9ADEF3}" presName="rootComposite" presStyleCnt="0"/>
+      <dgm:spPr/>
+    </dgm:pt>
+    <dgm:pt modelId="{12E17FCD-BC4D-49D0-9FD2-8D44E2D47A29}" type="pres">
+      <dgm:prSet presAssocID="{21319E96-BC28-4F20-B82E-1B711B9ADEF3}" presName="rootText" presStyleLbl="node4" presStyleIdx="24" presStyleCnt="25">
+        <dgm:presLayoutVars>
+          <dgm:chPref val="3"/>
+        </dgm:presLayoutVars>
+      </dgm:prSet>
+      <dgm:spPr/>
+    </dgm:pt>
+    <dgm:pt modelId="{ABADFB74-B1A0-4A38-AA9F-767D994F374B}" type="pres">
+      <dgm:prSet presAssocID="{21319E96-BC28-4F20-B82E-1B711B9ADEF3}" presName="rootConnector" presStyleLbl="node4" presStyleIdx="24" presStyleCnt="25"/>
+      <dgm:spPr/>
+    </dgm:pt>
+    <dgm:pt modelId="{5FA6A169-7B88-4899-8CCF-7028FD503A38}" type="pres">
+      <dgm:prSet presAssocID="{21319E96-BC28-4F20-B82E-1B711B9ADEF3}" presName="hierChild4" presStyleCnt="0"/>
+      <dgm:spPr/>
+    </dgm:pt>
+    <dgm:pt modelId="{BEB2D3BB-F74B-4F73-9F3A-BB75C2A2CBD6}" type="pres">
+      <dgm:prSet presAssocID="{21319E96-BC28-4F20-B82E-1B711B9ADEF3}" presName="hierChild5" presStyleCnt="0"/>
+      <dgm:spPr/>
+    </dgm:pt>
+    <dgm:pt modelId="{72D9609D-6BAB-47BC-B277-E40C1ED00963}" type="pres">
+      <dgm:prSet presAssocID="{DC3E2FF7-19EA-45D9-B1BD-883838EE0034}" presName="hierChild5" presStyleCnt="0"/>
+      <dgm:spPr/>
+    </dgm:pt>
+    <dgm:pt modelId="{8884F9D7-952B-4F1F-BB9F-62E297893F79}" type="pres">
+      <dgm:prSet presAssocID="{0D86B6D1-A0FD-41A3-AF47-EC80968A9149}" presName="hierChild5" presStyleCnt="0"/>
       <dgm:spPr/>
     </dgm:pt>
     <dgm:pt modelId="{D761E918-2DA1-4204-BCC4-90F8A45630DF}" type="pres">
@@ -3900,12 +4763,16 @@
     <dgm:cxn modelId="{8912EC00-D4AC-4D1A-A7A6-4DB28184ABC6}" type="presOf" srcId="{CBC43A12-5813-4358-B60D-2638B8011A63}" destId="{742766C1-D710-4A2B-A1A0-2BE9A6F858EE}" srcOrd="0" destOrd="0" presId="urn:microsoft.com/office/officeart/2005/8/layout/orgChart1"/>
     <dgm:cxn modelId="{5E5A0801-1ED8-4979-B901-023718032718}" type="presOf" srcId="{E43E7765-C530-4364-9676-A632B6DAEA28}" destId="{CC35E510-BB41-46AB-A6CF-C9D1FD32AE1A}" srcOrd="0" destOrd="0" presId="urn:microsoft.com/office/officeart/2005/8/layout/orgChart1"/>
     <dgm:cxn modelId="{0152BC02-C302-4026-B592-22A327D4BC94}" srcId="{245D80D1-E10C-4E35-905B-A304DB798EAE}" destId="{48EB7D22-C56D-45F6-BD75-B7657E9FBEEB}" srcOrd="5" destOrd="0" parTransId="{93CFD84D-A136-4CF0-9F64-F1718443EDCF}" sibTransId="{A81FAB56-C37C-4229-B801-FF0A8D611001}"/>
+    <dgm:cxn modelId="{8C2BEE02-DBAB-40B9-BB02-B27E6CFFB2EA}" type="presOf" srcId="{F6CEE705-AE28-4513-9F09-91409986C60E}" destId="{985D8D00-6CD2-41B6-AB44-BDDE793CF67C}" srcOrd="1" destOrd="0" presId="urn:microsoft.com/office/officeart/2005/8/layout/orgChart1"/>
     <dgm:cxn modelId="{BD3C2203-62BE-4860-86CC-AA81B68A52F7}" type="presOf" srcId="{DFE6D902-C1F0-45EC-8A12-20646837D38B}" destId="{7E770E00-EE7D-4C62-9DB2-35ADE63EA56F}" srcOrd="1" destOrd="0" presId="urn:microsoft.com/office/officeart/2005/8/layout/orgChart1"/>
     <dgm:cxn modelId="{41CDCB03-9678-495D-97C7-A9FC141F12F9}" srcId="{245D80D1-E10C-4E35-905B-A304DB798EAE}" destId="{3F9C6CB2-16D8-46ED-89FF-53E05F5D7BFC}" srcOrd="4" destOrd="0" parTransId="{0CF0CD37-9568-455A-B39A-39C06C09B411}" sibTransId="{5CFF639A-33D9-4E2F-83FC-CBE6B2B7FB0C}"/>
+    <dgm:cxn modelId="{4B006505-168B-483E-B8FC-3240580BA90C}" type="presOf" srcId="{21258C2E-89A9-4CF2-9A8C-2995ED97D3F7}" destId="{28E7498C-50A2-43D8-86CE-8EC30A3EC32E}" srcOrd="0" destOrd="0" presId="urn:microsoft.com/office/officeart/2005/8/layout/orgChart1"/>
     <dgm:cxn modelId="{3EA1FE06-56B3-4B81-B88F-832831D31A7F}" srcId="{B38569C1-F954-477C-9A9B-46ADCE25C4DD}" destId="{2D3F2446-EBD3-407C-9AC9-91627467057B}" srcOrd="0" destOrd="0" parTransId="{296616F9-05BE-4634-BA94-DE1CD97BC93E}" sibTransId="{09D40DAF-CE53-4D6D-A338-D041AFA60F29}"/>
     <dgm:cxn modelId="{38CF8907-B0FC-4EE0-AF09-59A0A313D113}" type="presOf" srcId="{A4986D01-F180-4EC5-B44B-365ECD11C803}" destId="{E2622C0A-65B9-43B2-9807-F6A2549263C1}" srcOrd="0" destOrd="0" presId="urn:microsoft.com/office/officeart/2005/8/layout/orgChart1"/>
     <dgm:cxn modelId="{5D26A608-07FD-421B-885D-2D8EE1AFC587}" srcId="{2D3F2446-EBD3-407C-9AC9-91627467057B}" destId="{E43E7765-C530-4364-9676-A632B6DAEA28}" srcOrd="2" destOrd="0" parTransId="{469C3DB0-8271-4716-802E-A92EE6812078}" sibTransId="{AB882FE7-4932-43CA-9048-05E1BBBA6C4F}"/>
+    <dgm:cxn modelId="{7A56AD08-DA0F-4726-83B1-8317D5C19C3F}" type="presOf" srcId="{BD2AF3F6-875B-4D7C-A3B9-F0CDB1194D2B}" destId="{8A4F73AE-1493-4490-BEEC-B6081C971BE3}" srcOrd="0" destOrd="0" presId="urn:microsoft.com/office/officeart/2005/8/layout/orgChart1"/>
     <dgm:cxn modelId="{D2B8A50A-FCFD-4EEC-AC61-DFD73973BE13}" srcId="{245D80D1-E10C-4E35-905B-A304DB798EAE}" destId="{AF2D367B-7717-47A9-A98A-87A07E5F8BC8}" srcOrd="3" destOrd="0" parTransId="{16D3ADD6-C288-4EE3-80F2-E3A37C2BD2D6}" sibTransId="{2BC47B0E-03A3-4CED-80F7-AD10D6482A7D}"/>
+    <dgm:cxn modelId="{8A26530D-63AF-4D9F-9C1F-3189B56EEEEA}" type="presOf" srcId="{86AF9DF4-55E7-4EC8-B481-02F3A801EFD6}" destId="{B63AC577-A385-4AE4-B820-9E2E986267ED}" srcOrd="1" destOrd="0" presId="urn:microsoft.com/office/officeart/2005/8/layout/orgChart1"/>
     <dgm:cxn modelId="{F5FFD40D-6B43-4714-8A08-EAE4DB8A05AB}" type="presOf" srcId="{77D7C3DB-A157-4849-8A45-83DF95867BB1}" destId="{BD8FC83B-6955-43EB-986A-408F9DC41C37}" srcOrd="0" destOrd="0" presId="urn:microsoft.com/office/officeart/2005/8/layout/orgChart1"/>
     <dgm:cxn modelId="{6F939C10-DA52-437C-BC4B-69BA3AF1BC53}" srcId="{F334360A-9F80-4845-908D-1820F9D9FCD8}" destId="{F80C9C15-BAC3-4A67-9279-18486BB5FF2B}" srcOrd="0" destOrd="0" parTransId="{254F9696-6368-4A6B-9B16-F9B20CABE176}" sibTransId="{FA6D1B02-8F53-4E6C-A740-49E7FFFF1CA4}"/>
     <dgm:cxn modelId="{523BD110-31D1-453B-980D-044547B3B7D7}" type="presOf" srcId="{25FFF37D-3E5B-46EB-91EC-0763B9160E34}" destId="{FF9A4BBE-2FA9-45A2-BF47-0A3BC4A63589}" srcOrd="0" destOrd="0" presId="urn:microsoft.com/office/officeart/2005/8/layout/orgChart1"/>
@@ -3922,13 +4789,17 @@
     <dgm:cxn modelId="{3B709426-648A-4D20-A6D9-974518B5AF35}" type="presOf" srcId="{23F0C554-ADA8-4D72-B47E-101D2303096B}" destId="{28FCD01F-0879-4733-BB4A-FC4609767266}" srcOrd="0" destOrd="0" presId="urn:microsoft.com/office/officeart/2005/8/layout/orgChart1"/>
     <dgm:cxn modelId="{115C3627-2457-4031-81B6-B02E50E68208}" type="presOf" srcId="{248C25AF-923E-4803-9A6B-5C2CD71687D3}" destId="{E414B6E8-D2F6-472F-ACD3-8FC1F5D3646A}" srcOrd="0" destOrd="0" presId="urn:microsoft.com/office/officeart/2005/8/layout/orgChart1"/>
     <dgm:cxn modelId="{49B8D627-31E9-48D1-BD76-263927B7B1B8}" type="presOf" srcId="{6769BDE9-6A00-4D1E-9217-F5128C9415E1}" destId="{E0C130EA-1D4C-4BB2-950E-24665AA6A3C6}" srcOrd="1" destOrd="0" presId="urn:microsoft.com/office/officeart/2005/8/layout/orgChart1"/>
+    <dgm:cxn modelId="{F89CEA28-71B8-438D-A5DE-471117D983A0}" type="presOf" srcId="{BA38D2BE-F866-465D-8EDA-2F2BA2CE84B4}" destId="{D2183703-3744-4627-9833-C155CF0AFC65}" srcOrd="0" destOrd="0" presId="urn:microsoft.com/office/officeart/2005/8/layout/orgChart1"/>
     <dgm:cxn modelId="{F3E0F728-1296-4458-8173-8760EFE3D591}" srcId="{94FE0F1D-573F-4401-AC48-4F470F00E608}" destId="{1D5E4699-7015-42DF-A9DA-1A12DE63E790}" srcOrd="1" destOrd="0" parTransId="{E8B00ADE-A167-40D3-9789-AD25ABC8CAFE}" sibTransId="{2415AEB4-E6FF-4998-A6B0-EB3CED8595F0}"/>
     <dgm:cxn modelId="{E7A8C029-95AA-4E8E-BB83-569234BE851B}" type="presOf" srcId="{CBC43A12-5813-4358-B60D-2638B8011A63}" destId="{256A4C32-4105-4AD5-A87C-B487419B77EE}" srcOrd="1" destOrd="0" presId="urn:microsoft.com/office/officeart/2005/8/layout/orgChart1"/>
     <dgm:cxn modelId="{83B3BA2A-09C4-409B-A079-1AD26D85E389}" srcId="{6CF2845D-B57D-4252-98CC-718D22517AE8}" destId="{A013BAB4-876F-43C3-8AB7-1EB110B501E2}" srcOrd="1" destOrd="0" parTransId="{E8FC1F07-3460-4AD4-BECF-C223779D0B74}" sibTransId="{33BDBC2A-54B1-4FB4-9EF4-3678C60479C7}"/>
+    <dgm:cxn modelId="{75DA972C-B377-43B7-A122-2B9BF5FEBF27}" srcId="{0D86B6D1-A0FD-41A3-AF47-EC80968A9149}" destId="{DEBB3CDE-B988-4C1D-AEB1-0DEEC076A041}" srcOrd="1" destOrd="0" parTransId="{04A02BBF-F732-4C4E-9F0B-B99BC67D7B5D}" sibTransId="{63499899-242C-413A-944E-D0BA304C2716}"/>
     <dgm:cxn modelId="{A945BB2E-380D-4647-BAFD-CE289FF8C484}" type="presOf" srcId="{E43E7765-C530-4364-9676-A632B6DAEA28}" destId="{A92A0876-591A-4E8A-917A-703BD190CE6B}" srcOrd="1" destOrd="0" presId="urn:microsoft.com/office/officeart/2005/8/layout/orgChart1"/>
     <dgm:cxn modelId="{ED229D32-78D7-4D92-8EAF-632DC41A5054}" type="presOf" srcId="{D517EFDD-A8B6-4E9D-BBC3-620C9820D643}" destId="{D9D19F79-8C28-45F2-9B8E-1EEA4F29CF13}" srcOrd="1" destOrd="0" presId="urn:microsoft.com/office/officeart/2005/8/layout/orgChart1"/>
     <dgm:cxn modelId="{5C893733-5684-4F7B-9F5D-F7D18B76BF95}" type="presOf" srcId="{48EB7D22-C56D-45F6-BD75-B7657E9FBEEB}" destId="{8A58DE24-B34F-4619-A2AC-4192436647FF}" srcOrd="1" destOrd="0" presId="urn:microsoft.com/office/officeart/2005/8/layout/orgChart1"/>
     <dgm:cxn modelId="{32F27A33-39FD-49A3-9499-93E0D11D102C}" srcId="{3F9C6CB2-16D8-46ED-89FF-53E05F5D7BFC}" destId="{169B363C-496A-4520-9CC2-074A568D2914}" srcOrd="1" destOrd="0" parTransId="{B38A3A0F-49D0-4FAF-AADA-147492C6DC82}" sibTransId="{3E3D4F3E-5FB5-40A1-9DFA-C616D23533E9}"/>
+    <dgm:cxn modelId="{4E73F134-F194-4883-BCB3-800AF40B6AD3}" srcId="{DC3E2FF7-19EA-45D9-B1BD-883838EE0034}" destId="{21319E96-BC28-4F20-B82E-1B711B9ADEF3}" srcOrd="1" destOrd="0" parTransId="{46777178-6456-4C81-9FDC-B172987FBD2F}" sibTransId="{8AE80D39-2875-4A80-9E62-5BEEB1BD5075}"/>
+    <dgm:cxn modelId="{941C1236-6D70-4EDB-A6B2-3FC540360D78}" type="presOf" srcId="{B1B56680-9E73-4DA5-9A90-8E0307E8E668}" destId="{2B131199-6F55-485F-BE98-EF26F918E9EB}" srcOrd="1" destOrd="0" presId="urn:microsoft.com/office/officeart/2005/8/layout/orgChart1"/>
     <dgm:cxn modelId="{D5656336-C58A-412C-9B7F-32CE537A22E6}" srcId="{2D3F2446-EBD3-407C-9AC9-91627467057B}" destId="{E75C75A9-D3C2-44FC-880B-0FD5BB32C2F5}" srcOrd="0" destOrd="0" parTransId="{9EB89207-0FB8-4B01-9DE1-A56A663104CC}" sibTransId="{B4FD3B0B-3D81-4047-8FD5-5F4A84348CEA}"/>
     <dgm:cxn modelId="{F3323F39-6C1C-479D-85F1-9C1B5672342B}" type="presOf" srcId="{245D80D1-E10C-4E35-905B-A304DB798EAE}" destId="{FAA2482F-9349-45AC-8580-C5A3E74E1636}" srcOrd="0" destOrd="0" presId="urn:microsoft.com/office/officeart/2005/8/layout/orgChart1"/>
     <dgm:cxn modelId="{E4ED4D3A-0742-4D6A-9E1A-BB7AF6B90336}" type="presOf" srcId="{48EB7D22-C56D-45F6-BD75-B7657E9FBEEB}" destId="{BFD0EB73-F038-45B8-8749-FB292D842971}" srcOrd="0" destOrd="0" presId="urn:microsoft.com/office/officeart/2005/8/layout/orgChart1"/>
@@ -3938,6 +4809,7 @@
     <dgm:cxn modelId="{2275765C-903C-444A-A021-C98F9BBBAEB1}" type="presOf" srcId="{169B363C-496A-4520-9CC2-074A568D2914}" destId="{A68F3FBC-9C6E-4B52-880C-15B68BDE4E67}" srcOrd="0" destOrd="0" presId="urn:microsoft.com/office/officeart/2005/8/layout/orgChart1"/>
     <dgm:cxn modelId="{99CDC35C-9ACF-4CA7-9E7F-C3E8697EF7FF}" type="presOf" srcId="{8C57787D-07A2-43E8-959F-4BE62CD17D61}" destId="{FC9E8913-456F-47CB-887D-E1CF48424D59}" srcOrd="0" destOrd="0" presId="urn:microsoft.com/office/officeart/2005/8/layout/orgChart1"/>
     <dgm:cxn modelId="{64B6155D-DA21-401E-8018-DCA25A768D6A}" type="presOf" srcId="{96A7C435-DEB8-4C87-BDF6-5C5364259D4E}" destId="{BE399428-E649-453F-A68B-4619A82A76EF}" srcOrd="1" destOrd="0" presId="urn:microsoft.com/office/officeart/2005/8/layout/orgChart1"/>
+    <dgm:cxn modelId="{92C9445D-F93C-4762-B450-502A9C4F2330}" type="presOf" srcId="{AE69343A-B89C-45E8-BCEB-C3F2FF860661}" destId="{19D26EF5-43A7-40A5-AE3E-A423FD1BD461}" srcOrd="0" destOrd="0" presId="urn:microsoft.com/office/officeart/2005/8/layout/orgChart1"/>
     <dgm:cxn modelId="{A5C4F35D-6B61-43F6-B7AA-34357F491E4C}" type="presOf" srcId="{59A0C52B-0F1B-48B0-BC32-59DBCEADF379}" destId="{0027487A-6ECD-4EB7-B614-12DAA0898E4E}" srcOrd="0" destOrd="0" presId="urn:microsoft.com/office/officeart/2005/8/layout/orgChart1"/>
     <dgm:cxn modelId="{C209165E-F386-495C-9B7F-CCE62A4D965D}" type="presOf" srcId="{B978B786-AFB6-470C-A3DB-6BFBCEDE3302}" destId="{3C36075C-1CBA-44FE-B9B1-2CD67156C0EF}" srcOrd="1" destOrd="0" presId="urn:microsoft.com/office/officeart/2005/8/layout/orgChart1"/>
     <dgm:cxn modelId="{29F3185E-A366-4F79-A694-A0EC709DA976}" srcId="{245D80D1-E10C-4E35-905B-A304DB798EAE}" destId="{F334360A-9F80-4845-908D-1820F9D9FCD8}" srcOrd="2" destOrd="0" parTransId="{C50F4A9C-BCF5-44B6-B487-A443E7B7B8F2}" sibTransId="{8819F840-11A7-4E6B-BC9A-CE04D5D60E78}"/>
@@ -3945,13 +4817,17 @@
     <dgm:cxn modelId="{17D39D61-237C-4C2B-B403-A1153F837EB7}" srcId="{2D3F2446-EBD3-407C-9AC9-91627467057B}" destId="{2131221E-6449-4C57-8C9F-D3F50CF0E732}" srcOrd="3" destOrd="0" parTransId="{E68EA950-5E7F-40E3-8833-5ECEC4692C6B}" sibTransId="{E7AE52BF-4ADA-47A3-BACA-8A2091EE3E9F}"/>
     <dgm:cxn modelId="{F526E241-D919-4359-9802-8B19F36B97C2}" type="presOf" srcId="{775E2A34-5A0B-42D5-B280-DB8CE5CD96FE}" destId="{B6177855-2780-4787-8440-15E13135D8FD}" srcOrd="0" destOrd="0" presId="urn:microsoft.com/office/officeart/2005/8/layout/orgChart1"/>
     <dgm:cxn modelId="{2DB38C62-88D5-49C6-B944-A9F26FED87AE}" type="presOf" srcId="{081A926D-3601-4AD4-9C3F-AA1B42827321}" destId="{3B0B8300-9157-4D20-818B-3BF6BE11462A}" srcOrd="0" destOrd="0" presId="urn:microsoft.com/office/officeart/2005/8/layout/orgChart1"/>
+    <dgm:cxn modelId="{E4EBAA43-E4B4-4CD1-806A-42D187B20340}" srcId="{DC3E2FF7-19EA-45D9-B1BD-883838EE0034}" destId="{9FFA1442-6F08-4E0D-8645-E5992C5BD568}" srcOrd="0" destOrd="0" parTransId="{BAB433EE-D9B3-4776-AE97-5B23E22553C1}" sibTransId="{1C147C60-D22F-4C86-8DF7-892F94228C0E}"/>
     <dgm:cxn modelId="{1801B643-1654-4DB6-872D-AA2B2FF6F9A2}" type="presOf" srcId="{A620CFBC-4677-4F00-A0AE-079C622F1CBF}" destId="{71BBCBFB-0AC5-46C1-862C-3D6F26B2ED14}" srcOrd="0" destOrd="0" presId="urn:microsoft.com/office/officeart/2005/8/layout/orgChart1"/>
     <dgm:cxn modelId="{BC022B44-ECBE-4BC8-B810-4537BF6BE4F0}" type="presOf" srcId="{E75C75A9-D3C2-44FC-880B-0FD5BB32C2F5}" destId="{E4DD1BBA-6ED4-4EB6-AFF9-0A01C7630111}" srcOrd="0" destOrd="0" presId="urn:microsoft.com/office/officeart/2005/8/layout/orgChart1"/>
+    <dgm:cxn modelId="{B3ABB446-C5F0-4D24-8EB2-CD2B61CA47C2}" srcId="{AF2D367B-7717-47A9-A98A-87A07E5F8BC8}" destId="{5C8753B6-CD57-4433-A23A-9EBA3691FFE7}" srcOrd="3" destOrd="0" parTransId="{7E585162-3716-4E4E-ACC4-E3C3D5B9B6B5}" sibTransId="{2479F1AB-2CEF-4A5F-8307-6D8C1392E36D}"/>
     <dgm:cxn modelId="{0CB11047-9EEA-4B50-B94B-678AA2D737A9}" type="presOf" srcId="{4E810720-9C47-4DFE-B1E4-B2002C5E18B1}" destId="{39189F5E-EBE4-49B5-AD46-D7FA888CF6CE}" srcOrd="0" destOrd="0" presId="urn:microsoft.com/office/officeart/2005/8/layout/orgChart1"/>
     <dgm:cxn modelId="{3E7C9547-78A3-47E9-8460-FAE0EFE1C721}" srcId="{AF2D367B-7717-47A9-A98A-87A07E5F8BC8}" destId="{3065D15D-78A0-42CA-96B4-E28AD128FEB3}" srcOrd="2" destOrd="0" parTransId="{4E810720-9C47-4DFE-B1E4-B2002C5E18B1}" sibTransId="{1046E45F-35B6-4BEC-889F-829CA70F3FB4}"/>
     <dgm:cxn modelId="{E581FA67-0939-4876-A555-FA38D9A1DDC4}" type="presOf" srcId="{AF2D367B-7717-47A9-A98A-87A07E5F8BC8}" destId="{C989A800-18DF-4436-99F5-FACE40C4D818}" srcOrd="1" destOrd="0" presId="urn:microsoft.com/office/officeart/2005/8/layout/orgChart1"/>
     <dgm:cxn modelId="{7F86FD67-62B5-441C-B2CF-2551812556BB}" srcId="{3F9C6CB2-16D8-46ED-89FF-53E05F5D7BFC}" destId="{081A926D-3601-4AD4-9C3F-AA1B42827321}" srcOrd="0" destOrd="0" parTransId="{B7887A8E-4EFA-4497-AB7B-E1E0B2B9A065}" sibTransId="{7ABD1CA7-814F-46C2-8485-B91B2A675353}"/>
+    <dgm:cxn modelId="{927D7648-24E4-4C5B-9C5C-4EB48FCCEED6}" srcId="{0D86B6D1-A0FD-41A3-AF47-EC80968A9149}" destId="{DC3E2FF7-19EA-45D9-B1BD-883838EE0034}" srcOrd="2" destOrd="0" parTransId="{3C0AB228-9E06-4182-8CBB-79F82E77FFCE}" sibTransId="{FA0C5F2E-17A6-4B73-B220-2B17C2B8EF49}"/>
     <dgm:cxn modelId="{13858A68-BD8A-4BC4-AB80-897466F5FCBA}" type="presOf" srcId="{F334360A-9F80-4845-908D-1820F9D9FCD8}" destId="{80F8EC28-6414-48F8-860A-189C36080617}" srcOrd="1" destOrd="0" presId="urn:microsoft.com/office/officeart/2005/8/layout/orgChart1"/>
+    <dgm:cxn modelId="{9E640869-0997-4F7B-8D0B-AE737EF266AA}" type="presOf" srcId="{B1B56680-9E73-4DA5-9A90-8E0307E8E668}" destId="{AE876CC4-EC36-43B5-AF13-2B7F84F5BBE7}" srcOrd="0" destOrd="0" presId="urn:microsoft.com/office/officeart/2005/8/layout/orgChart1"/>
     <dgm:cxn modelId="{711F7469-5D43-4870-8DD0-A370B6BC0C01}" type="presOf" srcId="{4BF703C5-54A5-4861-B386-3C7176CF2F19}" destId="{BD26D28C-A3F5-438D-82B7-2E1917032BE3}" srcOrd="1" destOrd="0" presId="urn:microsoft.com/office/officeart/2005/8/layout/orgChart1"/>
     <dgm:cxn modelId="{DDA9B249-2FB0-4777-A488-24BF619A00AE}" type="presOf" srcId="{05734CC5-C5CD-4195-8DB8-696EC3ECEB40}" destId="{9D505DC0-0CA4-42FD-A783-B4DC29FDF4F7}" srcOrd="0" destOrd="0" presId="urn:microsoft.com/office/officeart/2005/8/layout/orgChart1"/>
     <dgm:cxn modelId="{0E5ED34A-267C-4185-BF9E-A3162A1C00F7}" type="presOf" srcId="{F80C9C15-BAC3-4A67-9279-18486BB5FF2B}" destId="{A75AE4FA-D1E2-4CD3-ADEA-E37013F9A276}" srcOrd="0" destOrd="0" presId="urn:microsoft.com/office/officeart/2005/8/layout/orgChart1"/>
@@ -3959,10 +4835,12 @@
     <dgm:cxn modelId="{A71CAB4C-AD45-4D06-A57F-A60A262D712B}" srcId="{8713C468-BFD2-48C3-9142-D861E9C03ADD}" destId="{F38E4D59-5A8B-4C80-908C-4DC3889D215F}" srcOrd="2" destOrd="0" parTransId="{F571FE02-9A29-4A3F-816F-59C06D9E7932}" sibTransId="{750C7BCF-4ACB-4752-BB91-906EA6BFE363}"/>
     <dgm:cxn modelId="{B555076D-FF34-4316-95A7-47BCD0B67E94}" type="presOf" srcId="{FFFBDE82-E268-4C5B-BF61-D141A9F3DCBB}" destId="{89EDA589-F069-4403-81A3-CA0CFF8EE272}" srcOrd="0" destOrd="0" presId="urn:microsoft.com/office/officeart/2005/8/layout/orgChart1"/>
     <dgm:cxn modelId="{FDCF9F6D-6054-474E-96ED-304FE3717DA9}" type="presOf" srcId="{D517EFDD-A8B6-4E9D-BBC3-620C9820D643}" destId="{2736ADD5-D6D1-4A6E-8758-7E828E14FC49}" srcOrd="0" destOrd="0" presId="urn:microsoft.com/office/officeart/2005/8/layout/orgChart1"/>
+    <dgm:cxn modelId="{C547E26D-97D9-420C-B0A8-D5AA93DFFCC2}" srcId="{DEBB3CDE-B988-4C1D-AEB1-0DEEC076A041}" destId="{AE69343A-B89C-45E8-BCEB-C3F2FF860661}" srcOrd="0" destOrd="0" parTransId="{BA38D2BE-F866-465D-8EDA-2F2BA2CE84B4}" sibTransId="{89DA835B-7A96-4F2D-A253-EDE9835613F6}"/>
     <dgm:cxn modelId="{CF2A214E-9326-4CC9-84D1-F4CAE1A8C747}" srcId="{3F9C6CB2-16D8-46ED-89FF-53E05F5D7BFC}" destId="{6CF2845D-B57D-4252-98CC-718D22517AE8}" srcOrd="2" destOrd="0" parTransId="{622CCCB1-753F-43B9-95C7-B352E5E1FC41}" sibTransId="{F66B7538-D619-46D2-AABC-AE970BBCB054}"/>
     <dgm:cxn modelId="{45E37C4F-F9B4-4A85-BA32-534C94A01961}" type="presOf" srcId="{E8FC1F07-3460-4AD4-BECF-C223779D0B74}" destId="{D7E1CE73-9E28-4F98-8BD0-7E8E51FB333F}" srcOrd="0" destOrd="0" presId="urn:microsoft.com/office/officeart/2005/8/layout/orgChart1"/>
     <dgm:cxn modelId="{CA039A4F-C170-4A58-8AE3-42F4725D248B}" type="presOf" srcId="{8713C468-BFD2-48C3-9142-D861E9C03ADD}" destId="{2E6ACD24-5DC3-48A4-8F1F-D6AEF5C8CAFF}" srcOrd="1" destOrd="0" presId="urn:microsoft.com/office/officeart/2005/8/layout/orgChart1"/>
     <dgm:cxn modelId="{B1700170-4DE0-4264-AC99-D5E532CB0D5C}" type="presOf" srcId="{775E2A34-5A0B-42D5-B280-DB8CE5CD96FE}" destId="{E0276184-641E-4BC5-9D32-B5E468C024D5}" srcOrd="1" destOrd="0" presId="urn:microsoft.com/office/officeart/2005/8/layout/orgChart1"/>
+    <dgm:cxn modelId="{A2DC8350-9556-47CD-BBBA-BA962510163B}" type="presOf" srcId="{F6CEE705-AE28-4513-9F09-91409986C60E}" destId="{6013B2CE-09D7-447A-AB0C-04399E6D9495}" srcOrd="0" destOrd="0" presId="urn:microsoft.com/office/officeart/2005/8/layout/orgChart1"/>
     <dgm:cxn modelId="{ECF82571-73FF-497F-9605-35CD21F65808}" type="presOf" srcId="{3F9C6CB2-16D8-46ED-89FF-53E05F5D7BFC}" destId="{E077F9B5-D8D9-45B1-AD44-E792AD48DD90}" srcOrd="0" destOrd="0" presId="urn:microsoft.com/office/officeart/2005/8/layout/orgChart1"/>
     <dgm:cxn modelId="{47183A71-E28F-4CD7-9691-80E5B1DFF5A9}" srcId="{B38569C1-F954-477C-9A9B-46ADCE25C4DD}" destId="{B978B786-AFB6-470C-A3DB-6BFBCEDE3302}" srcOrd="1" destOrd="0" parTransId="{FE129DED-1BC6-4F0E-A94C-57E57982254C}" sibTransId="{2915A0A6-A990-4179-92D2-9828A42E73F7}"/>
     <dgm:cxn modelId="{7532C951-1094-4B7E-9406-48DA121F9EDC}" type="presOf" srcId="{8713C468-BFD2-48C3-9142-D861E9C03ADD}" destId="{F3CDB58F-185F-4762-BDF7-7693F0D51105}" srcOrd="0" destOrd="0" presId="urn:microsoft.com/office/officeart/2005/8/layout/orgChart1"/>
@@ -3971,21 +4849,31 @@
     <dgm:cxn modelId="{0DB3FD72-7361-4F7E-9EAF-25A39B480C90}" type="presOf" srcId="{6CF2845D-B57D-4252-98CC-718D22517AE8}" destId="{4AB1B2CB-326E-4F33-A857-71234BB1B879}" srcOrd="0" destOrd="0" presId="urn:microsoft.com/office/officeart/2005/8/layout/orgChart1"/>
     <dgm:cxn modelId="{C5ED2D73-D102-44A3-B28F-715B7D0644E7}" type="presOf" srcId="{3065D15D-78A0-42CA-96B4-E28AD128FEB3}" destId="{03DB92FA-2EB9-4807-9F7C-221556379257}" srcOrd="0" destOrd="0" presId="urn:microsoft.com/office/officeart/2005/8/layout/orgChart1"/>
     <dgm:cxn modelId="{F2F54553-930D-4210-8233-F3FB0967D627}" type="presOf" srcId="{EBA86D59-3726-42E2-B345-8D92D339099F}" destId="{ED2045F8-A6C8-4F79-B28E-8770AEE160D9}" srcOrd="0" destOrd="0" presId="urn:microsoft.com/office/officeart/2005/8/layout/orgChart1"/>
+    <dgm:cxn modelId="{85903D74-773F-41D5-8E8E-8783D7D33E7C}" type="presOf" srcId="{04A02BBF-F732-4C4E-9F0B-B99BC67D7B5D}" destId="{23441226-FA67-4BBF-95F2-BBF92FC5EDFF}" srcOrd="0" destOrd="0" presId="urn:microsoft.com/office/officeart/2005/8/layout/orgChart1"/>
     <dgm:cxn modelId="{1BC86954-8661-480C-B3E4-03846366D643}" srcId="{8713C468-BFD2-48C3-9142-D861E9C03ADD}" destId="{EBA86D59-3726-42E2-B345-8D92D339099F}" srcOrd="0" destOrd="0" parTransId="{EF60C7CF-38F1-4AC7-9E42-C49EE36006BD}" sibTransId="{338801BA-9207-4BEA-905D-3C802DB07646}"/>
     <dgm:cxn modelId="{CEC85254-6643-475C-B6F7-960E3AA93D26}" type="presOf" srcId="{AF2D367B-7717-47A9-A98A-87A07E5F8BC8}" destId="{CF670E3F-0472-4175-BBAA-AD3AFC470DB1}" srcOrd="0" destOrd="0" presId="urn:microsoft.com/office/officeart/2005/8/layout/orgChart1"/>
     <dgm:cxn modelId="{5547C975-2B58-4FED-B606-C7955C3E66F9}" type="presOf" srcId="{EF60C7CF-38F1-4AC7-9E42-C49EE36006BD}" destId="{1654646E-B700-43F0-A4DF-3F2CDE845ACE}" srcOrd="0" destOrd="0" presId="urn:microsoft.com/office/officeart/2005/8/layout/orgChart1"/>
     <dgm:cxn modelId="{49ED4356-96C1-492D-B662-7448A8CB2DEA}" type="presOf" srcId="{E04CA31A-A2EF-4DFE-A81E-8BCCF29F206A}" destId="{3529C3D8-C2EA-42C2-A43F-F70235CF472D}" srcOrd="0" destOrd="0" presId="urn:microsoft.com/office/officeart/2005/8/layout/orgChart1"/>
+    <dgm:cxn modelId="{712E8977-4D3D-4C5E-BEF3-40B8EA58A510}" type="presOf" srcId="{5C8753B6-CD57-4433-A23A-9EBA3691FFE7}" destId="{14B4AAE6-43AF-4B25-ACF0-A9CE568A9378}" srcOrd="1" destOrd="0" presId="urn:microsoft.com/office/officeart/2005/8/layout/orgChart1"/>
+    <dgm:cxn modelId="{1A878B57-5B87-478D-A92D-87E06AD5A8AB}" type="presOf" srcId="{3C0AB228-9E06-4182-8CBB-79F82E77FFCE}" destId="{1BB02B49-E33E-4B67-9121-C393A8607D8A}" srcOrd="0" destOrd="0" presId="urn:microsoft.com/office/officeart/2005/8/layout/orgChart1"/>
     <dgm:cxn modelId="{B5D2E777-8F42-4A57-9352-B1D6F69546FA}" type="presOf" srcId="{59A0C52B-0F1B-48B0-BC32-59DBCEADF379}" destId="{3A7F51E2-42E9-4533-A4AA-F64CA65446B8}" srcOrd="1" destOrd="0" presId="urn:microsoft.com/office/officeart/2005/8/layout/orgChart1"/>
     <dgm:cxn modelId="{9E4C3E58-A486-4763-AD0D-64775D7F4FE2}" type="presOf" srcId="{02814592-CB9F-4B37-B087-9C97B238137F}" destId="{88DA85F6-6E6A-4106-9934-1C48CF06A1B0}" srcOrd="1" destOrd="0" presId="urn:microsoft.com/office/officeart/2005/8/layout/orgChart1"/>
     <dgm:cxn modelId="{C577125A-B37D-4AB1-8ACC-88DFDE836713}" type="presOf" srcId="{4D8CF323-12B1-4B16-8069-FC05F92BB2F3}" destId="{1FF8F8EB-3AB8-41EF-A7AF-66FF695C8584}" srcOrd="0" destOrd="0" presId="urn:microsoft.com/office/officeart/2005/8/layout/orgChart1"/>
     <dgm:cxn modelId="{627D8D7A-0773-4100-9AF1-57437F16305A}" type="presOf" srcId="{B7887A8E-4EFA-4497-AB7B-E1E0B2B9A065}" destId="{A1D2A1DB-04EB-4B0A-92B4-9AF5159B942D}" srcOrd="0" destOrd="0" presId="urn:microsoft.com/office/officeart/2005/8/layout/orgChart1"/>
+    <dgm:cxn modelId="{8902B15A-D162-40BF-9BE7-1ACAA134509A}" type="presOf" srcId="{5232829A-4FA4-4DB8-A849-12F745CD1A0A}" destId="{904055CD-A998-4BD0-8BEA-C9F957AF4EFD}" srcOrd="0" destOrd="0" presId="urn:microsoft.com/office/officeart/2005/8/layout/orgChart1"/>
     <dgm:cxn modelId="{CECCF97A-F031-4A21-82B3-410FD8FAD934}" srcId="{02814592-CB9F-4B37-B087-9C97B238137F}" destId="{94FE0F1D-573F-4401-AC48-4F470F00E608}" srcOrd="0" destOrd="0" parTransId="{695EC9AB-2F10-43ED-A427-109FB7863A37}" sibTransId="{980DF293-31A0-4B6C-AB51-2AF1B3A1D834}"/>
     <dgm:cxn modelId="{FFFDCC7C-EF07-447E-AECF-5FDE8ED2CAC7}" type="presOf" srcId="{94FE0F1D-573F-4401-AC48-4F470F00E608}" destId="{E2BB45AC-28CE-44B5-8E22-DC4B45AA4EE5}" srcOrd="1" destOrd="0" presId="urn:microsoft.com/office/officeart/2005/8/layout/orgChart1"/>
     <dgm:cxn modelId="{5AB2107D-BA13-4856-A6AE-054DB194354A}" type="presOf" srcId="{82181E53-5F12-483B-9CE2-B587765BB29F}" destId="{0B1AE79A-DF0A-46C9-9B7E-42B391879BC5}" srcOrd="1" destOrd="0" presId="urn:microsoft.com/office/officeart/2005/8/layout/orgChart1"/>
+    <dgm:cxn modelId="{2123287E-C191-4F90-A2A0-7EAAD1F1FEF9}" type="presOf" srcId="{9FFA1442-6F08-4E0D-8645-E5992C5BD568}" destId="{02106FE7-490F-4AEA-B90E-A413AC9ECCE1}" srcOrd="0" destOrd="0" presId="urn:microsoft.com/office/officeart/2005/8/layout/orgChart1"/>
+    <dgm:cxn modelId="{00F42B80-3A62-4688-9B9B-6A2CCF2D428A}" type="presOf" srcId="{0D86B6D1-A0FD-41A3-AF47-EC80968A9149}" destId="{E6D465D7-C227-411F-9EBC-53DAE5E2B716}" srcOrd="1" destOrd="0" presId="urn:microsoft.com/office/officeart/2005/8/layout/orgChart1"/>
+    <dgm:cxn modelId="{1EF10882-B190-470E-A89A-E157AD98EED0}" type="presOf" srcId="{DC3E2FF7-19EA-45D9-B1BD-883838EE0034}" destId="{A5894511-3461-4DB3-9EE2-B69FB5F31692}" srcOrd="0" destOrd="0" presId="urn:microsoft.com/office/officeart/2005/8/layout/orgChart1"/>
     <dgm:cxn modelId="{5FE64C82-3872-4EE2-9418-2CA16A38029C}" type="presOf" srcId="{2131221E-6449-4C57-8C9F-D3F50CF0E732}" destId="{1B9346B3-0EDC-4178-B604-88C6A4D621FB}" srcOrd="0" destOrd="0" presId="urn:microsoft.com/office/officeart/2005/8/layout/orgChart1"/>
     <dgm:cxn modelId="{BC408982-45BB-461E-9952-65200A81F553}" type="presOf" srcId="{4BF703C5-54A5-4861-B386-3C7176CF2F19}" destId="{7966116B-C38A-4DD0-B987-4DA223BCF9D3}" srcOrd="0" destOrd="0" presId="urn:microsoft.com/office/officeart/2005/8/layout/orgChart1"/>
     <dgm:cxn modelId="{44A94583-5555-4BBF-8335-31DA630E1521}" srcId="{48EB7D22-C56D-45F6-BD75-B7657E9FBEEB}" destId="{E04CA31A-A2EF-4DFE-A81E-8BCCF29F206A}" srcOrd="0" destOrd="0" parTransId="{7C13400D-271E-4387-8FAC-BEBA19CFBE75}" sibTransId="{342E8AC7-D75A-4730-846E-7FF1A95B241D}"/>
     <dgm:cxn modelId="{A6350D87-6C01-40F3-8EDD-94364EF4E697}" type="presOf" srcId="{B38A3A0F-49D0-4FAF-AADA-147492C6DC82}" destId="{C43C7D77-F20E-4A8B-880A-98C1DC7253D8}" srcOrd="0" destOrd="0" presId="urn:microsoft.com/office/officeart/2005/8/layout/orgChart1"/>
+    <dgm:cxn modelId="{5D971E87-3EEE-4EF6-ACDD-DC4C98978B84}" type="presOf" srcId="{50A250C9-0968-4B82-95E7-DC176A522997}" destId="{CD4C2823-9BA1-44A4-B581-6C4337758E2A}" srcOrd="0" destOrd="0" presId="urn:microsoft.com/office/officeart/2005/8/layout/orgChart1"/>
+    <dgm:cxn modelId="{8DDB6E87-BF92-45E5-BF64-B5ED63D000D0}" type="presOf" srcId="{46777178-6456-4C81-9FDC-B172987FBD2F}" destId="{1F4E7EDD-ED2B-475C-BDED-DCEF89F0763A}" srcOrd="0" destOrd="0" presId="urn:microsoft.com/office/officeart/2005/8/layout/orgChart1"/>
+    <dgm:cxn modelId="{6DE39387-87B4-43B2-9F91-414F49817341}" type="presOf" srcId="{86AF9DF4-55E7-4EC8-B481-02F3A801EFD6}" destId="{823D3ECD-0142-435C-9C62-B99B22E35C2E}" srcOrd="0" destOrd="0" presId="urn:microsoft.com/office/officeart/2005/8/layout/orgChart1"/>
     <dgm:cxn modelId="{F29E5189-3E04-4BE8-890F-A9E3FFA65A7A}" type="presOf" srcId="{0BD73C68-BCCA-4974-BCA9-1D600392D842}" destId="{D1DCB9B8-8EB3-4CDC-B84D-6B348EB5E226}" srcOrd="0" destOrd="0" presId="urn:microsoft.com/office/officeart/2005/8/layout/orgChart1"/>
     <dgm:cxn modelId="{C3F1DA8B-A9D1-4752-A892-A722A3B43929}" type="presOf" srcId="{02814592-CB9F-4B37-B087-9C97B238137F}" destId="{482361B4-087C-4E8F-B94E-D3602D492937}" srcOrd="0" destOrd="0" presId="urn:microsoft.com/office/officeart/2005/8/layout/orgChart1"/>
     <dgm:cxn modelId="{AD71AC8C-A59E-4E73-9095-F2561EFA7A0F}" srcId="{2D3F2446-EBD3-407C-9AC9-91627467057B}" destId="{ED736D95-F255-4A67-9A1E-1501EC2913E0}" srcOrd="1" destOrd="0" parTransId="{A123AA94-AF83-4C03-BD2F-D5B4B156910C}" sibTransId="{1B4322F8-0F55-4ED3-92CF-D2CEE867F0E4}"/>
@@ -4004,19 +4892,26 @@
     <dgm:cxn modelId="{E866929A-3CDF-428E-8950-E06E0BAE5FE5}" srcId="{2D3F2446-EBD3-407C-9AC9-91627467057B}" destId="{4BF703C5-54A5-4861-B386-3C7176CF2F19}" srcOrd="4" destOrd="0" parTransId="{ACF94C5D-86F1-4009-9E2F-A46AAA418C7E}" sibTransId="{C9288F86-2008-48C4-B739-8794D41DAE57}"/>
     <dgm:cxn modelId="{9CFCD09A-7555-431D-B151-DE666BF60A22}" type="presOf" srcId="{7C13400D-271E-4387-8FAC-BEBA19CFBE75}" destId="{7C672F74-4DA7-4E18-BA47-F4F58CE9D632}" srcOrd="0" destOrd="0" presId="urn:microsoft.com/office/officeart/2005/8/layout/orgChart1"/>
     <dgm:cxn modelId="{8F106B9B-CE3D-4884-9452-9E80E4C7BAE0}" type="presOf" srcId="{37E89185-5E16-4743-B65D-8B223818BBDF}" destId="{55A80B2C-6266-43C1-BCA9-BBBF0D3D575E}" srcOrd="0" destOrd="0" presId="urn:microsoft.com/office/officeart/2005/8/layout/orgChart1"/>
+    <dgm:cxn modelId="{455B419C-AF6F-4626-A929-157D717461D2}" type="presOf" srcId="{6DE10F71-4C37-41F0-96B2-A6DBD9443B68}" destId="{BC29F701-BE12-43CE-A0F0-04CB09F60A3B}" srcOrd="0" destOrd="0" presId="urn:microsoft.com/office/officeart/2005/8/layout/orgChart1"/>
     <dgm:cxn modelId="{922B539D-8801-42D8-95BD-C3EE4740E259}" type="presOf" srcId="{96A7C435-DEB8-4C87-BDF6-5C5364259D4E}" destId="{C040A16D-0BA3-42D0-ABD6-2AA062BD15CF}" srcOrd="0" destOrd="0" presId="urn:microsoft.com/office/officeart/2005/8/layout/orgChart1"/>
     <dgm:cxn modelId="{453E8F9F-C35C-4475-ACC8-699DB2215BC6}" srcId="{AF2D367B-7717-47A9-A98A-87A07E5F8BC8}" destId="{82181E53-5F12-483B-9CE2-B587765BB29F}" srcOrd="0" destOrd="0" parTransId="{9F71C7A7-19FE-4A4A-BF1A-0E03E0ADA4F1}" sibTransId="{9F2DEFB0-8E67-470B-AD15-138F434A01FC}"/>
+    <dgm:cxn modelId="{8C5F80A0-33D5-4176-BD38-33DE01EF0D25}" type="presOf" srcId="{DC3E2FF7-19EA-45D9-B1BD-883838EE0034}" destId="{F93B5764-AAC7-451B-918D-EE0B85588B69}" srcOrd="1" destOrd="0" presId="urn:microsoft.com/office/officeart/2005/8/layout/orgChart1"/>
+    <dgm:cxn modelId="{C57337A1-CC51-4375-BAE7-3995C795415C}" type="presOf" srcId="{21319E96-BC28-4F20-B82E-1B711B9ADEF3}" destId="{12E17FCD-BC4D-49D0-9FD2-8D44E2D47A29}" srcOrd="0" destOrd="0" presId="urn:microsoft.com/office/officeart/2005/8/layout/orgChart1"/>
     <dgm:cxn modelId="{C1CE72A1-F7EA-4611-9498-F967DAB7262C}" type="presOf" srcId="{1D5E4699-7015-42DF-A9DA-1A12DE63E790}" destId="{400DF1B8-21D7-4219-947E-BB72D2BEB4AB}" srcOrd="0" destOrd="0" presId="urn:microsoft.com/office/officeart/2005/8/layout/orgChart1"/>
     <dgm:cxn modelId="{D318EBA1-521D-461B-A49B-2C9444939BB1}" type="presOf" srcId="{455EDC67-610E-4C57-81E2-EACCBFABE1DA}" destId="{0D28E8DF-E67B-4A3D-A948-8C00199B6F27}" srcOrd="0" destOrd="0" presId="urn:microsoft.com/office/officeart/2005/8/layout/orgChart1"/>
     <dgm:cxn modelId="{7E03B4A2-1309-43F6-87D8-CD302FB9B5ED}" type="presOf" srcId="{E20451FB-E453-4AD3-A6B3-B16420D6B256}" destId="{8EE8A184-C0A9-4F27-8E27-C084A63CA1A9}" srcOrd="0" destOrd="0" presId="urn:microsoft.com/office/officeart/2005/8/layout/orgChart1"/>
     <dgm:cxn modelId="{4E6023A4-92C3-4AA8-B2B9-C5F3AAAEBA97}" type="presOf" srcId="{469C3DB0-8271-4716-802E-A92EE6812078}" destId="{4F7F03C8-E937-45A5-B322-2D91704D317C}" srcOrd="0" destOrd="0" presId="urn:microsoft.com/office/officeart/2005/8/layout/orgChart1"/>
     <dgm:cxn modelId="{F22C8DA6-C274-4585-87EC-2FF2E350BE20}" type="presOf" srcId="{F83C3BA4-C470-4356-BF98-E0F1BC154118}" destId="{B1741DA7-5842-46BC-A213-48BB65676F58}" srcOrd="1" destOrd="0" presId="urn:microsoft.com/office/officeart/2005/8/layout/orgChart1"/>
     <dgm:cxn modelId="{CC31E6A7-85DD-4EBA-A206-2094573EC538}" type="presOf" srcId="{63DBDE3E-FB16-4FE7-A2DD-5761F25A838E}" destId="{B8F86924-315E-4E6B-A582-BDB16EB20C67}" srcOrd="1" destOrd="0" presId="urn:microsoft.com/office/officeart/2005/8/layout/orgChart1"/>
+    <dgm:cxn modelId="{084560AA-6CA4-4B18-9957-2DFC1BFB09E6}" type="presOf" srcId="{9FFA1442-6F08-4E0D-8645-E5992C5BD568}" destId="{18DF4770-EA3C-40A3-A18C-77359E190B99}" srcOrd="1" destOrd="0" presId="urn:microsoft.com/office/officeart/2005/8/layout/orgChart1"/>
     <dgm:cxn modelId="{75A5F1AA-EF99-446D-AEF0-352EFC572636}" type="presOf" srcId="{7FC6806E-0BFD-4A9B-AFA3-4BC2BB0ED814}" destId="{2DC854D8-DC13-475F-A16B-7ADD4C6BE3E2}" srcOrd="1" destOrd="0" presId="urn:microsoft.com/office/officeart/2005/8/layout/orgChart1"/>
     <dgm:cxn modelId="{7F1C30AC-96F2-44D3-A688-FE5C9A32B588}" type="presOf" srcId="{61A55E4D-C1CA-4C1B-B54D-46E1BC4AF538}" destId="{EF5800B7-53CD-4BB5-81BC-1F3CEB288559}" srcOrd="0" destOrd="0" presId="urn:microsoft.com/office/officeart/2005/8/layout/orgChart1"/>
+    <dgm:cxn modelId="{F1DD86AC-CA35-4172-B9CF-ADFF331129CC}" type="presOf" srcId="{5C8753B6-CD57-4433-A23A-9EBA3691FFE7}" destId="{4B18B7B1-7EA9-40C2-BF5C-1E278EEE8599}" srcOrd="0" destOrd="0" presId="urn:microsoft.com/office/officeart/2005/8/layout/orgChart1"/>
+    <dgm:cxn modelId="{920696AC-212E-4820-B213-E3728FF9D5CF}" type="presOf" srcId="{DEBB3CDE-B988-4C1D-AEB1-0DEEC076A041}" destId="{3130C485-6ED0-4A42-A0B6-B6F6B6867146}" srcOrd="1" destOrd="0" presId="urn:microsoft.com/office/officeart/2005/8/layout/orgChart1"/>
     <dgm:cxn modelId="{FE7A3AAD-A2D5-4B85-8230-F6755E705D8C}" type="presOf" srcId="{2D3F2446-EBD3-407C-9AC9-91627467057B}" destId="{DB9D1288-76DB-4D85-ABB1-8D48808013A8}" srcOrd="1" destOrd="0" presId="urn:microsoft.com/office/officeart/2005/8/layout/orgChart1"/>
     <dgm:cxn modelId="{DC5E06B1-6ACA-4C9B-88EC-4B79FFD0A000}" type="presOf" srcId="{6769BDE9-6A00-4D1E-9217-F5128C9415E1}" destId="{59C9ACFA-2F50-44E3-87BF-EC691C42EE1F}" srcOrd="0" destOrd="0" presId="urn:microsoft.com/office/officeart/2005/8/layout/orgChart1"/>
     <dgm:cxn modelId="{4FE67DB1-84E5-4773-A95C-81839B729142}" type="presOf" srcId="{254F9696-6368-4A6B-9B16-F9B20CABE176}" destId="{926855A0-4E86-46A1-BB6E-9E6EAAE30FFE}" srcOrd="0" destOrd="0" presId="urn:microsoft.com/office/officeart/2005/8/layout/orgChart1"/>
+    <dgm:cxn modelId="{779CCAB2-4978-449F-8769-9F61AAC3FFF8}" type="presOf" srcId="{BD2AF3F6-875B-4D7C-A3B9-F0CDB1194D2B}" destId="{AEA10442-F9AD-485B-867B-C24A9226670C}" srcOrd="1" destOrd="0" presId="urn:microsoft.com/office/officeart/2005/8/layout/orgChart1"/>
     <dgm:cxn modelId="{220868B3-0BB8-4978-809A-9A011C8B560E}" type="presOf" srcId="{4D8CF323-12B1-4B16-8069-FC05F92BB2F3}" destId="{E7947EAE-E993-49FB-B233-6E44A4C10A09}" srcOrd="1" destOrd="0" presId="urn:microsoft.com/office/officeart/2005/8/layout/orgChart1"/>
     <dgm:cxn modelId="{B9D4F7B3-472F-4E03-B794-807BD930786D}" type="presOf" srcId="{94FE0F1D-573F-4401-AC48-4F470F00E608}" destId="{3E56AC73-7E1A-49C5-9A02-25C4764D30F4}" srcOrd="0" destOrd="0" presId="urn:microsoft.com/office/officeart/2005/8/layout/orgChart1"/>
     <dgm:cxn modelId="{FA899DB4-522C-4560-9DA6-81CA04F894BB}" type="presOf" srcId="{ED736D95-F255-4A67-9A1E-1501EC2913E0}" destId="{E9162EA8-F24F-4A03-9868-7063DBE359E9}" srcOrd="0" destOrd="0" presId="urn:microsoft.com/office/officeart/2005/8/layout/orgChart1"/>
@@ -4029,13 +4924,17 @@
     <dgm:cxn modelId="{43B651B8-160D-4ACE-BD9B-D109848D7E24}" type="presOf" srcId="{16D3ADD6-C288-4EE3-80F2-E3A37C2BD2D6}" destId="{867356C8-C49D-435C-9D1F-0CE0869E8EDD}" srcOrd="0" destOrd="0" presId="urn:microsoft.com/office/officeart/2005/8/layout/orgChart1"/>
     <dgm:cxn modelId="{653C92B8-F78D-4B8F-A8A7-F4B6FDAB8A9A}" type="presOf" srcId="{6CF2845D-B57D-4252-98CC-718D22517AE8}" destId="{E5E61C0B-2094-4922-8D85-3B8E602C2015}" srcOrd="1" destOrd="0" presId="urn:microsoft.com/office/officeart/2005/8/layout/orgChart1"/>
     <dgm:cxn modelId="{50E570BB-9F05-4DD7-92DA-1C9D0AFB6D29}" type="presOf" srcId="{61B7EC2F-2545-4C1E-89E5-C83F00DEF813}" destId="{7E03622E-A336-45C1-A367-07B7A57122D0}" srcOrd="0" destOrd="0" presId="urn:microsoft.com/office/officeart/2005/8/layout/orgChart1"/>
+    <dgm:cxn modelId="{FA36E0BB-0F1E-44CD-B0B8-10A2DFA7E8B5}" type="presOf" srcId="{0D86B6D1-A0FD-41A3-AF47-EC80968A9149}" destId="{ABC988D4-467E-48F1-A78D-9E5B3906804C}" srcOrd="0" destOrd="0" presId="urn:microsoft.com/office/officeart/2005/8/layout/orgChart1"/>
     <dgm:cxn modelId="{647718BC-CC79-4779-B4B0-95D9764D9372}" type="presOf" srcId="{CCFE8D31-77EB-4A73-BE2C-F43A08E5C7CC}" destId="{9D545C46-4196-43FE-9980-76B32B9BD565}" srcOrd="0" destOrd="0" presId="urn:microsoft.com/office/officeart/2005/8/layout/orgChart1"/>
     <dgm:cxn modelId="{7D0F22BC-F25E-46FB-BCA8-CAA159255A1C}" type="presOf" srcId="{FE129DED-1BC6-4F0E-A94C-57E57982254C}" destId="{FE5C86F2-5E48-4E0C-8D62-E0E32A9CBC53}" srcOrd="0" destOrd="0" presId="urn:microsoft.com/office/officeart/2005/8/layout/orgChart1"/>
+    <dgm:cxn modelId="{804699BE-F4FD-445D-A94E-67DBB281A8BF}" srcId="{245D80D1-E10C-4E35-905B-A304DB798EAE}" destId="{0D86B6D1-A0FD-41A3-AF47-EC80968A9149}" srcOrd="7" destOrd="0" parTransId="{5232829A-4FA4-4DB8-A849-12F745CD1A0A}" sibTransId="{232F1C97-9D19-4044-8B01-FE8482E0BBC7}"/>
     <dgm:cxn modelId="{C89439BF-0B5E-4F18-9AA2-69A2FE304074}" type="presOf" srcId="{2C089A3C-8456-4AB4-AD22-5E6523C9B2FA}" destId="{045C0277-5BEC-45DA-B056-EB0ACF22961B}" srcOrd="1" destOrd="0" presId="urn:microsoft.com/office/officeart/2005/8/layout/orgChart1"/>
     <dgm:cxn modelId="{39C656C1-9C63-4235-A4B4-AC1EE60A3201}" type="presOf" srcId="{DFE6D902-C1F0-45EC-8A12-20646837D38B}" destId="{03E1208D-9199-4480-8A55-8BF4D2FB0181}" srcOrd="0" destOrd="0" presId="urn:microsoft.com/office/officeart/2005/8/layout/orgChart1"/>
     <dgm:cxn modelId="{B1B45AC4-7124-4B9A-8386-453C9EA25097}" type="presOf" srcId="{C50F4A9C-BCF5-44B6-B487-A443E7B7B8F2}" destId="{B9F2F0E6-978D-4523-93F3-B7D529FDC38D}" srcOrd="0" destOrd="0" presId="urn:microsoft.com/office/officeart/2005/8/layout/orgChart1"/>
+    <dgm:cxn modelId="{02D5B5C4-DE76-47C8-9A47-E5D0B4746584}" srcId="{0D86B6D1-A0FD-41A3-AF47-EC80968A9149}" destId="{86AF9DF4-55E7-4EC8-B481-02F3A801EFD6}" srcOrd="0" destOrd="0" parTransId="{50A250C9-0968-4B82-95E7-DC176A522997}" sibTransId="{887329E4-D4E4-4CC3-85E3-3954040183AB}"/>
     <dgm:cxn modelId="{750FDCC4-CC1D-44AA-A469-142AE015F594}" srcId="{59A0C52B-0F1B-48B0-BC32-59DBCEADF379}" destId="{8713C468-BFD2-48C3-9142-D861E9C03ADD}" srcOrd="0" destOrd="0" parTransId="{248C25AF-923E-4803-9A6B-5C2CD71687D3}" sibTransId="{DA74045B-E8CE-4C31-9DD7-6A93A828A583}"/>
     <dgm:cxn modelId="{DB5299C5-9A5B-42A4-B161-56D0A1A47E93}" srcId="{59A0C52B-0F1B-48B0-BC32-59DBCEADF379}" destId="{DFE6D902-C1F0-45EC-8A12-20646837D38B}" srcOrd="1" destOrd="0" parTransId="{D4808004-6744-4DE0-BF52-ADE44CBE4E8E}" sibTransId="{5334424B-D3D8-4821-BE16-4A8D4DA8B093}"/>
+    <dgm:cxn modelId="{5196F1C7-56F3-4FB6-96B9-009120BB639D}" type="presOf" srcId="{7E585162-3716-4E4E-ACC4-E3C3D5B9B6B5}" destId="{59920D26-7BAC-4C39-8E33-9F0BA8942D26}" srcOrd="0" destOrd="0" presId="urn:microsoft.com/office/officeart/2005/8/layout/orgChart1"/>
     <dgm:cxn modelId="{A9D100C9-3BCE-4200-8C6B-F73BE100BB6E}" type="presOf" srcId="{F38E4D59-5A8B-4C80-908C-4DC3889D215F}" destId="{D0A1DAEE-65AD-44C5-A5BB-0FA32B7E3FF5}" srcOrd="1" destOrd="0" presId="urn:microsoft.com/office/officeart/2005/8/layout/orgChart1"/>
     <dgm:cxn modelId="{0E00D0C9-4B45-44D6-8E18-21CF82A80AA5}" type="presOf" srcId="{D66A2DE9-FEA9-4976-BC77-97C9D1102466}" destId="{EDD9B286-AB60-4AFC-B706-3BCD992BB32D}" srcOrd="0" destOrd="0" presId="urn:microsoft.com/office/officeart/2005/8/layout/orgChart1"/>
     <dgm:cxn modelId="{1BF86BCA-71BE-4849-99AC-C3C81C96ADDB}" type="presOf" srcId="{F80C9C15-BAC3-4A67-9279-18486BB5FF2B}" destId="{FD1002E1-4621-4E38-A78C-69C6E145C2D3}" srcOrd="1" destOrd="0" presId="urn:microsoft.com/office/officeart/2005/8/layout/orgChart1"/>
@@ -4044,26 +4943,34 @@
     <dgm:cxn modelId="{1F4C01D4-EB90-41A9-894A-162BC0C8D37D}" srcId="{6CF2845D-B57D-4252-98CC-718D22517AE8}" destId="{2C089A3C-8456-4AB4-AD22-5E6523C9B2FA}" srcOrd="0" destOrd="0" parTransId="{0BD73C68-BCCA-4974-BCA9-1D600392D842}" sibTransId="{FA2FBBF0-C964-4EB5-91D9-4ED00A190EBC}"/>
     <dgm:cxn modelId="{9A868BD5-1D5B-48EB-B0CA-2F498485F9A8}" type="presOf" srcId="{296616F9-05BE-4634-BA94-DE1CD97BC93E}" destId="{91D261E5-CEB9-465B-93E9-A16BD3A5C577}" srcOrd="0" destOrd="0" presId="urn:microsoft.com/office/officeart/2005/8/layout/orgChart1"/>
     <dgm:cxn modelId="{D23DC3D5-177F-4DDA-BDBE-D71E8F917FF8}" type="presOf" srcId="{56164209-A294-4BCB-AF0E-082B3F74BF60}" destId="{155AA582-9E56-4D90-A5C9-AEE64400B7BE}" srcOrd="0" destOrd="0" presId="urn:microsoft.com/office/officeart/2005/8/layout/orgChart1"/>
+    <dgm:cxn modelId="{D2D0C5D5-A664-45D1-BC29-E6D9CCD484E2}" srcId="{86AF9DF4-55E7-4EC8-B481-02F3A801EFD6}" destId="{B1B56680-9E73-4DA5-9A90-8E0307E8E668}" srcOrd="0" destOrd="0" parTransId="{34B38BEF-D301-4BEF-AAE3-68B1E541259C}" sibTransId="{4804879E-CC82-462F-AF7A-1D4807E6D9A9}"/>
     <dgm:cxn modelId="{3F2C9CD6-C36B-4E87-818F-88222D3318ED}" type="presOf" srcId="{622CCCB1-753F-43B9-95C7-B352E5E1FC41}" destId="{3E7702F9-24D9-4463-8706-6249557331D0}" srcOrd="0" destOrd="0" presId="urn:microsoft.com/office/officeart/2005/8/layout/orgChart1"/>
     <dgm:cxn modelId="{94833ED9-3662-4C99-959E-7E56FFBC4FA0}" type="presOf" srcId="{3065D15D-78A0-42CA-96B4-E28AD128FEB3}" destId="{A285A38A-284E-454D-811E-442D20D3DA8A}" srcOrd="1" destOrd="0" presId="urn:microsoft.com/office/officeart/2005/8/layout/orgChart1"/>
+    <dgm:cxn modelId="{DF66D7DA-BBCF-4E33-9DD9-E1AF1A23386B}" type="presOf" srcId="{AE69343A-B89C-45E8-BCEB-C3F2FF860661}" destId="{91655AEC-AFA8-4AC6-9538-0BD394BEFA47}" srcOrd="1" destOrd="0" presId="urn:microsoft.com/office/officeart/2005/8/layout/orgChart1"/>
     <dgm:cxn modelId="{983B6DDB-AAF8-413E-BA75-AFBF001A5ABF}" type="presOf" srcId="{ACF94C5D-86F1-4009-9E2F-A46AAA418C7E}" destId="{458CDE04-E53B-42E7-9FCF-C3EAC914CA48}" srcOrd="0" destOrd="0" presId="urn:microsoft.com/office/officeart/2005/8/layout/orgChart1"/>
     <dgm:cxn modelId="{F7880EDD-54D6-40AC-AE58-27E41CF0CFC2}" type="presOf" srcId="{61A55E4D-C1CA-4C1B-B54D-46E1BC4AF538}" destId="{ED00A314-F46C-4815-9755-DFE5E658A250}" srcOrd="1" destOrd="0" presId="urn:microsoft.com/office/officeart/2005/8/layout/orgChart1"/>
     <dgm:cxn modelId="{AC9175DD-2D4F-485E-BD56-90903A24A674}" type="presOf" srcId="{9EB89207-0FB8-4B01-9DE1-A56A663104CC}" destId="{62B7BA3C-74E2-4C2A-898D-6591FC444868}" srcOrd="0" destOrd="0" presId="urn:microsoft.com/office/officeart/2005/8/layout/orgChart1"/>
     <dgm:cxn modelId="{B3353CDE-3EF6-4814-8048-CA3F270B9643}" srcId="{F334360A-9F80-4845-908D-1820F9D9FCD8}" destId="{4D8CF323-12B1-4B16-8069-FC05F92BB2F3}" srcOrd="1" destOrd="0" parTransId="{FFFBDE82-E268-4C5B-BF61-D141A9F3DCBB}" sibTransId="{991DE521-10C9-4D7A-8B93-153475197F01}"/>
     <dgm:cxn modelId="{CDDA2ADF-ECD1-470B-A8C6-A9D4A2139A3E}" type="presOf" srcId="{2C089A3C-8456-4AB4-AD22-5E6523C9B2FA}" destId="{A1D354F9-2455-4B7F-BFAB-E790D9B1AFFF}" srcOrd="0" destOrd="0" presId="urn:microsoft.com/office/officeart/2005/8/layout/orgChart1"/>
     <dgm:cxn modelId="{E68133DF-EFA9-4E31-9B24-270C2CD5E7E2}" type="presOf" srcId="{2131221E-6449-4C57-8C9F-D3F50CF0E732}" destId="{CBF925EF-478D-4027-92BB-F96958870591}" srcOrd="1" destOrd="0" presId="urn:microsoft.com/office/officeart/2005/8/layout/orgChart1"/>
+    <dgm:cxn modelId="{E5D438E1-7AF4-4A5A-9FB5-4CAD3AA17F12}" type="presOf" srcId="{DEBB3CDE-B988-4C1D-AEB1-0DEEC076A041}" destId="{DD110DFF-2732-4B89-8A14-D3EED00B8FD9}" srcOrd="0" destOrd="0" presId="urn:microsoft.com/office/officeart/2005/8/layout/orgChart1"/>
     <dgm:cxn modelId="{B29D71E3-3206-4467-A986-0B7CFAF12EFF}" type="presOf" srcId="{F571FE02-9A29-4A3F-816F-59C06D9E7932}" destId="{D3C2C728-0034-4435-B59A-1F965F231805}" srcOrd="0" destOrd="0" presId="urn:microsoft.com/office/officeart/2005/8/layout/orgChart1"/>
     <dgm:cxn modelId="{4921C5E5-823A-40E3-A610-6DDF0F9A2221}" srcId="{B978B786-AFB6-470C-A3DB-6BFBCEDE3302}" destId="{F83C3BA4-C470-4356-BF98-E0F1BC154118}" srcOrd="1" destOrd="0" parTransId="{77D7C3DB-A157-4849-8A45-83DF95867BB1}" sibTransId="{A861494F-8B06-4BEF-AB55-A750815D6120}"/>
     <dgm:cxn modelId="{2D3980E6-F01B-45D0-8191-0B3B449B3E42}" type="presOf" srcId="{F38E4D59-5A8B-4C80-908C-4DC3889D215F}" destId="{B28CF3AB-51DA-475E-B82B-EC0F91A64393}" srcOrd="0" destOrd="0" presId="urn:microsoft.com/office/officeart/2005/8/layout/orgChart1"/>
     <dgm:cxn modelId="{58A5C8E6-4784-4E65-AF46-B7CD3392E1FC}" srcId="{DFE6D902-C1F0-45EC-8A12-20646837D38B}" destId="{63DBDE3E-FB16-4FE7-A2DD-5761F25A838E}" srcOrd="1" destOrd="0" parTransId="{E7DBAAEA-8398-4D62-8DF0-9F178882E39D}" sibTransId="{7D436578-1FF8-4874-B889-81B6B1D356A4}"/>
+    <dgm:cxn modelId="{158CCCE6-D3A9-46E7-B96F-B7CB9AC15881}" type="presOf" srcId="{21319E96-BC28-4F20-B82E-1B711B9ADEF3}" destId="{ABADFB74-B1A0-4A38-AA9F-767D994F374B}" srcOrd="1" destOrd="0" presId="urn:microsoft.com/office/officeart/2005/8/layout/orgChart1"/>
     <dgm:cxn modelId="{4EBBD5E7-9762-4559-934F-737EA9706F2E}" type="presOf" srcId="{D4808004-6744-4DE0-BF52-ADE44CBE4E8E}" destId="{E9E58B34-3DB5-49E1-90B2-DBDA347732D8}" srcOrd="0" destOrd="0" presId="urn:microsoft.com/office/officeart/2005/8/layout/orgChart1"/>
+    <dgm:cxn modelId="{590609E9-6E9D-4C43-B223-D04853D5E4E8}" srcId="{86AF9DF4-55E7-4EC8-B481-02F3A801EFD6}" destId="{F6CEE705-AE28-4513-9F09-91409986C60E}" srcOrd="2" destOrd="0" parTransId="{6DE10F71-4C37-41F0-96B2-A6DBD9443B68}" sibTransId="{0F778C9C-ADFB-4600-A275-2BFA455C15F6}"/>
     <dgm:cxn modelId="{2BB309EC-D4EC-414F-8E7C-79D3B3B2B9A8}" srcId="{DFE6D902-C1F0-45EC-8A12-20646837D38B}" destId="{CBC43A12-5813-4358-B60D-2638B8011A63}" srcOrd="0" destOrd="0" parTransId="{05734CC5-C5CD-4195-8DB8-696EC3ECEB40}" sibTransId="{6AFE017F-E0C8-463F-8209-A3C25A2222AB}"/>
+    <dgm:cxn modelId="{99B9A7EC-FB47-482C-83FF-8842BCAE8EDE}" srcId="{86AF9DF4-55E7-4EC8-B481-02F3A801EFD6}" destId="{BD2AF3F6-875B-4D7C-A3B9-F0CDB1194D2B}" srcOrd="1" destOrd="0" parTransId="{21258C2E-89A9-4CF2-9A8C-2995ED97D3F7}" sibTransId="{FE566E54-08B2-4F85-8C69-CC960A888741}"/>
     <dgm:cxn modelId="{DB07D3EE-462B-4053-8CC0-92368385E876}" type="presOf" srcId="{EBA86D59-3726-42E2-B345-8D92D339099F}" destId="{9134E4D5-C5DD-4716-973B-AFA36BE04213}" srcOrd="1" destOrd="0" presId="urn:microsoft.com/office/officeart/2005/8/layout/orgChart1"/>
     <dgm:cxn modelId="{276335F2-10DA-41EC-A7CB-F47EED9CA2D7}" srcId="{245D80D1-E10C-4E35-905B-A304DB798EAE}" destId="{02814592-CB9F-4B37-B087-9C97B238137F}" srcOrd="6" destOrd="0" parTransId="{A4986D01-F180-4EC5-B44B-365ECD11C803}" sibTransId="{1D45B47E-C449-4F0A-A683-BCDF839194A6}"/>
     <dgm:cxn modelId="{4A4388F6-ECCC-4810-9A8E-DEE6E29201B5}" type="presOf" srcId="{E68EA950-5E7F-40E3-8833-5ECEC4692C6B}" destId="{1CB0C193-F931-483F-9AE1-7058CF8D63A8}" srcOrd="0" destOrd="0" presId="urn:microsoft.com/office/officeart/2005/8/layout/orgChart1"/>
     <dgm:cxn modelId="{DB7843FC-AAFD-4E3C-9C6B-9D7BEC514B5A}" type="presOf" srcId="{E04CA31A-A2EF-4DFE-A81E-8BCCF29F206A}" destId="{93EF1678-A902-4AED-A60A-D65070B88C50}" srcOrd="1" destOrd="0" presId="urn:microsoft.com/office/officeart/2005/8/layout/orgChart1"/>
     <dgm:cxn modelId="{E3F30CFD-0D57-44AF-884F-FBBEA5758D9F}" type="presOf" srcId="{A013BAB4-876F-43C3-8AB7-1EB110B501E2}" destId="{7AF25BEE-8C26-4637-B4C9-97642880D156}" srcOrd="0" destOrd="0" presId="urn:microsoft.com/office/officeart/2005/8/layout/orgChart1"/>
     <dgm:cxn modelId="{D38040FE-2400-463C-B230-9D8F72BC26CE}" srcId="{245D80D1-E10C-4E35-905B-A304DB798EAE}" destId="{59A0C52B-0F1B-48B0-BC32-59DBCEADF379}" srcOrd="1" destOrd="0" parTransId="{4841E931-DE34-49BF-AF70-B6EBD178380E}" sibTransId="{F6F5E60A-8CBD-4060-B1E7-AD655619E318}"/>
+    <dgm:cxn modelId="{51FDAEFE-83E9-4F61-AF70-12A76C3CE3CD}" type="presOf" srcId="{BAB433EE-D9B3-4776-AE97-5B23E22553C1}" destId="{BEAC1A71-0493-4015-9106-BD737D2A0CC3}" srcOrd="0" destOrd="0" presId="urn:microsoft.com/office/officeart/2005/8/layout/orgChart1"/>
+    <dgm:cxn modelId="{5F3BE3FE-24DD-48C8-8CE8-7997C74A45DC}" type="presOf" srcId="{34B38BEF-D301-4BEF-AAE3-68B1E541259C}" destId="{3992B66C-A497-4D08-B148-9AB2EA263750}" srcOrd="0" destOrd="0" presId="urn:microsoft.com/office/officeart/2005/8/layout/orgChart1"/>
     <dgm:cxn modelId="{2FBE13CF-3B06-499D-9DE7-E32170C42D98}" type="presParOf" srcId="{8EE8A184-C0A9-4F27-8E27-C084A63CA1A9}" destId="{406E579D-A601-4A26-B70F-02EE078411C3}" srcOrd="0" destOrd="0" presId="urn:microsoft.com/office/officeart/2005/8/layout/orgChart1"/>
     <dgm:cxn modelId="{C0AC0BCC-9C90-4E16-8534-0B26E70AE53D}" type="presParOf" srcId="{406E579D-A601-4A26-B70F-02EE078411C3}" destId="{03E116F5-2EF9-4C70-BB3A-761C0E97C723}" srcOrd="0" destOrd="0" presId="urn:microsoft.com/office/officeart/2005/8/layout/orgChart1"/>
     <dgm:cxn modelId="{0B760199-D5DA-4222-B377-846B657D5D3C}" type="presParOf" srcId="{03E116F5-2EF9-4C70-BB3A-761C0E97C723}" destId="{FAA2482F-9349-45AC-8580-C5A3E74E1636}" srcOrd="0" destOrd="0" presId="urn:microsoft.com/office/officeart/2005/8/layout/orgChart1"/>
@@ -4257,6 +5164,13 @@
     <dgm:cxn modelId="{65F31796-446E-4C96-BBA4-1DE4673BE372}" type="presParOf" srcId="{FFF99F6A-1EBC-4212-A9CC-8894774A43D7}" destId="{A285A38A-284E-454D-811E-442D20D3DA8A}" srcOrd="1" destOrd="0" presId="urn:microsoft.com/office/officeart/2005/8/layout/orgChart1"/>
     <dgm:cxn modelId="{E8223A43-A234-413A-A015-1A4C02F0D369}" type="presParOf" srcId="{557E12A9-9576-48B3-8BDC-DE5A9E0A6060}" destId="{2F886F8B-F644-43E1-BE57-55E1D2116367}" srcOrd="1" destOrd="0" presId="urn:microsoft.com/office/officeart/2005/8/layout/orgChart1"/>
     <dgm:cxn modelId="{D6B825EF-80DD-45E1-9BAB-5A961881BB19}" type="presParOf" srcId="{557E12A9-9576-48B3-8BDC-DE5A9E0A6060}" destId="{69CE8BF6-AF67-4968-B3F1-8034F7B56905}" srcOrd="2" destOrd="0" presId="urn:microsoft.com/office/officeart/2005/8/layout/orgChart1"/>
+    <dgm:cxn modelId="{9CE108FB-C08C-45EC-BDCB-2D76F932FF28}" type="presParOf" srcId="{BDA2F10E-7091-4CF4-A26E-F4A896EFA4D4}" destId="{59920D26-7BAC-4C39-8E33-9F0BA8942D26}" srcOrd="6" destOrd="0" presId="urn:microsoft.com/office/officeart/2005/8/layout/orgChart1"/>
+    <dgm:cxn modelId="{88652BAF-2E0E-4BE6-B069-9BB4DA6A735F}" type="presParOf" srcId="{BDA2F10E-7091-4CF4-A26E-F4A896EFA4D4}" destId="{A24F4769-1EC1-432F-A742-0C568F842C3C}" srcOrd="7" destOrd="0" presId="urn:microsoft.com/office/officeart/2005/8/layout/orgChart1"/>
+    <dgm:cxn modelId="{5247C563-98FD-452F-BB19-7E70858971FB}" type="presParOf" srcId="{A24F4769-1EC1-432F-A742-0C568F842C3C}" destId="{D8E5BAB4-4509-422F-8A02-18907E5A1D09}" srcOrd="0" destOrd="0" presId="urn:microsoft.com/office/officeart/2005/8/layout/orgChart1"/>
+    <dgm:cxn modelId="{DEF15E34-BF0B-4FCA-8E60-829B8D3B3AF4}" type="presParOf" srcId="{D8E5BAB4-4509-422F-8A02-18907E5A1D09}" destId="{4B18B7B1-7EA9-40C2-BF5C-1E278EEE8599}" srcOrd="0" destOrd="0" presId="urn:microsoft.com/office/officeart/2005/8/layout/orgChart1"/>
+    <dgm:cxn modelId="{FCCBC4FF-ACF2-4F8F-877D-A635EA9D35BF}" type="presParOf" srcId="{D8E5BAB4-4509-422F-8A02-18907E5A1D09}" destId="{14B4AAE6-43AF-4B25-ACF0-A9CE568A9378}" srcOrd="1" destOrd="0" presId="urn:microsoft.com/office/officeart/2005/8/layout/orgChart1"/>
+    <dgm:cxn modelId="{939EE4DE-F546-4379-9291-2F8803F016B4}" type="presParOf" srcId="{A24F4769-1EC1-432F-A742-0C568F842C3C}" destId="{2425DD9E-10B3-458A-9C4C-D837C903CBBF}" srcOrd="1" destOrd="0" presId="urn:microsoft.com/office/officeart/2005/8/layout/orgChart1"/>
+    <dgm:cxn modelId="{15D83D10-96A6-498B-9C11-3E2995C11983}" type="presParOf" srcId="{A24F4769-1EC1-432F-A742-0C568F842C3C}" destId="{9F422D0C-D48A-42B9-8A85-0058B19F2B65}" srcOrd="2" destOrd="0" presId="urn:microsoft.com/office/officeart/2005/8/layout/orgChart1"/>
     <dgm:cxn modelId="{A499B467-8103-4FBA-B06B-B352B0DBC434}" type="presParOf" srcId="{0E08B845-E8CA-494A-83AE-04B37E25EAF8}" destId="{36E7E729-F29D-4052-950C-E09B543CCAF9}" srcOrd="2" destOrd="0" presId="urn:microsoft.com/office/officeart/2005/8/layout/orgChart1"/>
     <dgm:cxn modelId="{492EC344-5824-4DAD-BDAE-F307F215BA56}" type="presParOf" srcId="{3E6FB545-35D2-4CA9-8765-5F1FF5FF8AC7}" destId="{32F1FC82-1A42-495A-BFB2-6546967E7A96}" srcOrd="8" destOrd="0" presId="urn:microsoft.com/office/officeart/2005/8/layout/orgChart1"/>
     <dgm:cxn modelId="{F131D2D9-ACC7-4223-BD0F-54A6C7102E3F}" type="presParOf" srcId="{3E6FB545-35D2-4CA9-8765-5F1FF5FF8AC7}" destId="{8D474666-A92E-4F62-80CD-4C729C3868E3}" srcOrd="9" destOrd="0" presId="urn:microsoft.com/office/officeart/2005/8/layout/orgChart1"/>
@@ -4356,6 +5270,76 @@
     <dgm:cxn modelId="{405B3EFC-7937-43D9-A8F5-805397052830}" type="presParOf" srcId="{20CB207D-F941-4093-9CAA-32522EC5E222}" destId="{14CF54DE-400C-418F-96FF-C2D368C4C16F}" srcOrd="2" destOrd="0" presId="urn:microsoft.com/office/officeart/2005/8/layout/orgChart1"/>
     <dgm:cxn modelId="{95798557-D4A7-4488-A7FF-EAB54A2130CD}" type="presParOf" srcId="{C94EA5E6-25C5-4E8E-924A-563E887388EB}" destId="{B07EF05E-1A0D-4546-AEF3-A66F17CC6819}" srcOrd="2" destOrd="0" presId="urn:microsoft.com/office/officeart/2005/8/layout/orgChart1"/>
     <dgm:cxn modelId="{4C5BF069-EF83-4926-88EA-5CC62F51F8CF}" type="presParOf" srcId="{F5145BD7-2E4B-45A3-80B7-A698BA6300DB}" destId="{DC53BB13-2AC6-415E-AD6D-7F99A678FF89}" srcOrd="2" destOrd="0" presId="urn:microsoft.com/office/officeart/2005/8/layout/orgChart1"/>
+    <dgm:cxn modelId="{BA290E58-F2C2-43A3-8364-D04E5538ED76}" type="presParOf" srcId="{3E6FB545-35D2-4CA9-8765-5F1FF5FF8AC7}" destId="{904055CD-A998-4BD0-8BEA-C9F957AF4EFD}" srcOrd="14" destOrd="0" presId="urn:microsoft.com/office/officeart/2005/8/layout/orgChart1"/>
+    <dgm:cxn modelId="{41BC554D-7D7F-4661-82B3-844C15300E84}" type="presParOf" srcId="{3E6FB545-35D2-4CA9-8765-5F1FF5FF8AC7}" destId="{6947CF9F-DEEA-40F4-9B01-C6CC86A77A72}" srcOrd="15" destOrd="0" presId="urn:microsoft.com/office/officeart/2005/8/layout/orgChart1"/>
+    <dgm:cxn modelId="{7699DC86-79D2-447F-B313-3FF54273355F}" type="presParOf" srcId="{6947CF9F-DEEA-40F4-9B01-C6CC86A77A72}" destId="{9666B62D-1C45-458B-8F13-0B3ABF8AAFDE}" srcOrd="0" destOrd="0" presId="urn:microsoft.com/office/officeart/2005/8/layout/orgChart1"/>
+    <dgm:cxn modelId="{539D3626-4726-49A0-9276-27F18DA5B78C}" type="presParOf" srcId="{9666B62D-1C45-458B-8F13-0B3ABF8AAFDE}" destId="{ABC988D4-467E-48F1-A78D-9E5B3906804C}" srcOrd="0" destOrd="0" presId="urn:microsoft.com/office/officeart/2005/8/layout/orgChart1"/>
+    <dgm:cxn modelId="{4E6A30D0-988F-4F2C-BB42-90040D0C8ABB}" type="presParOf" srcId="{9666B62D-1C45-458B-8F13-0B3ABF8AAFDE}" destId="{E6D465D7-C227-411F-9EBC-53DAE5E2B716}" srcOrd="1" destOrd="0" presId="urn:microsoft.com/office/officeart/2005/8/layout/orgChart1"/>
+    <dgm:cxn modelId="{9241F8D1-1DC5-4EC4-A155-C124F00F6652}" type="presParOf" srcId="{6947CF9F-DEEA-40F4-9B01-C6CC86A77A72}" destId="{C05FC5F6-DE82-4C32-A5DD-F0BB6898C249}" srcOrd="1" destOrd="0" presId="urn:microsoft.com/office/officeart/2005/8/layout/orgChart1"/>
+    <dgm:cxn modelId="{B76736E8-F7FA-4EE3-934D-45D5579B7188}" type="presParOf" srcId="{C05FC5F6-DE82-4C32-A5DD-F0BB6898C249}" destId="{CD4C2823-9BA1-44A4-B581-6C4337758E2A}" srcOrd="0" destOrd="0" presId="urn:microsoft.com/office/officeart/2005/8/layout/orgChart1"/>
+    <dgm:cxn modelId="{A44048C6-E7F0-4E24-9A2F-473200B6A3FA}" type="presParOf" srcId="{C05FC5F6-DE82-4C32-A5DD-F0BB6898C249}" destId="{09274293-522F-4E15-BB5F-C8C907B8DBCA}" srcOrd="1" destOrd="0" presId="urn:microsoft.com/office/officeart/2005/8/layout/orgChart1"/>
+    <dgm:cxn modelId="{4DFB4BB7-BE01-43B0-87C5-BF5997AAD621}" type="presParOf" srcId="{09274293-522F-4E15-BB5F-C8C907B8DBCA}" destId="{7ACBBDA4-74DE-449F-AB99-0DE1D865A92A}" srcOrd="0" destOrd="0" presId="urn:microsoft.com/office/officeart/2005/8/layout/orgChart1"/>
+    <dgm:cxn modelId="{B0746D5B-BA64-4EC8-AE3B-B6159C66ADE5}" type="presParOf" srcId="{7ACBBDA4-74DE-449F-AB99-0DE1D865A92A}" destId="{823D3ECD-0142-435C-9C62-B99B22E35C2E}" srcOrd="0" destOrd="0" presId="urn:microsoft.com/office/officeart/2005/8/layout/orgChart1"/>
+    <dgm:cxn modelId="{2AE92E52-6A1E-479F-946E-B5C9135E66C7}" type="presParOf" srcId="{7ACBBDA4-74DE-449F-AB99-0DE1D865A92A}" destId="{B63AC577-A385-4AE4-B820-9E2E986267ED}" srcOrd="1" destOrd="0" presId="urn:microsoft.com/office/officeart/2005/8/layout/orgChart1"/>
+    <dgm:cxn modelId="{40718A22-4EB1-47EE-9491-52EAA32755D6}" type="presParOf" srcId="{09274293-522F-4E15-BB5F-C8C907B8DBCA}" destId="{FD8BD94D-A9E8-405F-B765-E2C1BDE23685}" srcOrd="1" destOrd="0" presId="urn:microsoft.com/office/officeart/2005/8/layout/orgChart1"/>
+    <dgm:cxn modelId="{B12B4DCC-C4F0-43EE-872A-996FA5D0A73C}" type="presParOf" srcId="{FD8BD94D-A9E8-405F-B765-E2C1BDE23685}" destId="{3992B66C-A497-4D08-B148-9AB2EA263750}" srcOrd="0" destOrd="0" presId="urn:microsoft.com/office/officeart/2005/8/layout/orgChart1"/>
+    <dgm:cxn modelId="{29086889-7ECC-4291-B28F-14224CBACE1F}" type="presParOf" srcId="{FD8BD94D-A9E8-405F-B765-E2C1BDE23685}" destId="{D82A23C1-A4C9-48F3-A39F-1E8E954EFD7D}" srcOrd="1" destOrd="0" presId="urn:microsoft.com/office/officeart/2005/8/layout/orgChart1"/>
+    <dgm:cxn modelId="{129CF1F5-ADCB-48C9-BE27-38F9AA56A163}" type="presParOf" srcId="{D82A23C1-A4C9-48F3-A39F-1E8E954EFD7D}" destId="{B919BA75-8F1F-4B53-9738-513F8FC0A66C}" srcOrd="0" destOrd="0" presId="urn:microsoft.com/office/officeart/2005/8/layout/orgChart1"/>
+    <dgm:cxn modelId="{A7B460A0-4832-4E96-A856-8E42A5C5B6BF}" type="presParOf" srcId="{B919BA75-8F1F-4B53-9738-513F8FC0A66C}" destId="{AE876CC4-EC36-43B5-AF13-2B7F84F5BBE7}" srcOrd="0" destOrd="0" presId="urn:microsoft.com/office/officeart/2005/8/layout/orgChart1"/>
+    <dgm:cxn modelId="{4DC3566D-6978-4053-8659-127DAF3CB514}" type="presParOf" srcId="{B919BA75-8F1F-4B53-9738-513F8FC0A66C}" destId="{2B131199-6F55-485F-BE98-EF26F918E9EB}" srcOrd="1" destOrd="0" presId="urn:microsoft.com/office/officeart/2005/8/layout/orgChart1"/>
+    <dgm:cxn modelId="{94BC7F2F-02D1-4A68-B0A5-D33C81B08467}" type="presParOf" srcId="{D82A23C1-A4C9-48F3-A39F-1E8E954EFD7D}" destId="{34F9D5BF-D2DD-40AB-9CB0-145A70D89237}" srcOrd="1" destOrd="0" presId="urn:microsoft.com/office/officeart/2005/8/layout/orgChart1"/>
+    <dgm:cxn modelId="{6A603EC1-7648-4428-9974-61787B42F4BA}" type="presParOf" srcId="{D82A23C1-A4C9-48F3-A39F-1E8E954EFD7D}" destId="{A411B5F9-21F0-4CDD-9A4B-396C76485452}" srcOrd="2" destOrd="0" presId="urn:microsoft.com/office/officeart/2005/8/layout/orgChart1"/>
+    <dgm:cxn modelId="{DB41A48F-43EF-4C12-9F34-8437F7D46A10}" type="presParOf" srcId="{FD8BD94D-A9E8-405F-B765-E2C1BDE23685}" destId="{28E7498C-50A2-43D8-86CE-8EC30A3EC32E}" srcOrd="2" destOrd="0" presId="urn:microsoft.com/office/officeart/2005/8/layout/orgChart1"/>
+    <dgm:cxn modelId="{26835C6F-2DE2-4604-86FF-7E9EF17FC11C}" type="presParOf" srcId="{FD8BD94D-A9E8-405F-B765-E2C1BDE23685}" destId="{AEFB9F83-ABC9-44C5-9CB0-D71A2A8C3D3E}" srcOrd="3" destOrd="0" presId="urn:microsoft.com/office/officeart/2005/8/layout/orgChart1"/>
+    <dgm:cxn modelId="{E452AB90-2EE1-4DBC-A590-156473C258EC}" type="presParOf" srcId="{AEFB9F83-ABC9-44C5-9CB0-D71A2A8C3D3E}" destId="{244EF8D9-1D7A-4608-AE05-8B03DB97D0F0}" srcOrd="0" destOrd="0" presId="urn:microsoft.com/office/officeart/2005/8/layout/orgChart1"/>
+    <dgm:cxn modelId="{AFF080D9-D09F-4055-A235-BA63B84FB684}" type="presParOf" srcId="{244EF8D9-1D7A-4608-AE05-8B03DB97D0F0}" destId="{8A4F73AE-1493-4490-BEEC-B6081C971BE3}" srcOrd="0" destOrd="0" presId="urn:microsoft.com/office/officeart/2005/8/layout/orgChart1"/>
+    <dgm:cxn modelId="{154E447F-4C96-4CFE-B85D-493182F775C7}" type="presParOf" srcId="{244EF8D9-1D7A-4608-AE05-8B03DB97D0F0}" destId="{AEA10442-F9AD-485B-867B-C24A9226670C}" srcOrd="1" destOrd="0" presId="urn:microsoft.com/office/officeart/2005/8/layout/orgChart1"/>
+    <dgm:cxn modelId="{F4E02EC9-2999-4174-9409-DE30D78D3638}" type="presParOf" srcId="{AEFB9F83-ABC9-44C5-9CB0-D71A2A8C3D3E}" destId="{CF65F56B-6774-429C-9663-4B32611C7267}" srcOrd="1" destOrd="0" presId="urn:microsoft.com/office/officeart/2005/8/layout/orgChart1"/>
+    <dgm:cxn modelId="{D61D2455-166D-421D-9013-972292F6AC2B}" type="presParOf" srcId="{AEFB9F83-ABC9-44C5-9CB0-D71A2A8C3D3E}" destId="{65316672-CB36-44B4-9E0B-97A64F2F8935}" srcOrd="2" destOrd="0" presId="urn:microsoft.com/office/officeart/2005/8/layout/orgChart1"/>
+    <dgm:cxn modelId="{E4930E19-67D2-40AB-AD6A-B2CDE1D87FAD}" type="presParOf" srcId="{FD8BD94D-A9E8-405F-B765-E2C1BDE23685}" destId="{BC29F701-BE12-43CE-A0F0-04CB09F60A3B}" srcOrd="4" destOrd="0" presId="urn:microsoft.com/office/officeart/2005/8/layout/orgChart1"/>
+    <dgm:cxn modelId="{535093B6-26F6-41C9-AC7A-FF52C69A6633}" type="presParOf" srcId="{FD8BD94D-A9E8-405F-B765-E2C1BDE23685}" destId="{25CCDF46-7BEB-42BE-B3A4-C8557CECA9DF}" srcOrd="5" destOrd="0" presId="urn:microsoft.com/office/officeart/2005/8/layout/orgChart1"/>
+    <dgm:cxn modelId="{437ECBC1-0086-4A8A-8BA7-BBD7BD51A936}" type="presParOf" srcId="{25CCDF46-7BEB-42BE-B3A4-C8557CECA9DF}" destId="{7469AC01-BA45-4982-A7F5-D47634C8B70C}" srcOrd="0" destOrd="0" presId="urn:microsoft.com/office/officeart/2005/8/layout/orgChart1"/>
+    <dgm:cxn modelId="{46B03E3A-6C09-4550-8EF6-7C6B71D3B06A}" type="presParOf" srcId="{7469AC01-BA45-4982-A7F5-D47634C8B70C}" destId="{6013B2CE-09D7-447A-AB0C-04399E6D9495}" srcOrd="0" destOrd="0" presId="urn:microsoft.com/office/officeart/2005/8/layout/orgChart1"/>
+    <dgm:cxn modelId="{A12C640A-4A5B-40FF-B59D-93B133FD19ED}" type="presParOf" srcId="{7469AC01-BA45-4982-A7F5-D47634C8B70C}" destId="{985D8D00-6CD2-41B6-AB44-BDDE793CF67C}" srcOrd="1" destOrd="0" presId="urn:microsoft.com/office/officeart/2005/8/layout/orgChart1"/>
+    <dgm:cxn modelId="{165C6AC8-2F33-4D48-A605-4CEAA963CBE1}" type="presParOf" srcId="{25CCDF46-7BEB-42BE-B3A4-C8557CECA9DF}" destId="{6B9ECF37-4470-419D-A72C-3F7815B549B1}" srcOrd="1" destOrd="0" presId="urn:microsoft.com/office/officeart/2005/8/layout/orgChart1"/>
+    <dgm:cxn modelId="{8F013A11-203F-4F62-A30E-13F312C144FD}" type="presParOf" srcId="{25CCDF46-7BEB-42BE-B3A4-C8557CECA9DF}" destId="{20FFA057-ADF9-4FD7-8595-6C89B0EBBBCE}" srcOrd="2" destOrd="0" presId="urn:microsoft.com/office/officeart/2005/8/layout/orgChart1"/>
+    <dgm:cxn modelId="{27589DEA-61E1-411B-AA76-227E2584C71F}" type="presParOf" srcId="{09274293-522F-4E15-BB5F-C8C907B8DBCA}" destId="{47D52D1D-1D99-4CEA-9050-0FC2A52ACFA7}" srcOrd="2" destOrd="0" presId="urn:microsoft.com/office/officeart/2005/8/layout/orgChart1"/>
+    <dgm:cxn modelId="{733DB37B-5622-4A09-82C1-47170D1DC7B7}" type="presParOf" srcId="{C05FC5F6-DE82-4C32-A5DD-F0BB6898C249}" destId="{23441226-FA67-4BBF-95F2-BBF92FC5EDFF}" srcOrd="2" destOrd="0" presId="urn:microsoft.com/office/officeart/2005/8/layout/orgChart1"/>
+    <dgm:cxn modelId="{30F68C92-336B-41C4-B04A-81B4C78C1933}" type="presParOf" srcId="{C05FC5F6-DE82-4C32-A5DD-F0BB6898C249}" destId="{A748BFA2-6DA7-4CB6-B4BC-298D0AF2E6B4}" srcOrd="3" destOrd="0" presId="urn:microsoft.com/office/officeart/2005/8/layout/orgChart1"/>
+    <dgm:cxn modelId="{1FC4CD54-EE3F-4746-A0E4-26EFB5116801}" type="presParOf" srcId="{A748BFA2-6DA7-4CB6-B4BC-298D0AF2E6B4}" destId="{83F2F32A-87DF-4051-85BD-8E4FC70C225E}" srcOrd="0" destOrd="0" presId="urn:microsoft.com/office/officeart/2005/8/layout/orgChart1"/>
+    <dgm:cxn modelId="{DD554211-D87F-4428-926E-129B3E71C7FC}" type="presParOf" srcId="{83F2F32A-87DF-4051-85BD-8E4FC70C225E}" destId="{DD110DFF-2732-4B89-8A14-D3EED00B8FD9}" srcOrd="0" destOrd="0" presId="urn:microsoft.com/office/officeart/2005/8/layout/orgChart1"/>
+    <dgm:cxn modelId="{19C08EA8-C14A-4F25-A703-5CA7F45761AC}" type="presParOf" srcId="{83F2F32A-87DF-4051-85BD-8E4FC70C225E}" destId="{3130C485-6ED0-4A42-A0B6-B6F6B6867146}" srcOrd="1" destOrd="0" presId="urn:microsoft.com/office/officeart/2005/8/layout/orgChart1"/>
+    <dgm:cxn modelId="{7039683A-233F-435E-894E-DB7DB7477D3F}" type="presParOf" srcId="{A748BFA2-6DA7-4CB6-B4BC-298D0AF2E6B4}" destId="{270E13FA-9144-40F9-8187-4CAA545D9005}" srcOrd="1" destOrd="0" presId="urn:microsoft.com/office/officeart/2005/8/layout/orgChart1"/>
+    <dgm:cxn modelId="{F31FB2A2-E04D-4CC6-9557-06EC29734A18}" type="presParOf" srcId="{270E13FA-9144-40F9-8187-4CAA545D9005}" destId="{D2183703-3744-4627-9833-C155CF0AFC65}" srcOrd="0" destOrd="0" presId="urn:microsoft.com/office/officeart/2005/8/layout/orgChart1"/>
+    <dgm:cxn modelId="{9B283C28-B19F-4565-A543-7935DA0A31AC}" type="presParOf" srcId="{270E13FA-9144-40F9-8187-4CAA545D9005}" destId="{73B3B92F-53A9-40CE-A39C-A12C9ED0BE87}" srcOrd="1" destOrd="0" presId="urn:microsoft.com/office/officeart/2005/8/layout/orgChart1"/>
+    <dgm:cxn modelId="{ABEF6219-F767-461F-98F7-2D07FBB1898B}" type="presParOf" srcId="{73B3B92F-53A9-40CE-A39C-A12C9ED0BE87}" destId="{7B40E299-1B8E-4909-BF96-C798333E77E4}" srcOrd="0" destOrd="0" presId="urn:microsoft.com/office/officeart/2005/8/layout/orgChart1"/>
+    <dgm:cxn modelId="{BA175CFB-6284-447F-9EC4-E5CC2378974B}" type="presParOf" srcId="{7B40E299-1B8E-4909-BF96-C798333E77E4}" destId="{19D26EF5-43A7-40A5-AE3E-A423FD1BD461}" srcOrd="0" destOrd="0" presId="urn:microsoft.com/office/officeart/2005/8/layout/orgChart1"/>
+    <dgm:cxn modelId="{6F4EEF3A-64F2-4322-9088-FEFDA3E5D604}" type="presParOf" srcId="{7B40E299-1B8E-4909-BF96-C798333E77E4}" destId="{91655AEC-AFA8-4AC6-9538-0BD394BEFA47}" srcOrd="1" destOrd="0" presId="urn:microsoft.com/office/officeart/2005/8/layout/orgChart1"/>
+    <dgm:cxn modelId="{9E5612B9-07B0-462E-8BD4-BBB2AD1F6C04}" type="presParOf" srcId="{73B3B92F-53A9-40CE-A39C-A12C9ED0BE87}" destId="{C751BAFA-2BB3-4B85-BB60-CB9AE533C089}" srcOrd="1" destOrd="0" presId="urn:microsoft.com/office/officeart/2005/8/layout/orgChart1"/>
+    <dgm:cxn modelId="{45C83DBF-8B5A-4203-9BFB-F7E0BBBC1669}" type="presParOf" srcId="{73B3B92F-53A9-40CE-A39C-A12C9ED0BE87}" destId="{FB878EEA-F5F8-44A4-A0A0-4C543F4E504A}" srcOrd="2" destOrd="0" presId="urn:microsoft.com/office/officeart/2005/8/layout/orgChart1"/>
+    <dgm:cxn modelId="{8342597E-29B1-4F3C-9434-2452FBA2082B}" type="presParOf" srcId="{A748BFA2-6DA7-4CB6-B4BC-298D0AF2E6B4}" destId="{3C055977-85E2-4BED-8B48-077AB08C080C}" srcOrd="2" destOrd="0" presId="urn:microsoft.com/office/officeart/2005/8/layout/orgChart1"/>
+    <dgm:cxn modelId="{0372EB5D-D608-4961-8687-A5524C161F80}" type="presParOf" srcId="{C05FC5F6-DE82-4C32-A5DD-F0BB6898C249}" destId="{1BB02B49-E33E-4B67-9121-C393A8607D8A}" srcOrd="4" destOrd="0" presId="urn:microsoft.com/office/officeart/2005/8/layout/orgChart1"/>
+    <dgm:cxn modelId="{5A6E3C95-5DCA-4E25-BBBE-2B4D2D950C1E}" type="presParOf" srcId="{C05FC5F6-DE82-4C32-A5DD-F0BB6898C249}" destId="{3258DAE4-2C31-41EC-A143-C6FA809286CA}" srcOrd="5" destOrd="0" presId="urn:microsoft.com/office/officeart/2005/8/layout/orgChart1"/>
+    <dgm:cxn modelId="{EC5212FA-8935-474F-BC7C-AABB85E99555}" type="presParOf" srcId="{3258DAE4-2C31-41EC-A143-C6FA809286CA}" destId="{D5EB39E6-813A-46F5-A071-AF451EE70163}" srcOrd="0" destOrd="0" presId="urn:microsoft.com/office/officeart/2005/8/layout/orgChart1"/>
+    <dgm:cxn modelId="{21A3237B-47C1-42CF-95C6-131B07DF3438}" type="presParOf" srcId="{D5EB39E6-813A-46F5-A071-AF451EE70163}" destId="{A5894511-3461-4DB3-9EE2-B69FB5F31692}" srcOrd="0" destOrd="0" presId="urn:microsoft.com/office/officeart/2005/8/layout/orgChart1"/>
+    <dgm:cxn modelId="{EC1FEE45-9740-48A9-9172-0CEDE9DFB99C}" type="presParOf" srcId="{D5EB39E6-813A-46F5-A071-AF451EE70163}" destId="{F93B5764-AAC7-451B-918D-EE0B85588B69}" srcOrd="1" destOrd="0" presId="urn:microsoft.com/office/officeart/2005/8/layout/orgChart1"/>
+    <dgm:cxn modelId="{5AC27016-12A4-4457-B5AC-FBAB3BC27BDF}" type="presParOf" srcId="{3258DAE4-2C31-41EC-A143-C6FA809286CA}" destId="{19057E23-3512-486E-A02E-0109B5DE1B10}" srcOrd="1" destOrd="0" presId="urn:microsoft.com/office/officeart/2005/8/layout/orgChart1"/>
+    <dgm:cxn modelId="{3DE779E3-31A3-4CB2-8262-5887F25AB396}" type="presParOf" srcId="{19057E23-3512-486E-A02E-0109B5DE1B10}" destId="{BEAC1A71-0493-4015-9106-BD737D2A0CC3}" srcOrd="0" destOrd="0" presId="urn:microsoft.com/office/officeart/2005/8/layout/orgChart1"/>
+    <dgm:cxn modelId="{B8EF420B-26A2-4607-B2BA-388036985F14}" type="presParOf" srcId="{19057E23-3512-486E-A02E-0109B5DE1B10}" destId="{F2A5ECDB-DBAC-447C-9ED5-F51DD65D7BD3}" srcOrd="1" destOrd="0" presId="urn:microsoft.com/office/officeart/2005/8/layout/orgChart1"/>
+    <dgm:cxn modelId="{ED33E5D4-5D32-483F-9CC3-D4BEC7CE65C4}" type="presParOf" srcId="{F2A5ECDB-DBAC-447C-9ED5-F51DD65D7BD3}" destId="{9C17A723-DA07-48A5-892B-DEB7D3AEB884}" srcOrd="0" destOrd="0" presId="urn:microsoft.com/office/officeart/2005/8/layout/orgChart1"/>
+    <dgm:cxn modelId="{3F47D0D5-C138-4064-8B91-77B8EABC9621}" type="presParOf" srcId="{9C17A723-DA07-48A5-892B-DEB7D3AEB884}" destId="{02106FE7-490F-4AEA-B90E-A413AC9ECCE1}" srcOrd="0" destOrd="0" presId="urn:microsoft.com/office/officeart/2005/8/layout/orgChart1"/>
+    <dgm:cxn modelId="{DF8EE189-5E57-4B6D-A5B6-688D6997E1AE}" type="presParOf" srcId="{9C17A723-DA07-48A5-892B-DEB7D3AEB884}" destId="{18DF4770-EA3C-40A3-A18C-77359E190B99}" srcOrd="1" destOrd="0" presId="urn:microsoft.com/office/officeart/2005/8/layout/orgChart1"/>
+    <dgm:cxn modelId="{8FDA6C89-9F9E-4C6A-BC8D-DAF8A733879D}" type="presParOf" srcId="{F2A5ECDB-DBAC-447C-9ED5-F51DD65D7BD3}" destId="{0C847FB6-6AAC-4562-8214-A996B22F6A63}" srcOrd="1" destOrd="0" presId="urn:microsoft.com/office/officeart/2005/8/layout/orgChart1"/>
+    <dgm:cxn modelId="{77294EB9-785F-4C21-A284-7F06D4BB644C}" type="presParOf" srcId="{F2A5ECDB-DBAC-447C-9ED5-F51DD65D7BD3}" destId="{95C58697-CFF9-489D-A115-6393700275BC}" srcOrd="2" destOrd="0" presId="urn:microsoft.com/office/officeart/2005/8/layout/orgChart1"/>
+    <dgm:cxn modelId="{910C70F6-9221-4ED4-B0A7-1D2453D5B44C}" type="presParOf" srcId="{19057E23-3512-486E-A02E-0109B5DE1B10}" destId="{1F4E7EDD-ED2B-475C-BDED-DCEF89F0763A}" srcOrd="2" destOrd="0" presId="urn:microsoft.com/office/officeart/2005/8/layout/orgChart1"/>
+    <dgm:cxn modelId="{7311E17B-0633-4400-9DB0-7FE9464546B9}" type="presParOf" srcId="{19057E23-3512-486E-A02E-0109B5DE1B10}" destId="{E8618C40-4CD9-4AE8-995D-696714115909}" srcOrd="3" destOrd="0" presId="urn:microsoft.com/office/officeart/2005/8/layout/orgChart1"/>
+    <dgm:cxn modelId="{620AE020-E37F-48ED-B901-632AD914FF81}" type="presParOf" srcId="{E8618C40-4CD9-4AE8-995D-696714115909}" destId="{55C610DC-4567-4839-9947-F3876FBC43DE}" srcOrd="0" destOrd="0" presId="urn:microsoft.com/office/officeart/2005/8/layout/orgChart1"/>
+    <dgm:cxn modelId="{A78E5612-9A01-4ECC-B813-80E58A12449D}" type="presParOf" srcId="{55C610DC-4567-4839-9947-F3876FBC43DE}" destId="{12E17FCD-BC4D-49D0-9FD2-8D44E2D47A29}" srcOrd="0" destOrd="0" presId="urn:microsoft.com/office/officeart/2005/8/layout/orgChart1"/>
+    <dgm:cxn modelId="{04A6B08E-B63E-431A-9C43-B41A26DAA839}" type="presParOf" srcId="{55C610DC-4567-4839-9947-F3876FBC43DE}" destId="{ABADFB74-B1A0-4A38-AA9F-767D994F374B}" srcOrd="1" destOrd="0" presId="urn:microsoft.com/office/officeart/2005/8/layout/orgChart1"/>
+    <dgm:cxn modelId="{988F9E08-7243-43DE-95ED-EFD4C52C7EF8}" type="presParOf" srcId="{E8618C40-4CD9-4AE8-995D-696714115909}" destId="{5FA6A169-7B88-4899-8CCF-7028FD503A38}" srcOrd="1" destOrd="0" presId="urn:microsoft.com/office/officeart/2005/8/layout/orgChart1"/>
+    <dgm:cxn modelId="{B4571094-E743-4683-9FF5-5EEBA8576C43}" type="presParOf" srcId="{E8618C40-4CD9-4AE8-995D-696714115909}" destId="{BEB2D3BB-F74B-4F73-9F3A-BB75C2A2CBD6}" srcOrd="2" destOrd="0" presId="urn:microsoft.com/office/officeart/2005/8/layout/orgChart1"/>
+    <dgm:cxn modelId="{15E8D02C-C7D9-45B5-8179-8C4F1FD05481}" type="presParOf" srcId="{3258DAE4-2C31-41EC-A143-C6FA809286CA}" destId="{72D9609D-6BAB-47BC-B277-E40C1ED00963}" srcOrd="2" destOrd="0" presId="urn:microsoft.com/office/officeart/2005/8/layout/orgChart1"/>
+    <dgm:cxn modelId="{746FF35F-96FC-46C0-A43A-D3B0F594C4F7}" type="presParOf" srcId="{6947CF9F-DEEA-40F4-9B01-C6CC86A77A72}" destId="{8884F9D7-952B-4F1F-BB9F-62E297893F79}" srcOrd="2" destOrd="0" presId="urn:microsoft.com/office/officeart/2005/8/layout/orgChart1"/>
     <dgm:cxn modelId="{A6B87725-49ED-42D0-A707-FC28BB32D5FB}" type="presParOf" srcId="{406E579D-A601-4A26-B70F-02EE078411C3}" destId="{D761E918-2DA1-4204-BCC4-90F8A45630DF}" srcOrd="2" destOrd="0" presId="urn:microsoft.com/office/officeart/2005/8/layout/orgChart1"/>
   </dgm:cxnLst>
   <dgm:bg/>
@@ -4376,15 +5360,15 @@
       <dsp:cNvGrpSpPr/>
     </dsp:nvGrpSpPr>
     <dsp:grpSpPr/>
-    <dsp:sp modelId="{392B361C-E192-4F18-A821-AB698524B80A}">
+    <dsp:sp modelId="{1F4E7EDD-ED2B-475C-BDED-DCEF89F0763A}">
       <dsp:nvSpPr>
         <dsp:cNvPr id="0" name=""/>
         <dsp:cNvSpPr/>
       </dsp:nvSpPr>
       <dsp:spPr>
         <a:xfrm>
-          <a:off x="10875174" y="2278422"/>
-          <a:ext cx="128419" cy="1001673"/>
+          <a:off x="11075867" y="2487016"/>
+          <a:ext cx="101676" cy="793079"/>
         </a:xfrm>
         <a:custGeom>
           <a:avLst/>
@@ -4398,10 +5382,10 @@
                 <a:pt x="0" y="0"/>
               </a:moveTo>
               <a:lnTo>
-                <a:pt x="0" y="1001673"/>
+                <a:pt x="0" y="793079"/>
               </a:lnTo>
               <a:lnTo>
-                <a:pt x="128419" y="1001673"/>
+                <a:pt x="101676" y="793079"/>
               </a:lnTo>
             </a:path>
           </a:pathLst>
@@ -4434,15 +5418,15 @@
         <a:fontRef idx="minor"/>
       </dsp:style>
     </dsp:sp>
-    <dsp:sp modelId="{9D545C46-4196-43FE-9980-76B32B9BD565}">
+    <dsp:sp modelId="{BEAC1A71-0493-4015-9106-BD737D2A0CC3}">
       <dsp:nvSpPr>
         <dsp:cNvPr id="0" name=""/>
         <dsp:cNvSpPr/>
       </dsp:nvSpPr>
       <dsp:spPr>
         <a:xfrm>
-          <a:off x="10875174" y="2278422"/>
-          <a:ext cx="128419" cy="393820"/>
+          <a:off x="11075867" y="2487016"/>
+          <a:ext cx="101676" cy="311809"/>
         </a:xfrm>
         <a:custGeom>
           <a:avLst/>
@@ -4456,10 +5440,10 @@
                 <a:pt x="0" y="0"/>
               </a:moveTo>
               <a:lnTo>
-                <a:pt x="0" y="393820"/>
+                <a:pt x="0" y="311809"/>
               </a:lnTo>
               <a:lnTo>
-                <a:pt x="128419" y="393820"/>
+                <a:pt x="101676" y="311809"/>
               </a:lnTo>
             </a:path>
           </a:pathLst>
@@ -4492,15 +5476,15 @@
         <a:fontRef idx="minor"/>
       </dsp:style>
     </dsp:sp>
-    <dsp:sp modelId="{9014854C-9555-41D9-AF8B-A52FC62F0C47}">
+    <dsp:sp modelId="{1BB02B49-E33E-4B67-9121-C393A8607D8A}">
       <dsp:nvSpPr>
         <dsp:cNvPr id="0" name=""/>
         <dsp:cNvSpPr/>
       </dsp:nvSpPr>
       <dsp:spPr>
         <a:xfrm>
-          <a:off x="11171906" y="1670569"/>
-          <a:ext cx="91440" cy="179787"/>
+          <a:off x="10526812" y="2005745"/>
+          <a:ext cx="820193" cy="142347"/>
         </a:xfrm>
         <a:custGeom>
           <a:avLst/>
@@ -4511,10 +5495,16 @@
           <a:pathLst>
             <a:path>
               <a:moveTo>
-                <a:pt x="45720" y="0"/>
+                <a:pt x="0" y="0"/>
               </a:moveTo>
               <a:lnTo>
-                <a:pt x="45720" y="179787"/>
+                <a:pt x="0" y="71173"/>
+              </a:lnTo>
+              <a:lnTo>
+                <a:pt x="820193" y="71173"/>
+              </a:lnTo>
+              <a:lnTo>
+                <a:pt x="820193" y="142347"/>
               </a:lnTo>
             </a:path>
           </a:pathLst>
@@ -4547,15 +5537,15 @@
         <a:fontRef idx="minor"/>
       </dsp:style>
     </dsp:sp>
-    <dsp:sp modelId="{E2622C0A-65B9-43B2-9807-F6A2549263C1}">
+    <dsp:sp modelId="{D2183703-3744-4627-9833-C155CF0AFC65}">
       <dsp:nvSpPr>
         <dsp:cNvPr id="0" name=""/>
         <dsp:cNvSpPr/>
       </dsp:nvSpPr>
       <dsp:spPr>
         <a:xfrm>
-          <a:off x="6082979" y="1062716"/>
-          <a:ext cx="5134647" cy="179787"/>
+          <a:off x="10255673" y="2487016"/>
+          <a:ext cx="101676" cy="311809"/>
         </a:xfrm>
         <a:custGeom>
           <a:avLst/>
@@ -4569,13 +5559,361 @@
                 <a:pt x="0" y="0"/>
               </a:moveTo>
               <a:lnTo>
-                <a:pt x="0" y="89893"/>
+                <a:pt x="0" y="311809"/>
               </a:lnTo>
               <a:lnTo>
-                <a:pt x="5134647" y="89893"/>
+                <a:pt x="101676" y="311809"/>
+              </a:lnTo>
+            </a:path>
+          </a:pathLst>
+        </a:custGeom>
+        <a:noFill/>
+        <a:ln w="12700" cap="flat" cmpd="sng" algn="ctr">
+          <a:solidFill>
+            <a:schemeClr val="accent6">
+              <a:hueOff val="0"/>
+              <a:satOff val="0"/>
+              <a:lumOff val="0"/>
+              <a:alphaOff val="0"/>
+            </a:schemeClr>
+          </a:solidFill>
+          <a:prstDash val="solid"/>
+          <a:miter lim="800000"/>
+        </a:ln>
+        <a:effectLst/>
+      </dsp:spPr>
+      <dsp:style>
+        <a:lnRef idx="2">
+          <a:scrgbClr r="0" g="0" b="0"/>
+        </a:lnRef>
+        <a:fillRef idx="0">
+          <a:scrgbClr r="0" g="0" b="0"/>
+        </a:fillRef>
+        <a:effectRef idx="0">
+          <a:scrgbClr r="0" g="0" b="0"/>
+        </a:effectRef>
+        <a:fontRef idx="minor"/>
+      </dsp:style>
+    </dsp:sp>
+    <dsp:sp modelId="{23441226-FA67-4BBF-95F2-BBF92FC5EDFF}">
+      <dsp:nvSpPr>
+        <dsp:cNvPr id="0" name=""/>
+        <dsp:cNvSpPr/>
+      </dsp:nvSpPr>
+      <dsp:spPr>
+        <a:xfrm>
+          <a:off x="10481092" y="2005745"/>
+          <a:ext cx="91440" cy="142347"/>
+        </a:xfrm>
+        <a:custGeom>
+          <a:avLst/>
+          <a:gdLst/>
+          <a:ahLst/>
+          <a:cxnLst/>
+          <a:rect l="0" t="0" r="0" b="0"/>
+          <a:pathLst>
+            <a:path>
+              <a:moveTo>
+                <a:pt x="45720" y="0"/>
+              </a:moveTo>
+              <a:lnTo>
+                <a:pt x="45720" y="142347"/>
+              </a:lnTo>
+            </a:path>
+          </a:pathLst>
+        </a:custGeom>
+        <a:noFill/>
+        <a:ln w="12700" cap="flat" cmpd="sng" algn="ctr">
+          <a:solidFill>
+            <a:schemeClr val="accent5">
+              <a:hueOff val="0"/>
+              <a:satOff val="0"/>
+              <a:lumOff val="0"/>
+              <a:alphaOff val="0"/>
+            </a:schemeClr>
+          </a:solidFill>
+          <a:prstDash val="solid"/>
+          <a:miter lim="800000"/>
+        </a:ln>
+        <a:effectLst/>
+      </dsp:spPr>
+      <dsp:style>
+        <a:lnRef idx="2">
+          <a:scrgbClr r="0" g="0" b="0"/>
+        </a:lnRef>
+        <a:fillRef idx="0">
+          <a:scrgbClr r="0" g="0" b="0"/>
+        </a:fillRef>
+        <a:effectRef idx="0">
+          <a:scrgbClr r="0" g="0" b="0"/>
+        </a:effectRef>
+        <a:fontRef idx="minor"/>
+      </dsp:style>
+    </dsp:sp>
+    <dsp:sp modelId="{BC29F701-BE12-43CE-A0F0-04CB09F60A3B}">
+      <dsp:nvSpPr>
+        <dsp:cNvPr id="0" name=""/>
+        <dsp:cNvSpPr/>
+      </dsp:nvSpPr>
+      <dsp:spPr>
+        <a:xfrm>
+          <a:off x="9435480" y="2487016"/>
+          <a:ext cx="101676" cy="1274350"/>
+        </a:xfrm>
+        <a:custGeom>
+          <a:avLst/>
+          <a:gdLst/>
+          <a:ahLst/>
+          <a:cxnLst/>
+          <a:rect l="0" t="0" r="0" b="0"/>
+          <a:pathLst>
+            <a:path>
+              <a:moveTo>
+                <a:pt x="0" y="0"/>
+              </a:moveTo>
+              <a:lnTo>
+                <a:pt x="0" y="1274350"/>
               </a:lnTo>
               <a:lnTo>
-                <a:pt x="5134647" y="179787"/>
+                <a:pt x="101676" y="1274350"/>
+              </a:lnTo>
+            </a:path>
+          </a:pathLst>
+        </a:custGeom>
+        <a:noFill/>
+        <a:ln w="12700" cap="flat" cmpd="sng" algn="ctr">
+          <a:solidFill>
+            <a:schemeClr val="accent6">
+              <a:hueOff val="0"/>
+              <a:satOff val="0"/>
+              <a:lumOff val="0"/>
+              <a:alphaOff val="0"/>
+            </a:schemeClr>
+          </a:solidFill>
+          <a:prstDash val="solid"/>
+          <a:miter lim="800000"/>
+        </a:ln>
+        <a:effectLst/>
+      </dsp:spPr>
+      <dsp:style>
+        <a:lnRef idx="2">
+          <a:scrgbClr r="0" g="0" b="0"/>
+        </a:lnRef>
+        <a:fillRef idx="0">
+          <a:scrgbClr r="0" g="0" b="0"/>
+        </a:fillRef>
+        <a:effectRef idx="0">
+          <a:scrgbClr r="0" g="0" b="0"/>
+        </a:effectRef>
+        <a:fontRef idx="minor"/>
+      </dsp:style>
+    </dsp:sp>
+    <dsp:sp modelId="{28E7498C-50A2-43D8-86CE-8EC30A3EC32E}">
+      <dsp:nvSpPr>
+        <dsp:cNvPr id="0" name=""/>
+        <dsp:cNvSpPr/>
+      </dsp:nvSpPr>
+      <dsp:spPr>
+        <a:xfrm>
+          <a:off x="9435480" y="2487016"/>
+          <a:ext cx="101676" cy="793079"/>
+        </a:xfrm>
+        <a:custGeom>
+          <a:avLst/>
+          <a:gdLst/>
+          <a:ahLst/>
+          <a:cxnLst/>
+          <a:rect l="0" t="0" r="0" b="0"/>
+          <a:pathLst>
+            <a:path>
+              <a:moveTo>
+                <a:pt x="0" y="0"/>
+              </a:moveTo>
+              <a:lnTo>
+                <a:pt x="0" y="793079"/>
+              </a:lnTo>
+              <a:lnTo>
+                <a:pt x="101676" y="793079"/>
+              </a:lnTo>
+            </a:path>
+          </a:pathLst>
+        </a:custGeom>
+        <a:noFill/>
+        <a:ln w="12700" cap="flat" cmpd="sng" algn="ctr">
+          <a:solidFill>
+            <a:schemeClr val="accent6">
+              <a:hueOff val="0"/>
+              <a:satOff val="0"/>
+              <a:lumOff val="0"/>
+              <a:alphaOff val="0"/>
+            </a:schemeClr>
+          </a:solidFill>
+          <a:prstDash val="solid"/>
+          <a:miter lim="800000"/>
+        </a:ln>
+        <a:effectLst/>
+      </dsp:spPr>
+      <dsp:style>
+        <a:lnRef idx="2">
+          <a:scrgbClr r="0" g="0" b="0"/>
+        </a:lnRef>
+        <a:fillRef idx="0">
+          <a:scrgbClr r="0" g="0" b="0"/>
+        </a:fillRef>
+        <a:effectRef idx="0">
+          <a:scrgbClr r="0" g="0" b="0"/>
+        </a:effectRef>
+        <a:fontRef idx="minor"/>
+      </dsp:style>
+    </dsp:sp>
+    <dsp:sp modelId="{3992B66C-A497-4D08-B148-9AB2EA263750}">
+      <dsp:nvSpPr>
+        <dsp:cNvPr id="0" name=""/>
+        <dsp:cNvSpPr/>
+      </dsp:nvSpPr>
+      <dsp:spPr>
+        <a:xfrm>
+          <a:off x="9435480" y="2487016"/>
+          <a:ext cx="101676" cy="311809"/>
+        </a:xfrm>
+        <a:custGeom>
+          <a:avLst/>
+          <a:gdLst/>
+          <a:ahLst/>
+          <a:cxnLst/>
+          <a:rect l="0" t="0" r="0" b="0"/>
+          <a:pathLst>
+            <a:path>
+              <a:moveTo>
+                <a:pt x="0" y="0"/>
+              </a:moveTo>
+              <a:lnTo>
+                <a:pt x="0" y="311809"/>
+              </a:lnTo>
+              <a:lnTo>
+                <a:pt x="101676" y="311809"/>
+              </a:lnTo>
+            </a:path>
+          </a:pathLst>
+        </a:custGeom>
+        <a:noFill/>
+        <a:ln w="12700" cap="flat" cmpd="sng" algn="ctr">
+          <a:solidFill>
+            <a:schemeClr val="accent6">
+              <a:hueOff val="0"/>
+              <a:satOff val="0"/>
+              <a:lumOff val="0"/>
+              <a:alphaOff val="0"/>
+            </a:schemeClr>
+          </a:solidFill>
+          <a:prstDash val="solid"/>
+          <a:miter lim="800000"/>
+        </a:ln>
+        <a:effectLst/>
+      </dsp:spPr>
+      <dsp:style>
+        <a:lnRef idx="2">
+          <a:scrgbClr r="0" g="0" b="0"/>
+        </a:lnRef>
+        <a:fillRef idx="0">
+          <a:scrgbClr r="0" g="0" b="0"/>
+        </a:fillRef>
+        <a:effectRef idx="0">
+          <a:scrgbClr r="0" g="0" b="0"/>
+        </a:effectRef>
+        <a:fontRef idx="minor"/>
+      </dsp:style>
+    </dsp:sp>
+    <dsp:sp modelId="{CD4C2823-9BA1-44A4-B581-6C4337758E2A}">
+      <dsp:nvSpPr>
+        <dsp:cNvPr id="0" name=""/>
+        <dsp:cNvSpPr/>
+      </dsp:nvSpPr>
+      <dsp:spPr>
+        <a:xfrm>
+          <a:off x="9706618" y="2005745"/>
+          <a:ext cx="820193" cy="142347"/>
+        </a:xfrm>
+        <a:custGeom>
+          <a:avLst/>
+          <a:gdLst/>
+          <a:ahLst/>
+          <a:cxnLst/>
+          <a:rect l="0" t="0" r="0" b="0"/>
+          <a:pathLst>
+            <a:path>
+              <a:moveTo>
+                <a:pt x="820193" y="0"/>
+              </a:moveTo>
+              <a:lnTo>
+                <a:pt x="820193" y="71173"/>
+              </a:lnTo>
+              <a:lnTo>
+                <a:pt x="0" y="71173"/>
+              </a:lnTo>
+              <a:lnTo>
+                <a:pt x="0" y="142347"/>
+              </a:lnTo>
+            </a:path>
+          </a:pathLst>
+        </a:custGeom>
+        <a:noFill/>
+        <a:ln w="12700" cap="flat" cmpd="sng" algn="ctr">
+          <a:solidFill>
+            <a:schemeClr val="accent5">
+              <a:hueOff val="0"/>
+              <a:satOff val="0"/>
+              <a:lumOff val="0"/>
+              <a:alphaOff val="0"/>
+            </a:schemeClr>
+          </a:solidFill>
+          <a:prstDash val="solid"/>
+          <a:miter lim="800000"/>
+        </a:ln>
+        <a:effectLst/>
+      </dsp:spPr>
+      <dsp:style>
+        <a:lnRef idx="2">
+          <a:scrgbClr r="0" g="0" b="0"/>
+        </a:lnRef>
+        <a:fillRef idx="0">
+          <a:scrgbClr r="0" g="0" b="0"/>
+        </a:fillRef>
+        <a:effectRef idx="0">
+          <a:scrgbClr r="0" g="0" b="0"/>
+        </a:effectRef>
+        <a:fontRef idx="minor"/>
+      </dsp:style>
+    </dsp:sp>
+    <dsp:sp modelId="{904055CD-A998-4BD0-8BEA-C9F957AF4EFD}">
+      <dsp:nvSpPr>
+        <dsp:cNvPr id="0" name=""/>
+        <dsp:cNvSpPr/>
+      </dsp:nvSpPr>
+      <dsp:spPr>
+        <a:xfrm>
+          <a:off x="5641237" y="1524474"/>
+          <a:ext cx="4885574" cy="142347"/>
+        </a:xfrm>
+        <a:custGeom>
+          <a:avLst/>
+          <a:gdLst/>
+          <a:ahLst/>
+          <a:cxnLst/>
+          <a:rect l="0" t="0" r="0" b="0"/>
+          <a:pathLst>
+            <a:path>
+              <a:moveTo>
+                <a:pt x="0" y="0"/>
+              </a:moveTo>
+              <a:lnTo>
+                <a:pt x="0" y="71173"/>
+              </a:lnTo>
+              <a:lnTo>
+                <a:pt x="4885574" y="71173"/>
+              </a:lnTo>
+              <a:lnTo>
+                <a:pt x="4885574" y="142347"/>
               </a:lnTo>
             </a:path>
           </a:pathLst>
@@ -4608,15 +5946,15 @@
         <a:fontRef idx="minor"/>
       </dsp:style>
     </dsp:sp>
-    <dsp:sp modelId="{EDD9B286-AB60-4AFC-B706-3BCD992BB32D}">
+    <dsp:sp modelId="{392B361C-E192-4F18-A821-AB698524B80A}">
       <dsp:nvSpPr>
         <dsp:cNvPr id="0" name=""/>
         <dsp:cNvSpPr/>
       </dsp:nvSpPr>
       <dsp:spPr>
         <a:xfrm>
-          <a:off x="9625222" y="1670569"/>
-          <a:ext cx="128419" cy="1001673"/>
+          <a:off x="8615286" y="2487016"/>
+          <a:ext cx="101676" cy="793079"/>
         </a:xfrm>
         <a:custGeom>
           <a:avLst/>
@@ -4630,10 +5968,123 @@
                 <a:pt x="0" y="0"/>
               </a:moveTo>
               <a:lnTo>
-                <a:pt x="0" y="1001673"/>
+                <a:pt x="0" y="793079"/>
               </a:lnTo>
               <a:lnTo>
-                <a:pt x="128419" y="1001673"/>
+                <a:pt x="101676" y="793079"/>
+              </a:lnTo>
+            </a:path>
+          </a:pathLst>
+        </a:custGeom>
+        <a:noFill/>
+        <a:ln w="12700" cap="flat" cmpd="sng" algn="ctr">
+          <a:solidFill>
+            <a:schemeClr val="accent6">
+              <a:hueOff val="0"/>
+              <a:satOff val="0"/>
+              <a:lumOff val="0"/>
+              <a:alphaOff val="0"/>
+            </a:schemeClr>
+          </a:solidFill>
+          <a:prstDash val="solid"/>
+          <a:miter lim="800000"/>
+        </a:ln>
+        <a:effectLst/>
+      </dsp:spPr>
+      <dsp:style>
+        <a:lnRef idx="2">
+          <a:scrgbClr r="0" g="0" b="0"/>
+        </a:lnRef>
+        <a:fillRef idx="0">
+          <a:scrgbClr r="0" g="0" b="0"/>
+        </a:fillRef>
+        <a:effectRef idx="0">
+          <a:scrgbClr r="0" g="0" b="0"/>
+        </a:effectRef>
+        <a:fontRef idx="minor"/>
+      </dsp:style>
+    </dsp:sp>
+    <dsp:sp modelId="{9D545C46-4196-43FE-9980-76B32B9BD565}">
+      <dsp:nvSpPr>
+        <dsp:cNvPr id="0" name=""/>
+        <dsp:cNvSpPr/>
+      </dsp:nvSpPr>
+      <dsp:spPr>
+        <a:xfrm>
+          <a:off x="8615286" y="2487016"/>
+          <a:ext cx="101676" cy="311809"/>
+        </a:xfrm>
+        <a:custGeom>
+          <a:avLst/>
+          <a:gdLst/>
+          <a:ahLst/>
+          <a:cxnLst/>
+          <a:rect l="0" t="0" r="0" b="0"/>
+          <a:pathLst>
+            <a:path>
+              <a:moveTo>
+                <a:pt x="0" y="0"/>
+              </a:moveTo>
+              <a:lnTo>
+                <a:pt x="0" y="311809"/>
+              </a:lnTo>
+              <a:lnTo>
+                <a:pt x="101676" y="311809"/>
+              </a:lnTo>
+            </a:path>
+          </a:pathLst>
+        </a:custGeom>
+        <a:noFill/>
+        <a:ln w="12700" cap="flat" cmpd="sng" algn="ctr">
+          <a:solidFill>
+            <a:schemeClr val="accent6">
+              <a:hueOff val="0"/>
+              <a:satOff val="0"/>
+              <a:lumOff val="0"/>
+              <a:alphaOff val="0"/>
+            </a:schemeClr>
+          </a:solidFill>
+          <a:prstDash val="solid"/>
+          <a:miter lim="800000"/>
+        </a:ln>
+        <a:effectLst/>
+      </dsp:spPr>
+      <dsp:style>
+        <a:lnRef idx="2">
+          <a:scrgbClr r="0" g="0" b="0"/>
+        </a:lnRef>
+        <a:fillRef idx="0">
+          <a:scrgbClr r="0" g="0" b="0"/>
+        </a:fillRef>
+        <a:effectRef idx="0">
+          <a:scrgbClr r="0" g="0" b="0"/>
+        </a:effectRef>
+        <a:fontRef idx="minor"/>
+      </dsp:style>
+    </dsp:sp>
+    <dsp:sp modelId="{9014854C-9555-41D9-AF8B-A52FC62F0C47}">
+      <dsp:nvSpPr>
+        <dsp:cNvPr id="0" name=""/>
+        <dsp:cNvSpPr/>
+      </dsp:nvSpPr>
+      <dsp:spPr>
+        <a:xfrm>
+          <a:off x="8840704" y="2005745"/>
+          <a:ext cx="91440" cy="142347"/>
+        </a:xfrm>
+        <a:custGeom>
+          <a:avLst/>
+          <a:gdLst/>
+          <a:ahLst/>
+          <a:cxnLst/>
+          <a:rect l="0" t="0" r="0" b="0"/>
+          <a:pathLst>
+            <a:path>
+              <a:moveTo>
+                <a:pt x="45720" y="0"/>
+              </a:moveTo>
+              <a:lnTo>
+                <a:pt x="45720" y="142347"/>
               </a:lnTo>
             </a:path>
           </a:pathLst>
@@ -4666,15 +6117,15 @@
         <a:fontRef idx="minor"/>
       </dsp:style>
     </dsp:sp>
-    <dsp:sp modelId="{7C672F74-4DA7-4E18-BA47-F4F58CE9D632}">
+    <dsp:sp modelId="{E2622C0A-65B9-43B2-9807-F6A2549263C1}">
       <dsp:nvSpPr>
         <dsp:cNvPr id="0" name=""/>
         <dsp:cNvSpPr/>
       </dsp:nvSpPr>
       <dsp:spPr>
         <a:xfrm>
-          <a:off x="9625222" y="1670569"/>
-          <a:ext cx="128419" cy="393820"/>
+          <a:off x="5641237" y="1524474"/>
+          <a:ext cx="3245187" cy="142347"/>
         </a:xfrm>
         <a:custGeom>
           <a:avLst/>
@@ -4688,10 +6139,71 @@
                 <a:pt x="0" y="0"/>
               </a:moveTo>
               <a:lnTo>
-                <a:pt x="0" y="393820"/>
+                <a:pt x="0" y="71173"/>
               </a:lnTo>
               <a:lnTo>
-                <a:pt x="128419" y="393820"/>
+                <a:pt x="3245187" y="71173"/>
+              </a:lnTo>
+              <a:lnTo>
+                <a:pt x="3245187" y="142347"/>
+              </a:lnTo>
+            </a:path>
+          </a:pathLst>
+        </a:custGeom>
+        <a:noFill/>
+        <a:ln w="12700" cap="flat" cmpd="sng" algn="ctr">
+          <a:solidFill>
+            <a:schemeClr val="accent4">
+              <a:hueOff val="0"/>
+              <a:satOff val="0"/>
+              <a:lumOff val="0"/>
+              <a:alphaOff val="0"/>
+            </a:schemeClr>
+          </a:solidFill>
+          <a:prstDash val="solid"/>
+          <a:miter lim="800000"/>
+        </a:ln>
+        <a:effectLst/>
+      </dsp:spPr>
+      <dsp:style>
+        <a:lnRef idx="2">
+          <a:scrgbClr r="0" g="0" b="0"/>
+        </a:lnRef>
+        <a:fillRef idx="0">
+          <a:scrgbClr r="0" g="0" b="0"/>
+        </a:fillRef>
+        <a:effectRef idx="0">
+          <a:scrgbClr r="0" g="0" b="0"/>
+        </a:effectRef>
+        <a:fontRef idx="minor"/>
+      </dsp:style>
+    </dsp:sp>
+    <dsp:sp modelId="{EDD9B286-AB60-4AFC-B706-3BCD992BB32D}">
+      <dsp:nvSpPr>
+        <dsp:cNvPr id="0" name=""/>
+        <dsp:cNvSpPr/>
+      </dsp:nvSpPr>
+      <dsp:spPr>
+        <a:xfrm>
+          <a:off x="7625631" y="2005745"/>
+          <a:ext cx="101676" cy="793079"/>
+        </a:xfrm>
+        <a:custGeom>
+          <a:avLst/>
+          <a:gdLst/>
+          <a:ahLst/>
+          <a:cxnLst/>
+          <a:rect l="0" t="0" r="0" b="0"/>
+          <a:pathLst>
+            <a:path>
+              <a:moveTo>
+                <a:pt x="0" y="0"/>
+              </a:moveTo>
+              <a:lnTo>
+                <a:pt x="0" y="793079"/>
+              </a:lnTo>
+              <a:lnTo>
+                <a:pt x="101676" y="793079"/>
               </a:lnTo>
             </a:path>
           </a:pathLst>
@@ -4724,15 +6236,15 @@
         <a:fontRef idx="minor"/>
       </dsp:style>
     </dsp:sp>
-    <dsp:sp modelId="{881CAAF8-2228-40AB-BFBE-9D46CB194C3B}">
+    <dsp:sp modelId="{7C672F74-4DA7-4E18-BA47-F4F58CE9D632}">
       <dsp:nvSpPr>
         <dsp:cNvPr id="0" name=""/>
         <dsp:cNvSpPr/>
       </dsp:nvSpPr>
       <dsp:spPr>
         <a:xfrm>
-          <a:off x="6082979" y="1062716"/>
-          <a:ext cx="3884695" cy="179787"/>
+          <a:off x="7625631" y="2005745"/>
+          <a:ext cx="101676" cy="311809"/>
         </a:xfrm>
         <a:custGeom>
           <a:avLst/>
@@ -4746,13 +6258,71 @@
                 <a:pt x="0" y="0"/>
               </a:moveTo>
               <a:lnTo>
-                <a:pt x="0" y="89893"/>
+                <a:pt x="0" y="311809"/>
               </a:lnTo>
               <a:lnTo>
-                <a:pt x="3884695" y="89893"/>
+                <a:pt x="101676" y="311809"/>
+              </a:lnTo>
+            </a:path>
+          </a:pathLst>
+        </a:custGeom>
+        <a:noFill/>
+        <a:ln w="12700" cap="flat" cmpd="sng" algn="ctr">
+          <a:solidFill>
+            <a:schemeClr val="accent5">
+              <a:hueOff val="0"/>
+              <a:satOff val="0"/>
+              <a:lumOff val="0"/>
+              <a:alphaOff val="0"/>
+            </a:schemeClr>
+          </a:solidFill>
+          <a:prstDash val="solid"/>
+          <a:miter lim="800000"/>
+        </a:ln>
+        <a:effectLst/>
+      </dsp:spPr>
+      <dsp:style>
+        <a:lnRef idx="2">
+          <a:scrgbClr r="0" g="0" b="0"/>
+        </a:lnRef>
+        <a:fillRef idx="0">
+          <a:scrgbClr r="0" g="0" b="0"/>
+        </a:fillRef>
+        <a:effectRef idx="0">
+          <a:scrgbClr r="0" g="0" b="0"/>
+        </a:effectRef>
+        <a:fontRef idx="minor"/>
+      </dsp:style>
+    </dsp:sp>
+    <dsp:sp modelId="{881CAAF8-2228-40AB-BFBE-9D46CB194C3B}">
+      <dsp:nvSpPr>
+        <dsp:cNvPr id="0" name=""/>
+        <dsp:cNvSpPr/>
+      </dsp:nvSpPr>
+      <dsp:spPr>
+        <a:xfrm>
+          <a:off x="5641237" y="1524474"/>
+          <a:ext cx="2255532" cy="142347"/>
+        </a:xfrm>
+        <a:custGeom>
+          <a:avLst/>
+          <a:gdLst/>
+          <a:ahLst/>
+          <a:cxnLst/>
+          <a:rect l="0" t="0" r="0" b="0"/>
+          <a:pathLst>
+            <a:path>
+              <a:moveTo>
+                <a:pt x="0" y="0"/>
+              </a:moveTo>
+              <a:lnTo>
+                <a:pt x="0" y="71173"/>
               </a:lnTo>
               <a:lnTo>
-                <a:pt x="3884695" y="179787"/>
+                <a:pt x="2255532" y="71173"/>
+              </a:lnTo>
+              <a:lnTo>
+                <a:pt x="2255532" y="142347"/>
               </a:lnTo>
             </a:path>
           </a:pathLst>
@@ -4792,8 +6362,8 @@
       </dsp:nvSpPr>
       <dsp:spPr>
         <a:xfrm>
-          <a:off x="8589303" y="2278422"/>
-          <a:ext cx="128419" cy="1609526"/>
+          <a:off x="6805437" y="2487016"/>
+          <a:ext cx="101676" cy="1274350"/>
         </a:xfrm>
         <a:custGeom>
           <a:avLst/>
@@ -4807,10 +6377,10 @@
                 <a:pt x="0" y="0"/>
               </a:moveTo>
               <a:lnTo>
-                <a:pt x="0" y="1609526"/>
+                <a:pt x="0" y="1274350"/>
               </a:lnTo>
               <a:lnTo>
-                <a:pt x="128419" y="1609526"/>
+                <a:pt x="101676" y="1274350"/>
               </a:lnTo>
             </a:path>
           </a:pathLst>
@@ -4850,8 +6420,8 @@
       </dsp:nvSpPr>
       <dsp:spPr>
         <a:xfrm>
-          <a:off x="8589303" y="2278422"/>
-          <a:ext cx="128419" cy="1001673"/>
+          <a:off x="6805437" y="2487016"/>
+          <a:ext cx="101676" cy="793079"/>
         </a:xfrm>
         <a:custGeom>
           <a:avLst/>
@@ -4865,10 +6435,10 @@
                 <a:pt x="0" y="0"/>
               </a:moveTo>
               <a:lnTo>
-                <a:pt x="0" y="1001673"/>
+                <a:pt x="0" y="793079"/>
               </a:lnTo>
               <a:lnTo>
-                <a:pt x="128419" y="1001673"/>
+                <a:pt x="101676" y="793079"/>
               </a:lnTo>
             </a:path>
           </a:pathLst>
@@ -4908,8 +6478,8 @@
       </dsp:nvSpPr>
       <dsp:spPr>
         <a:xfrm>
-          <a:off x="8589303" y="2278422"/>
-          <a:ext cx="128419" cy="393820"/>
+          <a:off x="6805437" y="2487016"/>
+          <a:ext cx="101676" cy="311809"/>
         </a:xfrm>
         <a:custGeom>
           <a:avLst/>
@@ -4923,10 +6493,10 @@
                 <a:pt x="0" y="0"/>
               </a:moveTo>
               <a:lnTo>
-                <a:pt x="0" y="393820"/>
+                <a:pt x="0" y="311809"/>
               </a:lnTo>
               <a:lnTo>
-                <a:pt x="128419" y="393820"/>
+                <a:pt x="101676" y="311809"/>
               </a:lnTo>
             </a:path>
           </a:pathLst>
@@ -4966,8 +6536,8 @@
       </dsp:nvSpPr>
       <dsp:spPr>
         <a:xfrm>
-          <a:off x="7895837" y="1670569"/>
-          <a:ext cx="1035918" cy="179787"/>
+          <a:off x="6256382" y="2005745"/>
+          <a:ext cx="820193" cy="142347"/>
         </a:xfrm>
         <a:custGeom>
           <a:avLst/>
@@ -4981,13 +6551,13 @@
                 <a:pt x="0" y="0"/>
               </a:moveTo>
               <a:lnTo>
-                <a:pt x="0" y="89893"/>
+                <a:pt x="0" y="71173"/>
               </a:lnTo>
               <a:lnTo>
-                <a:pt x="1035918" y="89893"/>
+                <a:pt x="820193" y="71173"/>
               </a:lnTo>
               <a:lnTo>
-                <a:pt x="1035918" y="179787"/>
+                <a:pt x="820193" y="142347"/>
               </a:lnTo>
             </a:path>
           </a:pathLst>
@@ -5027,8 +6597,8 @@
       </dsp:nvSpPr>
       <dsp:spPr>
         <a:xfrm>
-          <a:off x="7850117" y="1670569"/>
-          <a:ext cx="91440" cy="179787"/>
+          <a:off x="6210662" y="2005745"/>
+          <a:ext cx="91440" cy="142347"/>
         </a:xfrm>
         <a:custGeom>
           <a:avLst/>
@@ -5042,7 +6612,7 @@
                 <a:pt x="45720" y="0"/>
               </a:moveTo>
               <a:lnTo>
-                <a:pt x="45720" y="179787"/>
+                <a:pt x="45720" y="142347"/>
               </a:lnTo>
             </a:path>
           </a:pathLst>
@@ -5082,8 +6652,8 @@
       </dsp:nvSpPr>
       <dsp:spPr>
         <a:xfrm>
-          <a:off x="6859918" y="1670569"/>
-          <a:ext cx="1035918" cy="179787"/>
+          <a:off x="5436188" y="2005745"/>
+          <a:ext cx="820193" cy="142347"/>
         </a:xfrm>
         <a:custGeom>
           <a:avLst/>
@@ -5094,16 +6664,16 @@
           <a:pathLst>
             <a:path>
               <a:moveTo>
-                <a:pt x="1035918" y="0"/>
+                <a:pt x="820193" y="0"/>
               </a:moveTo>
               <a:lnTo>
-                <a:pt x="1035918" y="89893"/>
+                <a:pt x="820193" y="71173"/>
               </a:lnTo>
               <a:lnTo>
-                <a:pt x="0" y="89893"/>
+                <a:pt x="0" y="71173"/>
               </a:lnTo>
               <a:lnTo>
-                <a:pt x="0" y="179787"/>
+                <a:pt x="0" y="142347"/>
               </a:lnTo>
             </a:path>
           </a:pathLst>
@@ -5143,8 +6713,8 @@
       </dsp:nvSpPr>
       <dsp:spPr>
         <a:xfrm>
-          <a:off x="6082979" y="1062716"/>
-          <a:ext cx="1812857" cy="179787"/>
+          <a:off x="5641237" y="1524474"/>
+          <a:ext cx="615145" cy="142347"/>
         </a:xfrm>
         <a:custGeom>
           <a:avLst/>
@@ -5158,13 +6728,13 @@
                 <a:pt x="0" y="0"/>
               </a:moveTo>
               <a:lnTo>
-                <a:pt x="0" y="89893"/>
+                <a:pt x="0" y="71173"/>
               </a:lnTo>
               <a:lnTo>
-                <a:pt x="1812857" y="89893"/>
+                <a:pt x="615145" y="71173"/>
               </a:lnTo>
               <a:lnTo>
-                <a:pt x="1812857" y="179787"/>
+                <a:pt x="615145" y="142347"/>
               </a:lnTo>
             </a:path>
           </a:pathLst>
@@ -5197,15 +6767,15 @@
         <a:fontRef idx="minor"/>
       </dsp:style>
     </dsp:sp>
-    <dsp:sp modelId="{39189F5E-EBE4-49B5-AD46-D7FA888CF6CE}">
+    <dsp:sp modelId="{59920D26-7BAC-4C39-8E33-9F0BA8942D26}">
       <dsp:nvSpPr>
         <dsp:cNvPr id="0" name=""/>
         <dsp:cNvSpPr/>
       </dsp:nvSpPr>
       <dsp:spPr>
         <a:xfrm>
-          <a:off x="5267514" y="1670569"/>
-          <a:ext cx="128419" cy="1609526"/>
+          <a:off x="4175395" y="2005745"/>
+          <a:ext cx="101676" cy="1755621"/>
         </a:xfrm>
         <a:custGeom>
           <a:avLst/>
@@ -5219,10 +6789,10 @@
                 <a:pt x="0" y="0"/>
               </a:moveTo>
               <a:lnTo>
-                <a:pt x="0" y="1609526"/>
+                <a:pt x="0" y="1755621"/>
               </a:lnTo>
               <a:lnTo>
-                <a:pt x="128419" y="1609526"/>
+                <a:pt x="101676" y="1755621"/>
               </a:lnTo>
             </a:path>
           </a:pathLst>
@@ -5255,15 +6825,15 @@
         <a:fontRef idx="minor"/>
       </dsp:style>
     </dsp:sp>
-    <dsp:sp modelId="{FC9E8913-456F-47CB-887D-E1CF48424D59}">
+    <dsp:sp modelId="{39189F5E-EBE4-49B5-AD46-D7FA888CF6CE}">
       <dsp:nvSpPr>
         <dsp:cNvPr id="0" name=""/>
         <dsp:cNvSpPr/>
       </dsp:nvSpPr>
       <dsp:spPr>
         <a:xfrm>
-          <a:off x="5267514" y="1670569"/>
-          <a:ext cx="128419" cy="1001673"/>
+          <a:off x="4175395" y="2005745"/>
+          <a:ext cx="101676" cy="1274350"/>
         </a:xfrm>
         <a:custGeom>
           <a:avLst/>
@@ -5277,10 +6847,10 @@
                 <a:pt x="0" y="0"/>
               </a:moveTo>
               <a:lnTo>
-                <a:pt x="0" y="1001673"/>
+                <a:pt x="0" y="1274350"/>
               </a:lnTo>
               <a:lnTo>
-                <a:pt x="128419" y="1001673"/>
+                <a:pt x="101676" y="1274350"/>
               </a:lnTo>
             </a:path>
           </a:pathLst>
@@ -5313,15 +6883,15 @@
         <a:fontRef idx="minor"/>
       </dsp:style>
     </dsp:sp>
-    <dsp:sp modelId="{E3536E5B-73BB-4C1F-89A3-029ACC533BBE}">
+    <dsp:sp modelId="{FC9E8913-456F-47CB-887D-E1CF48424D59}">
       <dsp:nvSpPr>
         <dsp:cNvPr id="0" name=""/>
         <dsp:cNvSpPr/>
       </dsp:nvSpPr>
       <dsp:spPr>
         <a:xfrm>
-          <a:off x="5267514" y="1670569"/>
-          <a:ext cx="128419" cy="393820"/>
+          <a:off x="4175395" y="2005745"/>
+          <a:ext cx="101676" cy="793079"/>
         </a:xfrm>
         <a:custGeom>
           <a:avLst/>
@@ -5335,10 +6905,10 @@
                 <a:pt x="0" y="0"/>
               </a:moveTo>
               <a:lnTo>
-                <a:pt x="0" y="393820"/>
+                <a:pt x="0" y="793079"/>
               </a:lnTo>
               <a:lnTo>
-                <a:pt x="128419" y="393820"/>
+                <a:pt x="101676" y="793079"/>
               </a:lnTo>
             </a:path>
           </a:pathLst>
@@ -5371,15 +6941,15 @@
         <a:fontRef idx="minor"/>
       </dsp:style>
     </dsp:sp>
-    <dsp:sp modelId="{867356C8-C49D-435C-9D1F-0CE0869E8EDD}">
+    <dsp:sp modelId="{E3536E5B-73BB-4C1F-89A3-029ACC533BBE}">
       <dsp:nvSpPr>
         <dsp:cNvPr id="0" name=""/>
         <dsp:cNvSpPr/>
       </dsp:nvSpPr>
       <dsp:spPr>
         <a:xfrm>
-          <a:off x="5609967" y="1062716"/>
-          <a:ext cx="473012" cy="179787"/>
+          <a:off x="4175395" y="2005745"/>
+          <a:ext cx="101676" cy="311809"/>
         </a:xfrm>
         <a:custGeom>
           <a:avLst/>
@@ -5390,16 +6960,74 @@
           <a:pathLst>
             <a:path>
               <a:moveTo>
-                <a:pt x="473012" y="0"/>
+                <a:pt x="0" y="0"/>
               </a:moveTo>
               <a:lnTo>
-                <a:pt x="473012" y="89893"/>
+                <a:pt x="0" y="311809"/>
               </a:lnTo>
               <a:lnTo>
-                <a:pt x="0" y="89893"/>
+                <a:pt x="101676" y="311809"/>
+              </a:lnTo>
+            </a:path>
+          </a:pathLst>
+        </a:custGeom>
+        <a:noFill/>
+        <a:ln w="12700" cap="flat" cmpd="sng" algn="ctr">
+          <a:solidFill>
+            <a:schemeClr val="accent5">
+              <a:hueOff val="0"/>
+              <a:satOff val="0"/>
+              <a:lumOff val="0"/>
+              <a:alphaOff val="0"/>
+            </a:schemeClr>
+          </a:solidFill>
+          <a:prstDash val="solid"/>
+          <a:miter lim="800000"/>
+        </a:ln>
+        <a:effectLst/>
+      </dsp:spPr>
+      <dsp:style>
+        <a:lnRef idx="2">
+          <a:scrgbClr r="0" g="0" b="0"/>
+        </a:lnRef>
+        <a:fillRef idx="0">
+          <a:scrgbClr r="0" g="0" b="0"/>
+        </a:fillRef>
+        <a:effectRef idx="0">
+          <a:scrgbClr r="0" g="0" b="0"/>
+        </a:effectRef>
+        <a:fontRef idx="minor"/>
+      </dsp:style>
+    </dsp:sp>
+    <dsp:sp modelId="{867356C8-C49D-435C-9D1F-0CE0869E8EDD}">
+      <dsp:nvSpPr>
+        <dsp:cNvPr id="0" name=""/>
+        <dsp:cNvSpPr/>
+      </dsp:nvSpPr>
+      <dsp:spPr>
+        <a:xfrm>
+          <a:off x="4446533" y="1524474"/>
+          <a:ext cx="1194703" cy="142347"/>
+        </a:xfrm>
+        <a:custGeom>
+          <a:avLst/>
+          <a:gdLst/>
+          <a:ahLst/>
+          <a:cxnLst/>
+          <a:rect l="0" t="0" r="0" b="0"/>
+          <a:pathLst>
+            <a:path>
+              <a:moveTo>
+                <a:pt x="1194703" y="0"/>
+              </a:moveTo>
+              <a:lnTo>
+                <a:pt x="1194703" y="71173"/>
               </a:lnTo>
               <a:lnTo>
-                <a:pt x="0" y="179787"/>
+                <a:pt x="0" y="71173"/>
+              </a:lnTo>
+              <a:lnTo>
+                <a:pt x="0" y="142347"/>
               </a:lnTo>
             </a:path>
           </a:pathLst>
@@ -5439,8 +7067,8 @@
       </dsp:nvSpPr>
       <dsp:spPr>
         <a:xfrm>
-          <a:off x="4231596" y="1670569"/>
-          <a:ext cx="128419" cy="1001673"/>
+          <a:off x="3355201" y="2005745"/>
+          <a:ext cx="101676" cy="793079"/>
         </a:xfrm>
         <a:custGeom>
           <a:avLst/>
@@ -5454,10 +7082,10 @@
                 <a:pt x="0" y="0"/>
               </a:moveTo>
               <a:lnTo>
-                <a:pt x="0" y="1001673"/>
+                <a:pt x="0" y="793079"/>
               </a:lnTo>
               <a:lnTo>
-                <a:pt x="128419" y="1001673"/>
+                <a:pt x="101676" y="793079"/>
               </a:lnTo>
             </a:path>
           </a:pathLst>
@@ -5497,8 +7125,8 @@
       </dsp:nvSpPr>
       <dsp:spPr>
         <a:xfrm>
-          <a:off x="4231596" y="1670569"/>
-          <a:ext cx="128419" cy="393820"/>
+          <a:off x="3355201" y="2005745"/>
+          <a:ext cx="101676" cy="311809"/>
         </a:xfrm>
         <a:custGeom>
           <a:avLst/>
@@ -5512,10 +7140,10 @@
                 <a:pt x="0" y="0"/>
               </a:moveTo>
               <a:lnTo>
-                <a:pt x="0" y="393820"/>
+                <a:pt x="0" y="311809"/>
               </a:lnTo>
               <a:lnTo>
-                <a:pt x="128419" y="393820"/>
+                <a:pt x="101676" y="311809"/>
               </a:lnTo>
             </a:path>
           </a:pathLst>
@@ -5555,8 +7183,8 @@
       </dsp:nvSpPr>
       <dsp:spPr>
         <a:xfrm>
-          <a:off x="4574048" y="1062716"/>
-          <a:ext cx="1508931" cy="179787"/>
+          <a:off x="3626340" y="1524474"/>
+          <a:ext cx="2014897" cy="142347"/>
         </a:xfrm>
         <a:custGeom>
           <a:avLst/>
@@ -5567,16 +7195,16 @@
           <a:pathLst>
             <a:path>
               <a:moveTo>
-                <a:pt x="1508931" y="0"/>
+                <a:pt x="2014897" y="0"/>
               </a:moveTo>
               <a:lnTo>
-                <a:pt x="1508931" y="89893"/>
+                <a:pt x="2014897" y="71173"/>
               </a:lnTo>
               <a:lnTo>
-                <a:pt x="0" y="89893"/>
+                <a:pt x="0" y="71173"/>
               </a:lnTo>
               <a:lnTo>
-                <a:pt x="0" y="179787"/>
+                <a:pt x="0" y="142347"/>
               </a:lnTo>
             </a:path>
           </a:pathLst>
@@ -5616,8 +7244,8 @@
       </dsp:nvSpPr>
       <dsp:spPr>
         <a:xfrm>
-          <a:off x="3195677" y="2278422"/>
-          <a:ext cx="128419" cy="1001673"/>
+          <a:off x="2535008" y="2487016"/>
+          <a:ext cx="101676" cy="793079"/>
         </a:xfrm>
         <a:custGeom>
           <a:avLst/>
@@ -5631,10 +7259,10 @@
                 <a:pt x="0" y="0"/>
               </a:moveTo>
               <a:lnTo>
-                <a:pt x="0" y="1001673"/>
+                <a:pt x="0" y="793079"/>
               </a:lnTo>
               <a:lnTo>
-                <a:pt x="128419" y="1001673"/>
+                <a:pt x="101676" y="793079"/>
               </a:lnTo>
             </a:path>
           </a:pathLst>
@@ -5674,8 +7302,8 @@
       </dsp:nvSpPr>
       <dsp:spPr>
         <a:xfrm>
-          <a:off x="3195677" y="2278422"/>
-          <a:ext cx="128419" cy="393820"/>
+          <a:off x="2535008" y="2487016"/>
+          <a:ext cx="101676" cy="311809"/>
         </a:xfrm>
         <a:custGeom>
           <a:avLst/>
@@ -5689,10 +7317,10 @@
                 <a:pt x="0" y="0"/>
               </a:moveTo>
               <a:lnTo>
-                <a:pt x="0" y="393820"/>
+                <a:pt x="0" y="311809"/>
               </a:lnTo>
               <a:lnTo>
-                <a:pt x="128419" y="393820"/>
+                <a:pt x="101676" y="311809"/>
               </a:lnTo>
             </a:path>
           </a:pathLst>
@@ -5732,8 +7360,8 @@
       </dsp:nvSpPr>
       <dsp:spPr>
         <a:xfrm>
-          <a:off x="3020170" y="1670569"/>
-          <a:ext cx="517959" cy="179787"/>
+          <a:off x="2396049" y="2005745"/>
+          <a:ext cx="410096" cy="142347"/>
         </a:xfrm>
         <a:custGeom>
           <a:avLst/>
@@ -5747,13 +7375,13 @@
                 <a:pt x="0" y="0"/>
               </a:moveTo>
               <a:lnTo>
-                <a:pt x="0" y="89893"/>
+                <a:pt x="0" y="71173"/>
               </a:lnTo>
               <a:lnTo>
-                <a:pt x="517959" y="89893"/>
+                <a:pt x="410096" y="71173"/>
               </a:lnTo>
               <a:lnTo>
-                <a:pt x="517959" y="179787"/>
+                <a:pt x="410096" y="142347"/>
               </a:lnTo>
             </a:path>
           </a:pathLst>
@@ -5793,8 +7421,8 @@
       </dsp:nvSpPr>
       <dsp:spPr>
         <a:xfrm>
-          <a:off x="2159758" y="2278422"/>
-          <a:ext cx="128419" cy="2217379"/>
+          <a:off x="1714814" y="2487016"/>
+          <a:ext cx="101676" cy="1755621"/>
         </a:xfrm>
         <a:custGeom>
           <a:avLst/>
@@ -5808,10 +7436,10 @@
                 <a:pt x="0" y="0"/>
               </a:moveTo>
               <a:lnTo>
-                <a:pt x="0" y="2217379"/>
+                <a:pt x="0" y="1755621"/>
               </a:lnTo>
               <a:lnTo>
-                <a:pt x="128419" y="2217379"/>
+                <a:pt x="101676" y="1755621"/>
               </a:lnTo>
             </a:path>
           </a:pathLst>
@@ -5851,8 +7479,8 @@
       </dsp:nvSpPr>
       <dsp:spPr>
         <a:xfrm>
-          <a:off x="2159758" y="2278422"/>
-          <a:ext cx="128419" cy="1609526"/>
+          <a:off x="1714814" y="2487016"/>
+          <a:ext cx="101676" cy="1274350"/>
         </a:xfrm>
         <a:custGeom>
           <a:avLst/>
@@ -5866,10 +7494,10 @@
                 <a:pt x="0" y="0"/>
               </a:moveTo>
               <a:lnTo>
-                <a:pt x="0" y="1609526"/>
+                <a:pt x="0" y="1274350"/>
               </a:lnTo>
               <a:lnTo>
-                <a:pt x="128419" y="1609526"/>
+                <a:pt x="101676" y="1274350"/>
               </a:lnTo>
             </a:path>
           </a:pathLst>
@@ -5909,8 +7537,8 @@
       </dsp:nvSpPr>
       <dsp:spPr>
         <a:xfrm>
-          <a:off x="2159758" y="2278422"/>
-          <a:ext cx="128419" cy="1001673"/>
+          <a:off x="1714814" y="2487016"/>
+          <a:ext cx="101676" cy="793079"/>
         </a:xfrm>
         <a:custGeom>
           <a:avLst/>
@@ -5924,10 +7552,10 @@
                 <a:pt x="0" y="0"/>
               </a:moveTo>
               <a:lnTo>
-                <a:pt x="0" y="1001673"/>
+                <a:pt x="0" y="793079"/>
               </a:lnTo>
               <a:lnTo>
-                <a:pt x="128419" y="1001673"/>
+                <a:pt x="101676" y="793079"/>
               </a:lnTo>
             </a:path>
           </a:pathLst>
@@ -5967,8 +7595,8 @@
       </dsp:nvSpPr>
       <dsp:spPr>
         <a:xfrm>
-          <a:off x="2159758" y="2278422"/>
-          <a:ext cx="128419" cy="393820"/>
+          <a:off x="1714814" y="2487016"/>
+          <a:ext cx="101676" cy="311809"/>
         </a:xfrm>
         <a:custGeom>
           <a:avLst/>
@@ -5982,10 +7610,10 @@
                 <a:pt x="0" y="0"/>
               </a:moveTo>
               <a:lnTo>
-                <a:pt x="0" y="393820"/>
+                <a:pt x="0" y="311809"/>
               </a:lnTo>
               <a:lnTo>
-                <a:pt x="128419" y="393820"/>
+                <a:pt x="101676" y="311809"/>
               </a:lnTo>
             </a:path>
           </a:pathLst>
@@ -6025,8 +7653,8 @@
       </dsp:nvSpPr>
       <dsp:spPr>
         <a:xfrm>
-          <a:off x="2502210" y="1670569"/>
-          <a:ext cx="517959" cy="179787"/>
+          <a:off x="1985952" y="2005745"/>
+          <a:ext cx="410096" cy="142347"/>
         </a:xfrm>
         <a:custGeom>
           <a:avLst/>
@@ -6037,16 +7665,16 @@
           <a:pathLst>
             <a:path>
               <a:moveTo>
-                <a:pt x="517959" y="0"/>
+                <a:pt x="410096" y="0"/>
               </a:moveTo>
               <a:lnTo>
-                <a:pt x="517959" y="89893"/>
+                <a:pt x="410096" y="71173"/>
               </a:lnTo>
               <a:lnTo>
-                <a:pt x="0" y="89893"/>
+                <a:pt x="0" y="71173"/>
               </a:lnTo>
               <a:lnTo>
-                <a:pt x="0" y="179787"/>
+                <a:pt x="0" y="142347"/>
               </a:lnTo>
             </a:path>
           </a:pathLst>
@@ -6086,8 +7714,8 @@
       </dsp:nvSpPr>
       <dsp:spPr>
         <a:xfrm>
-          <a:off x="3020170" y="1062716"/>
-          <a:ext cx="3062809" cy="179787"/>
+          <a:off x="2396049" y="1524474"/>
+          <a:ext cx="3245187" cy="142347"/>
         </a:xfrm>
         <a:custGeom>
           <a:avLst/>
@@ -6098,16 +7726,16 @@
           <a:pathLst>
             <a:path>
               <a:moveTo>
-                <a:pt x="3062809" y="0"/>
+                <a:pt x="3245187" y="0"/>
               </a:moveTo>
               <a:lnTo>
-                <a:pt x="3062809" y="89893"/>
+                <a:pt x="3245187" y="71173"/>
               </a:lnTo>
               <a:lnTo>
-                <a:pt x="0" y="89893"/>
+                <a:pt x="0" y="71173"/>
               </a:lnTo>
               <a:lnTo>
-                <a:pt x="0" y="179787"/>
+                <a:pt x="0" y="142347"/>
               </a:lnTo>
             </a:path>
           </a:pathLst>
@@ -6147,8 +7775,8 @@
       </dsp:nvSpPr>
       <dsp:spPr>
         <a:xfrm>
-          <a:off x="1123839" y="2278422"/>
-          <a:ext cx="128419" cy="1001673"/>
+          <a:off x="894620" y="2487016"/>
+          <a:ext cx="101676" cy="793079"/>
         </a:xfrm>
         <a:custGeom>
           <a:avLst/>
@@ -6162,10 +7790,10 @@
                 <a:pt x="0" y="0"/>
               </a:moveTo>
               <a:lnTo>
-                <a:pt x="0" y="1001673"/>
+                <a:pt x="0" y="793079"/>
               </a:lnTo>
               <a:lnTo>
-                <a:pt x="128419" y="1001673"/>
+                <a:pt x="101676" y="793079"/>
               </a:lnTo>
             </a:path>
           </a:pathLst>
@@ -6205,8 +7833,8 @@
       </dsp:nvSpPr>
       <dsp:spPr>
         <a:xfrm>
-          <a:off x="1123839" y="2278422"/>
-          <a:ext cx="128419" cy="393820"/>
+          <a:off x="894620" y="2487016"/>
+          <a:ext cx="101676" cy="311809"/>
         </a:xfrm>
         <a:custGeom>
           <a:avLst/>
@@ -6220,10 +7848,10 @@
                 <a:pt x="0" y="0"/>
               </a:moveTo>
               <a:lnTo>
-                <a:pt x="0" y="393820"/>
+                <a:pt x="0" y="311809"/>
               </a:lnTo>
               <a:lnTo>
-                <a:pt x="128419" y="393820"/>
+                <a:pt x="101676" y="311809"/>
               </a:lnTo>
             </a:path>
           </a:pathLst>
@@ -6263,8 +7891,8 @@
       </dsp:nvSpPr>
       <dsp:spPr>
         <a:xfrm>
-          <a:off x="948332" y="1670569"/>
-          <a:ext cx="517959" cy="179787"/>
+          <a:off x="755662" y="2005745"/>
+          <a:ext cx="410096" cy="142347"/>
         </a:xfrm>
         <a:custGeom>
           <a:avLst/>
@@ -6278,13 +7906,13 @@
                 <a:pt x="0" y="0"/>
               </a:moveTo>
               <a:lnTo>
-                <a:pt x="0" y="89893"/>
+                <a:pt x="0" y="71173"/>
               </a:lnTo>
               <a:lnTo>
-                <a:pt x="517959" y="89893"/>
+                <a:pt x="410096" y="71173"/>
               </a:lnTo>
               <a:lnTo>
-                <a:pt x="517959" y="179787"/>
+                <a:pt x="410096" y="142347"/>
               </a:lnTo>
             </a:path>
           </a:pathLst>
@@ -6324,8 +7952,8 @@
       </dsp:nvSpPr>
       <dsp:spPr>
         <a:xfrm>
-          <a:off x="87920" y="2278422"/>
-          <a:ext cx="128419" cy="3433086"/>
+          <a:off x="74427" y="2487016"/>
+          <a:ext cx="101676" cy="2718162"/>
         </a:xfrm>
         <a:custGeom>
           <a:avLst/>
@@ -6339,10 +7967,10 @@
                 <a:pt x="0" y="0"/>
               </a:moveTo>
               <a:lnTo>
-                <a:pt x="0" y="3433086"/>
+                <a:pt x="0" y="2718162"/>
               </a:lnTo>
               <a:lnTo>
-                <a:pt x="128419" y="3433086"/>
+                <a:pt x="101676" y="2718162"/>
               </a:lnTo>
             </a:path>
           </a:pathLst>
@@ -6382,8 +8010,8 @@
       </dsp:nvSpPr>
       <dsp:spPr>
         <a:xfrm>
-          <a:off x="87920" y="2278422"/>
-          <a:ext cx="128419" cy="2825233"/>
+          <a:off x="74427" y="2487016"/>
+          <a:ext cx="101676" cy="2236891"/>
         </a:xfrm>
         <a:custGeom>
           <a:avLst/>
@@ -6397,10 +8025,10 @@
                 <a:pt x="0" y="0"/>
               </a:moveTo>
               <a:lnTo>
-                <a:pt x="0" y="2825233"/>
+                <a:pt x="0" y="2236891"/>
               </a:lnTo>
               <a:lnTo>
-                <a:pt x="128419" y="2825233"/>
+                <a:pt x="101676" y="2236891"/>
               </a:lnTo>
             </a:path>
           </a:pathLst>
@@ -6440,8 +8068,8 @@
       </dsp:nvSpPr>
       <dsp:spPr>
         <a:xfrm>
-          <a:off x="87920" y="2278422"/>
-          <a:ext cx="128419" cy="2217379"/>
+          <a:off x="74427" y="2487016"/>
+          <a:ext cx="101676" cy="1755621"/>
         </a:xfrm>
         <a:custGeom>
           <a:avLst/>
@@ -6455,10 +8083,10 @@
                 <a:pt x="0" y="0"/>
               </a:moveTo>
               <a:lnTo>
-                <a:pt x="0" y="2217379"/>
+                <a:pt x="0" y="1755621"/>
               </a:lnTo>
               <a:lnTo>
-                <a:pt x="128419" y="2217379"/>
+                <a:pt x="101676" y="1755621"/>
               </a:lnTo>
             </a:path>
           </a:pathLst>
@@ -6498,8 +8126,8 @@
       </dsp:nvSpPr>
       <dsp:spPr>
         <a:xfrm>
-          <a:off x="87920" y="2278422"/>
-          <a:ext cx="128419" cy="1609526"/>
+          <a:off x="74427" y="2487016"/>
+          <a:ext cx="101676" cy="1274350"/>
         </a:xfrm>
         <a:custGeom>
           <a:avLst/>
@@ -6513,10 +8141,10 @@
                 <a:pt x="0" y="0"/>
               </a:moveTo>
               <a:lnTo>
-                <a:pt x="0" y="1609526"/>
+                <a:pt x="0" y="1274350"/>
               </a:lnTo>
               <a:lnTo>
-                <a:pt x="128419" y="1609526"/>
+                <a:pt x="101676" y="1274350"/>
               </a:lnTo>
             </a:path>
           </a:pathLst>
@@ -6556,8 +8184,8 @@
       </dsp:nvSpPr>
       <dsp:spPr>
         <a:xfrm>
-          <a:off x="87920" y="2278422"/>
-          <a:ext cx="128419" cy="1001673"/>
+          <a:off x="74427" y="2487016"/>
+          <a:ext cx="101676" cy="793079"/>
         </a:xfrm>
         <a:custGeom>
           <a:avLst/>
@@ -6571,10 +8199,10 @@
                 <a:pt x="0" y="0"/>
               </a:moveTo>
               <a:lnTo>
-                <a:pt x="0" y="1001673"/>
+                <a:pt x="0" y="793079"/>
               </a:lnTo>
               <a:lnTo>
-                <a:pt x="128419" y="1001673"/>
+                <a:pt x="101676" y="793079"/>
               </a:lnTo>
             </a:path>
           </a:pathLst>
@@ -6614,8 +8242,8 @@
       </dsp:nvSpPr>
       <dsp:spPr>
         <a:xfrm>
-          <a:off x="87920" y="2278422"/>
-          <a:ext cx="128419" cy="393820"/>
+          <a:off x="74427" y="2487016"/>
+          <a:ext cx="101676" cy="311809"/>
         </a:xfrm>
         <a:custGeom>
           <a:avLst/>
@@ -6629,10 +8257,10 @@
                 <a:pt x="0" y="0"/>
               </a:moveTo>
               <a:lnTo>
-                <a:pt x="0" y="393820"/>
+                <a:pt x="0" y="311809"/>
               </a:lnTo>
               <a:lnTo>
-                <a:pt x="128419" y="393820"/>
+                <a:pt x="101676" y="311809"/>
               </a:lnTo>
             </a:path>
           </a:pathLst>
@@ -6672,8 +8300,8 @@
       </dsp:nvSpPr>
       <dsp:spPr>
         <a:xfrm>
-          <a:off x="430373" y="1670569"/>
-          <a:ext cx="517959" cy="179787"/>
+          <a:off x="345565" y="2005745"/>
+          <a:ext cx="410096" cy="142347"/>
         </a:xfrm>
         <a:custGeom>
           <a:avLst/>
@@ -6684,16 +8312,16 @@
           <a:pathLst>
             <a:path>
               <a:moveTo>
-                <a:pt x="517959" y="0"/>
+                <a:pt x="410096" y="0"/>
               </a:moveTo>
               <a:lnTo>
-                <a:pt x="517959" y="89893"/>
+                <a:pt x="410096" y="71173"/>
               </a:lnTo>
               <a:lnTo>
-                <a:pt x="0" y="89893"/>
+                <a:pt x="0" y="71173"/>
               </a:lnTo>
               <a:lnTo>
-                <a:pt x="0" y="179787"/>
+                <a:pt x="0" y="142347"/>
               </a:lnTo>
             </a:path>
           </a:pathLst>
@@ -6733,8 +8361,8 @@
       </dsp:nvSpPr>
       <dsp:spPr>
         <a:xfrm>
-          <a:off x="948332" y="1062716"/>
-          <a:ext cx="5134647" cy="179787"/>
+          <a:off x="755662" y="1524474"/>
+          <a:ext cx="4885574" cy="142347"/>
         </a:xfrm>
         <a:custGeom>
           <a:avLst/>
@@ -6745,16 +8373,16 @@
           <a:pathLst>
             <a:path>
               <a:moveTo>
-                <a:pt x="5134647" y="0"/>
+                <a:pt x="4885574" y="0"/>
               </a:moveTo>
               <a:lnTo>
-                <a:pt x="5134647" y="89893"/>
+                <a:pt x="4885574" y="71173"/>
               </a:lnTo>
               <a:lnTo>
-                <a:pt x="0" y="89893"/>
+                <a:pt x="0" y="71173"/>
               </a:lnTo>
               <a:lnTo>
-                <a:pt x="0" y="179787"/>
+                <a:pt x="0" y="142347"/>
               </a:lnTo>
             </a:path>
           </a:pathLst>
@@ -6794,8 +8422,8 @@
       </dsp:nvSpPr>
       <dsp:spPr>
         <a:xfrm>
-          <a:off x="5654914" y="634650"/>
-          <a:ext cx="856131" cy="428065"/>
+          <a:off x="5302314" y="1185551"/>
+          <a:ext cx="677845" cy="338922"/>
         </a:xfrm>
         <a:prstGeom prst="rect">
           <a:avLst/>
@@ -6864,12 +8492,12 @@
         </a:fontRef>
       </dsp:style>
       <dsp:txBody>
-        <a:bodyPr spcFirstLastPara="0" vert="horz" wrap="square" lIns="5715" tIns="5715" rIns="5715" bIns="5715" numCol="1" spcCol="1270" anchor="ctr" anchorCtr="0">
+        <a:bodyPr spcFirstLastPara="0" vert="horz" wrap="square" lIns="4445" tIns="4445" rIns="4445" bIns="4445" numCol="1" spcCol="1270" anchor="ctr" anchorCtr="0">
           <a:noAutofit/>
         </a:bodyPr>
         <a:lstStyle/>
         <a:p>
-          <a:pPr marL="0" lvl="0" indent="0" algn="ctr" defTabSz="400050">
+          <a:pPr marL="0" lvl="0" indent="0" algn="ctr" defTabSz="311150">
             <a:lnSpc>
               <a:spcPct val="90000"/>
             </a:lnSpc>
@@ -6882,14 +8510,14 @@
             <a:buNone/>
           </a:pPr>
           <a:r>
-            <a:rPr lang="fr-FR" sz="900" kern="1200" dirty="0"/>
+            <a:rPr lang="fr-FR" sz="700" kern="1200" dirty="0"/>
             <a:t>Jeu Worms</a:t>
           </a:r>
         </a:p>
       </dsp:txBody>
       <dsp:txXfrm>
-        <a:off x="5654914" y="634650"/>
-        <a:ext cx="856131" cy="428065"/>
+        <a:off x="5302314" y="1185551"/>
+        <a:ext cx="677845" cy="338922"/>
       </dsp:txXfrm>
     </dsp:sp>
     <dsp:sp modelId="{498619B0-A496-4123-A8BE-3AE5DF73D3D5}">
@@ -6899,8 +8527,8 @@
       </dsp:nvSpPr>
       <dsp:spPr>
         <a:xfrm>
-          <a:off x="520267" y="1242503"/>
-          <a:ext cx="856131" cy="428065"/>
+          <a:off x="416739" y="1666822"/>
+          <a:ext cx="677845" cy="338922"/>
         </a:xfrm>
         <a:prstGeom prst="rect">
           <a:avLst/>
@@ -6969,12 +8597,12 @@
         </a:fontRef>
       </dsp:style>
       <dsp:txBody>
-        <a:bodyPr spcFirstLastPara="0" vert="horz" wrap="square" lIns="5715" tIns="5715" rIns="5715" bIns="5715" numCol="1" spcCol="1270" anchor="ctr" anchorCtr="0">
+        <a:bodyPr spcFirstLastPara="0" vert="horz" wrap="square" lIns="4445" tIns="4445" rIns="4445" bIns="4445" numCol="1" spcCol="1270" anchor="ctr" anchorCtr="0">
           <a:noAutofit/>
         </a:bodyPr>
         <a:lstStyle/>
         <a:p>
-          <a:pPr marL="0" lvl="0" indent="0" algn="ctr" defTabSz="400050">
+          <a:pPr marL="0" lvl="0" indent="0" algn="ctr" defTabSz="311150">
             <a:lnSpc>
               <a:spcPct val="90000"/>
             </a:lnSpc>
@@ -6987,14 +8615,14 @@
             <a:buNone/>
           </a:pPr>
           <a:r>
-            <a:rPr lang="fr-FR" sz="900" kern="1200" dirty="0"/>
+            <a:rPr lang="fr-FR" sz="700" kern="1200" dirty="0"/>
             <a:t>1. Animations</a:t>
           </a:r>
         </a:p>
       </dsp:txBody>
       <dsp:txXfrm>
-        <a:off x="520267" y="1242503"/>
-        <a:ext cx="856131" cy="428065"/>
+        <a:off x="416739" y="1666822"/>
+        <a:ext cx="677845" cy="338922"/>
       </dsp:txXfrm>
     </dsp:sp>
     <dsp:sp modelId="{AD8DF117-DF46-48FB-9F71-9526546614C0}">
@@ -7004,8 +8632,8 @@
       </dsp:nvSpPr>
       <dsp:spPr>
         <a:xfrm>
-          <a:off x="2307" y="1850356"/>
-          <a:ext cx="856131" cy="428065"/>
+          <a:off x="6642" y="2148093"/>
+          <a:ext cx="677845" cy="338922"/>
         </a:xfrm>
         <a:prstGeom prst="rect">
           <a:avLst/>
@@ -7074,12 +8702,12 @@
         </a:fontRef>
       </dsp:style>
       <dsp:txBody>
-        <a:bodyPr spcFirstLastPara="0" vert="horz" wrap="square" lIns="5715" tIns="5715" rIns="5715" bIns="5715" numCol="1" spcCol="1270" anchor="ctr" anchorCtr="0">
+        <a:bodyPr spcFirstLastPara="0" vert="horz" wrap="square" lIns="4445" tIns="4445" rIns="4445" bIns="4445" numCol="1" spcCol="1270" anchor="ctr" anchorCtr="0">
           <a:noAutofit/>
         </a:bodyPr>
         <a:lstStyle/>
         <a:p>
-          <a:pPr marL="0" lvl="0" indent="0" algn="ctr" defTabSz="400050">
+          <a:pPr marL="0" lvl="0" indent="0" algn="ctr" defTabSz="311150">
             <a:lnSpc>
               <a:spcPct val="90000"/>
             </a:lnSpc>
@@ -7092,14 +8720,14 @@
             <a:buNone/>
           </a:pPr>
           <a:r>
-            <a:rPr lang="fr-FR" sz="900" kern="1200" dirty="0"/>
+            <a:rPr lang="fr-FR" sz="700" kern="1200" dirty="0"/>
             <a:t>1.1 Worms</a:t>
           </a:r>
         </a:p>
       </dsp:txBody>
       <dsp:txXfrm>
-        <a:off x="2307" y="1850356"/>
-        <a:ext cx="856131" cy="428065"/>
+        <a:off x="6642" y="2148093"/>
+        <a:ext cx="677845" cy="338922"/>
       </dsp:txXfrm>
     </dsp:sp>
     <dsp:sp modelId="{E4DD1BBA-6ED4-4EB6-AFF9-0A01C7630111}">
@@ -7109,8 +8737,8 @@
       </dsp:nvSpPr>
       <dsp:spPr>
         <a:xfrm>
-          <a:off x="216340" y="2458210"/>
-          <a:ext cx="856131" cy="428065"/>
+          <a:off x="176104" y="2629363"/>
+          <a:ext cx="677845" cy="338922"/>
         </a:xfrm>
         <a:prstGeom prst="rect">
           <a:avLst/>
@@ -7179,12 +8807,12 @@
         </a:fontRef>
       </dsp:style>
       <dsp:txBody>
-        <a:bodyPr spcFirstLastPara="0" vert="horz" wrap="square" lIns="5715" tIns="5715" rIns="5715" bIns="5715" numCol="1" spcCol="1270" anchor="ctr" anchorCtr="0">
+        <a:bodyPr spcFirstLastPara="0" vert="horz" wrap="square" lIns="4445" tIns="4445" rIns="4445" bIns="4445" numCol="1" spcCol="1270" anchor="ctr" anchorCtr="0">
           <a:noAutofit/>
         </a:bodyPr>
         <a:lstStyle/>
         <a:p>
-          <a:pPr marL="0" lvl="0" indent="0" algn="ctr" defTabSz="400050">
+          <a:pPr marL="0" lvl="0" indent="0" algn="ctr" defTabSz="311150">
             <a:lnSpc>
               <a:spcPct val="90000"/>
             </a:lnSpc>
@@ -7197,14 +8825,14 @@
             <a:buNone/>
           </a:pPr>
           <a:r>
-            <a:rPr lang="fr-FR" sz="900" kern="1200" dirty="0"/>
+            <a:rPr lang="fr-FR" sz="700" kern="1200" dirty="0"/>
             <a:t>1.1.1 Aller à gauche</a:t>
           </a:r>
         </a:p>
       </dsp:txBody>
       <dsp:txXfrm>
-        <a:off x="216340" y="2458210"/>
-        <a:ext cx="856131" cy="428065"/>
+        <a:off x="176104" y="2629363"/>
+        <a:ext cx="677845" cy="338922"/>
       </dsp:txXfrm>
     </dsp:sp>
     <dsp:sp modelId="{E9162EA8-F24F-4A03-9868-7063DBE359E9}">
@@ -7214,8 +8842,8 @@
       </dsp:nvSpPr>
       <dsp:spPr>
         <a:xfrm>
-          <a:off x="216340" y="3066063"/>
-          <a:ext cx="856131" cy="428065"/>
+          <a:off x="176104" y="3110634"/>
+          <a:ext cx="677845" cy="338922"/>
         </a:xfrm>
         <a:prstGeom prst="rect">
           <a:avLst/>
@@ -7284,12 +8912,12 @@
         </a:fontRef>
       </dsp:style>
       <dsp:txBody>
-        <a:bodyPr spcFirstLastPara="0" vert="horz" wrap="square" lIns="5715" tIns="5715" rIns="5715" bIns="5715" numCol="1" spcCol="1270" anchor="ctr" anchorCtr="0">
+        <a:bodyPr spcFirstLastPara="0" vert="horz" wrap="square" lIns="4445" tIns="4445" rIns="4445" bIns="4445" numCol="1" spcCol="1270" anchor="ctr" anchorCtr="0">
           <a:noAutofit/>
         </a:bodyPr>
         <a:lstStyle/>
         <a:p>
-          <a:pPr marL="0" lvl="0" indent="0" algn="ctr" defTabSz="400050">
+          <a:pPr marL="0" lvl="0" indent="0" algn="ctr" defTabSz="311150">
             <a:lnSpc>
               <a:spcPct val="90000"/>
             </a:lnSpc>
@@ -7302,14 +8930,14 @@
             <a:buNone/>
           </a:pPr>
           <a:r>
-            <a:rPr lang="fr-FR" sz="900" kern="1200" dirty="0"/>
+            <a:rPr lang="fr-FR" sz="700" kern="1200" dirty="0"/>
             <a:t>1.1.2 Aller à droite</a:t>
           </a:r>
         </a:p>
       </dsp:txBody>
       <dsp:txXfrm>
-        <a:off x="216340" y="3066063"/>
-        <a:ext cx="856131" cy="428065"/>
+        <a:off x="176104" y="3110634"/>
+        <a:ext cx="677845" cy="338922"/>
       </dsp:txXfrm>
     </dsp:sp>
     <dsp:sp modelId="{CC35E510-BB41-46AB-A6CF-C9D1FD32AE1A}">
@@ -7319,8 +8947,8 @@
       </dsp:nvSpPr>
       <dsp:spPr>
         <a:xfrm>
-          <a:off x="216340" y="3673916"/>
-          <a:ext cx="856131" cy="428065"/>
+          <a:off x="176104" y="3591905"/>
+          <a:ext cx="677845" cy="338922"/>
         </a:xfrm>
         <a:prstGeom prst="rect">
           <a:avLst/>
@@ -7389,12 +9017,12 @@
         </a:fontRef>
       </dsp:style>
       <dsp:txBody>
-        <a:bodyPr spcFirstLastPara="0" vert="horz" wrap="square" lIns="5715" tIns="5715" rIns="5715" bIns="5715" numCol="1" spcCol="1270" anchor="ctr" anchorCtr="0">
+        <a:bodyPr spcFirstLastPara="0" vert="horz" wrap="square" lIns="4445" tIns="4445" rIns="4445" bIns="4445" numCol="1" spcCol="1270" anchor="ctr" anchorCtr="0">
           <a:noAutofit/>
         </a:bodyPr>
         <a:lstStyle/>
         <a:p>
-          <a:pPr marL="0" lvl="0" indent="0" algn="ctr" defTabSz="400050">
+          <a:pPr marL="0" lvl="0" indent="0" algn="ctr" defTabSz="311150">
             <a:lnSpc>
               <a:spcPct val="90000"/>
             </a:lnSpc>
@@ -7407,14 +9035,14 @@
             <a:buNone/>
           </a:pPr>
           <a:r>
-            <a:rPr lang="fr-FR" sz="900" kern="1200" dirty="0"/>
+            <a:rPr lang="fr-FR" sz="700" kern="1200" dirty="0"/>
             <a:t>1.1.3 Attendre</a:t>
           </a:r>
         </a:p>
       </dsp:txBody>
       <dsp:txXfrm>
-        <a:off x="216340" y="3673916"/>
-        <a:ext cx="856131" cy="428065"/>
+        <a:off x="176104" y="3591905"/>
+        <a:ext cx="677845" cy="338922"/>
       </dsp:txXfrm>
     </dsp:sp>
     <dsp:sp modelId="{1B9346B3-0EDC-4178-B604-88C6A4D621FB}">
@@ -7424,8 +9052,8 @@
       </dsp:nvSpPr>
       <dsp:spPr>
         <a:xfrm>
-          <a:off x="216340" y="4281769"/>
-          <a:ext cx="856131" cy="428065"/>
+          <a:off x="176104" y="4073175"/>
+          <a:ext cx="677845" cy="338922"/>
         </a:xfrm>
         <a:prstGeom prst="rect">
           <a:avLst/>
@@ -7494,12 +9122,12 @@
         </a:fontRef>
       </dsp:style>
       <dsp:txBody>
-        <a:bodyPr spcFirstLastPara="0" vert="horz" wrap="square" lIns="5715" tIns="5715" rIns="5715" bIns="5715" numCol="1" spcCol="1270" anchor="ctr" anchorCtr="0">
+        <a:bodyPr spcFirstLastPara="0" vert="horz" wrap="square" lIns="4445" tIns="4445" rIns="4445" bIns="4445" numCol="1" spcCol="1270" anchor="ctr" anchorCtr="0">
           <a:noAutofit/>
         </a:bodyPr>
         <a:lstStyle/>
         <a:p>
-          <a:pPr marL="0" lvl="0" indent="0" algn="ctr" defTabSz="400050">
+          <a:pPr marL="0" lvl="0" indent="0" algn="ctr" defTabSz="311150">
             <a:lnSpc>
               <a:spcPct val="90000"/>
             </a:lnSpc>
@@ -7512,14 +9140,14 @@
             <a:buNone/>
           </a:pPr>
           <a:r>
-            <a:rPr lang="fr-FR" sz="900" kern="1200" dirty="0"/>
+            <a:rPr lang="fr-FR" sz="700" kern="1200" dirty="0"/>
             <a:t>1.1.4 Sauter</a:t>
           </a:r>
         </a:p>
       </dsp:txBody>
       <dsp:txXfrm>
-        <a:off x="216340" y="4281769"/>
-        <a:ext cx="856131" cy="428065"/>
+        <a:off x="176104" y="4073175"/>
+        <a:ext cx="677845" cy="338922"/>
       </dsp:txXfrm>
     </dsp:sp>
     <dsp:sp modelId="{7966116B-C38A-4DD0-B987-4DA223BCF9D3}">
@@ -7529,8 +9157,8 @@
       </dsp:nvSpPr>
       <dsp:spPr>
         <a:xfrm>
-          <a:off x="216340" y="4889622"/>
-          <a:ext cx="856131" cy="428065"/>
+          <a:off x="176104" y="4554446"/>
+          <a:ext cx="677845" cy="338922"/>
         </a:xfrm>
         <a:prstGeom prst="rect">
           <a:avLst/>
@@ -7599,12 +9227,12 @@
         </a:fontRef>
       </dsp:style>
       <dsp:txBody>
-        <a:bodyPr spcFirstLastPara="0" vert="horz" wrap="square" lIns="5715" tIns="5715" rIns="5715" bIns="5715" numCol="1" spcCol="1270" anchor="ctr" anchorCtr="0">
+        <a:bodyPr spcFirstLastPara="0" vert="horz" wrap="square" lIns="4445" tIns="4445" rIns="4445" bIns="4445" numCol="1" spcCol="1270" anchor="ctr" anchorCtr="0">
           <a:noAutofit/>
         </a:bodyPr>
         <a:lstStyle/>
         <a:p>
-          <a:pPr marL="0" lvl="0" indent="0" algn="ctr" defTabSz="400050">
+          <a:pPr marL="0" lvl="0" indent="0" algn="ctr" defTabSz="311150">
             <a:lnSpc>
               <a:spcPct val="90000"/>
             </a:lnSpc>
@@ -7617,14 +9245,14 @@
             <a:buNone/>
           </a:pPr>
           <a:r>
-            <a:rPr lang="fr-FR" sz="900" kern="1200" dirty="0"/>
+            <a:rPr lang="fr-FR" sz="700" kern="1200" dirty="0"/>
             <a:t>1.1.5 Tirer</a:t>
           </a:r>
         </a:p>
       </dsp:txBody>
       <dsp:txXfrm>
-        <a:off x="216340" y="4889622"/>
-        <a:ext cx="856131" cy="428065"/>
+        <a:off x="176104" y="4554446"/>
+        <a:ext cx="677845" cy="338922"/>
       </dsp:txXfrm>
     </dsp:sp>
     <dsp:sp modelId="{FF9A4BBE-2FA9-45A2-BF47-0A3BC4A63589}">
@@ -7634,8 +9262,8 @@
       </dsp:nvSpPr>
       <dsp:spPr>
         <a:xfrm>
-          <a:off x="216340" y="5497475"/>
-          <a:ext cx="856131" cy="428065"/>
+          <a:off x="176104" y="5035717"/>
+          <a:ext cx="677845" cy="338922"/>
         </a:xfrm>
         <a:prstGeom prst="rect">
           <a:avLst/>
@@ -7704,12 +9332,12 @@
         </a:fontRef>
       </dsp:style>
       <dsp:txBody>
-        <a:bodyPr spcFirstLastPara="0" vert="horz" wrap="square" lIns="5715" tIns="5715" rIns="5715" bIns="5715" numCol="1" spcCol="1270" anchor="ctr" anchorCtr="0">
+        <a:bodyPr spcFirstLastPara="0" vert="horz" wrap="square" lIns="4445" tIns="4445" rIns="4445" bIns="4445" numCol="1" spcCol="1270" anchor="ctr" anchorCtr="0">
           <a:noAutofit/>
         </a:bodyPr>
         <a:lstStyle/>
         <a:p>
-          <a:pPr marL="0" lvl="0" indent="0" algn="ctr" defTabSz="400050">
+          <a:pPr marL="0" lvl="0" indent="0" algn="ctr" defTabSz="311150">
             <a:lnSpc>
               <a:spcPct val="90000"/>
             </a:lnSpc>
@@ -7722,14 +9350,14 @@
             <a:buNone/>
           </a:pPr>
           <a:r>
-            <a:rPr lang="fr-FR" sz="900" kern="1200" dirty="0"/>
+            <a:rPr lang="fr-FR" sz="700" kern="1200" dirty="0"/>
             <a:t>1.1.6 Mourir</a:t>
           </a:r>
         </a:p>
       </dsp:txBody>
       <dsp:txXfrm>
-        <a:off x="216340" y="5497475"/>
-        <a:ext cx="856131" cy="428065"/>
+        <a:off x="176104" y="5035717"/>
+        <a:ext cx="677845" cy="338922"/>
       </dsp:txXfrm>
     </dsp:sp>
     <dsp:sp modelId="{CD717D5E-0D5B-484C-B3C5-5F856BE6498E}">
@@ -7739,8 +9367,8 @@
       </dsp:nvSpPr>
       <dsp:spPr>
         <a:xfrm>
-          <a:off x="1038226" y="1850356"/>
-          <a:ext cx="856131" cy="428065"/>
+          <a:off x="826836" y="2148093"/>
+          <a:ext cx="677845" cy="338922"/>
         </a:xfrm>
         <a:prstGeom prst="rect">
           <a:avLst/>
@@ -7809,12 +9437,12 @@
         </a:fontRef>
       </dsp:style>
       <dsp:txBody>
-        <a:bodyPr spcFirstLastPara="0" vert="horz" wrap="square" lIns="5715" tIns="5715" rIns="5715" bIns="5715" numCol="1" spcCol="1270" anchor="ctr" anchorCtr="0">
+        <a:bodyPr spcFirstLastPara="0" vert="horz" wrap="square" lIns="4445" tIns="4445" rIns="4445" bIns="4445" numCol="1" spcCol="1270" anchor="ctr" anchorCtr="0">
           <a:noAutofit/>
         </a:bodyPr>
         <a:lstStyle/>
         <a:p>
-          <a:pPr marL="0" lvl="0" indent="0" algn="ctr" defTabSz="400050">
+          <a:pPr marL="0" lvl="0" indent="0" algn="ctr" defTabSz="311150">
             <a:lnSpc>
               <a:spcPct val="90000"/>
             </a:lnSpc>
@@ -7827,14 +9455,14 @@
             <a:buNone/>
           </a:pPr>
           <a:r>
-            <a:rPr lang="fr-FR" sz="900" kern="1200" dirty="0"/>
+            <a:rPr lang="fr-FR" sz="700" kern="1200" dirty="0"/>
             <a:t>1.2 Projectiles</a:t>
           </a:r>
         </a:p>
       </dsp:txBody>
       <dsp:txXfrm>
-        <a:off x="1038226" y="1850356"/>
-        <a:ext cx="856131" cy="428065"/>
+        <a:off x="826836" y="2148093"/>
+        <a:ext cx="677845" cy="338922"/>
       </dsp:txXfrm>
     </dsp:sp>
     <dsp:sp modelId="{2736ADD5-D6D1-4A6E-8758-7E828E14FC49}">
@@ -7844,8 +9472,8 @@
       </dsp:nvSpPr>
       <dsp:spPr>
         <a:xfrm>
-          <a:off x="1252259" y="2458210"/>
-          <a:ext cx="856131" cy="428065"/>
+          <a:off x="996297" y="2629363"/>
+          <a:ext cx="677845" cy="338922"/>
         </a:xfrm>
         <a:prstGeom prst="rect">
           <a:avLst/>
@@ -7914,12 +9542,12 @@
         </a:fontRef>
       </dsp:style>
       <dsp:txBody>
-        <a:bodyPr spcFirstLastPara="0" vert="horz" wrap="square" lIns="5715" tIns="5715" rIns="5715" bIns="5715" numCol="1" spcCol="1270" anchor="ctr" anchorCtr="0">
+        <a:bodyPr spcFirstLastPara="0" vert="horz" wrap="square" lIns="4445" tIns="4445" rIns="4445" bIns="4445" numCol="1" spcCol="1270" anchor="ctr" anchorCtr="0">
           <a:noAutofit/>
         </a:bodyPr>
         <a:lstStyle/>
         <a:p>
-          <a:pPr marL="0" lvl="0" indent="0" algn="ctr" defTabSz="400050">
+          <a:pPr marL="0" lvl="0" indent="0" algn="ctr" defTabSz="311150">
             <a:lnSpc>
               <a:spcPct val="90000"/>
             </a:lnSpc>
@@ -7932,14 +9560,14 @@
             <a:buNone/>
           </a:pPr>
           <a:r>
-            <a:rPr lang="fr-FR" sz="900" kern="1200" dirty="0"/>
+            <a:rPr lang="fr-FR" sz="700" kern="1200" dirty="0"/>
             <a:t>1.2.1 Se déplacer</a:t>
           </a:r>
         </a:p>
       </dsp:txBody>
       <dsp:txXfrm>
-        <a:off x="1252259" y="2458210"/>
-        <a:ext cx="856131" cy="428065"/>
+        <a:off x="996297" y="2629363"/>
+        <a:ext cx="677845" cy="338922"/>
       </dsp:txXfrm>
     </dsp:sp>
     <dsp:sp modelId="{03491F21-2386-4D40-82C9-C9A8CF991FAA}">
@@ -7949,8 +9577,8 @@
       </dsp:nvSpPr>
       <dsp:spPr>
         <a:xfrm>
-          <a:off x="1252259" y="3066063"/>
-          <a:ext cx="856131" cy="428065"/>
+          <a:off x="996297" y="3110634"/>
+          <a:ext cx="677845" cy="338922"/>
         </a:xfrm>
         <a:prstGeom prst="rect">
           <a:avLst/>
@@ -8019,12 +9647,12 @@
         </a:fontRef>
       </dsp:style>
       <dsp:txBody>
-        <a:bodyPr spcFirstLastPara="0" vert="horz" wrap="square" lIns="5715" tIns="5715" rIns="5715" bIns="5715" numCol="1" spcCol="1270" anchor="ctr" anchorCtr="0">
+        <a:bodyPr spcFirstLastPara="0" vert="horz" wrap="square" lIns="4445" tIns="4445" rIns="4445" bIns="4445" numCol="1" spcCol="1270" anchor="ctr" anchorCtr="0">
           <a:noAutofit/>
         </a:bodyPr>
         <a:lstStyle/>
         <a:p>
-          <a:pPr marL="0" lvl="0" indent="0" algn="ctr" defTabSz="400050">
+          <a:pPr marL="0" lvl="0" indent="0" algn="ctr" defTabSz="311150">
             <a:lnSpc>
               <a:spcPct val="90000"/>
             </a:lnSpc>
@@ -8037,14 +9665,14 @@
             <a:buNone/>
           </a:pPr>
           <a:r>
-            <a:rPr lang="fr-FR" sz="900" kern="1200" dirty="0"/>
+            <a:rPr lang="fr-FR" sz="700" kern="1200" dirty="0"/>
             <a:t>1.2.2 Exploser</a:t>
           </a:r>
         </a:p>
       </dsp:txBody>
       <dsp:txXfrm>
-        <a:off x="1252259" y="3066063"/>
-        <a:ext cx="856131" cy="428065"/>
+        <a:off x="996297" y="3110634"/>
+        <a:ext cx="677845" cy="338922"/>
       </dsp:txXfrm>
     </dsp:sp>
     <dsp:sp modelId="{0027487A-6ECD-4EB7-B614-12DAA0898E4E}">
@@ -8054,8 +9682,8 @@
       </dsp:nvSpPr>
       <dsp:spPr>
         <a:xfrm>
-          <a:off x="2592104" y="1242503"/>
-          <a:ext cx="856131" cy="428065"/>
+          <a:off x="2057126" y="1666822"/>
+          <a:ext cx="677845" cy="338922"/>
         </a:xfrm>
         <a:prstGeom prst="rect">
           <a:avLst/>
@@ -8124,12 +9752,12 @@
         </a:fontRef>
       </dsp:style>
       <dsp:txBody>
-        <a:bodyPr spcFirstLastPara="0" vert="horz" wrap="square" lIns="5715" tIns="5715" rIns="5715" bIns="5715" numCol="1" spcCol="1270" anchor="ctr" anchorCtr="0">
+        <a:bodyPr spcFirstLastPara="0" vert="horz" wrap="square" lIns="4445" tIns="4445" rIns="4445" bIns="4445" numCol="1" spcCol="1270" anchor="ctr" anchorCtr="0">
           <a:noAutofit/>
         </a:bodyPr>
         <a:lstStyle/>
         <a:p>
-          <a:pPr marL="0" lvl="0" indent="0" algn="ctr" defTabSz="400050">
+          <a:pPr marL="0" lvl="0" indent="0" algn="ctr" defTabSz="311150">
             <a:lnSpc>
               <a:spcPct val="90000"/>
             </a:lnSpc>
@@ -8142,14 +9770,14 @@
             <a:buNone/>
           </a:pPr>
           <a:r>
-            <a:rPr lang="fr-FR" sz="900" kern="1200" dirty="0"/>
+            <a:rPr lang="fr-FR" sz="700" kern="1200" dirty="0"/>
             <a:t>2. Actions</a:t>
           </a:r>
         </a:p>
       </dsp:txBody>
       <dsp:txXfrm>
-        <a:off x="2592104" y="1242503"/>
-        <a:ext cx="856131" cy="428065"/>
+        <a:off x="2057126" y="1666822"/>
+        <a:ext cx="677845" cy="338922"/>
       </dsp:txXfrm>
     </dsp:sp>
     <dsp:sp modelId="{F3CDB58F-185F-4762-BDF7-7693F0D51105}">
@@ -8159,8 +9787,8 @@
       </dsp:nvSpPr>
       <dsp:spPr>
         <a:xfrm>
-          <a:off x="2074145" y="1850356"/>
-          <a:ext cx="856131" cy="428065"/>
+          <a:off x="1647029" y="2148093"/>
+          <a:ext cx="677845" cy="338922"/>
         </a:xfrm>
         <a:prstGeom prst="rect">
           <a:avLst/>
@@ -8229,12 +9857,12 @@
         </a:fontRef>
       </dsp:style>
       <dsp:txBody>
-        <a:bodyPr spcFirstLastPara="0" vert="horz" wrap="square" lIns="5715" tIns="5715" rIns="5715" bIns="5715" numCol="1" spcCol="1270" anchor="ctr" anchorCtr="0">
+        <a:bodyPr spcFirstLastPara="0" vert="horz" wrap="square" lIns="4445" tIns="4445" rIns="4445" bIns="4445" numCol="1" spcCol="1270" anchor="ctr" anchorCtr="0">
           <a:noAutofit/>
         </a:bodyPr>
         <a:lstStyle/>
         <a:p>
-          <a:pPr marL="0" lvl="0" indent="0" algn="ctr" defTabSz="400050">
+          <a:pPr marL="0" lvl="0" indent="0" algn="ctr" defTabSz="311150">
             <a:lnSpc>
               <a:spcPct val="90000"/>
             </a:lnSpc>
@@ -8247,14 +9875,14 @@
             <a:buNone/>
           </a:pPr>
           <a:r>
-            <a:rPr lang="fr-FR" sz="900" kern="1200" dirty="0"/>
+            <a:rPr lang="fr-FR" sz="700" kern="1200" dirty="0"/>
             <a:t>2.1 Déplacements</a:t>
           </a:r>
         </a:p>
       </dsp:txBody>
       <dsp:txXfrm>
-        <a:off x="2074145" y="1850356"/>
-        <a:ext cx="856131" cy="428065"/>
+        <a:off x="1647029" y="2148093"/>
+        <a:ext cx="677845" cy="338922"/>
       </dsp:txXfrm>
     </dsp:sp>
     <dsp:sp modelId="{ED2045F8-A6C8-4F79-B28E-8770AEE160D9}">
@@ -8264,8 +9892,8 @@
       </dsp:nvSpPr>
       <dsp:spPr>
         <a:xfrm>
-          <a:off x="2288178" y="2458210"/>
-          <a:ext cx="856131" cy="428065"/>
+          <a:off x="1816491" y="2629363"/>
+          <a:ext cx="677845" cy="338922"/>
         </a:xfrm>
         <a:prstGeom prst="rect">
           <a:avLst/>
@@ -8334,12 +9962,12 @@
         </a:fontRef>
       </dsp:style>
       <dsp:txBody>
-        <a:bodyPr spcFirstLastPara="0" vert="horz" wrap="square" lIns="5715" tIns="5715" rIns="5715" bIns="5715" numCol="1" spcCol="1270" anchor="ctr" anchorCtr="0">
+        <a:bodyPr spcFirstLastPara="0" vert="horz" wrap="square" lIns="4445" tIns="4445" rIns="4445" bIns="4445" numCol="1" spcCol="1270" anchor="ctr" anchorCtr="0">
           <a:noAutofit/>
         </a:bodyPr>
         <a:lstStyle/>
         <a:p>
-          <a:pPr marL="0" lvl="0" indent="0" algn="ctr" defTabSz="400050">
+          <a:pPr marL="0" lvl="0" indent="0" algn="ctr" defTabSz="311150">
             <a:lnSpc>
               <a:spcPct val="90000"/>
             </a:lnSpc>
@@ -8352,14 +9980,14 @@
             <a:buNone/>
           </a:pPr>
           <a:r>
-            <a:rPr lang="fr-FR" sz="900" kern="1200" dirty="0"/>
+            <a:rPr lang="fr-FR" sz="700" kern="1200" dirty="0"/>
             <a:t>2.1.1 Aller à gauche</a:t>
           </a:r>
         </a:p>
       </dsp:txBody>
       <dsp:txXfrm>
-        <a:off x="2288178" y="2458210"/>
-        <a:ext cx="856131" cy="428065"/>
+        <a:off x="1816491" y="2629363"/>
+        <a:ext cx="677845" cy="338922"/>
       </dsp:txXfrm>
     </dsp:sp>
     <dsp:sp modelId="{EF5800B7-53CD-4BB5-81BC-1F3CEB288559}">
@@ -8369,8 +9997,8 @@
       </dsp:nvSpPr>
       <dsp:spPr>
         <a:xfrm>
-          <a:off x="2288178" y="3066063"/>
-          <a:ext cx="856131" cy="428065"/>
+          <a:off x="1816491" y="3110634"/>
+          <a:ext cx="677845" cy="338922"/>
         </a:xfrm>
         <a:prstGeom prst="rect">
           <a:avLst/>
@@ -8439,12 +10067,12 @@
         </a:fontRef>
       </dsp:style>
       <dsp:txBody>
-        <a:bodyPr spcFirstLastPara="0" vert="horz" wrap="square" lIns="5715" tIns="5715" rIns="5715" bIns="5715" numCol="1" spcCol="1270" anchor="ctr" anchorCtr="0">
+        <a:bodyPr spcFirstLastPara="0" vert="horz" wrap="square" lIns="4445" tIns="4445" rIns="4445" bIns="4445" numCol="1" spcCol="1270" anchor="ctr" anchorCtr="0">
           <a:noAutofit/>
         </a:bodyPr>
         <a:lstStyle/>
         <a:p>
-          <a:pPr marL="0" lvl="0" indent="0" algn="ctr" defTabSz="400050">
+          <a:pPr marL="0" lvl="0" indent="0" algn="ctr" defTabSz="311150">
             <a:lnSpc>
               <a:spcPct val="90000"/>
             </a:lnSpc>
@@ -8457,14 +10085,14 @@
             <a:buNone/>
           </a:pPr>
           <a:r>
-            <a:rPr lang="fr-FR" sz="900" kern="1200" dirty="0"/>
+            <a:rPr lang="fr-FR" sz="700" kern="1200" dirty="0"/>
             <a:t>2.1.2 Aller à droite</a:t>
           </a:r>
         </a:p>
       </dsp:txBody>
       <dsp:txXfrm>
-        <a:off x="2288178" y="3066063"/>
-        <a:ext cx="856131" cy="428065"/>
+        <a:off x="1816491" y="3110634"/>
+        <a:ext cx="677845" cy="338922"/>
       </dsp:txXfrm>
     </dsp:sp>
     <dsp:sp modelId="{B28CF3AB-51DA-475E-B82B-EC0F91A64393}">
@@ -8474,8 +10102,8 @@
       </dsp:nvSpPr>
       <dsp:spPr>
         <a:xfrm>
-          <a:off x="2288178" y="3673916"/>
-          <a:ext cx="856131" cy="428065"/>
+          <a:off x="1816491" y="3591905"/>
+          <a:ext cx="677845" cy="338922"/>
         </a:xfrm>
         <a:prstGeom prst="rect">
           <a:avLst/>
@@ -8544,12 +10172,12 @@
         </a:fontRef>
       </dsp:style>
       <dsp:txBody>
-        <a:bodyPr spcFirstLastPara="0" vert="horz" wrap="square" lIns="5715" tIns="5715" rIns="5715" bIns="5715" numCol="1" spcCol="1270" anchor="ctr" anchorCtr="0">
+        <a:bodyPr spcFirstLastPara="0" vert="horz" wrap="square" lIns="4445" tIns="4445" rIns="4445" bIns="4445" numCol="1" spcCol="1270" anchor="ctr" anchorCtr="0">
           <a:noAutofit/>
         </a:bodyPr>
         <a:lstStyle/>
         <a:p>
-          <a:pPr marL="0" lvl="0" indent="0" algn="ctr" defTabSz="400050">
+          <a:pPr marL="0" lvl="0" indent="0" algn="ctr" defTabSz="311150">
             <a:lnSpc>
               <a:spcPct val="90000"/>
             </a:lnSpc>
@@ -8562,14 +10190,14 @@
             <a:buNone/>
           </a:pPr>
           <a:r>
-            <a:rPr lang="fr-FR" sz="900" kern="1200" dirty="0"/>
+            <a:rPr lang="fr-FR" sz="700" kern="1200" dirty="0"/>
             <a:t>2.1.3 Sauter</a:t>
           </a:r>
         </a:p>
       </dsp:txBody>
       <dsp:txXfrm>
-        <a:off x="2288178" y="3673916"/>
-        <a:ext cx="856131" cy="428065"/>
+        <a:off x="1816491" y="3591905"/>
+        <a:ext cx="677845" cy="338922"/>
       </dsp:txXfrm>
     </dsp:sp>
     <dsp:sp modelId="{28FCD01F-0879-4733-BB4A-FC4609767266}">
@@ -8579,8 +10207,8 @@
       </dsp:nvSpPr>
       <dsp:spPr>
         <a:xfrm>
-          <a:off x="2288178" y="4281769"/>
-          <a:ext cx="856131" cy="428065"/>
+          <a:off x="1816491" y="4073175"/>
+          <a:ext cx="677845" cy="338922"/>
         </a:xfrm>
         <a:prstGeom prst="rect">
           <a:avLst/>
@@ -8649,12 +10277,12 @@
         </a:fontRef>
       </dsp:style>
       <dsp:txBody>
-        <a:bodyPr spcFirstLastPara="0" vert="horz" wrap="square" lIns="5715" tIns="5715" rIns="5715" bIns="5715" numCol="1" spcCol="1270" anchor="ctr" anchorCtr="0">
+        <a:bodyPr spcFirstLastPara="0" vert="horz" wrap="square" lIns="4445" tIns="4445" rIns="4445" bIns="4445" numCol="1" spcCol="1270" anchor="ctr" anchorCtr="0">
           <a:noAutofit/>
         </a:bodyPr>
         <a:lstStyle/>
         <a:p>
-          <a:pPr marL="0" lvl="0" indent="0" algn="ctr" defTabSz="400050">
+          <a:pPr marL="0" lvl="0" indent="0" algn="ctr" defTabSz="311150">
             <a:lnSpc>
               <a:spcPct val="90000"/>
             </a:lnSpc>
@@ -8667,14 +10295,14 @@
             <a:buNone/>
           </a:pPr>
           <a:r>
-            <a:rPr lang="fr-FR" sz="900" kern="1200" dirty="0"/>
+            <a:rPr lang="fr-FR" sz="700" kern="1200" dirty="0"/>
             <a:t>2.1.4 Attendre</a:t>
           </a:r>
         </a:p>
       </dsp:txBody>
       <dsp:txXfrm>
-        <a:off x="2288178" y="4281769"/>
-        <a:ext cx="856131" cy="428065"/>
+        <a:off x="1816491" y="4073175"/>
+        <a:ext cx="677845" cy="338922"/>
       </dsp:txXfrm>
     </dsp:sp>
     <dsp:sp modelId="{03E1208D-9199-4480-8A55-8BF4D2FB0181}">
@@ -8684,8 +10312,8 @@
       </dsp:nvSpPr>
       <dsp:spPr>
         <a:xfrm>
-          <a:off x="3110064" y="1850356"/>
-          <a:ext cx="856131" cy="428065"/>
+          <a:off x="2467223" y="2148093"/>
+          <a:ext cx="677845" cy="338922"/>
         </a:xfrm>
         <a:prstGeom prst="rect">
           <a:avLst/>
@@ -8754,12 +10382,12 @@
         </a:fontRef>
       </dsp:style>
       <dsp:txBody>
-        <a:bodyPr spcFirstLastPara="0" vert="horz" wrap="square" lIns="5715" tIns="5715" rIns="5715" bIns="5715" numCol="1" spcCol="1270" anchor="ctr" anchorCtr="0">
+        <a:bodyPr spcFirstLastPara="0" vert="horz" wrap="square" lIns="4445" tIns="4445" rIns="4445" bIns="4445" numCol="1" spcCol="1270" anchor="ctr" anchorCtr="0">
           <a:noAutofit/>
         </a:bodyPr>
         <a:lstStyle/>
         <a:p>
-          <a:pPr marL="0" lvl="0" indent="0" algn="ctr" defTabSz="400050">
+          <a:pPr marL="0" lvl="0" indent="0" algn="ctr" defTabSz="311150">
             <a:lnSpc>
               <a:spcPct val="90000"/>
             </a:lnSpc>
@@ -8772,14 +10400,14 @@
             <a:buNone/>
           </a:pPr>
           <a:r>
-            <a:rPr lang="fr-FR" sz="900" kern="1200" dirty="0"/>
+            <a:rPr lang="fr-FR" sz="700" kern="1200" dirty="0"/>
             <a:t>2.2 Tirs</a:t>
           </a:r>
         </a:p>
       </dsp:txBody>
       <dsp:txXfrm>
-        <a:off x="3110064" y="1850356"/>
-        <a:ext cx="856131" cy="428065"/>
+        <a:off x="2467223" y="2148093"/>
+        <a:ext cx="677845" cy="338922"/>
       </dsp:txXfrm>
     </dsp:sp>
     <dsp:sp modelId="{742766C1-D710-4A2B-A1A0-2BE9A6F858EE}">
@@ -8789,8 +10417,8 @@
       </dsp:nvSpPr>
       <dsp:spPr>
         <a:xfrm>
-          <a:off x="3324096" y="2458210"/>
-          <a:ext cx="856131" cy="428065"/>
+          <a:off x="2636685" y="2629363"/>
+          <a:ext cx="677845" cy="338922"/>
         </a:xfrm>
         <a:prstGeom prst="rect">
           <a:avLst/>
@@ -8859,12 +10487,12 @@
         </a:fontRef>
       </dsp:style>
       <dsp:txBody>
-        <a:bodyPr spcFirstLastPara="0" vert="horz" wrap="square" lIns="5715" tIns="5715" rIns="5715" bIns="5715" numCol="1" spcCol="1270" anchor="ctr" anchorCtr="0">
+        <a:bodyPr spcFirstLastPara="0" vert="horz" wrap="square" lIns="4445" tIns="4445" rIns="4445" bIns="4445" numCol="1" spcCol="1270" anchor="ctr" anchorCtr="0">
           <a:noAutofit/>
         </a:bodyPr>
         <a:lstStyle/>
         <a:p>
-          <a:pPr marL="0" lvl="0" indent="0" algn="ctr" defTabSz="400050">
+          <a:pPr marL="0" lvl="0" indent="0" algn="ctr" defTabSz="311150">
             <a:lnSpc>
               <a:spcPct val="90000"/>
             </a:lnSpc>
@@ -8877,14 +10505,14 @@
             <a:buNone/>
           </a:pPr>
           <a:r>
-            <a:rPr lang="fr-FR" sz="900" kern="1200" dirty="0"/>
+            <a:rPr lang="fr-FR" sz="700" kern="1200" dirty="0"/>
             <a:t>2.2.1 Viser</a:t>
           </a:r>
         </a:p>
       </dsp:txBody>
       <dsp:txXfrm>
-        <a:off x="3324096" y="2458210"/>
-        <a:ext cx="856131" cy="428065"/>
+        <a:off x="2636685" y="2629363"/>
+        <a:ext cx="677845" cy="338922"/>
       </dsp:txXfrm>
     </dsp:sp>
     <dsp:sp modelId="{19399AEB-8086-4479-84A5-002EFD721B19}">
@@ -8894,8 +10522,8 @@
       </dsp:nvSpPr>
       <dsp:spPr>
         <a:xfrm>
-          <a:off x="3324096" y="3066063"/>
-          <a:ext cx="856131" cy="428065"/>
+          <a:off x="2636685" y="3110634"/>
+          <a:ext cx="677845" cy="338922"/>
         </a:xfrm>
         <a:prstGeom prst="rect">
           <a:avLst/>
@@ -8964,12 +10592,12 @@
         </a:fontRef>
       </dsp:style>
       <dsp:txBody>
-        <a:bodyPr spcFirstLastPara="0" vert="horz" wrap="square" lIns="5715" tIns="5715" rIns="5715" bIns="5715" numCol="1" spcCol="1270" anchor="ctr" anchorCtr="0">
+        <a:bodyPr spcFirstLastPara="0" vert="horz" wrap="square" lIns="4445" tIns="4445" rIns="4445" bIns="4445" numCol="1" spcCol="1270" anchor="ctr" anchorCtr="0">
           <a:noAutofit/>
         </a:bodyPr>
         <a:lstStyle/>
         <a:p>
-          <a:pPr marL="0" lvl="0" indent="0" algn="ctr" defTabSz="400050">
+          <a:pPr marL="0" lvl="0" indent="0" algn="ctr" defTabSz="311150">
             <a:lnSpc>
               <a:spcPct val="90000"/>
             </a:lnSpc>
@@ -8982,14 +10610,14 @@
             <a:buNone/>
           </a:pPr>
           <a:r>
-            <a:rPr lang="fr-FR" sz="900" kern="1200" dirty="0"/>
+            <a:rPr lang="fr-FR" sz="700" kern="1200" dirty="0"/>
             <a:t>2.2.2 Tirer</a:t>
           </a:r>
         </a:p>
       </dsp:txBody>
       <dsp:txXfrm>
-        <a:off x="3324096" y="3066063"/>
-        <a:ext cx="856131" cy="428065"/>
+        <a:off x="2636685" y="3110634"/>
+        <a:ext cx="677845" cy="338922"/>
       </dsp:txXfrm>
     </dsp:sp>
     <dsp:sp modelId="{2B121127-3C0F-42A0-8C95-7211B5EA1923}">
@@ -8999,8 +10627,8 @@
       </dsp:nvSpPr>
       <dsp:spPr>
         <a:xfrm>
-          <a:off x="4145982" y="1242503"/>
-          <a:ext cx="856131" cy="428065"/>
+          <a:off x="3287417" y="1666822"/>
+          <a:ext cx="677845" cy="338922"/>
         </a:xfrm>
         <a:prstGeom prst="rect">
           <a:avLst/>
@@ -9069,12 +10697,12 @@
         </a:fontRef>
       </dsp:style>
       <dsp:txBody>
-        <a:bodyPr spcFirstLastPara="0" vert="horz" wrap="square" lIns="5715" tIns="5715" rIns="5715" bIns="5715" numCol="1" spcCol="1270" anchor="ctr" anchorCtr="0">
+        <a:bodyPr spcFirstLastPara="0" vert="horz" wrap="square" lIns="4445" tIns="4445" rIns="4445" bIns="4445" numCol="1" spcCol="1270" anchor="ctr" anchorCtr="0">
           <a:noAutofit/>
         </a:bodyPr>
         <a:lstStyle/>
         <a:p>
-          <a:pPr marL="0" lvl="0" indent="0" algn="ctr" defTabSz="400050">
+          <a:pPr marL="0" lvl="0" indent="0" algn="ctr" defTabSz="311150">
             <a:lnSpc>
               <a:spcPct val="90000"/>
             </a:lnSpc>
@@ -9087,14 +10715,14 @@
             <a:buNone/>
           </a:pPr>
           <a:r>
-            <a:rPr lang="fr-FR" sz="900" kern="1200" dirty="0"/>
+            <a:rPr lang="fr-FR" sz="700" kern="1200" dirty="0"/>
             <a:t>3. Carte</a:t>
           </a:r>
         </a:p>
       </dsp:txBody>
       <dsp:txXfrm>
-        <a:off x="4145982" y="1242503"/>
-        <a:ext cx="856131" cy="428065"/>
+        <a:off x="3287417" y="1666822"/>
+        <a:ext cx="677845" cy="338922"/>
       </dsp:txXfrm>
     </dsp:sp>
     <dsp:sp modelId="{A75AE4FA-D1E2-4CD3-ADEA-E37013F9A276}">
@@ -9104,8 +10732,8 @@
       </dsp:nvSpPr>
       <dsp:spPr>
         <a:xfrm>
-          <a:off x="4360015" y="1850356"/>
-          <a:ext cx="856131" cy="428065"/>
+          <a:off x="3456878" y="2148093"/>
+          <a:ext cx="677845" cy="338922"/>
         </a:xfrm>
         <a:prstGeom prst="rect">
           <a:avLst/>
@@ -9174,12 +10802,12 @@
         </a:fontRef>
       </dsp:style>
       <dsp:txBody>
-        <a:bodyPr spcFirstLastPara="0" vert="horz" wrap="square" lIns="5715" tIns="5715" rIns="5715" bIns="5715" numCol="1" spcCol="1270" anchor="ctr" anchorCtr="0">
+        <a:bodyPr spcFirstLastPara="0" vert="horz" wrap="square" lIns="4445" tIns="4445" rIns="4445" bIns="4445" numCol="1" spcCol="1270" anchor="ctr" anchorCtr="0">
           <a:noAutofit/>
         </a:bodyPr>
         <a:lstStyle/>
         <a:p>
-          <a:pPr marL="0" lvl="0" indent="0" algn="ctr" defTabSz="400050">
+          <a:pPr marL="0" lvl="0" indent="0" algn="ctr" defTabSz="311150">
             <a:lnSpc>
               <a:spcPct val="90000"/>
             </a:lnSpc>
@@ -9192,14 +10820,14 @@
             <a:buNone/>
           </a:pPr>
           <a:r>
-            <a:rPr lang="fr-FR" sz="900" kern="1200" dirty="0"/>
+            <a:rPr lang="fr-FR" sz="700" kern="1200" dirty="0"/>
             <a:t>3.1 Dessiner la carte</a:t>
           </a:r>
         </a:p>
       </dsp:txBody>
       <dsp:txXfrm>
-        <a:off x="4360015" y="1850356"/>
-        <a:ext cx="856131" cy="428065"/>
+        <a:off x="3456878" y="2148093"/>
+        <a:ext cx="677845" cy="338922"/>
       </dsp:txXfrm>
     </dsp:sp>
     <dsp:sp modelId="{1FF8F8EB-3AB8-41EF-A7AF-66FF695C8584}">
@@ -9209,8 +10837,8 @@
       </dsp:nvSpPr>
       <dsp:spPr>
         <a:xfrm>
-          <a:off x="4360015" y="2458210"/>
-          <a:ext cx="856131" cy="428065"/>
+          <a:off x="3456878" y="2629363"/>
+          <a:ext cx="677845" cy="338922"/>
         </a:xfrm>
         <a:prstGeom prst="rect">
           <a:avLst/>
@@ -9279,12 +10907,12 @@
         </a:fontRef>
       </dsp:style>
       <dsp:txBody>
-        <a:bodyPr spcFirstLastPara="0" vert="horz" wrap="square" lIns="5715" tIns="5715" rIns="5715" bIns="5715" numCol="1" spcCol="1270" anchor="ctr" anchorCtr="0">
+        <a:bodyPr spcFirstLastPara="0" vert="horz" wrap="square" lIns="4445" tIns="4445" rIns="4445" bIns="4445" numCol="1" spcCol="1270" anchor="ctr" anchorCtr="0">
           <a:noAutofit/>
         </a:bodyPr>
         <a:lstStyle/>
         <a:p>
-          <a:pPr marL="0" lvl="0" indent="0" algn="ctr" defTabSz="400050">
+          <a:pPr marL="0" lvl="0" indent="0" algn="ctr" defTabSz="311150">
             <a:lnSpc>
               <a:spcPct val="90000"/>
             </a:lnSpc>
@@ -9297,14 +10925,14 @@
             <a:buNone/>
           </a:pPr>
           <a:r>
-            <a:rPr lang="fr-FR" sz="900" kern="1200" dirty="0"/>
+            <a:rPr lang="fr-FR" sz="700" kern="1200" dirty="0"/>
             <a:t>3.2 Mettre à jour la carte</a:t>
           </a:r>
         </a:p>
       </dsp:txBody>
       <dsp:txXfrm>
-        <a:off x="4360015" y="2458210"/>
-        <a:ext cx="856131" cy="428065"/>
+        <a:off x="3456878" y="2629363"/>
+        <a:ext cx="677845" cy="338922"/>
       </dsp:txXfrm>
     </dsp:sp>
     <dsp:sp modelId="{CF670E3F-0472-4175-BBAA-AD3AFC470DB1}">
@@ -9314,8 +10942,8 @@
       </dsp:nvSpPr>
       <dsp:spPr>
         <a:xfrm>
-          <a:off x="5181901" y="1242503"/>
-          <a:ext cx="856131" cy="428065"/>
+          <a:off x="4107610" y="1666822"/>
+          <a:ext cx="677845" cy="338922"/>
         </a:xfrm>
         <a:prstGeom prst="rect">
           <a:avLst/>
@@ -9384,12 +11012,12 @@
         </a:fontRef>
       </dsp:style>
       <dsp:txBody>
-        <a:bodyPr spcFirstLastPara="0" vert="horz" wrap="square" lIns="5715" tIns="5715" rIns="5715" bIns="5715" numCol="1" spcCol="1270" anchor="ctr" anchorCtr="0">
+        <a:bodyPr spcFirstLastPara="0" vert="horz" wrap="square" lIns="4445" tIns="4445" rIns="4445" bIns="4445" numCol="1" spcCol="1270" anchor="ctr" anchorCtr="0">
           <a:noAutofit/>
         </a:bodyPr>
         <a:lstStyle/>
         <a:p>
-          <a:pPr marL="0" lvl="0" indent="0" algn="ctr" defTabSz="400050">
+          <a:pPr marL="0" lvl="0" indent="0" algn="ctr" defTabSz="311150">
             <a:lnSpc>
               <a:spcPct val="90000"/>
             </a:lnSpc>
@@ -9402,14 +11030,14 @@
             <a:buNone/>
           </a:pPr>
           <a:r>
-            <a:rPr lang="fr-FR" sz="900" kern="1200" dirty="0"/>
+            <a:rPr lang="fr-FR" sz="700" kern="1200" dirty="0"/>
             <a:t>4. Physique</a:t>
           </a:r>
         </a:p>
       </dsp:txBody>
       <dsp:txXfrm>
-        <a:off x="5181901" y="1242503"/>
-        <a:ext cx="856131" cy="428065"/>
+        <a:off x="4107610" y="1666822"/>
+        <a:ext cx="677845" cy="338922"/>
       </dsp:txXfrm>
     </dsp:sp>
     <dsp:sp modelId="{DA38BE30-0588-4AAC-AAF3-2B6624808275}">
@@ -9419,8 +11047,8 @@
       </dsp:nvSpPr>
       <dsp:spPr>
         <a:xfrm>
-          <a:off x="5395934" y="1850356"/>
-          <a:ext cx="856131" cy="428065"/>
+          <a:off x="4277072" y="2148093"/>
+          <a:ext cx="677845" cy="338922"/>
         </a:xfrm>
         <a:prstGeom prst="rect">
           <a:avLst/>
@@ -9489,12 +11117,12 @@
         </a:fontRef>
       </dsp:style>
       <dsp:txBody>
-        <a:bodyPr spcFirstLastPara="0" vert="horz" wrap="square" lIns="5715" tIns="5715" rIns="5715" bIns="5715" numCol="1" spcCol="1270" anchor="ctr" anchorCtr="0">
+        <a:bodyPr spcFirstLastPara="0" vert="horz" wrap="square" lIns="4445" tIns="4445" rIns="4445" bIns="4445" numCol="1" spcCol="1270" anchor="ctr" anchorCtr="0">
           <a:noAutofit/>
         </a:bodyPr>
         <a:lstStyle/>
         <a:p>
-          <a:pPr marL="0" lvl="0" indent="0" algn="ctr" defTabSz="400050">
+          <a:pPr marL="0" lvl="0" indent="0" algn="ctr" defTabSz="311150">
             <a:lnSpc>
               <a:spcPct val="90000"/>
             </a:lnSpc>
@@ -9507,14 +11135,14 @@
             <a:buNone/>
           </a:pPr>
           <a:r>
-            <a:rPr lang="fr-FR" sz="900" kern="1200" dirty="0"/>
+            <a:rPr lang="fr-FR" sz="700" kern="1200" dirty="0"/>
             <a:t>4.1 Gérer les collisions</a:t>
           </a:r>
         </a:p>
       </dsp:txBody>
       <dsp:txXfrm>
-        <a:off x="5395934" y="1850356"/>
-        <a:ext cx="856131" cy="428065"/>
+        <a:off x="4277072" y="2148093"/>
+        <a:ext cx="677845" cy="338922"/>
       </dsp:txXfrm>
     </dsp:sp>
     <dsp:sp modelId="{C040A16D-0BA3-42D0-ABD6-2AA062BD15CF}">
@@ -9524,8 +11152,8 @@
       </dsp:nvSpPr>
       <dsp:spPr>
         <a:xfrm>
-          <a:off x="5395934" y="2458210"/>
-          <a:ext cx="856131" cy="428065"/>
+          <a:off x="4277072" y="2629363"/>
+          <a:ext cx="677845" cy="338922"/>
         </a:xfrm>
         <a:prstGeom prst="rect">
           <a:avLst/>
@@ -9594,12 +11222,12 @@
         </a:fontRef>
       </dsp:style>
       <dsp:txBody>
-        <a:bodyPr spcFirstLastPara="0" vert="horz" wrap="square" lIns="5715" tIns="5715" rIns="5715" bIns="5715" numCol="1" spcCol="1270" anchor="ctr" anchorCtr="0">
+        <a:bodyPr spcFirstLastPara="0" vert="horz" wrap="square" lIns="4445" tIns="4445" rIns="4445" bIns="4445" numCol="1" spcCol="1270" anchor="ctr" anchorCtr="0">
           <a:noAutofit/>
         </a:bodyPr>
         <a:lstStyle/>
         <a:p>
-          <a:pPr marL="0" lvl="0" indent="0" algn="ctr" defTabSz="400050">
+          <a:pPr marL="0" lvl="0" indent="0" algn="ctr" defTabSz="311150">
             <a:lnSpc>
               <a:spcPct val="90000"/>
             </a:lnSpc>
@@ -9612,14 +11240,14 @@
             <a:buNone/>
           </a:pPr>
           <a:r>
-            <a:rPr lang="fr-FR" sz="900" kern="1200" dirty="0"/>
+            <a:rPr lang="fr-FR" sz="700" kern="1200" dirty="0"/>
             <a:t>4.2 Gérer la gravité</a:t>
           </a:r>
         </a:p>
       </dsp:txBody>
       <dsp:txXfrm>
-        <a:off x="5395934" y="2458210"/>
-        <a:ext cx="856131" cy="428065"/>
+        <a:off x="4277072" y="2629363"/>
+        <a:ext cx="677845" cy="338922"/>
       </dsp:txXfrm>
     </dsp:sp>
     <dsp:sp modelId="{03DB92FA-2EB9-4807-9F7C-221556379257}">
@@ -9629,8 +11257,8 @@
       </dsp:nvSpPr>
       <dsp:spPr>
         <a:xfrm>
-          <a:off x="5395934" y="3066063"/>
-          <a:ext cx="856131" cy="428065"/>
+          <a:off x="4277072" y="3110634"/>
+          <a:ext cx="677845" cy="338922"/>
         </a:xfrm>
         <a:prstGeom prst="rect">
           <a:avLst/>
@@ -9699,12 +11327,12 @@
         </a:fontRef>
       </dsp:style>
       <dsp:txBody>
-        <a:bodyPr spcFirstLastPara="0" vert="horz" wrap="square" lIns="5715" tIns="5715" rIns="5715" bIns="5715" numCol="1" spcCol="1270" anchor="ctr" anchorCtr="0">
+        <a:bodyPr spcFirstLastPara="0" vert="horz" wrap="square" lIns="4445" tIns="4445" rIns="4445" bIns="4445" numCol="1" spcCol="1270" anchor="ctr" anchorCtr="0">
           <a:noAutofit/>
         </a:bodyPr>
         <a:lstStyle/>
         <a:p>
-          <a:pPr marL="0" lvl="0" indent="0" algn="ctr" defTabSz="400050">
+          <a:pPr marL="0" lvl="0" indent="0" algn="ctr" defTabSz="311150">
             <a:lnSpc>
               <a:spcPct val="90000"/>
             </a:lnSpc>
@@ -9717,14 +11345,119 @@
             <a:buNone/>
           </a:pPr>
           <a:r>
-            <a:rPr lang="fr-FR" sz="900" kern="1200" dirty="0"/>
+            <a:rPr lang="fr-FR" sz="700" kern="1200" dirty="0"/>
             <a:t>4.2 Gérer la destruction de la carte</a:t>
           </a:r>
         </a:p>
       </dsp:txBody>
       <dsp:txXfrm>
-        <a:off x="5395934" y="3066063"/>
-        <a:ext cx="856131" cy="428065"/>
+        <a:off x="4277072" y="3110634"/>
+        <a:ext cx="677845" cy="338922"/>
+      </dsp:txXfrm>
+    </dsp:sp>
+    <dsp:sp modelId="{4B18B7B1-7EA9-40C2-BF5C-1E278EEE8599}">
+      <dsp:nvSpPr>
+        <dsp:cNvPr id="0" name=""/>
+        <dsp:cNvSpPr/>
+      </dsp:nvSpPr>
+      <dsp:spPr>
+        <a:xfrm>
+          <a:off x="4277072" y="3591905"/>
+          <a:ext cx="677845" cy="338922"/>
+        </a:xfrm>
+        <a:prstGeom prst="rect">
+          <a:avLst/>
+        </a:prstGeom>
+        <a:gradFill rotWithShape="0">
+          <a:gsLst>
+            <a:gs pos="0">
+              <a:schemeClr val="accent5">
+                <a:hueOff val="0"/>
+                <a:satOff val="0"/>
+                <a:lumOff val="0"/>
+                <a:alphaOff val="0"/>
+                <a:satMod val="103000"/>
+                <a:lumMod val="102000"/>
+                <a:tint val="94000"/>
+              </a:schemeClr>
+            </a:gs>
+            <a:gs pos="50000">
+              <a:schemeClr val="accent5">
+                <a:hueOff val="0"/>
+                <a:satOff val="0"/>
+                <a:lumOff val="0"/>
+                <a:alphaOff val="0"/>
+                <a:satMod val="110000"/>
+                <a:lumMod val="100000"/>
+                <a:shade val="100000"/>
+              </a:schemeClr>
+            </a:gs>
+            <a:gs pos="100000">
+              <a:schemeClr val="accent5">
+                <a:hueOff val="0"/>
+                <a:satOff val="0"/>
+                <a:lumOff val="0"/>
+                <a:alphaOff val="0"/>
+                <a:lumMod val="99000"/>
+                <a:satMod val="120000"/>
+                <a:shade val="78000"/>
+              </a:schemeClr>
+            </a:gs>
+          </a:gsLst>
+          <a:lin ang="5400000" scaled="0"/>
+        </a:gradFill>
+        <a:ln>
+          <a:noFill/>
+        </a:ln>
+        <a:effectLst>
+          <a:outerShdw blurRad="57150" dist="19050" dir="5400000" algn="ctr" rotWithShape="0">
+            <a:srgbClr val="000000">
+              <a:alpha val="63000"/>
+            </a:srgbClr>
+          </a:outerShdw>
+        </a:effectLst>
+      </dsp:spPr>
+      <dsp:style>
+        <a:lnRef idx="0">
+          <a:scrgbClr r="0" g="0" b="0"/>
+        </a:lnRef>
+        <a:fillRef idx="3">
+          <a:scrgbClr r="0" g="0" b="0"/>
+        </a:fillRef>
+        <a:effectRef idx="3">
+          <a:scrgbClr r="0" g="0" b="0"/>
+        </a:effectRef>
+        <a:fontRef idx="minor">
+          <a:schemeClr val="lt1"/>
+        </a:fontRef>
+      </dsp:style>
+      <dsp:txBody>
+        <a:bodyPr spcFirstLastPara="0" vert="horz" wrap="square" lIns="4445" tIns="4445" rIns="4445" bIns="4445" numCol="1" spcCol="1270" anchor="ctr" anchorCtr="0">
+          <a:noAutofit/>
+        </a:bodyPr>
+        <a:lstStyle/>
+        <a:p>
+          <a:pPr marL="0" lvl="0" indent="0" algn="ctr" defTabSz="311150">
+            <a:lnSpc>
+              <a:spcPct val="90000"/>
+            </a:lnSpc>
+            <a:spcBef>
+              <a:spcPct val="0"/>
+            </a:spcBef>
+            <a:spcAft>
+              <a:spcPct val="35000"/>
+            </a:spcAft>
+            <a:buNone/>
+          </a:pPr>
+          <a:r>
+            <a:rPr lang="fr-FR" sz="700" kern="1200" dirty="0"/>
+            <a:t>4.3 Gérer le déplacement des projectiles</a:t>
+          </a:r>
+        </a:p>
+      </dsp:txBody>
+      <dsp:txXfrm>
+        <a:off x="4277072" y="3591905"/>
+        <a:ext cx="677845" cy="338922"/>
       </dsp:txXfrm>
     </dsp:sp>
     <dsp:sp modelId="{E077F9B5-D8D9-45B1-AD44-E792AD48DD90}">
@@ -9734,8 +11467,8 @@
       </dsp:nvSpPr>
       <dsp:spPr>
         <a:xfrm>
-          <a:off x="7467772" y="1242503"/>
-          <a:ext cx="856131" cy="428065"/>
+          <a:off x="5917459" y="1666822"/>
+          <a:ext cx="677845" cy="338922"/>
         </a:xfrm>
         <a:prstGeom prst="rect">
           <a:avLst/>
@@ -9804,12 +11537,12 @@
         </a:fontRef>
       </dsp:style>
       <dsp:txBody>
-        <a:bodyPr spcFirstLastPara="0" vert="horz" wrap="square" lIns="5715" tIns="5715" rIns="5715" bIns="5715" numCol="1" spcCol="1270" anchor="ctr" anchorCtr="0">
+        <a:bodyPr spcFirstLastPara="0" vert="horz" wrap="square" lIns="4445" tIns="4445" rIns="4445" bIns="4445" numCol="1" spcCol="1270" anchor="ctr" anchorCtr="0">
           <a:noAutofit/>
         </a:bodyPr>
         <a:lstStyle/>
         <a:p>
-          <a:pPr marL="0" lvl="0" indent="0" algn="ctr" defTabSz="400050">
+          <a:pPr marL="0" lvl="0" indent="0" algn="ctr" defTabSz="311150">
             <a:lnSpc>
               <a:spcPct val="90000"/>
             </a:lnSpc>
@@ -9822,14 +11555,14 @@
             <a:buNone/>
           </a:pPr>
           <a:r>
-            <a:rPr lang="fr-FR" sz="900" kern="1200" dirty="0"/>
+            <a:rPr lang="fr-FR" sz="700" kern="1200" dirty="0"/>
             <a:t>5. Interfaces</a:t>
           </a:r>
         </a:p>
       </dsp:txBody>
       <dsp:txXfrm>
-        <a:off x="7467772" y="1242503"/>
-        <a:ext cx="856131" cy="428065"/>
+        <a:off x="5917459" y="1666822"/>
+        <a:ext cx="677845" cy="338922"/>
       </dsp:txXfrm>
     </dsp:sp>
     <dsp:sp modelId="{3B0B8300-9157-4D20-818B-3BF6BE11462A}">
@@ -9839,8 +11572,8 @@
       </dsp:nvSpPr>
       <dsp:spPr>
         <a:xfrm>
-          <a:off x="6431853" y="1850356"/>
-          <a:ext cx="856131" cy="428065"/>
+          <a:off x="5097265" y="2148093"/>
+          <a:ext cx="677845" cy="338922"/>
         </a:xfrm>
         <a:prstGeom prst="rect">
           <a:avLst/>
@@ -9909,12 +11642,12 @@
         </a:fontRef>
       </dsp:style>
       <dsp:txBody>
-        <a:bodyPr spcFirstLastPara="0" vert="horz" wrap="square" lIns="5715" tIns="5715" rIns="5715" bIns="5715" numCol="1" spcCol="1270" anchor="ctr" anchorCtr="0">
+        <a:bodyPr spcFirstLastPara="0" vert="horz" wrap="square" lIns="4445" tIns="4445" rIns="4445" bIns="4445" numCol="1" spcCol="1270" anchor="ctr" anchorCtr="0">
           <a:noAutofit/>
         </a:bodyPr>
         <a:lstStyle/>
         <a:p>
-          <a:pPr marL="0" lvl="0" indent="0" algn="ctr" defTabSz="400050">
+          <a:pPr marL="0" lvl="0" indent="0" algn="ctr" defTabSz="311150">
             <a:lnSpc>
               <a:spcPct val="90000"/>
             </a:lnSpc>
@@ -9927,14 +11660,14 @@
             <a:buNone/>
           </a:pPr>
           <a:r>
-            <a:rPr lang="fr-FR" sz="900" kern="1200" dirty="0"/>
+            <a:rPr lang="fr-FR" sz="700" kern="1200" dirty="0"/>
             <a:t>5.1 Afficher le menu 1</a:t>
           </a:r>
         </a:p>
       </dsp:txBody>
       <dsp:txXfrm>
-        <a:off x="6431853" y="1850356"/>
-        <a:ext cx="856131" cy="428065"/>
+        <a:off x="5097265" y="2148093"/>
+        <a:ext cx="677845" cy="338922"/>
       </dsp:txXfrm>
     </dsp:sp>
     <dsp:sp modelId="{A68F3FBC-9C6E-4B52-880C-15B68BDE4E67}">
@@ -9944,8 +11677,8 @@
       </dsp:nvSpPr>
       <dsp:spPr>
         <a:xfrm>
-          <a:off x="7467772" y="1850356"/>
-          <a:ext cx="856131" cy="428065"/>
+          <a:off x="5917459" y="2148093"/>
+          <a:ext cx="677845" cy="338922"/>
         </a:xfrm>
         <a:prstGeom prst="rect">
           <a:avLst/>
@@ -10014,12 +11747,12 @@
         </a:fontRef>
       </dsp:style>
       <dsp:txBody>
-        <a:bodyPr spcFirstLastPara="0" vert="horz" wrap="square" lIns="5715" tIns="5715" rIns="5715" bIns="5715" numCol="1" spcCol="1270" anchor="ctr" anchorCtr="0">
+        <a:bodyPr spcFirstLastPara="0" vert="horz" wrap="square" lIns="4445" tIns="4445" rIns="4445" bIns="4445" numCol="1" spcCol="1270" anchor="ctr" anchorCtr="0">
           <a:noAutofit/>
         </a:bodyPr>
         <a:lstStyle/>
         <a:p>
-          <a:pPr marL="0" lvl="0" indent="0" algn="ctr" defTabSz="400050">
+          <a:pPr marL="0" lvl="0" indent="0" algn="ctr" defTabSz="311150">
             <a:lnSpc>
               <a:spcPct val="90000"/>
             </a:lnSpc>
@@ -10032,14 +11765,14 @@
             <a:buNone/>
           </a:pPr>
           <a:r>
-            <a:rPr lang="fr-FR" sz="900" kern="1200" dirty="0"/>
+            <a:rPr lang="fr-FR" sz="700" kern="1200" dirty="0"/>
             <a:t>5.2 Afficher le menu 2</a:t>
           </a:r>
         </a:p>
       </dsp:txBody>
       <dsp:txXfrm>
-        <a:off x="7467772" y="1850356"/>
-        <a:ext cx="856131" cy="428065"/>
+        <a:off x="5917459" y="2148093"/>
+        <a:ext cx="677845" cy="338922"/>
       </dsp:txXfrm>
     </dsp:sp>
     <dsp:sp modelId="{4AB1B2CB-326E-4F33-A857-71234BB1B879}">
@@ -10049,8 +11782,8 @@
       </dsp:nvSpPr>
       <dsp:spPr>
         <a:xfrm>
-          <a:off x="8503690" y="1850356"/>
-          <a:ext cx="856131" cy="428065"/>
+          <a:off x="6737653" y="2148093"/>
+          <a:ext cx="677845" cy="338922"/>
         </a:xfrm>
         <a:prstGeom prst="rect">
           <a:avLst/>
@@ -10119,12 +11852,12 @@
         </a:fontRef>
       </dsp:style>
       <dsp:txBody>
-        <a:bodyPr spcFirstLastPara="0" vert="horz" wrap="square" lIns="5715" tIns="5715" rIns="5715" bIns="5715" numCol="1" spcCol="1270" anchor="ctr" anchorCtr="0">
+        <a:bodyPr spcFirstLastPara="0" vert="horz" wrap="square" lIns="4445" tIns="4445" rIns="4445" bIns="4445" numCol="1" spcCol="1270" anchor="ctr" anchorCtr="0">
           <a:noAutofit/>
         </a:bodyPr>
         <a:lstStyle/>
         <a:p>
-          <a:pPr marL="0" lvl="0" indent="0" algn="ctr" defTabSz="400050">
+          <a:pPr marL="0" lvl="0" indent="0" algn="ctr" defTabSz="311150">
             <a:lnSpc>
               <a:spcPct val="90000"/>
             </a:lnSpc>
@@ -10137,14 +11870,14 @@
             <a:buNone/>
           </a:pPr>
           <a:r>
-            <a:rPr lang="fr-FR" sz="900" kern="1200" dirty="0"/>
+            <a:rPr lang="fr-FR" sz="700" kern="1200" dirty="0"/>
             <a:t>5.3 Inventaire</a:t>
           </a:r>
         </a:p>
       </dsp:txBody>
       <dsp:txXfrm>
-        <a:off x="8503690" y="1850356"/>
-        <a:ext cx="856131" cy="428065"/>
+        <a:off x="6737653" y="2148093"/>
+        <a:ext cx="677845" cy="338922"/>
       </dsp:txXfrm>
     </dsp:sp>
     <dsp:sp modelId="{A1D354F9-2455-4B7F-BFAB-E790D9B1AFFF}">
@@ -10154,8 +11887,8 @@
       </dsp:nvSpPr>
       <dsp:spPr>
         <a:xfrm>
-          <a:off x="8717723" y="2458210"/>
-          <a:ext cx="856131" cy="428065"/>
+          <a:off x="6907114" y="2629363"/>
+          <a:ext cx="677845" cy="338922"/>
         </a:xfrm>
         <a:prstGeom prst="rect">
           <a:avLst/>
@@ -10224,12 +11957,12 @@
         </a:fontRef>
       </dsp:style>
       <dsp:txBody>
-        <a:bodyPr spcFirstLastPara="0" vert="horz" wrap="square" lIns="5715" tIns="5715" rIns="5715" bIns="5715" numCol="1" spcCol="1270" anchor="ctr" anchorCtr="0">
+        <a:bodyPr spcFirstLastPara="0" vert="horz" wrap="square" lIns="4445" tIns="4445" rIns="4445" bIns="4445" numCol="1" spcCol="1270" anchor="ctr" anchorCtr="0">
           <a:noAutofit/>
         </a:bodyPr>
         <a:lstStyle/>
         <a:p>
-          <a:pPr marL="0" lvl="0" indent="0" algn="ctr" defTabSz="400050">
+          <a:pPr marL="0" lvl="0" indent="0" algn="ctr" defTabSz="311150">
             <a:lnSpc>
               <a:spcPct val="90000"/>
             </a:lnSpc>
@@ -10242,14 +11975,14 @@
             <a:buNone/>
           </a:pPr>
           <a:r>
-            <a:rPr lang="fr-FR" sz="900" kern="1200" dirty="0"/>
+            <a:rPr lang="fr-FR" sz="700" kern="1200" dirty="0"/>
             <a:t>5.3.1 Afficher l’inventaire</a:t>
           </a:r>
         </a:p>
       </dsp:txBody>
       <dsp:txXfrm>
-        <a:off x="8717723" y="2458210"/>
-        <a:ext cx="856131" cy="428065"/>
+        <a:off x="6907114" y="2629363"/>
+        <a:ext cx="677845" cy="338922"/>
       </dsp:txXfrm>
     </dsp:sp>
     <dsp:sp modelId="{7AF25BEE-8C26-4637-B4C9-97642880D156}">
@@ -10259,8 +11992,8 @@
       </dsp:nvSpPr>
       <dsp:spPr>
         <a:xfrm>
-          <a:off x="8717723" y="3066063"/>
-          <a:ext cx="856131" cy="428065"/>
+          <a:off x="6907114" y="3110634"/>
+          <a:ext cx="677845" cy="338922"/>
         </a:xfrm>
         <a:prstGeom prst="rect">
           <a:avLst/>
@@ -10329,12 +12062,12 @@
         </a:fontRef>
       </dsp:style>
       <dsp:txBody>
-        <a:bodyPr spcFirstLastPara="0" vert="horz" wrap="square" lIns="5715" tIns="5715" rIns="5715" bIns="5715" numCol="1" spcCol="1270" anchor="ctr" anchorCtr="0">
+        <a:bodyPr spcFirstLastPara="0" vert="horz" wrap="square" lIns="4445" tIns="4445" rIns="4445" bIns="4445" numCol="1" spcCol="1270" anchor="ctr" anchorCtr="0">
           <a:noAutofit/>
         </a:bodyPr>
         <a:lstStyle/>
         <a:p>
-          <a:pPr marL="0" lvl="0" indent="0" algn="ctr" defTabSz="400050">
+          <a:pPr marL="0" lvl="0" indent="0" algn="ctr" defTabSz="311150">
             <a:lnSpc>
               <a:spcPct val="90000"/>
             </a:lnSpc>
@@ -10347,14 +12080,14 @@
             <a:buNone/>
           </a:pPr>
           <a:r>
-            <a:rPr lang="fr-FR" sz="900" kern="1200" dirty="0"/>
+            <a:rPr lang="fr-FR" sz="700" kern="1200" dirty="0"/>
             <a:t>5.3.2 Se déplacer dans l’inventaire</a:t>
           </a:r>
         </a:p>
       </dsp:txBody>
       <dsp:txXfrm>
-        <a:off x="8717723" y="3066063"/>
-        <a:ext cx="856131" cy="428065"/>
+        <a:off x="6907114" y="3110634"/>
+        <a:ext cx="677845" cy="338922"/>
       </dsp:txXfrm>
     </dsp:sp>
     <dsp:sp modelId="{B6177855-2780-4787-8440-15E13135D8FD}">
@@ -10364,8 +12097,8 @@
       </dsp:nvSpPr>
       <dsp:spPr>
         <a:xfrm>
-          <a:off x="8717723" y="3673916"/>
-          <a:ext cx="856131" cy="428065"/>
+          <a:off x="6907114" y="3591905"/>
+          <a:ext cx="677845" cy="338922"/>
         </a:xfrm>
         <a:prstGeom prst="rect">
           <a:avLst/>
@@ -10434,12 +12167,12 @@
         </a:fontRef>
       </dsp:style>
       <dsp:txBody>
-        <a:bodyPr spcFirstLastPara="0" vert="horz" wrap="square" lIns="5715" tIns="5715" rIns="5715" bIns="5715" numCol="1" spcCol="1270" anchor="ctr" anchorCtr="0">
+        <a:bodyPr spcFirstLastPara="0" vert="horz" wrap="square" lIns="4445" tIns="4445" rIns="4445" bIns="4445" numCol="1" spcCol="1270" anchor="ctr" anchorCtr="0">
           <a:noAutofit/>
         </a:bodyPr>
         <a:lstStyle/>
         <a:p>
-          <a:pPr marL="0" lvl="0" indent="0" algn="ctr" defTabSz="400050">
+          <a:pPr marL="0" lvl="0" indent="0" algn="ctr" defTabSz="311150">
             <a:lnSpc>
               <a:spcPct val="90000"/>
             </a:lnSpc>
@@ -10452,14 +12185,14 @@
             <a:buNone/>
           </a:pPr>
           <a:r>
-            <a:rPr lang="fr-FR" sz="900" kern="1200" dirty="0"/>
+            <a:rPr lang="fr-FR" sz="700" kern="1200" dirty="0"/>
             <a:t>5.3.3 Choisir son arme</a:t>
           </a:r>
         </a:p>
       </dsp:txBody>
       <dsp:txXfrm>
-        <a:off x="8717723" y="3673916"/>
-        <a:ext cx="856131" cy="428065"/>
+        <a:off x="6907114" y="3591905"/>
+        <a:ext cx="677845" cy="338922"/>
       </dsp:txXfrm>
     </dsp:sp>
     <dsp:sp modelId="{BFD0EB73-F038-45B8-8749-FB292D842971}">
@@ -10469,8 +12202,8 @@
       </dsp:nvSpPr>
       <dsp:spPr>
         <a:xfrm>
-          <a:off x="9539609" y="1242503"/>
-          <a:ext cx="856131" cy="428065"/>
+          <a:off x="7557846" y="1666822"/>
+          <a:ext cx="677845" cy="338922"/>
         </a:xfrm>
         <a:prstGeom prst="rect">
           <a:avLst/>
@@ -10539,12 +12272,12 @@
         </a:fontRef>
       </dsp:style>
       <dsp:txBody>
-        <a:bodyPr spcFirstLastPara="0" vert="horz" wrap="square" lIns="5715" tIns="5715" rIns="5715" bIns="5715" numCol="1" spcCol="1270" anchor="ctr" anchorCtr="0">
+        <a:bodyPr spcFirstLastPara="0" vert="horz" wrap="square" lIns="4445" tIns="4445" rIns="4445" bIns="4445" numCol="1" spcCol="1270" anchor="ctr" anchorCtr="0">
           <a:noAutofit/>
         </a:bodyPr>
         <a:lstStyle/>
         <a:p>
-          <a:pPr marL="0" lvl="0" indent="0" algn="ctr" defTabSz="400050">
+          <a:pPr marL="0" lvl="0" indent="0" algn="ctr" defTabSz="311150">
             <a:lnSpc>
               <a:spcPct val="90000"/>
             </a:lnSpc>
@@ -10557,14 +12290,14 @@
             <a:buNone/>
           </a:pPr>
           <a:r>
-            <a:rPr lang="fr-FR" sz="900" kern="1200" dirty="0"/>
+            <a:rPr lang="fr-FR" sz="700" kern="1200" dirty="0"/>
             <a:t>6. Audio</a:t>
           </a:r>
         </a:p>
       </dsp:txBody>
       <dsp:txXfrm>
-        <a:off x="9539609" y="1242503"/>
-        <a:ext cx="856131" cy="428065"/>
+        <a:off x="7557846" y="1666822"/>
+        <a:ext cx="677845" cy="338922"/>
       </dsp:txXfrm>
     </dsp:sp>
     <dsp:sp modelId="{3529C3D8-C2EA-42C2-A43F-F70235CF472D}">
@@ -10574,8 +12307,8 @@
       </dsp:nvSpPr>
       <dsp:spPr>
         <a:xfrm>
-          <a:off x="9753642" y="1850356"/>
-          <a:ext cx="856131" cy="428065"/>
+          <a:off x="7727308" y="2148093"/>
+          <a:ext cx="677845" cy="338922"/>
         </a:xfrm>
         <a:prstGeom prst="rect">
           <a:avLst/>
@@ -10644,12 +12377,12 @@
         </a:fontRef>
       </dsp:style>
       <dsp:txBody>
-        <a:bodyPr spcFirstLastPara="0" vert="horz" wrap="square" lIns="5715" tIns="5715" rIns="5715" bIns="5715" numCol="1" spcCol="1270" anchor="ctr" anchorCtr="0">
+        <a:bodyPr spcFirstLastPara="0" vert="horz" wrap="square" lIns="4445" tIns="4445" rIns="4445" bIns="4445" numCol="1" spcCol="1270" anchor="ctr" anchorCtr="0">
           <a:noAutofit/>
         </a:bodyPr>
         <a:lstStyle/>
         <a:p>
-          <a:pPr marL="0" lvl="0" indent="0" algn="ctr" defTabSz="400050">
+          <a:pPr marL="0" lvl="0" indent="0" algn="ctr" defTabSz="311150">
             <a:lnSpc>
               <a:spcPct val="90000"/>
             </a:lnSpc>
@@ -10662,14 +12395,14 @@
             <a:buNone/>
           </a:pPr>
           <a:r>
-            <a:rPr lang="fr-FR" sz="900" kern="1200" dirty="0"/>
+            <a:rPr lang="fr-FR" sz="700" kern="1200" dirty="0"/>
             <a:t>6.1 Bruit des armes</a:t>
           </a:r>
         </a:p>
       </dsp:txBody>
       <dsp:txXfrm>
-        <a:off x="9753642" y="1850356"/>
-        <a:ext cx="856131" cy="428065"/>
+        <a:off x="7727308" y="2148093"/>
+        <a:ext cx="677845" cy="338922"/>
       </dsp:txXfrm>
     </dsp:sp>
     <dsp:sp modelId="{86E32405-B1E8-46C3-8C12-35DF84F65A1F}">
@@ -10679,8 +12412,8 @@
       </dsp:nvSpPr>
       <dsp:spPr>
         <a:xfrm>
-          <a:off x="9753642" y="2458210"/>
-          <a:ext cx="856131" cy="428065"/>
+          <a:off x="7727308" y="2629363"/>
+          <a:ext cx="677845" cy="338922"/>
         </a:xfrm>
         <a:prstGeom prst="rect">
           <a:avLst/>
@@ -10749,12 +12482,12 @@
         </a:fontRef>
       </dsp:style>
       <dsp:txBody>
-        <a:bodyPr spcFirstLastPara="0" vert="horz" wrap="square" lIns="5715" tIns="5715" rIns="5715" bIns="5715" numCol="1" spcCol="1270" anchor="ctr" anchorCtr="0">
+        <a:bodyPr spcFirstLastPara="0" vert="horz" wrap="square" lIns="4445" tIns="4445" rIns="4445" bIns="4445" numCol="1" spcCol="1270" anchor="ctr" anchorCtr="0">
           <a:noAutofit/>
         </a:bodyPr>
         <a:lstStyle/>
         <a:p>
-          <a:pPr marL="0" lvl="0" indent="0" algn="ctr" defTabSz="400050">
+          <a:pPr marL="0" lvl="0" indent="0" algn="ctr" defTabSz="311150">
             <a:lnSpc>
               <a:spcPct val="90000"/>
             </a:lnSpc>
@@ -10767,14 +12500,14 @@
             <a:buNone/>
           </a:pPr>
           <a:r>
-            <a:rPr lang="fr-FR" sz="900" kern="1200" dirty="0"/>
+            <a:rPr lang="fr-FR" sz="700" kern="1200" dirty="0"/>
             <a:t>6.2 Musique de jeu</a:t>
           </a:r>
         </a:p>
       </dsp:txBody>
       <dsp:txXfrm>
-        <a:off x="9753642" y="2458210"/>
-        <a:ext cx="856131" cy="428065"/>
+        <a:off x="7727308" y="2629363"/>
+        <a:ext cx="677845" cy="338922"/>
       </dsp:txXfrm>
     </dsp:sp>
     <dsp:sp modelId="{482361B4-087C-4E8F-B94E-D3602D492937}">
@@ -10784,8 +12517,8 @@
       </dsp:nvSpPr>
       <dsp:spPr>
         <a:xfrm>
-          <a:off x="10789561" y="1242503"/>
-          <a:ext cx="856131" cy="428065"/>
+          <a:off x="8547501" y="1666822"/>
+          <a:ext cx="677845" cy="338922"/>
         </a:xfrm>
         <a:prstGeom prst="rect">
           <a:avLst/>
@@ -10854,12 +12587,12 @@
         </a:fontRef>
       </dsp:style>
       <dsp:txBody>
-        <a:bodyPr spcFirstLastPara="0" vert="horz" wrap="square" lIns="5715" tIns="5715" rIns="5715" bIns="5715" numCol="1" spcCol="1270" anchor="ctr" anchorCtr="0">
+        <a:bodyPr spcFirstLastPara="0" vert="horz" wrap="square" lIns="4445" tIns="4445" rIns="4445" bIns="4445" numCol="1" spcCol="1270" anchor="ctr" anchorCtr="0">
           <a:noAutofit/>
         </a:bodyPr>
         <a:lstStyle/>
         <a:p>
-          <a:pPr marL="0" lvl="0" indent="0" algn="ctr" defTabSz="400050">
+          <a:pPr marL="0" lvl="0" indent="0" algn="ctr" defTabSz="311150">
             <a:lnSpc>
               <a:spcPct val="90000"/>
             </a:lnSpc>
@@ -10872,14 +12605,14 @@
             <a:buNone/>
           </a:pPr>
           <a:r>
-            <a:rPr lang="fr-FR" sz="900" kern="1200" dirty="0"/>
+            <a:rPr lang="fr-FR" sz="700" kern="1200" dirty="0"/>
             <a:t>7. Système</a:t>
           </a:r>
         </a:p>
       </dsp:txBody>
       <dsp:txXfrm>
-        <a:off x="10789561" y="1242503"/>
-        <a:ext cx="856131" cy="428065"/>
+        <a:off x="8547501" y="1666822"/>
+        <a:ext cx="677845" cy="338922"/>
       </dsp:txXfrm>
     </dsp:sp>
     <dsp:sp modelId="{3E56AC73-7E1A-49C5-9A02-25C4764D30F4}">
@@ -10889,8 +12622,8 @@
       </dsp:nvSpPr>
       <dsp:spPr>
         <a:xfrm>
-          <a:off x="10789561" y="1850356"/>
-          <a:ext cx="856131" cy="428065"/>
+          <a:off x="8547501" y="2148093"/>
+          <a:ext cx="677845" cy="338922"/>
         </a:xfrm>
         <a:prstGeom prst="rect">
           <a:avLst/>
@@ -10959,12 +12692,12 @@
         </a:fontRef>
       </dsp:style>
       <dsp:txBody>
-        <a:bodyPr spcFirstLastPara="0" vert="horz" wrap="square" lIns="5715" tIns="5715" rIns="5715" bIns="5715" numCol="1" spcCol="1270" anchor="ctr" anchorCtr="0">
+        <a:bodyPr spcFirstLastPara="0" vert="horz" wrap="square" lIns="4445" tIns="4445" rIns="4445" bIns="4445" numCol="1" spcCol="1270" anchor="ctr" anchorCtr="0">
           <a:noAutofit/>
         </a:bodyPr>
         <a:lstStyle/>
         <a:p>
-          <a:pPr marL="0" lvl="0" indent="0" algn="ctr" defTabSz="400050">
+          <a:pPr marL="0" lvl="0" indent="0" algn="ctr" defTabSz="311150">
             <a:lnSpc>
               <a:spcPct val="90000"/>
             </a:lnSpc>
@@ -10977,14 +12710,14 @@
             <a:buNone/>
           </a:pPr>
           <a:r>
-            <a:rPr lang="fr-FR" sz="900" kern="1200" dirty="0"/>
+            <a:rPr lang="fr-FR" sz="700" kern="1200" dirty="0"/>
             <a:t>7.1 C#</a:t>
           </a:r>
         </a:p>
       </dsp:txBody>
       <dsp:txXfrm>
-        <a:off x="10789561" y="1850356"/>
-        <a:ext cx="856131" cy="428065"/>
+        <a:off x="8547501" y="2148093"/>
+        <a:ext cx="677845" cy="338922"/>
       </dsp:txXfrm>
     </dsp:sp>
     <dsp:sp modelId="{59C9ACFA-2F50-44E3-87BF-EC691C42EE1F}">
@@ -10994,8 +12727,8 @@
       </dsp:nvSpPr>
       <dsp:spPr>
         <a:xfrm>
-          <a:off x="11003594" y="2458210"/>
-          <a:ext cx="856131" cy="428065"/>
+          <a:off x="8716963" y="2629363"/>
+          <a:ext cx="677845" cy="338922"/>
         </a:xfrm>
         <a:prstGeom prst="rect">
           <a:avLst/>
@@ -11064,12 +12797,12 @@
         </a:fontRef>
       </dsp:style>
       <dsp:txBody>
-        <a:bodyPr spcFirstLastPara="0" vert="horz" wrap="square" lIns="5715" tIns="5715" rIns="5715" bIns="5715" numCol="1" spcCol="1270" anchor="ctr" anchorCtr="0">
+        <a:bodyPr spcFirstLastPara="0" vert="horz" wrap="square" lIns="4445" tIns="4445" rIns="4445" bIns="4445" numCol="1" spcCol="1270" anchor="ctr" anchorCtr="0">
           <a:noAutofit/>
         </a:bodyPr>
         <a:lstStyle/>
         <a:p>
-          <a:pPr marL="0" lvl="0" indent="0" algn="ctr" defTabSz="400050">
+          <a:pPr marL="0" lvl="0" indent="0" algn="ctr" defTabSz="311150">
             <a:lnSpc>
               <a:spcPct val="90000"/>
             </a:lnSpc>
@@ -11082,14 +12815,14 @@
             <a:buNone/>
           </a:pPr>
           <a:r>
-            <a:rPr lang="fr-FR" sz="900" kern="1200" dirty="0"/>
+            <a:rPr lang="fr-FR" sz="700" kern="1200" dirty="0"/>
             <a:t>7.1.1 Monogame</a:t>
           </a:r>
         </a:p>
       </dsp:txBody>
       <dsp:txXfrm>
-        <a:off x="11003594" y="2458210"/>
-        <a:ext cx="856131" cy="428065"/>
+        <a:off x="8716963" y="2629363"/>
+        <a:ext cx="677845" cy="338922"/>
       </dsp:txXfrm>
     </dsp:sp>
     <dsp:sp modelId="{400DF1B8-21D7-4219-947E-BB72D2BEB4AB}">
@@ -11099,8 +12832,8 @@
       </dsp:nvSpPr>
       <dsp:spPr>
         <a:xfrm>
-          <a:off x="11003594" y="3066063"/>
-          <a:ext cx="856131" cy="428065"/>
+          <a:off x="8716963" y="3110634"/>
+          <a:ext cx="677845" cy="338922"/>
         </a:xfrm>
         <a:prstGeom prst="rect">
           <a:avLst/>
@@ -11169,12 +12902,12 @@
         </a:fontRef>
       </dsp:style>
       <dsp:txBody>
-        <a:bodyPr spcFirstLastPara="0" vert="horz" wrap="square" lIns="5715" tIns="5715" rIns="5715" bIns="5715" numCol="1" spcCol="1270" anchor="ctr" anchorCtr="0">
+        <a:bodyPr spcFirstLastPara="0" vert="horz" wrap="square" lIns="4445" tIns="4445" rIns="4445" bIns="4445" numCol="1" spcCol="1270" anchor="ctr" anchorCtr="0">
           <a:noAutofit/>
         </a:bodyPr>
         <a:lstStyle/>
         <a:p>
-          <a:pPr marL="0" lvl="0" indent="0" algn="ctr" defTabSz="400050">
+          <a:pPr marL="0" lvl="0" indent="0" algn="ctr" defTabSz="311150">
             <a:lnSpc>
               <a:spcPct val="90000"/>
             </a:lnSpc>
@@ -11187,19 +12920,1084 @@
             <a:buNone/>
           </a:pPr>
           <a:r>
-            <a:rPr lang="fr-FR" sz="900" kern="1200" dirty="0"/>
+            <a:rPr lang="fr-FR" sz="700" kern="1200" dirty="0"/>
             <a:t>7.1.2 </a:t>
           </a:r>
           <a:r>
-            <a:rPr lang="fr-FR" sz="900" kern="1200" dirty="0" err="1"/>
+            <a:rPr lang="fr-FR" sz="700" kern="1200" dirty="0" err="1"/>
             <a:t>Farseer</a:t>
           </a:r>
-          <a:endParaRPr lang="fr-FR" sz="900" kern="1200" dirty="0"/>
+          <a:endParaRPr lang="fr-FR" sz="700" kern="1200" dirty="0"/>
         </a:p>
       </dsp:txBody>
       <dsp:txXfrm>
-        <a:off x="11003594" y="3066063"/>
-        <a:ext cx="856131" cy="428065"/>
+        <a:off x="8716963" y="3110634"/>
+        <a:ext cx="677845" cy="338922"/>
+      </dsp:txXfrm>
+    </dsp:sp>
+    <dsp:sp modelId="{ABC988D4-467E-48F1-A78D-9E5B3906804C}">
+      <dsp:nvSpPr>
+        <dsp:cNvPr id="0" name=""/>
+        <dsp:cNvSpPr/>
+      </dsp:nvSpPr>
+      <dsp:spPr>
+        <a:xfrm>
+          <a:off x="10187889" y="1666822"/>
+          <a:ext cx="677845" cy="338922"/>
+        </a:xfrm>
+        <a:prstGeom prst="rect">
+          <a:avLst/>
+        </a:prstGeom>
+        <a:gradFill rotWithShape="0">
+          <a:gsLst>
+            <a:gs pos="0">
+              <a:schemeClr val="accent4">
+                <a:hueOff val="0"/>
+                <a:satOff val="0"/>
+                <a:lumOff val="0"/>
+                <a:alphaOff val="0"/>
+                <a:satMod val="103000"/>
+                <a:lumMod val="102000"/>
+                <a:tint val="94000"/>
+              </a:schemeClr>
+            </a:gs>
+            <a:gs pos="50000">
+              <a:schemeClr val="accent4">
+                <a:hueOff val="0"/>
+                <a:satOff val="0"/>
+                <a:lumOff val="0"/>
+                <a:alphaOff val="0"/>
+                <a:satMod val="110000"/>
+                <a:lumMod val="100000"/>
+                <a:shade val="100000"/>
+              </a:schemeClr>
+            </a:gs>
+            <a:gs pos="100000">
+              <a:schemeClr val="accent4">
+                <a:hueOff val="0"/>
+                <a:satOff val="0"/>
+                <a:lumOff val="0"/>
+                <a:alphaOff val="0"/>
+                <a:lumMod val="99000"/>
+                <a:satMod val="120000"/>
+                <a:shade val="78000"/>
+              </a:schemeClr>
+            </a:gs>
+          </a:gsLst>
+          <a:lin ang="5400000" scaled="0"/>
+        </a:gradFill>
+        <a:ln>
+          <a:noFill/>
+        </a:ln>
+        <a:effectLst>
+          <a:outerShdw blurRad="57150" dist="19050" dir="5400000" algn="ctr" rotWithShape="0">
+            <a:srgbClr val="000000">
+              <a:alpha val="63000"/>
+            </a:srgbClr>
+          </a:outerShdw>
+        </a:effectLst>
+      </dsp:spPr>
+      <dsp:style>
+        <a:lnRef idx="0">
+          <a:scrgbClr r="0" g="0" b="0"/>
+        </a:lnRef>
+        <a:fillRef idx="3">
+          <a:scrgbClr r="0" g="0" b="0"/>
+        </a:fillRef>
+        <a:effectRef idx="3">
+          <a:scrgbClr r="0" g="0" b="0"/>
+        </a:effectRef>
+        <a:fontRef idx="minor">
+          <a:schemeClr val="lt1"/>
+        </a:fontRef>
+      </dsp:style>
+      <dsp:txBody>
+        <a:bodyPr spcFirstLastPara="0" vert="horz" wrap="square" lIns="4445" tIns="4445" rIns="4445" bIns="4445" numCol="1" spcCol="1270" anchor="ctr" anchorCtr="0">
+          <a:noAutofit/>
+        </a:bodyPr>
+        <a:lstStyle/>
+        <a:p>
+          <a:pPr marL="0" lvl="0" indent="0" algn="ctr" defTabSz="311150">
+            <a:lnSpc>
+              <a:spcPct val="90000"/>
+            </a:lnSpc>
+            <a:spcBef>
+              <a:spcPct val="0"/>
+            </a:spcBef>
+            <a:spcAft>
+              <a:spcPct val="35000"/>
+            </a:spcAft>
+            <a:buNone/>
+          </a:pPr>
+          <a:r>
+            <a:rPr lang="fr-FR" sz="700" kern="1200" dirty="0"/>
+            <a:t>8. Gestion de projet</a:t>
+          </a:r>
+        </a:p>
+      </dsp:txBody>
+      <dsp:txXfrm>
+        <a:off x="10187889" y="1666822"/>
+        <a:ext cx="677845" cy="338922"/>
+      </dsp:txXfrm>
+    </dsp:sp>
+    <dsp:sp modelId="{823D3ECD-0142-435C-9C62-B99B22E35C2E}">
+      <dsp:nvSpPr>
+        <dsp:cNvPr id="0" name=""/>
+        <dsp:cNvSpPr/>
+      </dsp:nvSpPr>
+      <dsp:spPr>
+        <a:xfrm>
+          <a:off x="9367695" y="2148093"/>
+          <a:ext cx="677845" cy="338922"/>
+        </a:xfrm>
+        <a:prstGeom prst="rect">
+          <a:avLst/>
+        </a:prstGeom>
+        <a:gradFill rotWithShape="0">
+          <a:gsLst>
+            <a:gs pos="0">
+              <a:schemeClr val="accent5">
+                <a:hueOff val="0"/>
+                <a:satOff val="0"/>
+                <a:lumOff val="0"/>
+                <a:alphaOff val="0"/>
+                <a:satMod val="103000"/>
+                <a:lumMod val="102000"/>
+                <a:tint val="94000"/>
+              </a:schemeClr>
+            </a:gs>
+            <a:gs pos="50000">
+              <a:schemeClr val="accent5">
+                <a:hueOff val="0"/>
+                <a:satOff val="0"/>
+                <a:lumOff val="0"/>
+                <a:alphaOff val="0"/>
+                <a:satMod val="110000"/>
+                <a:lumMod val="100000"/>
+                <a:shade val="100000"/>
+              </a:schemeClr>
+            </a:gs>
+            <a:gs pos="100000">
+              <a:schemeClr val="accent5">
+                <a:hueOff val="0"/>
+                <a:satOff val="0"/>
+                <a:lumOff val="0"/>
+                <a:alphaOff val="0"/>
+                <a:lumMod val="99000"/>
+                <a:satMod val="120000"/>
+                <a:shade val="78000"/>
+              </a:schemeClr>
+            </a:gs>
+          </a:gsLst>
+          <a:lin ang="5400000" scaled="0"/>
+        </a:gradFill>
+        <a:ln>
+          <a:noFill/>
+        </a:ln>
+        <a:effectLst>
+          <a:outerShdw blurRad="57150" dist="19050" dir="5400000" algn="ctr" rotWithShape="0">
+            <a:srgbClr val="000000">
+              <a:alpha val="63000"/>
+            </a:srgbClr>
+          </a:outerShdw>
+        </a:effectLst>
+      </dsp:spPr>
+      <dsp:style>
+        <a:lnRef idx="0">
+          <a:scrgbClr r="0" g="0" b="0"/>
+        </a:lnRef>
+        <a:fillRef idx="3">
+          <a:scrgbClr r="0" g="0" b="0"/>
+        </a:fillRef>
+        <a:effectRef idx="3">
+          <a:scrgbClr r="0" g="0" b="0"/>
+        </a:effectRef>
+        <a:fontRef idx="minor">
+          <a:schemeClr val="lt1"/>
+        </a:fontRef>
+      </dsp:style>
+      <dsp:txBody>
+        <a:bodyPr spcFirstLastPara="0" vert="horz" wrap="square" lIns="4445" tIns="4445" rIns="4445" bIns="4445" numCol="1" spcCol="1270" anchor="ctr" anchorCtr="0">
+          <a:noAutofit/>
+        </a:bodyPr>
+        <a:lstStyle/>
+        <a:p>
+          <a:pPr marL="0" lvl="0" indent="0" algn="ctr" defTabSz="311150">
+            <a:lnSpc>
+              <a:spcPct val="90000"/>
+            </a:lnSpc>
+            <a:spcBef>
+              <a:spcPct val="0"/>
+            </a:spcBef>
+            <a:spcAft>
+              <a:spcPct val="35000"/>
+            </a:spcAft>
+            <a:buNone/>
+          </a:pPr>
+          <a:r>
+            <a:rPr lang="fr-FR" sz="700" kern="1200" dirty="0"/>
+            <a:t>8.1 Trello</a:t>
+          </a:r>
+        </a:p>
+      </dsp:txBody>
+      <dsp:txXfrm>
+        <a:off x="9367695" y="2148093"/>
+        <a:ext cx="677845" cy="338922"/>
+      </dsp:txXfrm>
+    </dsp:sp>
+    <dsp:sp modelId="{AE876CC4-EC36-43B5-AF13-2B7F84F5BBE7}">
+      <dsp:nvSpPr>
+        <dsp:cNvPr id="0" name=""/>
+        <dsp:cNvSpPr/>
+      </dsp:nvSpPr>
+      <dsp:spPr>
+        <a:xfrm>
+          <a:off x="9537157" y="2629363"/>
+          <a:ext cx="677845" cy="338922"/>
+        </a:xfrm>
+        <a:prstGeom prst="rect">
+          <a:avLst/>
+        </a:prstGeom>
+        <a:gradFill rotWithShape="0">
+          <a:gsLst>
+            <a:gs pos="0">
+              <a:schemeClr val="accent6">
+                <a:hueOff val="0"/>
+                <a:satOff val="0"/>
+                <a:lumOff val="0"/>
+                <a:alphaOff val="0"/>
+                <a:satMod val="103000"/>
+                <a:lumMod val="102000"/>
+                <a:tint val="94000"/>
+              </a:schemeClr>
+            </a:gs>
+            <a:gs pos="50000">
+              <a:schemeClr val="accent6">
+                <a:hueOff val="0"/>
+                <a:satOff val="0"/>
+                <a:lumOff val="0"/>
+                <a:alphaOff val="0"/>
+                <a:satMod val="110000"/>
+                <a:lumMod val="100000"/>
+                <a:shade val="100000"/>
+              </a:schemeClr>
+            </a:gs>
+            <a:gs pos="100000">
+              <a:schemeClr val="accent6">
+                <a:hueOff val="0"/>
+                <a:satOff val="0"/>
+                <a:lumOff val="0"/>
+                <a:alphaOff val="0"/>
+                <a:lumMod val="99000"/>
+                <a:satMod val="120000"/>
+                <a:shade val="78000"/>
+              </a:schemeClr>
+            </a:gs>
+          </a:gsLst>
+          <a:lin ang="5400000" scaled="0"/>
+        </a:gradFill>
+        <a:ln>
+          <a:noFill/>
+        </a:ln>
+        <a:effectLst>
+          <a:outerShdw blurRad="57150" dist="19050" dir="5400000" algn="ctr" rotWithShape="0">
+            <a:srgbClr val="000000">
+              <a:alpha val="63000"/>
+            </a:srgbClr>
+          </a:outerShdw>
+        </a:effectLst>
+      </dsp:spPr>
+      <dsp:style>
+        <a:lnRef idx="0">
+          <a:scrgbClr r="0" g="0" b="0"/>
+        </a:lnRef>
+        <a:fillRef idx="3">
+          <a:scrgbClr r="0" g="0" b="0"/>
+        </a:fillRef>
+        <a:effectRef idx="3">
+          <a:scrgbClr r="0" g="0" b="0"/>
+        </a:effectRef>
+        <a:fontRef idx="minor">
+          <a:schemeClr val="lt1"/>
+        </a:fontRef>
+      </dsp:style>
+      <dsp:txBody>
+        <a:bodyPr spcFirstLastPara="0" vert="horz" wrap="square" lIns="4445" tIns="4445" rIns="4445" bIns="4445" numCol="1" spcCol="1270" anchor="ctr" anchorCtr="0">
+          <a:noAutofit/>
+        </a:bodyPr>
+        <a:lstStyle/>
+        <a:p>
+          <a:pPr marL="0" lvl="0" indent="0" algn="ctr" defTabSz="311150">
+            <a:lnSpc>
+              <a:spcPct val="90000"/>
+            </a:lnSpc>
+            <a:spcBef>
+              <a:spcPct val="0"/>
+            </a:spcBef>
+            <a:spcAft>
+              <a:spcPct val="35000"/>
+            </a:spcAft>
+            <a:buNone/>
+          </a:pPr>
+          <a:r>
+            <a:rPr lang="fr-FR" sz="700" kern="1200" dirty="0"/>
+            <a:t>8.1.1 Créer les tâches</a:t>
+          </a:r>
+        </a:p>
+      </dsp:txBody>
+      <dsp:txXfrm>
+        <a:off x="9537157" y="2629363"/>
+        <a:ext cx="677845" cy="338922"/>
+      </dsp:txXfrm>
+    </dsp:sp>
+    <dsp:sp modelId="{8A4F73AE-1493-4490-BEEC-B6081C971BE3}">
+      <dsp:nvSpPr>
+        <dsp:cNvPr id="0" name=""/>
+        <dsp:cNvSpPr/>
+      </dsp:nvSpPr>
+      <dsp:spPr>
+        <a:xfrm>
+          <a:off x="9537157" y="3110634"/>
+          <a:ext cx="677845" cy="338922"/>
+        </a:xfrm>
+        <a:prstGeom prst="rect">
+          <a:avLst/>
+        </a:prstGeom>
+        <a:gradFill rotWithShape="0">
+          <a:gsLst>
+            <a:gs pos="0">
+              <a:schemeClr val="accent6">
+                <a:hueOff val="0"/>
+                <a:satOff val="0"/>
+                <a:lumOff val="0"/>
+                <a:alphaOff val="0"/>
+                <a:satMod val="103000"/>
+                <a:lumMod val="102000"/>
+                <a:tint val="94000"/>
+              </a:schemeClr>
+            </a:gs>
+            <a:gs pos="50000">
+              <a:schemeClr val="accent6">
+                <a:hueOff val="0"/>
+                <a:satOff val="0"/>
+                <a:lumOff val="0"/>
+                <a:alphaOff val="0"/>
+                <a:satMod val="110000"/>
+                <a:lumMod val="100000"/>
+                <a:shade val="100000"/>
+              </a:schemeClr>
+            </a:gs>
+            <a:gs pos="100000">
+              <a:schemeClr val="accent6">
+                <a:hueOff val="0"/>
+                <a:satOff val="0"/>
+                <a:lumOff val="0"/>
+                <a:alphaOff val="0"/>
+                <a:lumMod val="99000"/>
+                <a:satMod val="120000"/>
+                <a:shade val="78000"/>
+              </a:schemeClr>
+            </a:gs>
+          </a:gsLst>
+          <a:lin ang="5400000" scaled="0"/>
+        </a:gradFill>
+        <a:ln>
+          <a:noFill/>
+        </a:ln>
+        <a:effectLst>
+          <a:outerShdw blurRad="57150" dist="19050" dir="5400000" algn="ctr" rotWithShape="0">
+            <a:srgbClr val="000000">
+              <a:alpha val="63000"/>
+            </a:srgbClr>
+          </a:outerShdw>
+        </a:effectLst>
+      </dsp:spPr>
+      <dsp:style>
+        <a:lnRef idx="0">
+          <a:scrgbClr r="0" g="0" b="0"/>
+        </a:lnRef>
+        <a:fillRef idx="3">
+          <a:scrgbClr r="0" g="0" b="0"/>
+        </a:fillRef>
+        <a:effectRef idx="3">
+          <a:scrgbClr r="0" g="0" b="0"/>
+        </a:effectRef>
+        <a:fontRef idx="minor">
+          <a:schemeClr val="lt1"/>
+        </a:fontRef>
+      </dsp:style>
+      <dsp:txBody>
+        <a:bodyPr spcFirstLastPara="0" vert="horz" wrap="square" lIns="4445" tIns="4445" rIns="4445" bIns="4445" numCol="1" spcCol="1270" anchor="ctr" anchorCtr="0">
+          <a:noAutofit/>
+        </a:bodyPr>
+        <a:lstStyle/>
+        <a:p>
+          <a:pPr marL="0" lvl="0" indent="0" algn="ctr" defTabSz="311150">
+            <a:lnSpc>
+              <a:spcPct val="90000"/>
+            </a:lnSpc>
+            <a:spcBef>
+              <a:spcPct val="0"/>
+            </a:spcBef>
+            <a:spcAft>
+              <a:spcPct val="35000"/>
+            </a:spcAft>
+            <a:buNone/>
+          </a:pPr>
+          <a:r>
+            <a:rPr lang="fr-FR" sz="700" kern="1200" dirty="0"/>
+            <a:t>8.1.2 Assigner les tâches</a:t>
+          </a:r>
+        </a:p>
+      </dsp:txBody>
+      <dsp:txXfrm>
+        <a:off x="9537157" y="3110634"/>
+        <a:ext cx="677845" cy="338922"/>
+      </dsp:txXfrm>
+    </dsp:sp>
+    <dsp:sp modelId="{6013B2CE-09D7-447A-AB0C-04399E6D9495}">
+      <dsp:nvSpPr>
+        <dsp:cNvPr id="0" name=""/>
+        <dsp:cNvSpPr/>
+      </dsp:nvSpPr>
+      <dsp:spPr>
+        <a:xfrm>
+          <a:off x="9537157" y="3591905"/>
+          <a:ext cx="677845" cy="338922"/>
+        </a:xfrm>
+        <a:prstGeom prst="rect">
+          <a:avLst/>
+        </a:prstGeom>
+        <a:gradFill rotWithShape="0">
+          <a:gsLst>
+            <a:gs pos="0">
+              <a:schemeClr val="accent6">
+                <a:hueOff val="0"/>
+                <a:satOff val="0"/>
+                <a:lumOff val="0"/>
+                <a:alphaOff val="0"/>
+                <a:satMod val="103000"/>
+                <a:lumMod val="102000"/>
+                <a:tint val="94000"/>
+              </a:schemeClr>
+            </a:gs>
+            <a:gs pos="50000">
+              <a:schemeClr val="accent6">
+                <a:hueOff val="0"/>
+                <a:satOff val="0"/>
+                <a:lumOff val="0"/>
+                <a:alphaOff val="0"/>
+                <a:satMod val="110000"/>
+                <a:lumMod val="100000"/>
+                <a:shade val="100000"/>
+              </a:schemeClr>
+            </a:gs>
+            <a:gs pos="100000">
+              <a:schemeClr val="accent6">
+                <a:hueOff val="0"/>
+                <a:satOff val="0"/>
+                <a:lumOff val="0"/>
+                <a:alphaOff val="0"/>
+                <a:lumMod val="99000"/>
+                <a:satMod val="120000"/>
+                <a:shade val="78000"/>
+              </a:schemeClr>
+            </a:gs>
+          </a:gsLst>
+          <a:lin ang="5400000" scaled="0"/>
+        </a:gradFill>
+        <a:ln>
+          <a:noFill/>
+        </a:ln>
+        <a:effectLst>
+          <a:outerShdw blurRad="57150" dist="19050" dir="5400000" algn="ctr" rotWithShape="0">
+            <a:srgbClr val="000000">
+              <a:alpha val="63000"/>
+            </a:srgbClr>
+          </a:outerShdw>
+        </a:effectLst>
+      </dsp:spPr>
+      <dsp:style>
+        <a:lnRef idx="0">
+          <a:scrgbClr r="0" g="0" b="0"/>
+        </a:lnRef>
+        <a:fillRef idx="3">
+          <a:scrgbClr r="0" g="0" b="0"/>
+        </a:fillRef>
+        <a:effectRef idx="3">
+          <a:scrgbClr r="0" g="0" b="0"/>
+        </a:effectRef>
+        <a:fontRef idx="minor">
+          <a:schemeClr val="lt1"/>
+        </a:fontRef>
+      </dsp:style>
+      <dsp:txBody>
+        <a:bodyPr spcFirstLastPara="0" vert="horz" wrap="square" lIns="4445" tIns="4445" rIns="4445" bIns="4445" numCol="1" spcCol="1270" anchor="ctr" anchorCtr="0">
+          <a:noAutofit/>
+        </a:bodyPr>
+        <a:lstStyle/>
+        <a:p>
+          <a:pPr marL="0" lvl="0" indent="0" algn="ctr" defTabSz="311150">
+            <a:lnSpc>
+              <a:spcPct val="90000"/>
+            </a:lnSpc>
+            <a:spcBef>
+              <a:spcPct val="0"/>
+            </a:spcBef>
+            <a:spcAft>
+              <a:spcPct val="35000"/>
+            </a:spcAft>
+            <a:buNone/>
+          </a:pPr>
+          <a:r>
+            <a:rPr lang="fr-FR" sz="700" kern="1200" dirty="0"/>
+            <a:t>8.1.3 Gérer les tâches</a:t>
+          </a:r>
+        </a:p>
+      </dsp:txBody>
+      <dsp:txXfrm>
+        <a:off x="9537157" y="3591905"/>
+        <a:ext cx="677845" cy="338922"/>
+      </dsp:txXfrm>
+    </dsp:sp>
+    <dsp:sp modelId="{DD110DFF-2732-4B89-8A14-D3EED00B8FD9}">
+      <dsp:nvSpPr>
+        <dsp:cNvPr id="0" name=""/>
+        <dsp:cNvSpPr/>
+      </dsp:nvSpPr>
+      <dsp:spPr>
+        <a:xfrm>
+          <a:off x="10187889" y="2148093"/>
+          <a:ext cx="677845" cy="338922"/>
+        </a:xfrm>
+        <a:prstGeom prst="rect">
+          <a:avLst/>
+        </a:prstGeom>
+        <a:gradFill rotWithShape="0">
+          <a:gsLst>
+            <a:gs pos="0">
+              <a:schemeClr val="accent5">
+                <a:hueOff val="0"/>
+                <a:satOff val="0"/>
+                <a:lumOff val="0"/>
+                <a:alphaOff val="0"/>
+                <a:satMod val="103000"/>
+                <a:lumMod val="102000"/>
+                <a:tint val="94000"/>
+              </a:schemeClr>
+            </a:gs>
+            <a:gs pos="50000">
+              <a:schemeClr val="accent5">
+                <a:hueOff val="0"/>
+                <a:satOff val="0"/>
+                <a:lumOff val="0"/>
+                <a:alphaOff val="0"/>
+                <a:satMod val="110000"/>
+                <a:lumMod val="100000"/>
+                <a:shade val="100000"/>
+              </a:schemeClr>
+            </a:gs>
+            <a:gs pos="100000">
+              <a:schemeClr val="accent5">
+                <a:hueOff val="0"/>
+                <a:satOff val="0"/>
+                <a:lumOff val="0"/>
+                <a:alphaOff val="0"/>
+                <a:lumMod val="99000"/>
+                <a:satMod val="120000"/>
+                <a:shade val="78000"/>
+              </a:schemeClr>
+            </a:gs>
+          </a:gsLst>
+          <a:lin ang="5400000" scaled="0"/>
+        </a:gradFill>
+        <a:ln>
+          <a:noFill/>
+        </a:ln>
+        <a:effectLst>
+          <a:outerShdw blurRad="57150" dist="19050" dir="5400000" algn="ctr" rotWithShape="0">
+            <a:srgbClr val="000000">
+              <a:alpha val="63000"/>
+            </a:srgbClr>
+          </a:outerShdw>
+        </a:effectLst>
+      </dsp:spPr>
+      <dsp:style>
+        <a:lnRef idx="0">
+          <a:scrgbClr r="0" g="0" b="0"/>
+        </a:lnRef>
+        <a:fillRef idx="3">
+          <a:scrgbClr r="0" g="0" b="0"/>
+        </a:fillRef>
+        <a:effectRef idx="3">
+          <a:scrgbClr r="0" g="0" b="0"/>
+        </a:effectRef>
+        <a:fontRef idx="minor">
+          <a:schemeClr val="lt1"/>
+        </a:fontRef>
+      </dsp:style>
+      <dsp:txBody>
+        <a:bodyPr spcFirstLastPara="0" vert="horz" wrap="square" lIns="4445" tIns="4445" rIns="4445" bIns="4445" numCol="1" spcCol="1270" anchor="ctr" anchorCtr="0">
+          <a:noAutofit/>
+        </a:bodyPr>
+        <a:lstStyle/>
+        <a:p>
+          <a:pPr marL="0" lvl="0" indent="0" algn="ctr" defTabSz="311150">
+            <a:lnSpc>
+              <a:spcPct val="90000"/>
+            </a:lnSpc>
+            <a:spcBef>
+              <a:spcPct val="0"/>
+            </a:spcBef>
+            <a:spcAft>
+              <a:spcPct val="35000"/>
+            </a:spcAft>
+            <a:buNone/>
+          </a:pPr>
+          <a:r>
+            <a:rPr lang="fr-FR" sz="700" kern="1200" dirty="0"/>
+            <a:t>8.2 Slack</a:t>
+          </a:r>
+        </a:p>
+      </dsp:txBody>
+      <dsp:txXfrm>
+        <a:off x="10187889" y="2148093"/>
+        <a:ext cx="677845" cy="338922"/>
+      </dsp:txXfrm>
+    </dsp:sp>
+    <dsp:sp modelId="{19D26EF5-43A7-40A5-AE3E-A423FD1BD461}">
+      <dsp:nvSpPr>
+        <dsp:cNvPr id="0" name=""/>
+        <dsp:cNvSpPr/>
+      </dsp:nvSpPr>
+      <dsp:spPr>
+        <a:xfrm>
+          <a:off x="10357350" y="2629363"/>
+          <a:ext cx="677845" cy="338922"/>
+        </a:xfrm>
+        <a:prstGeom prst="rect">
+          <a:avLst/>
+        </a:prstGeom>
+        <a:gradFill rotWithShape="0">
+          <a:gsLst>
+            <a:gs pos="0">
+              <a:schemeClr val="accent6">
+                <a:hueOff val="0"/>
+                <a:satOff val="0"/>
+                <a:lumOff val="0"/>
+                <a:alphaOff val="0"/>
+                <a:satMod val="103000"/>
+                <a:lumMod val="102000"/>
+                <a:tint val="94000"/>
+              </a:schemeClr>
+            </a:gs>
+            <a:gs pos="50000">
+              <a:schemeClr val="accent6">
+                <a:hueOff val="0"/>
+                <a:satOff val="0"/>
+                <a:lumOff val="0"/>
+                <a:alphaOff val="0"/>
+                <a:satMod val="110000"/>
+                <a:lumMod val="100000"/>
+                <a:shade val="100000"/>
+              </a:schemeClr>
+            </a:gs>
+            <a:gs pos="100000">
+              <a:schemeClr val="accent6">
+                <a:hueOff val="0"/>
+                <a:satOff val="0"/>
+                <a:lumOff val="0"/>
+                <a:alphaOff val="0"/>
+                <a:lumMod val="99000"/>
+                <a:satMod val="120000"/>
+                <a:shade val="78000"/>
+              </a:schemeClr>
+            </a:gs>
+          </a:gsLst>
+          <a:lin ang="5400000" scaled="0"/>
+        </a:gradFill>
+        <a:ln>
+          <a:noFill/>
+        </a:ln>
+        <a:effectLst>
+          <a:outerShdw blurRad="57150" dist="19050" dir="5400000" algn="ctr" rotWithShape="0">
+            <a:srgbClr val="000000">
+              <a:alpha val="63000"/>
+            </a:srgbClr>
+          </a:outerShdw>
+        </a:effectLst>
+      </dsp:spPr>
+      <dsp:style>
+        <a:lnRef idx="0">
+          <a:scrgbClr r="0" g="0" b="0"/>
+        </a:lnRef>
+        <a:fillRef idx="3">
+          <a:scrgbClr r="0" g="0" b="0"/>
+        </a:fillRef>
+        <a:effectRef idx="3">
+          <a:scrgbClr r="0" g="0" b="0"/>
+        </a:effectRef>
+        <a:fontRef idx="minor">
+          <a:schemeClr val="lt1"/>
+        </a:fontRef>
+      </dsp:style>
+      <dsp:txBody>
+        <a:bodyPr spcFirstLastPara="0" vert="horz" wrap="square" lIns="4445" tIns="4445" rIns="4445" bIns="4445" numCol="1" spcCol="1270" anchor="ctr" anchorCtr="0">
+          <a:noAutofit/>
+        </a:bodyPr>
+        <a:lstStyle/>
+        <a:p>
+          <a:pPr marL="0" lvl="0" indent="0" algn="ctr" defTabSz="311150">
+            <a:lnSpc>
+              <a:spcPct val="90000"/>
+            </a:lnSpc>
+            <a:spcBef>
+              <a:spcPct val="0"/>
+            </a:spcBef>
+            <a:spcAft>
+              <a:spcPct val="35000"/>
+            </a:spcAft>
+            <a:buNone/>
+          </a:pPr>
+          <a:r>
+            <a:rPr lang="fr-FR" sz="700" kern="1200" dirty="0"/>
+            <a:t>8.2.1 Communiquer</a:t>
+          </a:r>
+        </a:p>
+      </dsp:txBody>
+      <dsp:txXfrm>
+        <a:off x="10357350" y="2629363"/>
+        <a:ext cx="677845" cy="338922"/>
+      </dsp:txXfrm>
+    </dsp:sp>
+    <dsp:sp modelId="{A5894511-3461-4DB3-9EE2-B69FB5F31692}">
+      <dsp:nvSpPr>
+        <dsp:cNvPr id="0" name=""/>
+        <dsp:cNvSpPr/>
+      </dsp:nvSpPr>
+      <dsp:spPr>
+        <a:xfrm>
+          <a:off x="11008082" y="2148093"/>
+          <a:ext cx="677845" cy="338922"/>
+        </a:xfrm>
+        <a:prstGeom prst="rect">
+          <a:avLst/>
+        </a:prstGeom>
+        <a:gradFill rotWithShape="0">
+          <a:gsLst>
+            <a:gs pos="0">
+              <a:schemeClr val="accent5">
+                <a:hueOff val="0"/>
+                <a:satOff val="0"/>
+                <a:lumOff val="0"/>
+                <a:alphaOff val="0"/>
+                <a:satMod val="103000"/>
+                <a:lumMod val="102000"/>
+                <a:tint val="94000"/>
+              </a:schemeClr>
+            </a:gs>
+            <a:gs pos="50000">
+              <a:schemeClr val="accent5">
+                <a:hueOff val="0"/>
+                <a:satOff val="0"/>
+                <a:lumOff val="0"/>
+                <a:alphaOff val="0"/>
+                <a:satMod val="110000"/>
+                <a:lumMod val="100000"/>
+                <a:shade val="100000"/>
+              </a:schemeClr>
+            </a:gs>
+            <a:gs pos="100000">
+              <a:schemeClr val="accent5">
+                <a:hueOff val="0"/>
+                <a:satOff val="0"/>
+                <a:lumOff val="0"/>
+                <a:alphaOff val="0"/>
+                <a:lumMod val="99000"/>
+                <a:satMod val="120000"/>
+                <a:shade val="78000"/>
+              </a:schemeClr>
+            </a:gs>
+          </a:gsLst>
+          <a:lin ang="5400000" scaled="0"/>
+        </a:gradFill>
+        <a:ln>
+          <a:noFill/>
+        </a:ln>
+        <a:effectLst>
+          <a:outerShdw blurRad="57150" dist="19050" dir="5400000" algn="ctr" rotWithShape="0">
+            <a:srgbClr val="000000">
+              <a:alpha val="63000"/>
+            </a:srgbClr>
+          </a:outerShdw>
+        </a:effectLst>
+      </dsp:spPr>
+      <dsp:style>
+        <a:lnRef idx="0">
+          <a:scrgbClr r="0" g="0" b="0"/>
+        </a:lnRef>
+        <a:fillRef idx="3">
+          <a:scrgbClr r="0" g="0" b="0"/>
+        </a:fillRef>
+        <a:effectRef idx="3">
+          <a:scrgbClr r="0" g="0" b="0"/>
+        </a:effectRef>
+        <a:fontRef idx="minor">
+          <a:schemeClr val="lt1"/>
+        </a:fontRef>
+      </dsp:style>
+      <dsp:txBody>
+        <a:bodyPr spcFirstLastPara="0" vert="horz" wrap="square" lIns="4445" tIns="4445" rIns="4445" bIns="4445" numCol="1" spcCol="1270" anchor="ctr" anchorCtr="0">
+          <a:noAutofit/>
+        </a:bodyPr>
+        <a:lstStyle/>
+        <a:p>
+          <a:pPr marL="0" lvl="0" indent="0" algn="ctr" defTabSz="311150">
+            <a:lnSpc>
+              <a:spcPct val="90000"/>
+            </a:lnSpc>
+            <a:spcBef>
+              <a:spcPct val="0"/>
+            </a:spcBef>
+            <a:spcAft>
+              <a:spcPct val="35000"/>
+            </a:spcAft>
+            <a:buNone/>
+          </a:pPr>
+          <a:r>
+            <a:rPr lang="fr-FR" sz="700" kern="1200" dirty="0"/>
+            <a:t>8.3 </a:t>
+          </a:r>
+          <a:r>
+            <a:rPr lang="fr-FR" sz="700" kern="1200" dirty="0" err="1"/>
+            <a:t>Github</a:t>
+          </a:r>
+          <a:endParaRPr lang="fr-FR" sz="700" kern="1200" dirty="0"/>
+        </a:p>
+      </dsp:txBody>
+      <dsp:txXfrm>
+        <a:off x="11008082" y="2148093"/>
+        <a:ext cx="677845" cy="338922"/>
+      </dsp:txXfrm>
+    </dsp:sp>
+    <dsp:sp modelId="{02106FE7-490F-4AEA-B90E-A413AC9ECCE1}">
+      <dsp:nvSpPr>
+        <dsp:cNvPr id="0" name=""/>
+        <dsp:cNvSpPr/>
+      </dsp:nvSpPr>
+      <dsp:spPr>
+        <a:xfrm>
+          <a:off x="11177544" y="2629363"/>
+          <a:ext cx="677845" cy="338922"/>
+        </a:xfrm>
+        <a:prstGeom prst="rect">
+          <a:avLst/>
+        </a:prstGeom>
+        <a:gradFill rotWithShape="0">
+          <a:gsLst>
+            <a:gs pos="0">
+              <a:schemeClr val="accent6">
+                <a:hueOff val="0"/>
+                <a:satOff val="0"/>
+                <a:lumOff val="0"/>
+                <a:alphaOff val="0"/>
+                <a:satMod val="103000"/>
+                <a:lumMod val="102000"/>
+                <a:tint val="94000"/>
+              </a:schemeClr>
+            </a:gs>
+            <a:gs pos="50000">
+              <a:schemeClr val="accent6">
+                <a:hueOff val="0"/>
+                <a:satOff val="0"/>
+                <a:lumOff val="0"/>
+                <a:alphaOff val="0"/>
+                <a:satMod val="110000"/>
+                <a:lumMod val="100000"/>
+                <a:shade val="100000"/>
+              </a:schemeClr>
+            </a:gs>
+            <a:gs pos="100000">
+              <a:schemeClr val="accent6">
+                <a:hueOff val="0"/>
+                <a:satOff val="0"/>
+                <a:lumOff val="0"/>
+                <a:alphaOff val="0"/>
+                <a:lumMod val="99000"/>
+                <a:satMod val="120000"/>
+                <a:shade val="78000"/>
+              </a:schemeClr>
+            </a:gs>
+          </a:gsLst>
+          <a:lin ang="5400000" scaled="0"/>
+        </a:gradFill>
+        <a:ln>
+          <a:noFill/>
+        </a:ln>
+        <a:effectLst>
+          <a:outerShdw blurRad="57150" dist="19050" dir="5400000" algn="ctr" rotWithShape="0">
+            <a:srgbClr val="000000">
+              <a:alpha val="63000"/>
+            </a:srgbClr>
+          </a:outerShdw>
+        </a:effectLst>
+      </dsp:spPr>
+      <dsp:style>
+        <a:lnRef idx="0">
+          <a:scrgbClr r="0" g="0" b="0"/>
+        </a:lnRef>
+        <a:fillRef idx="3">
+          <a:scrgbClr r="0" g="0" b="0"/>
+        </a:fillRef>
+        <a:effectRef idx="3">
+          <a:scrgbClr r="0" g="0" b="0"/>
+        </a:effectRef>
+        <a:fontRef idx="minor">
+          <a:schemeClr val="lt1"/>
+        </a:fontRef>
+      </dsp:style>
+      <dsp:txBody>
+        <a:bodyPr spcFirstLastPara="0" vert="horz" wrap="square" lIns="4445" tIns="4445" rIns="4445" bIns="4445" numCol="1" spcCol="1270" anchor="ctr" anchorCtr="0">
+          <a:noAutofit/>
+        </a:bodyPr>
+        <a:lstStyle/>
+        <a:p>
+          <a:pPr marL="0" lvl="0" indent="0" algn="ctr" defTabSz="311150">
+            <a:lnSpc>
+              <a:spcPct val="90000"/>
+            </a:lnSpc>
+            <a:spcBef>
+              <a:spcPct val="0"/>
+            </a:spcBef>
+            <a:spcAft>
+              <a:spcPct val="35000"/>
+            </a:spcAft>
+            <a:buNone/>
+          </a:pPr>
+          <a:r>
+            <a:rPr lang="fr-FR" sz="700" kern="1200" dirty="0"/>
+            <a:t>8.3.1 Crée le dépôt (git) avec  </a:t>
+          </a:r>
+          <a:r>
+            <a:rPr lang="fr-FR" sz="700" kern="1200" dirty="0" err="1"/>
+            <a:t>SourceTree</a:t>
+          </a:r>
+          <a:endParaRPr lang="fr-FR" sz="700" kern="1200" dirty="0"/>
+        </a:p>
+      </dsp:txBody>
+      <dsp:txXfrm>
+        <a:off x="11177544" y="2629363"/>
+        <a:ext cx="677845" cy="338922"/>
+      </dsp:txXfrm>
+    </dsp:sp>
+    <dsp:sp modelId="{12E17FCD-BC4D-49D0-9FD2-8D44E2D47A29}">
+      <dsp:nvSpPr>
+        <dsp:cNvPr id="0" name=""/>
+        <dsp:cNvSpPr/>
+      </dsp:nvSpPr>
+      <dsp:spPr>
+        <a:xfrm>
+          <a:off x="11177544" y="3110634"/>
+          <a:ext cx="677845" cy="338922"/>
+        </a:xfrm>
+        <a:prstGeom prst="rect">
+          <a:avLst/>
+        </a:prstGeom>
+        <a:gradFill rotWithShape="0">
+          <a:gsLst>
+            <a:gs pos="0">
+              <a:schemeClr val="accent6">
+                <a:hueOff val="0"/>
+                <a:satOff val="0"/>
+                <a:lumOff val="0"/>
+                <a:alphaOff val="0"/>
+                <a:satMod val="103000"/>
+                <a:lumMod val="102000"/>
+                <a:tint val="94000"/>
+              </a:schemeClr>
+            </a:gs>
+            <a:gs pos="50000">
+              <a:schemeClr val="accent6">
+                <a:hueOff val="0"/>
+                <a:satOff val="0"/>
+                <a:lumOff val="0"/>
+                <a:alphaOff val="0"/>
+                <a:satMod val="110000"/>
+                <a:lumMod val="100000"/>
+                <a:shade val="100000"/>
+              </a:schemeClr>
+            </a:gs>
+            <a:gs pos="100000">
+              <a:schemeClr val="accent6">
+                <a:hueOff val="0"/>
+                <a:satOff val="0"/>
+                <a:lumOff val="0"/>
+                <a:alphaOff val="0"/>
+                <a:lumMod val="99000"/>
+                <a:satMod val="120000"/>
+                <a:shade val="78000"/>
+              </a:schemeClr>
+            </a:gs>
+          </a:gsLst>
+          <a:lin ang="5400000" scaled="0"/>
+        </a:gradFill>
+        <a:ln>
+          <a:noFill/>
+        </a:ln>
+        <a:effectLst>
+          <a:outerShdw blurRad="57150" dist="19050" dir="5400000" algn="ctr" rotWithShape="0">
+            <a:srgbClr val="000000">
+              <a:alpha val="63000"/>
+            </a:srgbClr>
+          </a:outerShdw>
+        </a:effectLst>
+      </dsp:spPr>
+      <dsp:style>
+        <a:lnRef idx="0">
+          <a:scrgbClr r="0" g="0" b="0"/>
+        </a:lnRef>
+        <a:fillRef idx="3">
+          <a:scrgbClr r="0" g="0" b="0"/>
+        </a:fillRef>
+        <a:effectRef idx="3">
+          <a:scrgbClr r="0" g="0" b="0"/>
+        </a:effectRef>
+        <a:fontRef idx="minor">
+          <a:schemeClr val="lt1"/>
+        </a:fontRef>
+      </dsp:style>
+      <dsp:txBody>
+        <a:bodyPr spcFirstLastPara="0" vert="horz" wrap="square" lIns="4445" tIns="4445" rIns="4445" bIns="4445" numCol="1" spcCol="1270" anchor="ctr" anchorCtr="0">
+          <a:noAutofit/>
+        </a:bodyPr>
+        <a:lstStyle/>
+        <a:p>
+          <a:pPr marL="0" lvl="0" indent="0" algn="ctr" defTabSz="311150">
+            <a:lnSpc>
+              <a:spcPct val="90000"/>
+            </a:lnSpc>
+            <a:spcBef>
+              <a:spcPct val="0"/>
+            </a:spcBef>
+            <a:spcAft>
+              <a:spcPct val="35000"/>
+            </a:spcAft>
+            <a:buNone/>
+          </a:pPr>
+          <a:r>
+            <a:rPr lang="fr-FR" sz="700" kern="1200" dirty="0"/>
+            <a:t>8.3.2 Mettre à jour le dépôt avec </a:t>
+          </a:r>
+          <a:r>
+            <a:rPr lang="fr-FR" sz="700" kern="1200" dirty="0" err="1"/>
+            <a:t>SourceTree</a:t>
+          </a:r>
+          <a:endParaRPr lang="fr-FR" sz="700" kern="1200" dirty="0"/>
+        </a:p>
+      </dsp:txBody>
+      <dsp:txXfrm>
+        <a:off x="11177544" y="3110634"/>
+        <a:ext cx="677845" cy="338922"/>
       </dsp:txXfrm>
     </dsp:sp>
   </dsp:spTree>
@@ -13533,7 +16331,7 @@
           <a:p>
             <a:fld id="{64B73C2A-BDD4-4F85-B5D6-C7BCF7723D56}" type="datetimeFigureOut">
               <a:rPr lang="fr-FR" smtClean="0"/>
-              <a:t>26/10/2017</a:t>
+              <a:t>20/11/2017</a:t>
             </a:fld>
             <a:endParaRPr lang="fr-FR"/>
           </a:p>
@@ -13731,7 +16529,7 @@
           <a:p>
             <a:fld id="{64B73C2A-BDD4-4F85-B5D6-C7BCF7723D56}" type="datetimeFigureOut">
               <a:rPr lang="fr-FR" smtClean="0"/>
-              <a:t>26/10/2017</a:t>
+              <a:t>20/11/2017</a:t>
             </a:fld>
             <a:endParaRPr lang="fr-FR"/>
           </a:p>
@@ -13939,7 +16737,7 @@
           <a:p>
             <a:fld id="{64B73C2A-BDD4-4F85-B5D6-C7BCF7723D56}" type="datetimeFigureOut">
               <a:rPr lang="fr-FR" smtClean="0"/>
-              <a:t>26/10/2017</a:t>
+              <a:t>20/11/2017</a:t>
             </a:fld>
             <a:endParaRPr lang="fr-FR"/>
           </a:p>
@@ -14137,7 +16935,7 @@
           <a:p>
             <a:fld id="{64B73C2A-BDD4-4F85-B5D6-C7BCF7723D56}" type="datetimeFigureOut">
               <a:rPr lang="fr-FR" smtClean="0"/>
-              <a:t>26/10/2017</a:t>
+              <a:t>20/11/2017</a:t>
             </a:fld>
             <a:endParaRPr lang="fr-FR"/>
           </a:p>
@@ -14412,7 +17210,7 @@
           <a:p>
             <a:fld id="{64B73C2A-BDD4-4F85-B5D6-C7BCF7723D56}" type="datetimeFigureOut">
               <a:rPr lang="fr-FR" smtClean="0"/>
-              <a:t>26/10/2017</a:t>
+              <a:t>20/11/2017</a:t>
             </a:fld>
             <a:endParaRPr lang="fr-FR"/>
           </a:p>
@@ -14677,7 +17475,7 @@
           <a:p>
             <a:fld id="{64B73C2A-BDD4-4F85-B5D6-C7BCF7723D56}" type="datetimeFigureOut">
               <a:rPr lang="fr-FR" smtClean="0"/>
-              <a:t>26/10/2017</a:t>
+              <a:t>20/11/2017</a:t>
             </a:fld>
             <a:endParaRPr lang="fr-FR"/>
           </a:p>
@@ -15089,7 +17887,7 @@
           <a:p>
             <a:fld id="{64B73C2A-BDD4-4F85-B5D6-C7BCF7723D56}" type="datetimeFigureOut">
               <a:rPr lang="fr-FR" smtClean="0"/>
-              <a:t>26/10/2017</a:t>
+              <a:t>20/11/2017</a:t>
             </a:fld>
             <a:endParaRPr lang="fr-FR"/>
           </a:p>
@@ -15230,7 +18028,7 @@
           <a:p>
             <a:fld id="{64B73C2A-BDD4-4F85-B5D6-C7BCF7723D56}" type="datetimeFigureOut">
               <a:rPr lang="fr-FR" smtClean="0"/>
-              <a:t>26/10/2017</a:t>
+              <a:t>20/11/2017</a:t>
             </a:fld>
             <a:endParaRPr lang="fr-FR"/>
           </a:p>
@@ -15343,7 +18141,7 @@
           <a:p>
             <a:fld id="{64B73C2A-BDD4-4F85-B5D6-C7BCF7723D56}" type="datetimeFigureOut">
               <a:rPr lang="fr-FR" smtClean="0"/>
-              <a:t>26/10/2017</a:t>
+              <a:t>20/11/2017</a:t>
             </a:fld>
             <a:endParaRPr lang="fr-FR"/>
           </a:p>
@@ -15654,7 +18452,7 @@
           <a:p>
             <a:fld id="{64B73C2A-BDD4-4F85-B5D6-C7BCF7723D56}" type="datetimeFigureOut">
               <a:rPr lang="fr-FR" smtClean="0"/>
-              <a:t>26/10/2017</a:t>
+              <a:t>20/11/2017</a:t>
             </a:fld>
             <a:endParaRPr lang="fr-FR"/>
           </a:p>
@@ -15942,7 +18740,7 @@
           <a:p>
             <a:fld id="{64B73C2A-BDD4-4F85-B5D6-C7BCF7723D56}" type="datetimeFigureOut">
               <a:rPr lang="fr-FR" smtClean="0"/>
-              <a:t>26/10/2017</a:t>
+              <a:t>20/11/2017</a:t>
             </a:fld>
             <a:endParaRPr lang="fr-FR"/>
           </a:p>
@@ -16183,7 +18981,7 @@
           <a:p>
             <a:fld id="{64B73C2A-BDD4-4F85-B5D6-C7BCF7723D56}" type="datetimeFigureOut">
               <a:rPr lang="fr-FR" smtClean="0"/>
-              <a:t>26/10/2017</a:t>
+              <a:t>20/11/2017</a:t>
             </a:fld>
             <a:endParaRPr lang="fr-FR"/>
           </a:p>
@@ -16613,7 +19411,7 @@
           <p:nvPr>
             <p:extLst>
               <p:ext uri="{D42A27DB-BD31-4B8C-83A1-F6EECF244321}">
-                <p14:modId xmlns:p14="http://schemas.microsoft.com/office/powerpoint/2010/main" val="2403563240"/>
+                <p14:modId xmlns:p14="http://schemas.microsoft.com/office/powerpoint/2010/main" val="1038324505"/>
               </p:ext>
             </p:extLst>
           </p:nvPr>
